--- a/Excel Simulator Tips and Tricks.pptx
+++ b/Excel Simulator Tips and Tricks.pptx
@@ -5,42 +5,46 @@
     <p:sldMasterId id="2147483648" r:id="rId1"/>
   </p:sldMasterIdLst>
   <p:notesMasterIdLst>
-    <p:notesMasterId r:id="rId13"/>
+    <p:notesMasterId r:id="rId17"/>
   </p:notesMasterIdLst>
   <p:sldIdLst>
     <p:sldId id="265" r:id="rId2"/>
-    <p:sldId id="272" r:id="rId3"/>
-    <p:sldId id="269" r:id="rId4"/>
-    <p:sldId id="279" r:id="rId5"/>
-    <p:sldId id="280" r:id="rId6"/>
-    <p:sldId id="273" r:id="rId7"/>
-    <p:sldId id="274" r:id="rId8"/>
-    <p:sldId id="275" r:id="rId9"/>
-    <p:sldId id="270" r:id="rId10"/>
-    <p:sldId id="271" r:id="rId11"/>
-    <p:sldId id="267" r:id="rId12"/>
+    <p:sldId id="281" r:id="rId3"/>
+    <p:sldId id="272" r:id="rId4"/>
+    <p:sldId id="287" r:id="rId5"/>
+    <p:sldId id="269" r:id="rId6"/>
+    <p:sldId id="279" r:id="rId7"/>
+    <p:sldId id="283" r:id="rId8"/>
+    <p:sldId id="273" r:id="rId9"/>
+    <p:sldId id="274" r:id="rId10"/>
+    <p:sldId id="275" r:id="rId11"/>
+    <p:sldId id="282" r:id="rId12"/>
+    <p:sldId id="284" r:id="rId13"/>
+    <p:sldId id="285" r:id="rId14"/>
+    <p:sldId id="286" r:id="rId15"/>
+    <p:sldId id="267" r:id="rId16"/>
   </p:sldIdLst>
   <p:sldSz cx="12192000" cy="6858000"/>
   <p:notesSz cx="6858000" cy="9144000"/>
   <p:embeddedFontLst>
     <p:embeddedFont>
       <p:font typeface="Calibri" panose="020F0502020204030204" pitchFamily="34" charset="0"/>
-      <p:regular r:id="rId14"/>
-      <p:bold r:id="rId15"/>
-      <p:italic r:id="rId16"/>
-      <p:boldItalic r:id="rId17"/>
-    </p:embeddedFont>
-    <p:embeddedFont>
-      <p:font typeface="Source Sans Pro" panose="020B0503030403020204" pitchFamily="34" charset="0"/>
       <p:regular r:id="rId18"/>
       <p:bold r:id="rId19"/>
       <p:italic r:id="rId20"/>
       <p:boldItalic r:id="rId21"/>
     </p:embeddedFont>
     <p:embeddedFont>
+      <p:font typeface="Source Sans Pro" panose="020B0503030403020204" pitchFamily="34" charset="0"/>
+      <p:regular r:id="rId22"/>
+      <p:bold r:id="rId23"/>
+      <p:italic r:id="rId24"/>
+      <p:boldItalic r:id="rId25"/>
+    </p:embeddedFont>
+    <p:embeddedFont>
       <p:font typeface="Source Sans Pro Semibold" panose="020B0603030403020204" pitchFamily="34" charset="0"/>
-      <p:bold r:id="rId22"/>
-      <p:boldItalic r:id="rId23"/>
+      <p:bold r:id="rId26"/>
+      <p:boldItalic r:id="rId27"/>
     </p:embeddedFont>
   </p:embeddedFontLst>
   <p:defaultTextStyle>
@@ -146,6 +150,32 @@
 </p:presentation>
 </file>
 
+<file path=ppt/commentAuthors.xml><?xml version="1.0" encoding="utf-8"?>
+<p:cmAuthorLst xmlns:a="http://schemas.openxmlformats.org/drawingml/2006/main" xmlns:r="http://schemas.openxmlformats.org/officeDocument/2006/relationships" xmlns:p="http://schemas.openxmlformats.org/presentationml/2006/main">
+  <p:cmAuthor id="1" name="Kenneth Fairchild" initials="KF" lastIdx="1" clrIdx="0">
+    <p:extLst>
+      <p:ext uri="{19B8F6BF-5375-455C-9EA6-DF929625EA0E}">
+        <p15:presenceInfo xmlns:p15="http://schemas.microsoft.com/office/powerpoint/2012/main" userId="S-1-5-21-1688897741-1474885027-3190508300-1127" providerId="AD"/>
+      </p:ext>
+    </p:extLst>
+  </p:cmAuthor>
+</p:cmAuthorLst>
+</file>
+
+<file path=ppt/comments/comment1.xml><?xml version="1.0" encoding="utf-8"?>
+<p:cmLst xmlns:a="http://schemas.openxmlformats.org/drawingml/2006/main" xmlns:r="http://schemas.openxmlformats.org/officeDocument/2006/relationships" xmlns:p="http://schemas.openxmlformats.org/presentationml/2006/main">
+  <p:cm authorId="1" dt="2019-09-10T15:45:15.658" idx="1">
+    <p:pos x="10" y="10"/>
+    <p:text/>
+    <p:extLst>
+      <p:ext uri="{C676402C-5697-4E1C-873F-D02D1690AC5C}">
+        <p15:threadingInfo xmlns:p15="http://schemas.microsoft.com/office/powerpoint/2012/main" timeZoneBias="360"/>
+      </p:ext>
+    </p:extLst>
+  </p:cm>
+</p:cmLst>
+</file>
+
 <file path=ppt/notesMasters/notesMaster1.xml><?xml version="1.0" encoding="utf-8"?>
 <p:notesMaster xmlns:a="http://schemas.openxmlformats.org/drawingml/2006/main" xmlns:r="http://schemas.openxmlformats.org/officeDocument/2006/relationships" xmlns:p="http://schemas.openxmlformats.org/presentationml/2006/main">
   <p:cSld>
@@ -493,6 +523,93 @@
     </a:lvl9pPr>
   </p:notesStyle>
 </p:notesMaster>
+</file>
+
+<file path=ppt/notesSlides/notesSlide1.xml><?xml version="1.0" encoding="utf-8"?>
+<p:notes xmlns:a="http://schemas.openxmlformats.org/drawingml/2006/main" xmlns:r="http://schemas.openxmlformats.org/officeDocument/2006/relationships" xmlns:p="http://schemas.openxmlformats.org/presentationml/2006/main">
+  <p:cSld>
+    <p:spTree>
+      <p:nvGrpSpPr>
+        <p:cNvPr id="1" name=""/>
+        <p:cNvGrpSpPr/>
+        <p:nvPr/>
+      </p:nvGrpSpPr>
+      <p:grpSpPr>
+        <a:xfrm>
+          <a:off x="0" y="0"/>
+          <a:ext cx="0" cy="0"/>
+          <a:chOff x="0" y="0"/>
+          <a:chExt cx="0" cy="0"/>
+        </a:xfrm>
+      </p:grpSpPr>
+      <p:sp>
+        <p:nvSpPr>
+          <p:cNvPr id="2" name="Slide Image Placeholder 1"/>
+          <p:cNvSpPr>
+            <a:spLocks noGrp="1" noRot="1" noChangeAspect="1"/>
+          </p:cNvSpPr>
+          <p:nvPr>
+            <p:ph type="sldImg"/>
+          </p:nvPr>
+        </p:nvSpPr>
+        <p:spPr/>
+      </p:sp>
+      <p:sp>
+        <p:nvSpPr>
+          <p:cNvPr id="3" name="Notes Placeholder 2"/>
+          <p:cNvSpPr>
+            <a:spLocks noGrp="1"/>
+          </p:cNvSpPr>
+          <p:nvPr>
+            <p:ph type="body" idx="1"/>
+          </p:nvPr>
+        </p:nvSpPr>
+        <p:spPr/>
+        <p:txBody>
+          <a:bodyPr/>
+          <a:lstStyle/>
+          <a:p>
+            <a:r>
+              <a:rPr lang="en-US" dirty="0"/>
+              <a:t>Average share of preference is just the average over each respondent’s share of preference.</a:t>
+            </a:r>
+          </a:p>
+        </p:txBody>
+      </p:sp>
+      <p:sp>
+        <p:nvSpPr>
+          <p:cNvPr id="4" name="Slide Number Placeholder 3"/>
+          <p:cNvSpPr>
+            <a:spLocks noGrp="1"/>
+          </p:cNvSpPr>
+          <p:nvPr>
+            <p:ph type="sldNum" sz="quarter" idx="5"/>
+          </p:nvPr>
+        </p:nvSpPr>
+        <p:spPr/>
+        <p:txBody>
+          <a:bodyPr/>
+          <a:lstStyle/>
+          <a:p>
+            <a:fld id="{0629C32D-7E7A-494A-BA47-051E64BDE12D}" type="slidenum">
+              <a:rPr lang="en-US" smtClean="0"/>
+              <a:t>6</a:t>
+            </a:fld>
+            <a:endParaRPr lang="en-US"/>
+          </a:p>
+        </p:txBody>
+      </p:sp>
+    </p:spTree>
+    <p:extLst>
+      <p:ext uri="{BB962C8B-B14F-4D97-AF65-F5344CB8AC3E}">
+        <p14:creationId xmlns:p14="http://schemas.microsoft.com/office/powerpoint/2010/main" val="2271242874"/>
+      </p:ext>
+    </p:extLst>
+  </p:cSld>
+  <p:clrMapOvr>
+    <a:masterClrMapping/>
+  </p:clrMapOvr>
+</p:notes>
 </file>
 
 <file path=ppt/slideLayouts/slideLayout1.xml><?xml version="1.0" encoding="utf-8"?>
@@ -5273,7 +5390,7 @@
           <a:p>
             <a:r>
               <a:rPr lang="en-US" dirty="0"/>
-              <a:t>Presentation Title</a:t>
+              <a:t>Excel Simulator Tips &amp; Tricks</a:t>
             </a:r>
           </a:p>
         </p:txBody>
@@ -5352,10 +5469,40 @@
       </p:grpSpPr>
       <p:sp>
         <p:nvSpPr>
-          <p:cNvPr id="2" name="Text Placeholder 1">
-            <a:extLst>
-              <a:ext uri="{FF2B5EF4-FFF2-40B4-BE49-F238E27FC236}">
-                <a16:creationId xmlns:a16="http://schemas.microsoft.com/office/drawing/2014/main" id="{695F96CE-D69B-49DA-ACDB-DA80F838775B}"/>
+          <p:cNvPr id="5" name="Title 4">
+            <a:extLst>
+              <a:ext uri="{FF2B5EF4-FFF2-40B4-BE49-F238E27FC236}">
+                <a16:creationId xmlns:a16="http://schemas.microsoft.com/office/drawing/2014/main" id="{EFD6FED5-482C-4D3A-8839-736C514EE8A4}"/>
+              </a:ext>
+            </a:extLst>
+          </p:cNvPr>
+          <p:cNvSpPr>
+            <a:spLocks noGrp="1"/>
+          </p:cNvSpPr>
+          <p:nvPr>
+            <p:ph type="title"/>
+          </p:nvPr>
+        </p:nvSpPr>
+        <p:spPr/>
+        <p:txBody>
+          <a:bodyPr>
+            <a:normAutofit fontScale="90000"/>
+          </a:bodyPr>
+          <a:lstStyle/>
+          <a:p>
+            <a:r>
+              <a:rPr lang="en-US" dirty="0"/>
+              <a:t>Segmentation and Weighting – Review Averages</a:t>
+            </a:r>
+          </a:p>
+        </p:txBody>
+      </p:sp>
+      <p:sp>
+        <p:nvSpPr>
+          <p:cNvPr id="6" name="Text Placeholder 5">
+            <a:extLst>
+              <a:ext uri="{FF2B5EF4-FFF2-40B4-BE49-F238E27FC236}">
+                <a16:creationId xmlns:a16="http://schemas.microsoft.com/office/drawing/2014/main" id="{CCF8D961-26CA-4A79-A9EF-DC7C9F441911}"/>
               </a:ext>
             </a:extLst>
           </p:cNvPr>
@@ -5373,552 +5520,11 @@
           <a:p>
             <a:r>
               <a:rPr lang="en-US" dirty="0"/>
-              <a:t>Lorem ipsum dolor sit </a:t>
-            </a:r>
-            <a:r>
-              <a:rPr lang="en-US" dirty="0" err="1"/>
-              <a:t>amet</a:t>
-            </a:r>
-            <a:r>
-              <a:rPr lang="en-US" dirty="0"/>
-              <a:t>, </a:t>
-            </a:r>
-            <a:r>
-              <a:rPr lang="en-US" dirty="0" err="1"/>
-              <a:t>consectetur</a:t>
-            </a:r>
-            <a:r>
-              <a:rPr lang="en-US" dirty="0"/>
-              <a:t> </a:t>
-            </a:r>
-            <a:r>
-              <a:rPr lang="en-US" dirty="0" err="1"/>
-              <a:t>adipiscing</a:t>
-            </a:r>
-            <a:r>
-              <a:rPr lang="en-US" dirty="0"/>
-              <a:t> </a:t>
-            </a:r>
-            <a:r>
-              <a:rPr lang="en-US" dirty="0" err="1"/>
-              <a:t>elit</a:t>
-            </a:r>
-            <a:r>
-              <a:rPr lang="en-US" dirty="0"/>
-              <a:t>. </a:t>
-            </a:r>
-            <a:r>
-              <a:rPr lang="en-US" dirty="0" err="1"/>
-              <a:t>Vivamus</a:t>
-            </a:r>
-            <a:r>
-              <a:rPr lang="en-US" dirty="0"/>
-              <a:t> </a:t>
-            </a:r>
-            <a:r>
-              <a:rPr lang="en-US" dirty="0" err="1"/>
-              <a:t>ut</a:t>
-            </a:r>
-            <a:r>
-              <a:rPr lang="en-US" dirty="0"/>
-              <a:t> </a:t>
-            </a:r>
-            <a:r>
-              <a:rPr lang="en-US" dirty="0" err="1"/>
-              <a:t>blandit</a:t>
-            </a:r>
-            <a:r>
-              <a:rPr lang="en-US" dirty="0"/>
-              <a:t> mi. </a:t>
-            </a:r>
-            <a:r>
-              <a:rPr lang="en-US" dirty="0" err="1"/>
-              <a:t>Suspendisse</a:t>
-            </a:r>
-            <a:r>
-              <a:rPr lang="en-US" dirty="0"/>
-              <a:t> </a:t>
-            </a:r>
-            <a:r>
-              <a:rPr lang="en-US" dirty="0" err="1"/>
-              <a:t>potenti</a:t>
-            </a:r>
-            <a:r>
-              <a:rPr lang="en-US" dirty="0"/>
-              <a:t>. </a:t>
-            </a:r>
-            <a:r>
-              <a:rPr lang="en-US" dirty="0" err="1"/>
-              <a:t>Phasellus</a:t>
-            </a:r>
-            <a:r>
-              <a:rPr lang="en-US" dirty="0"/>
-              <a:t> </a:t>
-            </a:r>
-            <a:r>
-              <a:rPr lang="en-US" dirty="0" err="1"/>
-              <a:t>aliquet</a:t>
-            </a:r>
-            <a:r>
-              <a:rPr lang="en-US" dirty="0"/>
-              <a:t> </a:t>
-            </a:r>
-            <a:r>
-              <a:rPr lang="en-US" dirty="0" err="1"/>
-              <a:t>sollicitudin</a:t>
-            </a:r>
-            <a:r>
-              <a:rPr lang="en-US" dirty="0"/>
-              <a:t> </a:t>
-            </a:r>
-            <a:r>
-              <a:rPr lang="en-US" dirty="0" err="1"/>
-              <a:t>justo</a:t>
-            </a:r>
-            <a:r>
-              <a:rPr lang="en-US" dirty="0"/>
-              <a:t>, vitae </a:t>
-            </a:r>
-            <a:r>
-              <a:rPr lang="en-US" dirty="0" err="1"/>
-              <a:t>dignissim</a:t>
-            </a:r>
-            <a:r>
-              <a:rPr lang="en-US" dirty="0"/>
-              <a:t> </a:t>
-            </a:r>
-            <a:r>
-              <a:rPr lang="en-US" dirty="0" err="1"/>
-              <a:t>metus</a:t>
-            </a:r>
-            <a:r>
-              <a:rPr lang="en-US" dirty="0"/>
-              <a:t> </a:t>
-            </a:r>
-            <a:r>
-              <a:rPr lang="en-US" dirty="0" err="1"/>
-              <a:t>tincidunt</a:t>
-            </a:r>
-            <a:r>
-              <a:rPr lang="en-US" dirty="0"/>
-              <a:t> </a:t>
-            </a:r>
-            <a:r>
-              <a:rPr lang="en-US" dirty="0" err="1"/>
-              <a:t>ut.</a:t>
-            </a:r>
-            <a:r>
-              <a:rPr lang="en-US" dirty="0"/>
-              <a:t> Sed at </a:t>
-            </a:r>
-            <a:r>
-              <a:rPr lang="en-US" dirty="0" err="1"/>
-              <a:t>sagittis</a:t>
-            </a:r>
-            <a:r>
-              <a:rPr lang="en-US" dirty="0"/>
-              <a:t> </a:t>
-            </a:r>
-            <a:r>
-              <a:rPr lang="en-US" dirty="0" err="1"/>
-              <a:t>elit</a:t>
-            </a:r>
-            <a:r>
-              <a:rPr lang="en-US" dirty="0"/>
-              <a:t>. Morbi </a:t>
-            </a:r>
-            <a:r>
-              <a:rPr lang="en-US" dirty="0" err="1"/>
-              <a:t>nisl</a:t>
-            </a:r>
-            <a:r>
-              <a:rPr lang="en-US" dirty="0"/>
-              <a:t> </a:t>
-            </a:r>
-            <a:r>
-              <a:rPr lang="en-US" dirty="0" err="1"/>
-              <a:t>nunc</a:t>
-            </a:r>
-            <a:r>
-              <a:rPr lang="en-US" dirty="0"/>
-              <a:t>, </a:t>
-            </a:r>
-            <a:r>
-              <a:rPr lang="en-US" dirty="0" err="1"/>
-              <a:t>congue</a:t>
-            </a:r>
-            <a:r>
-              <a:rPr lang="en-US" dirty="0"/>
-              <a:t> sit </a:t>
-            </a:r>
-            <a:r>
-              <a:rPr lang="en-US" dirty="0" err="1"/>
-              <a:t>amet</a:t>
-            </a:r>
-            <a:r>
-              <a:rPr lang="en-US" dirty="0"/>
-              <a:t> </a:t>
-            </a:r>
-            <a:r>
-              <a:rPr lang="en-US" dirty="0" err="1"/>
-              <a:t>felis</a:t>
-            </a:r>
-            <a:r>
-              <a:rPr lang="en-US" dirty="0"/>
-              <a:t> </a:t>
-            </a:r>
-            <a:r>
-              <a:rPr lang="en-US" dirty="0" err="1"/>
-              <a:t>eu</a:t>
-            </a:r>
-            <a:r>
-              <a:rPr lang="en-US" dirty="0"/>
-              <a:t>, porta </a:t>
-            </a:r>
-            <a:r>
-              <a:rPr lang="en-US" dirty="0" err="1"/>
-              <a:t>mattis</a:t>
-            </a:r>
-            <a:r>
-              <a:rPr lang="en-US" dirty="0"/>
-              <a:t> dui. </a:t>
-            </a:r>
-            <a:r>
-              <a:rPr lang="en-US" dirty="0" err="1"/>
-              <a:t>Quisque</a:t>
-            </a:r>
-            <a:r>
-              <a:rPr lang="en-US" dirty="0"/>
-              <a:t> </a:t>
-            </a:r>
-            <a:r>
-              <a:rPr lang="en-US" dirty="0" err="1"/>
-              <a:t>odio</a:t>
-            </a:r>
-            <a:r>
-              <a:rPr lang="en-US" dirty="0"/>
-              <a:t> nisi, </a:t>
-            </a:r>
-            <a:r>
-              <a:rPr lang="en-US" dirty="0" err="1"/>
-              <a:t>facilisis</a:t>
-            </a:r>
-            <a:r>
-              <a:rPr lang="en-US" dirty="0"/>
-              <a:t> </a:t>
-            </a:r>
-            <a:r>
-              <a:rPr lang="en-US" dirty="0" err="1"/>
-              <a:t>nec</a:t>
-            </a:r>
-            <a:r>
-              <a:rPr lang="en-US" dirty="0"/>
-              <a:t> </a:t>
-            </a:r>
-            <a:r>
-              <a:rPr lang="en-US" dirty="0" err="1"/>
-              <a:t>euismod</a:t>
-            </a:r>
-            <a:r>
-              <a:rPr lang="en-US" dirty="0"/>
-              <a:t> vitae, </a:t>
-            </a:r>
-            <a:r>
-              <a:rPr lang="en-US" dirty="0" err="1"/>
-              <a:t>rutrum</a:t>
-            </a:r>
-            <a:r>
-              <a:rPr lang="en-US" dirty="0"/>
-              <a:t> </a:t>
-            </a:r>
-            <a:r>
-              <a:rPr lang="en-US" dirty="0" err="1"/>
-              <a:t>quis</a:t>
-            </a:r>
-            <a:r>
-              <a:rPr lang="en-US" dirty="0"/>
-              <a:t> </a:t>
-            </a:r>
-            <a:r>
-              <a:rPr lang="en-US" dirty="0" err="1"/>
-              <a:t>metus</a:t>
-            </a:r>
-            <a:r>
-              <a:rPr lang="en-US" dirty="0"/>
-              <a:t>. </a:t>
-            </a:r>
-            <a:r>
-              <a:rPr lang="en-US" dirty="0" err="1"/>
-              <a:t>Quisque</a:t>
-            </a:r>
-            <a:r>
-              <a:rPr lang="en-US" dirty="0"/>
-              <a:t> </a:t>
-            </a:r>
-            <a:r>
-              <a:rPr lang="en-US" dirty="0" err="1"/>
-              <a:t>urna</a:t>
-            </a:r>
-            <a:r>
-              <a:rPr lang="en-US" dirty="0"/>
-              <a:t> </a:t>
-            </a:r>
-            <a:r>
-              <a:rPr lang="en-US" dirty="0" err="1"/>
-              <a:t>eros</a:t>
-            </a:r>
-            <a:r>
-              <a:rPr lang="en-US" dirty="0"/>
-              <a:t>, </a:t>
-            </a:r>
-            <a:r>
-              <a:rPr lang="en-US" dirty="0" err="1"/>
-              <a:t>venenatis</a:t>
-            </a:r>
-            <a:r>
-              <a:rPr lang="en-US" dirty="0"/>
-              <a:t> a </a:t>
-            </a:r>
-            <a:r>
-              <a:rPr lang="en-US" dirty="0" err="1"/>
-              <a:t>euismod</a:t>
-            </a:r>
-            <a:r>
-              <a:rPr lang="en-US" dirty="0"/>
-              <a:t> in, </a:t>
-            </a:r>
-            <a:r>
-              <a:rPr lang="en-US" dirty="0" err="1"/>
-              <a:t>interdum</a:t>
-            </a:r>
-            <a:r>
-              <a:rPr lang="en-US" dirty="0"/>
-              <a:t> sed </a:t>
-            </a:r>
-            <a:r>
-              <a:rPr lang="en-US" dirty="0" err="1"/>
-              <a:t>orci</a:t>
-            </a:r>
-            <a:r>
-              <a:rPr lang="en-US" dirty="0"/>
-              <a:t>. </a:t>
-            </a:r>
-            <a:r>
-              <a:rPr lang="en-US" dirty="0" err="1"/>
-              <a:t>Etiam</a:t>
-            </a:r>
-            <a:r>
-              <a:rPr lang="en-US" dirty="0"/>
-              <a:t> </a:t>
-            </a:r>
-            <a:r>
-              <a:rPr lang="en-US" dirty="0" err="1"/>
-              <a:t>faucibus</a:t>
-            </a:r>
-            <a:r>
-              <a:rPr lang="en-US" dirty="0"/>
-              <a:t> ipsum libero, vitae </a:t>
-            </a:r>
-            <a:r>
-              <a:rPr lang="en-US" dirty="0" err="1"/>
-              <a:t>condimentum</a:t>
-            </a:r>
-            <a:r>
-              <a:rPr lang="en-US" dirty="0"/>
-              <a:t> </a:t>
-            </a:r>
-            <a:r>
-              <a:rPr lang="en-US" dirty="0" err="1"/>
-              <a:t>turpis</a:t>
-            </a:r>
-            <a:r>
-              <a:rPr lang="en-US" dirty="0"/>
-              <a:t> </a:t>
-            </a:r>
-            <a:r>
-              <a:rPr lang="en-US" dirty="0" err="1"/>
-              <a:t>auctor</a:t>
-            </a:r>
-            <a:r>
-              <a:rPr lang="en-US" dirty="0"/>
-              <a:t> et. </a:t>
-            </a:r>
-            <a:r>
-              <a:rPr lang="en-US" dirty="0" err="1"/>
-              <a:t>Proin</a:t>
-            </a:r>
-            <a:r>
-              <a:rPr lang="en-US" dirty="0"/>
-              <a:t> </a:t>
-            </a:r>
-            <a:r>
-              <a:rPr lang="en-US" dirty="0" err="1"/>
-              <a:t>condimentum</a:t>
-            </a:r>
-            <a:r>
-              <a:rPr lang="en-US" dirty="0"/>
-              <a:t> </a:t>
-            </a:r>
-            <a:r>
-              <a:rPr lang="en-US" dirty="0" err="1"/>
-              <a:t>condimentum</a:t>
-            </a:r>
-            <a:r>
-              <a:rPr lang="en-US" dirty="0"/>
-              <a:t> </a:t>
-            </a:r>
-            <a:r>
-              <a:rPr lang="en-US" dirty="0" err="1"/>
-              <a:t>nibh</a:t>
-            </a:r>
-            <a:r>
-              <a:rPr lang="en-US" dirty="0"/>
-              <a:t> </a:t>
-            </a:r>
-            <a:r>
-              <a:rPr lang="en-US" dirty="0" err="1"/>
-              <a:t>ornare</a:t>
-            </a:r>
-            <a:r>
-              <a:rPr lang="en-US" dirty="0"/>
-              <a:t> </a:t>
-            </a:r>
-            <a:r>
-              <a:rPr lang="en-US" dirty="0" err="1"/>
-              <a:t>rhoncus</a:t>
-            </a:r>
-            <a:r>
-              <a:rPr lang="en-US" dirty="0"/>
-              <a:t>. </a:t>
-            </a:r>
-            <a:r>
-              <a:rPr lang="en-US" dirty="0" err="1"/>
-              <a:t>Donec</a:t>
-            </a:r>
-            <a:r>
-              <a:rPr lang="en-US" dirty="0"/>
-              <a:t> pulvinar </a:t>
-            </a:r>
-            <a:r>
-              <a:rPr lang="en-US" dirty="0" err="1"/>
-              <a:t>elementum</a:t>
-            </a:r>
-            <a:r>
-              <a:rPr lang="en-US" dirty="0"/>
-              <a:t> </a:t>
-            </a:r>
-            <a:r>
-              <a:rPr lang="en-US" dirty="0" err="1"/>
-              <a:t>mauris</a:t>
-            </a:r>
-            <a:r>
-              <a:rPr lang="en-US" dirty="0"/>
-              <a:t>, in </a:t>
-            </a:r>
-            <a:r>
-              <a:rPr lang="en-US" dirty="0" err="1"/>
-              <a:t>porttitor</a:t>
-            </a:r>
-            <a:r>
-              <a:rPr lang="en-US" dirty="0"/>
-              <a:t> </a:t>
-            </a:r>
-            <a:r>
-              <a:rPr lang="en-US" dirty="0" err="1"/>
-              <a:t>orci</a:t>
-            </a:r>
-            <a:r>
-              <a:rPr lang="en-US" dirty="0"/>
-              <a:t> pharetra ac. </a:t>
-            </a:r>
-            <a:r>
-              <a:rPr lang="en-US" dirty="0" err="1"/>
-              <a:t>Donec</a:t>
-            </a:r>
-            <a:r>
-              <a:rPr lang="en-US" dirty="0"/>
-              <a:t> </a:t>
-            </a:r>
-            <a:r>
-              <a:rPr lang="en-US" dirty="0" err="1"/>
-              <a:t>leo</a:t>
-            </a:r>
-            <a:r>
-              <a:rPr lang="en-US" dirty="0"/>
-              <a:t> libero, </a:t>
-            </a:r>
-            <a:r>
-              <a:rPr lang="en-US" dirty="0" err="1"/>
-              <a:t>hendrerit</a:t>
-            </a:r>
-            <a:r>
-              <a:rPr lang="en-US" dirty="0"/>
-              <a:t> at </a:t>
-            </a:r>
-            <a:r>
-              <a:rPr lang="en-US" dirty="0" err="1"/>
-              <a:t>viverra</a:t>
-            </a:r>
-            <a:r>
-              <a:rPr lang="en-US" dirty="0"/>
-              <a:t> at, </a:t>
-            </a:r>
-            <a:r>
-              <a:rPr lang="en-US" dirty="0" err="1"/>
-              <a:t>mollis</a:t>
-            </a:r>
-            <a:r>
-              <a:rPr lang="en-US" dirty="0"/>
-              <a:t> </a:t>
-            </a:r>
-            <a:r>
-              <a:rPr lang="en-US" dirty="0" err="1"/>
-              <a:t>eu</a:t>
-            </a:r>
-            <a:r>
-              <a:rPr lang="en-US" dirty="0"/>
-              <a:t> </a:t>
-            </a:r>
-            <a:r>
-              <a:rPr lang="en-US" dirty="0" err="1"/>
-              <a:t>eros</a:t>
-            </a:r>
-            <a:r>
-              <a:rPr lang="en-US" dirty="0"/>
-              <a:t>. </a:t>
-            </a:r>
-          </a:p>
-        </p:txBody>
-      </p:sp>
-      <p:sp>
-        <p:nvSpPr>
-          <p:cNvPr id="3" name="Text Placeholder 2">
-            <a:extLst>
-              <a:ext uri="{FF2B5EF4-FFF2-40B4-BE49-F238E27FC236}">
-                <a16:creationId xmlns:a16="http://schemas.microsoft.com/office/drawing/2014/main" id="{2313C636-C6D3-4785-B897-B5900A50D664}"/>
-              </a:ext>
-            </a:extLst>
-          </p:cNvPr>
-          <p:cNvSpPr>
-            <a:spLocks noGrp="1"/>
-          </p:cNvSpPr>
-          <p:nvPr>
-            <p:ph type="body" sz="quarter" idx="12"/>
-          </p:nvPr>
-        </p:nvSpPr>
-        <p:spPr/>
-        <p:txBody>
-          <a:bodyPr/>
-          <a:lstStyle/>
-          <a:p>
-            <a:r>
-              <a:rPr lang="en-US" dirty="0" err="1"/>
-              <a:t>Natonius</a:t>
-            </a:r>
-            <a:r>
-              <a:rPr lang="en-US" dirty="0"/>
-              <a:t>, Greek Philosopher</a:t>
-            </a:r>
+              <a:t>Weighted Average with weights shown:</a:t>
+            </a:r>
+          </a:p>
+          <a:p>
+            <a:endParaRPr lang="en-US" dirty="0"/>
           </a:p>
         </p:txBody>
       </p:sp>
@@ -5927,7 +5533,7 @@
           <p:cNvPr id="4" name="Slide Number Placeholder 3">
             <a:extLst>
               <a:ext uri="{FF2B5EF4-FFF2-40B4-BE49-F238E27FC236}">
-                <a16:creationId xmlns:a16="http://schemas.microsoft.com/office/drawing/2014/main" id="{97F14C89-C015-45BA-BB72-C065BE89885F}"/>
+                <a16:creationId xmlns:a16="http://schemas.microsoft.com/office/drawing/2014/main" id="{AF82B9A4-ED7D-44BA-9ED1-A12C0E69A8CC}"/>
               </a:ext>
             </a:extLst>
           </p:cNvPr>
@@ -5952,10 +5558,57 @@
           </a:p>
         </p:txBody>
       </p:sp>
+      <p:pic>
+        <p:nvPicPr>
+          <p:cNvPr id="3074" name="Picture 2">
+            <a:extLst>
+              <a:ext uri="{FF2B5EF4-FFF2-40B4-BE49-F238E27FC236}">
+                <a16:creationId xmlns:a16="http://schemas.microsoft.com/office/drawing/2014/main" id="{9C0911D9-2AFD-4220-8935-29071AB1C3ED}"/>
+              </a:ext>
+            </a:extLst>
+          </p:cNvPr>
+          <p:cNvPicPr>
+            <a:picLocks noChangeAspect="1" noChangeArrowheads="1"/>
+          </p:cNvPicPr>
+          <p:nvPr/>
+        </p:nvPicPr>
+        <p:blipFill>
+          <a:blip r:embed="rId2">
+            <a:extLst>
+              <a:ext uri="{28A0092B-C50C-407E-A947-70E740481C1C}">
+                <a14:useLocalDpi xmlns:a14="http://schemas.microsoft.com/office/drawing/2010/main" val="0"/>
+              </a:ext>
+            </a:extLst>
+          </a:blip>
+          <a:srcRect/>
+          <a:stretch>
+            <a:fillRect/>
+          </a:stretch>
+        </p:blipFill>
+        <p:spPr bwMode="auto">
+          <a:xfrm>
+            <a:off x="2574131" y="2566884"/>
+            <a:ext cx="6953250" cy="3295650"/>
+          </a:xfrm>
+          <a:prstGeom prst="rect">
+            <a:avLst/>
+          </a:prstGeom>
+          <a:noFill/>
+          <a:extLst>
+            <a:ext uri="{909E8E84-426E-40DD-AFC4-6F175D3DCCD1}">
+              <a14:hiddenFill xmlns:a14="http://schemas.microsoft.com/office/drawing/2010/main">
+                <a:solidFill>
+                  <a:srgbClr val="FFFFFF"/>
+                </a:solidFill>
+              </a14:hiddenFill>
+            </a:ext>
+          </a:extLst>
+        </p:spPr>
+      </p:pic>
     </p:spTree>
     <p:extLst>
       <p:ext uri="{BB962C8B-B14F-4D97-AF65-F5344CB8AC3E}">
-        <p14:creationId xmlns:p14="http://schemas.microsoft.com/office/powerpoint/2010/main" val="870998172"/>
+        <p14:creationId xmlns:p14="http://schemas.microsoft.com/office/powerpoint/2010/main" val="513684691"/>
       </p:ext>
     </p:extLst>
   </p:cSld>
@@ -5984,18 +5637,48 @@
       </p:grpSpPr>
       <p:sp>
         <p:nvSpPr>
+          <p:cNvPr id="2" name="Title 1">
+            <a:extLst>
+              <a:ext uri="{FF2B5EF4-FFF2-40B4-BE49-F238E27FC236}">
+                <a16:creationId xmlns:a16="http://schemas.microsoft.com/office/drawing/2014/main" id="{36DCA713-615C-4277-AB75-D536E533B625}"/>
+              </a:ext>
+            </a:extLst>
+          </p:cNvPr>
+          <p:cNvSpPr>
+            <a:spLocks noGrp="1"/>
+          </p:cNvSpPr>
+          <p:nvPr>
+            <p:ph type="title"/>
+          </p:nvPr>
+        </p:nvSpPr>
+        <p:spPr/>
+        <p:txBody>
+          <a:bodyPr>
+            <a:normAutofit fontScale="90000"/>
+          </a:bodyPr>
+          <a:lstStyle/>
+          <a:p>
+            <a:r>
+              <a:rPr lang="en-US" dirty="0"/>
+              <a:t>Segmentation and Weighting – Segmentation	</a:t>
+            </a:r>
+          </a:p>
+        </p:txBody>
+      </p:sp>
+      <p:sp>
+        <p:nvSpPr>
           <p:cNvPr id="3" name="Text Placeholder 2">
             <a:extLst>
               <a:ext uri="{FF2B5EF4-FFF2-40B4-BE49-F238E27FC236}">
-                <a16:creationId xmlns:a16="http://schemas.microsoft.com/office/drawing/2014/main" id="{6CD85326-CDFC-4843-9EF5-A258E287B43E}"/>
-              </a:ext>
-            </a:extLst>
-          </p:cNvPr>
-          <p:cNvSpPr>
-            <a:spLocks noGrp="1"/>
-          </p:cNvSpPr>
-          <p:nvPr>
-            <p:ph type="body" sz="quarter" idx="10"/>
+                <a16:creationId xmlns:a16="http://schemas.microsoft.com/office/drawing/2014/main" id="{41EF2E60-A8B2-4610-A13A-5ACFEFEAC1DC}"/>
+              </a:ext>
+            </a:extLst>
+          </p:cNvPr>
+          <p:cNvSpPr>
+            <a:spLocks noGrp="1"/>
+          </p:cNvSpPr>
+          <p:nvPr>
+            <p:ph type="body" sz="quarter" idx="11"/>
           </p:nvPr>
         </p:nvSpPr>
         <p:spPr/>
@@ -6003,9 +5686,474 @@
           <a:bodyPr/>
           <a:lstStyle/>
           <a:p>
+            <a:endParaRPr lang="en-US" dirty="0"/>
+          </a:p>
+          <a:p>
             <a:r>
               <a:rPr lang="en-US" dirty="0"/>
-              <a:t>support@sawtoothsoftware.com</a:t>
+              <a:t>For building our simulators, segmentation is a matter of setting our weights equal to zero when the segment should be excluded.</a:t>
+            </a:r>
+          </a:p>
+        </p:txBody>
+      </p:sp>
+      <p:sp>
+        <p:nvSpPr>
+          <p:cNvPr id="4" name="Slide Number Placeholder 3">
+            <a:extLst>
+              <a:ext uri="{FF2B5EF4-FFF2-40B4-BE49-F238E27FC236}">
+                <a16:creationId xmlns:a16="http://schemas.microsoft.com/office/drawing/2014/main" id="{62816006-3A1E-4A4A-8782-9208D3590E81}"/>
+              </a:ext>
+            </a:extLst>
+          </p:cNvPr>
+          <p:cNvSpPr>
+            <a:spLocks noGrp="1"/>
+          </p:cNvSpPr>
+          <p:nvPr>
+            <p:ph type="sldNum" sz="quarter" idx="10"/>
+          </p:nvPr>
+        </p:nvSpPr>
+        <p:spPr/>
+        <p:txBody>
+          <a:bodyPr/>
+          <a:lstStyle/>
+          <a:p>
+            <a:fld id="{010B2668-03F4-4AF2-A4A7-833A47BBF1AE}" type="slidenum">
+              <a:rPr lang="en-US" smtClean="0"/>
+              <a:pPr/>
+              <a:t>11</a:t>
+            </a:fld>
+            <a:endParaRPr lang="en-US" dirty="0"/>
+          </a:p>
+        </p:txBody>
+      </p:sp>
+    </p:spTree>
+    <p:extLst>
+      <p:ext uri="{BB962C8B-B14F-4D97-AF65-F5344CB8AC3E}">
+        <p14:creationId xmlns:p14="http://schemas.microsoft.com/office/powerpoint/2010/main" val="3752827672"/>
+      </p:ext>
+    </p:extLst>
+  </p:cSld>
+  <p:clrMapOvr>
+    <a:masterClrMapping/>
+  </p:clrMapOvr>
+</p:sld>
+</file>
+
+<file path=ppt/slides/slide12.xml><?xml version="1.0" encoding="utf-8"?>
+<p:sld xmlns:a="http://schemas.openxmlformats.org/drawingml/2006/main" xmlns:r="http://schemas.openxmlformats.org/officeDocument/2006/relationships" xmlns:p="http://schemas.openxmlformats.org/presentationml/2006/main">
+  <p:cSld>
+    <p:spTree>
+      <p:nvGrpSpPr>
+        <p:cNvPr id="1" name=""/>
+        <p:cNvGrpSpPr/>
+        <p:nvPr/>
+      </p:nvGrpSpPr>
+      <p:grpSpPr>
+        <a:xfrm>
+          <a:off x="0" y="0"/>
+          <a:ext cx="0" cy="0"/>
+          <a:chOff x="0" y="0"/>
+          <a:chExt cx="0" cy="0"/>
+        </a:xfrm>
+      </p:grpSpPr>
+      <p:sp>
+        <p:nvSpPr>
+          <p:cNvPr id="2" name="Title 1">
+            <a:extLst>
+              <a:ext uri="{FF2B5EF4-FFF2-40B4-BE49-F238E27FC236}">
+                <a16:creationId xmlns:a16="http://schemas.microsoft.com/office/drawing/2014/main" id="{95F1FCD0-C05D-41B4-8FBD-EC77E889443F}"/>
+              </a:ext>
+            </a:extLst>
+          </p:cNvPr>
+          <p:cNvSpPr>
+            <a:spLocks noGrp="1"/>
+          </p:cNvSpPr>
+          <p:nvPr>
+            <p:ph type="title"/>
+          </p:nvPr>
+        </p:nvSpPr>
+        <p:spPr/>
+        <p:txBody>
+          <a:bodyPr/>
+          <a:lstStyle/>
+          <a:p>
+            <a:r>
+              <a:rPr lang="en-US" dirty="0"/>
+              <a:t>Style Considerations	</a:t>
+            </a:r>
+          </a:p>
+        </p:txBody>
+      </p:sp>
+      <p:sp>
+        <p:nvSpPr>
+          <p:cNvPr id="3" name="Text Placeholder 2">
+            <a:extLst>
+              <a:ext uri="{FF2B5EF4-FFF2-40B4-BE49-F238E27FC236}">
+                <a16:creationId xmlns:a16="http://schemas.microsoft.com/office/drawing/2014/main" id="{AB2F0E6B-80E9-423A-AB61-140A6CB20330}"/>
+              </a:ext>
+            </a:extLst>
+          </p:cNvPr>
+          <p:cNvSpPr>
+            <a:spLocks noGrp="1"/>
+          </p:cNvSpPr>
+          <p:nvPr>
+            <p:ph type="body" sz="quarter" idx="11"/>
+          </p:nvPr>
+        </p:nvSpPr>
+        <p:spPr/>
+        <p:txBody>
+          <a:bodyPr/>
+          <a:lstStyle/>
+          <a:p>
+            <a:endParaRPr lang="en-US"/>
+          </a:p>
+        </p:txBody>
+      </p:sp>
+      <p:sp>
+        <p:nvSpPr>
+          <p:cNvPr id="4" name="Slide Number Placeholder 3">
+            <a:extLst>
+              <a:ext uri="{FF2B5EF4-FFF2-40B4-BE49-F238E27FC236}">
+                <a16:creationId xmlns:a16="http://schemas.microsoft.com/office/drawing/2014/main" id="{D9792AF3-406C-4A1E-81B5-59D2D9135B2C}"/>
+              </a:ext>
+            </a:extLst>
+          </p:cNvPr>
+          <p:cNvSpPr>
+            <a:spLocks noGrp="1"/>
+          </p:cNvSpPr>
+          <p:nvPr>
+            <p:ph type="sldNum" sz="quarter" idx="10"/>
+          </p:nvPr>
+        </p:nvSpPr>
+        <p:spPr/>
+        <p:txBody>
+          <a:bodyPr/>
+          <a:lstStyle/>
+          <a:p>
+            <a:fld id="{010B2668-03F4-4AF2-A4A7-833A47BBF1AE}" type="slidenum">
+              <a:rPr lang="en-US" smtClean="0"/>
+              <a:pPr/>
+              <a:t>12</a:t>
+            </a:fld>
+            <a:endParaRPr lang="en-US" dirty="0"/>
+          </a:p>
+        </p:txBody>
+      </p:sp>
+    </p:spTree>
+    <p:extLst>
+      <p:ext uri="{BB962C8B-B14F-4D97-AF65-F5344CB8AC3E}">
+        <p14:creationId xmlns:p14="http://schemas.microsoft.com/office/powerpoint/2010/main" val="809941715"/>
+      </p:ext>
+    </p:extLst>
+  </p:cSld>
+  <p:clrMapOvr>
+    <a:masterClrMapping/>
+  </p:clrMapOvr>
+</p:sld>
+</file>
+
+<file path=ppt/slides/slide13.xml><?xml version="1.0" encoding="utf-8"?>
+<p:sld xmlns:a="http://schemas.openxmlformats.org/drawingml/2006/main" xmlns:r="http://schemas.openxmlformats.org/officeDocument/2006/relationships" xmlns:p="http://schemas.openxmlformats.org/presentationml/2006/main">
+  <p:cSld>
+    <p:spTree>
+      <p:nvGrpSpPr>
+        <p:cNvPr id="1" name=""/>
+        <p:cNvGrpSpPr/>
+        <p:nvPr/>
+      </p:nvGrpSpPr>
+      <p:grpSpPr>
+        <a:xfrm>
+          <a:off x="0" y="0"/>
+          <a:ext cx="0" cy="0"/>
+          <a:chOff x="0" y="0"/>
+          <a:chExt cx="0" cy="0"/>
+        </a:xfrm>
+      </p:grpSpPr>
+      <p:sp>
+        <p:nvSpPr>
+          <p:cNvPr id="2" name="Title 1">
+            <a:extLst>
+              <a:ext uri="{FF2B5EF4-FFF2-40B4-BE49-F238E27FC236}">
+                <a16:creationId xmlns:a16="http://schemas.microsoft.com/office/drawing/2014/main" id="{4B0703F3-E25F-4DF5-9DE5-540B61F934DF}"/>
+              </a:ext>
+            </a:extLst>
+          </p:cNvPr>
+          <p:cNvSpPr>
+            <a:spLocks noGrp="1"/>
+          </p:cNvSpPr>
+          <p:nvPr>
+            <p:ph type="title"/>
+          </p:nvPr>
+        </p:nvSpPr>
+        <p:spPr/>
+        <p:txBody>
+          <a:bodyPr/>
+          <a:lstStyle/>
+          <a:p>
+            <a:r>
+              <a:rPr lang="en-US" dirty="0"/>
+              <a:t>Array Formulas</a:t>
+            </a:r>
+          </a:p>
+        </p:txBody>
+      </p:sp>
+      <p:sp>
+        <p:nvSpPr>
+          <p:cNvPr id="3" name="Text Placeholder 2">
+            <a:extLst>
+              <a:ext uri="{FF2B5EF4-FFF2-40B4-BE49-F238E27FC236}">
+                <a16:creationId xmlns:a16="http://schemas.microsoft.com/office/drawing/2014/main" id="{0AF12800-EBA8-45DE-A1F6-8880A94440E1}"/>
+              </a:ext>
+            </a:extLst>
+          </p:cNvPr>
+          <p:cNvSpPr>
+            <a:spLocks noGrp="1"/>
+          </p:cNvSpPr>
+          <p:nvPr>
+            <p:ph type="body" sz="quarter" idx="11"/>
+          </p:nvPr>
+        </p:nvSpPr>
+        <p:spPr/>
+        <p:txBody>
+          <a:bodyPr/>
+          <a:lstStyle/>
+          <a:p>
+            <a:r>
+              <a:rPr lang="en-US" dirty="0"/>
+              <a:t>Allows operations on many cells at once</a:t>
+            </a:r>
+          </a:p>
+          <a:p>
+            <a:r>
+              <a:rPr lang="en-US" dirty="0"/>
+              <a:t>Allows ‘arrays’ of cells to operate on each other</a:t>
+            </a:r>
+          </a:p>
+          <a:p>
+            <a:r>
+              <a:rPr lang="en-US" dirty="0" err="1"/>
+              <a:t>Control+Shift+Enter</a:t>
+            </a:r>
+            <a:endParaRPr lang="en-US" dirty="0"/>
+          </a:p>
+          <a:p>
+            <a:r>
+              <a:rPr lang="en-US" dirty="0"/>
+              <a:t>F9</a:t>
+            </a:r>
+          </a:p>
+          <a:p>
+            <a:endParaRPr lang="en-US" dirty="0"/>
+          </a:p>
+          <a:p>
+            <a:endParaRPr lang="en-US" dirty="0"/>
+          </a:p>
+        </p:txBody>
+      </p:sp>
+      <p:sp>
+        <p:nvSpPr>
+          <p:cNvPr id="4" name="Slide Number Placeholder 3">
+            <a:extLst>
+              <a:ext uri="{FF2B5EF4-FFF2-40B4-BE49-F238E27FC236}">
+                <a16:creationId xmlns:a16="http://schemas.microsoft.com/office/drawing/2014/main" id="{3C400E39-EFDA-4BE9-B2CF-02CCBCC09ABD}"/>
+              </a:ext>
+            </a:extLst>
+          </p:cNvPr>
+          <p:cNvSpPr>
+            <a:spLocks noGrp="1"/>
+          </p:cNvSpPr>
+          <p:nvPr>
+            <p:ph type="sldNum" sz="quarter" idx="10"/>
+          </p:nvPr>
+        </p:nvSpPr>
+        <p:spPr/>
+        <p:txBody>
+          <a:bodyPr/>
+          <a:lstStyle/>
+          <a:p>
+            <a:fld id="{010B2668-03F4-4AF2-A4A7-833A47BBF1AE}" type="slidenum">
+              <a:rPr lang="en-US" smtClean="0"/>
+              <a:pPr/>
+              <a:t>13</a:t>
+            </a:fld>
+            <a:endParaRPr lang="en-US" dirty="0"/>
+          </a:p>
+        </p:txBody>
+      </p:sp>
+    </p:spTree>
+    <p:extLst>
+      <p:ext uri="{BB962C8B-B14F-4D97-AF65-F5344CB8AC3E}">
+        <p14:creationId xmlns:p14="http://schemas.microsoft.com/office/powerpoint/2010/main" val="442292445"/>
+      </p:ext>
+    </p:extLst>
+  </p:cSld>
+  <p:clrMapOvr>
+    <a:masterClrMapping/>
+  </p:clrMapOvr>
+</p:sld>
+</file>
+
+<file path=ppt/slides/slide14.xml><?xml version="1.0" encoding="utf-8"?>
+<p:sld xmlns:a="http://schemas.openxmlformats.org/drawingml/2006/main" xmlns:r="http://schemas.openxmlformats.org/officeDocument/2006/relationships" xmlns:p="http://schemas.openxmlformats.org/presentationml/2006/main">
+  <p:cSld>
+    <p:spTree>
+      <p:nvGrpSpPr>
+        <p:cNvPr id="1" name=""/>
+        <p:cNvGrpSpPr/>
+        <p:nvPr/>
+      </p:nvGrpSpPr>
+      <p:grpSpPr>
+        <a:xfrm>
+          <a:off x="0" y="0"/>
+          <a:ext cx="0" cy="0"/>
+          <a:chOff x="0" y="0"/>
+          <a:chExt cx="0" cy="0"/>
+        </a:xfrm>
+      </p:grpSpPr>
+      <p:sp>
+        <p:nvSpPr>
+          <p:cNvPr id="2" name="Title 1">
+            <a:extLst>
+              <a:ext uri="{FF2B5EF4-FFF2-40B4-BE49-F238E27FC236}">
+                <a16:creationId xmlns:a16="http://schemas.microsoft.com/office/drawing/2014/main" id="{87FAFA62-4295-4A71-AF0B-F3D8A43D696E}"/>
+              </a:ext>
+            </a:extLst>
+          </p:cNvPr>
+          <p:cNvSpPr>
+            <a:spLocks noGrp="1"/>
+          </p:cNvSpPr>
+          <p:nvPr>
+            <p:ph type="title"/>
+          </p:nvPr>
+        </p:nvSpPr>
+        <p:spPr/>
+        <p:txBody>
+          <a:bodyPr>
+            <a:normAutofit fontScale="90000"/>
+          </a:bodyPr>
+          <a:lstStyle/>
+          <a:p>
+            <a:r>
+              <a:rPr lang="en-US" dirty="0"/>
+              <a:t>Named Ranges – Reuse common cell selections</a:t>
+            </a:r>
+          </a:p>
+        </p:txBody>
+      </p:sp>
+      <p:sp>
+        <p:nvSpPr>
+          <p:cNvPr id="4" name="Slide Number Placeholder 3">
+            <a:extLst>
+              <a:ext uri="{FF2B5EF4-FFF2-40B4-BE49-F238E27FC236}">
+                <a16:creationId xmlns:a16="http://schemas.microsoft.com/office/drawing/2014/main" id="{CBF595E1-E5D0-4886-AACE-BFB91C2CA4E2}"/>
+              </a:ext>
+            </a:extLst>
+          </p:cNvPr>
+          <p:cNvSpPr>
+            <a:spLocks noGrp="1"/>
+          </p:cNvSpPr>
+          <p:nvPr>
+            <p:ph type="sldNum" sz="quarter" idx="10"/>
+          </p:nvPr>
+        </p:nvSpPr>
+        <p:spPr/>
+        <p:txBody>
+          <a:bodyPr/>
+          <a:lstStyle/>
+          <a:p>
+            <a:fld id="{010B2668-03F4-4AF2-A4A7-833A47BBF1AE}" type="slidenum">
+              <a:rPr lang="en-US" smtClean="0"/>
+              <a:pPr/>
+              <a:t>14</a:t>
+            </a:fld>
+            <a:endParaRPr lang="en-US" dirty="0"/>
+          </a:p>
+        </p:txBody>
+      </p:sp>
+      <p:pic>
+        <p:nvPicPr>
+          <p:cNvPr id="6" name="Picture 5">
+            <a:extLst>
+              <a:ext uri="{FF2B5EF4-FFF2-40B4-BE49-F238E27FC236}">
+                <a16:creationId xmlns:a16="http://schemas.microsoft.com/office/drawing/2014/main" id="{0E5893F2-C14C-4EAA-83EA-0F07A6CF4F53}"/>
+              </a:ext>
+            </a:extLst>
+          </p:cNvPr>
+          <p:cNvPicPr>
+            <a:picLocks noChangeAspect="1"/>
+          </p:cNvPicPr>
+          <p:nvPr/>
+        </p:nvPicPr>
+        <p:blipFill>
+          <a:blip r:embed="rId2"/>
+          <a:stretch>
+            <a:fillRect/>
+          </a:stretch>
+        </p:blipFill>
+        <p:spPr>
+          <a:xfrm>
+            <a:off x="2180305" y="1329299"/>
+            <a:ext cx="8330941" cy="4931017"/>
+          </a:xfrm>
+          <a:prstGeom prst="rect">
+            <a:avLst/>
+          </a:prstGeom>
+        </p:spPr>
+      </p:pic>
+    </p:spTree>
+    <p:extLst>
+      <p:ext uri="{BB962C8B-B14F-4D97-AF65-F5344CB8AC3E}">
+        <p14:creationId xmlns:p14="http://schemas.microsoft.com/office/powerpoint/2010/main" val="379786197"/>
+      </p:ext>
+    </p:extLst>
+  </p:cSld>
+  <p:clrMapOvr>
+    <a:masterClrMapping/>
+  </p:clrMapOvr>
+</p:sld>
+</file>
+
+<file path=ppt/slides/slide15.xml><?xml version="1.0" encoding="utf-8"?>
+<p:sld xmlns:a="http://schemas.openxmlformats.org/drawingml/2006/main" xmlns:r="http://schemas.openxmlformats.org/officeDocument/2006/relationships" xmlns:p="http://schemas.openxmlformats.org/presentationml/2006/main">
+  <p:cSld>
+    <p:spTree>
+      <p:nvGrpSpPr>
+        <p:cNvPr id="1" name=""/>
+        <p:cNvGrpSpPr/>
+        <p:nvPr/>
+      </p:nvGrpSpPr>
+      <p:grpSpPr>
+        <a:xfrm>
+          <a:off x="0" y="0"/>
+          <a:ext cx="0" cy="0"/>
+          <a:chOff x="0" y="0"/>
+          <a:chExt cx="0" cy="0"/>
+        </a:xfrm>
+      </p:grpSpPr>
+      <p:sp>
+        <p:nvSpPr>
+          <p:cNvPr id="3" name="Text Placeholder 2">
+            <a:extLst>
+              <a:ext uri="{FF2B5EF4-FFF2-40B4-BE49-F238E27FC236}">
+                <a16:creationId xmlns:a16="http://schemas.microsoft.com/office/drawing/2014/main" id="{6CD85326-CDFC-4843-9EF5-A258E287B43E}"/>
+              </a:ext>
+            </a:extLst>
+          </p:cNvPr>
+          <p:cNvSpPr>
+            <a:spLocks noGrp="1"/>
+          </p:cNvSpPr>
+          <p:nvPr>
+            <p:ph type="body" sz="quarter" idx="10"/>
+          </p:nvPr>
+        </p:nvSpPr>
+        <p:spPr/>
+        <p:txBody>
+          <a:bodyPr/>
+          <a:lstStyle/>
+          <a:p>
+            <a:r>
+              <a:rPr lang="en-US" dirty="0"/>
+              <a:t>kenneth@sawtoothsoftware.com</a:t>
             </a:r>
           </a:p>
           <a:p>
@@ -6097,7 +6245,7 @@
           <p:cNvPr id="2" name="Title 1">
             <a:extLst>
               <a:ext uri="{FF2B5EF4-FFF2-40B4-BE49-F238E27FC236}">
-                <a16:creationId xmlns:a16="http://schemas.microsoft.com/office/drawing/2014/main" id="{35B0FE23-F5B7-4D61-ABDE-952E79F6DCB6}"/>
+                <a16:creationId xmlns:a16="http://schemas.microsoft.com/office/drawing/2014/main" id="{CF502D37-0F0C-4B2E-B6F1-0E3A50D91C91}"/>
               </a:ext>
             </a:extLst>
           </p:cNvPr>
@@ -6106,36 +6254,6 @@
           </p:cNvSpPr>
           <p:nvPr>
             <p:ph type="title"/>
-          </p:nvPr>
-        </p:nvSpPr>
-        <p:spPr/>
-        <p:txBody>
-          <a:bodyPr>
-            <a:normAutofit/>
-          </a:bodyPr>
-          <a:lstStyle/>
-          <a:p>
-            <a:r>
-              <a:rPr lang="en-US" dirty="0"/>
-              <a:t>Topics we’ll cover</a:t>
-            </a:r>
-          </a:p>
-        </p:txBody>
-      </p:sp>
-      <p:sp>
-        <p:nvSpPr>
-          <p:cNvPr id="3" name="Text Placeholder 2">
-            <a:extLst>
-              <a:ext uri="{FF2B5EF4-FFF2-40B4-BE49-F238E27FC236}">
-                <a16:creationId xmlns:a16="http://schemas.microsoft.com/office/drawing/2014/main" id="{F00EBF3E-E85D-429A-9FE7-B957B87DE669}"/>
-              </a:ext>
-            </a:extLst>
-          </p:cNvPr>
-          <p:cNvSpPr>
-            <a:spLocks noGrp="1"/>
-          </p:cNvSpPr>
-          <p:nvPr>
-            <p:ph type="body" sz="quarter" idx="11"/>
           </p:nvPr>
         </p:nvSpPr>
         <p:spPr/>
@@ -6145,40 +6263,38 @@
           <a:p>
             <a:r>
               <a:rPr lang="en-US" dirty="0"/>
-              <a:t>Essential Calculations</a:t>
-            </a:r>
-          </a:p>
-          <a:p>
-            <a:r>
-              <a:rPr lang="en-US" dirty="0"/>
-              <a:t>Segmentation and Weighting</a:t>
-            </a:r>
-          </a:p>
-          <a:p>
-            <a:r>
-              <a:rPr lang="en-US" dirty="0"/>
-              <a:t>Style Considerations</a:t>
-            </a:r>
-          </a:p>
-          <a:p>
-            <a:r>
-              <a:rPr lang="en-US" dirty="0"/>
-              <a:t>Array Formulas</a:t>
-            </a:r>
-          </a:p>
-          <a:p>
-            <a:r>
-              <a:rPr lang="en-US" dirty="0"/>
-              <a:t>Named Ranges</a:t>
-            </a:r>
-          </a:p>
-          <a:p>
-            <a:r>
-              <a:rPr lang="en-US" dirty="0"/>
-              <a:t>Putting it all Together</a:t>
-            </a:r>
-          </a:p>
-          <a:p>
+              <a:t>Additional Files</a:t>
+            </a:r>
+          </a:p>
+        </p:txBody>
+      </p:sp>
+      <p:sp>
+        <p:nvSpPr>
+          <p:cNvPr id="3" name="Text Placeholder 2">
+            <a:extLst>
+              <a:ext uri="{FF2B5EF4-FFF2-40B4-BE49-F238E27FC236}">
+                <a16:creationId xmlns:a16="http://schemas.microsoft.com/office/drawing/2014/main" id="{72F789A8-35FD-4DA2-8347-685E5F13958A}"/>
+              </a:ext>
+            </a:extLst>
+          </p:cNvPr>
+          <p:cNvSpPr>
+            <a:spLocks noGrp="1"/>
+          </p:cNvSpPr>
+          <p:nvPr>
+            <p:ph type="body" sz="quarter" idx="11"/>
+          </p:nvPr>
+        </p:nvSpPr>
+        <p:spPr/>
+        <p:txBody>
+          <a:bodyPr/>
+          <a:lstStyle/>
+          <a:p>
+            <a:r>
+              <a:rPr lang="en-US" dirty="0">
+                <a:hlinkClick r:id="rId2"/>
+              </a:rPr>
+              <a:t>https://github.com/kpfairchild/ExcelSimulator</a:t>
+            </a:r>
             <a:endParaRPr lang="en-US" dirty="0"/>
           </a:p>
         </p:txBody>
@@ -6188,7 +6304,7 @@
           <p:cNvPr id="4" name="Slide Number Placeholder 3">
             <a:extLst>
               <a:ext uri="{FF2B5EF4-FFF2-40B4-BE49-F238E27FC236}">
-                <a16:creationId xmlns:a16="http://schemas.microsoft.com/office/drawing/2014/main" id="{CF0A6089-3A74-40EE-85E0-759BDDA1D31E}"/>
+                <a16:creationId xmlns:a16="http://schemas.microsoft.com/office/drawing/2014/main" id="{92577EA7-9910-4810-93A6-5FF3CD7C4CD5}"/>
               </a:ext>
             </a:extLst>
           </p:cNvPr>
@@ -6216,7 +6332,7 @@
     </p:spTree>
     <p:extLst>
       <p:ext uri="{BB962C8B-B14F-4D97-AF65-F5344CB8AC3E}">
-        <p14:creationId xmlns:p14="http://schemas.microsoft.com/office/powerpoint/2010/main" val="4129805339"/>
+        <p14:creationId xmlns:p14="http://schemas.microsoft.com/office/powerpoint/2010/main" val="4215298468"/>
       </p:ext>
     </p:extLst>
   </p:cSld>
@@ -6248,7 +6364,7 @@
           <p:cNvPr id="2" name="Title 1">
             <a:extLst>
               <a:ext uri="{FF2B5EF4-FFF2-40B4-BE49-F238E27FC236}">
-                <a16:creationId xmlns:a16="http://schemas.microsoft.com/office/drawing/2014/main" id="{278CC4E3-307F-4BF4-837F-6D0DEBFC3915}"/>
+                <a16:creationId xmlns:a16="http://schemas.microsoft.com/office/drawing/2014/main" id="{35B0FE23-F5B7-4D61-ABDE-952E79F6DCB6}"/>
               </a:ext>
             </a:extLst>
           </p:cNvPr>
@@ -6257,34 +6373,6 @@
           </p:cNvSpPr>
           <p:nvPr>
             <p:ph type="title"/>
-          </p:nvPr>
-        </p:nvSpPr>
-        <p:spPr/>
-        <p:txBody>
-          <a:bodyPr/>
-          <a:lstStyle/>
-          <a:p>
-            <a:r>
-              <a:rPr lang="en-US" dirty="0"/>
-              <a:t>Essential Calculations</a:t>
-            </a:r>
-          </a:p>
-        </p:txBody>
-      </p:sp>
-      <p:sp>
-        <p:nvSpPr>
-          <p:cNvPr id="3" name="Text Placeholder 2">
-            <a:extLst>
-              <a:ext uri="{FF2B5EF4-FFF2-40B4-BE49-F238E27FC236}">
-                <a16:creationId xmlns:a16="http://schemas.microsoft.com/office/drawing/2014/main" id="{18697F6F-CCD3-4FAC-B98A-203BFE420BF2}"/>
-              </a:ext>
-            </a:extLst>
-          </p:cNvPr>
-          <p:cNvSpPr>
-            <a:spLocks noGrp="1"/>
-          </p:cNvSpPr>
-          <p:nvPr>
-            <p:ph type="body" sz="quarter" idx="11"/>
           </p:nvPr>
         </p:nvSpPr>
         <p:spPr/>
@@ -6296,7 +6384,73 @@
           <a:p>
             <a:r>
               <a:rPr lang="en-US" dirty="0"/>
-              <a:t>Total Utility Calculation</a:t>
+              <a:t>Topics we’ll cover</a:t>
+            </a:r>
+          </a:p>
+        </p:txBody>
+      </p:sp>
+      <p:sp>
+        <p:nvSpPr>
+          <p:cNvPr id="3" name="Text Placeholder 2">
+            <a:extLst>
+              <a:ext uri="{FF2B5EF4-FFF2-40B4-BE49-F238E27FC236}">
+                <a16:creationId xmlns:a16="http://schemas.microsoft.com/office/drawing/2014/main" id="{F00EBF3E-E85D-429A-9FE7-B957B87DE669}"/>
+              </a:ext>
+            </a:extLst>
+          </p:cNvPr>
+          <p:cNvSpPr>
+            <a:spLocks noGrp="1"/>
+          </p:cNvSpPr>
+          <p:nvPr>
+            <p:ph type="body" sz="quarter" idx="11"/>
+          </p:nvPr>
+        </p:nvSpPr>
+        <p:spPr/>
+        <p:txBody>
+          <a:bodyPr>
+            <a:normAutofit fontScale="92500" lnSpcReduction="10000"/>
+          </a:bodyPr>
+          <a:lstStyle/>
+          <a:p>
+            <a:r>
+              <a:rPr lang="en-US" dirty="0"/>
+              <a:t>Why Excel?</a:t>
+            </a:r>
+          </a:p>
+          <a:p>
+            <a:r>
+              <a:rPr lang="en-US" dirty="0"/>
+              <a:t>Essential Calculations</a:t>
+            </a:r>
+          </a:p>
+          <a:p>
+            <a:r>
+              <a:rPr lang="en-US" dirty="0"/>
+              <a:t>Segmentation and Weighting</a:t>
+            </a:r>
+          </a:p>
+          <a:p>
+            <a:r>
+              <a:rPr lang="en-US" dirty="0"/>
+              <a:t>Style Considerations</a:t>
+            </a:r>
+          </a:p>
+          <a:p>
+            <a:r>
+              <a:rPr lang="en-US" dirty="0"/>
+              <a:t>Array Formulas</a:t>
+            </a:r>
+          </a:p>
+          <a:p>
+            <a:r>
+              <a:rPr lang="en-US" dirty="0"/>
+              <a:t>Named Ranges</a:t>
+            </a:r>
+          </a:p>
+          <a:p>
+            <a:r>
+              <a:rPr lang="en-US" dirty="0"/>
+              <a:t>Putting it all Together</a:t>
             </a:r>
           </a:p>
           <a:p>
@@ -6309,7 +6463,7 @@
           <p:cNvPr id="4" name="Slide Number Placeholder 3">
             <a:extLst>
               <a:ext uri="{FF2B5EF4-FFF2-40B4-BE49-F238E27FC236}">
-                <a16:creationId xmlns:a16="http://schemas.microsoft.com/office/drawing/2014/main" id="{1A38EA18-7A14-48E8-9285-07BD8664B2B9}"/>
+                <a16:creationId xmlns:a16="http://schemas.microsoft.com/office/drawing/2014/main" id="{CF0A6089-3A74-40EE-85E0-759BDDA1D31E}"/>
               </a:ext>
             </a:extLst>
           </p:cNvPr>
@@ -6337,7 +6491,7 @@
     </p:spTree>
     <p:extLst>
       <p:ext uri="{BB962C8B-B14F-4D97-AF65-F5344CB8AC3E}">
-        <p14:creationId xmlns:p14="http://schemas.microsoft.com/office/powerpoint/2010/main" val="935496644"/>
+        <p14:creationId xmlns:p14="http://schemas.microsoft.com/office/powerpoint/2010/main" val="4129805339"/>
       </p:ext>
     </p:extLst>
   </p:cSld>
@@ -6369,7 +6523,7 @@
           <p:cNvPr id="2" name="Title 1">
             <a:extLst>
               <a:ext uri="{FF2B5EF4-FFF2-40B4-BE49-F238E27FC236}">
-                <a16:creationId xmlns:a16="http://schemas.microsoft.com/office/drawing/2014/main" id="{278CC4E3-307F-4BF4-837F-6D0DEBFC3915}"/>
+                <a16:creationId xmlns:a16="http://schemas.microsoft.com/office/drawing/2014/main" id="{4D41A463-4275-4E35-87A9-9AADF94A064A}"/>
               </a:ext>
             </a:extLst>
           </p:cNvPr>
@@ -6380,14 +6534,19 @@
             <p:ph type="title"/>
           </p:nvPr>
         </p:nvSpPr>
-        <p:spPr/>
+        <p:spPr>
+          <a:xfrm>
+            <a:off x="1000460" y="242682"/>
+            <a:ext cx="10101431" cy="1060092"/>
+          </a:xfrm>
+        </p:spPr>
         <p:txBody>
           <a:bodyPr/>
           <a:lstStyle/>
           <a:p>
             <a:r>
               <a:rPr lang="en-US" dirty="0"/>
-              <a:t>Essential Calculations</a:t>
+              <a:t>Why Excel?</a:t>
             </a:r>
           </a:p>
         </p:txBody>
@@ -6397,7 +6556,7 @@
           <p:cNvPr id="3" name="Text Placeholder 2">
             <a:extLst>
               <a:ext uri="{FF2B5EF4-FFF2-40B4-BE49-F238E27FC236}">
-                <a16:creationId xmlns:a16="http://schemas.microsoft.com/office/drawing/2014/main" id="{18697F6F-CCD3-4FAC-B98A-203BFE420BF2}"/>
+                <a16:creationId xmlns:a16="http://schemas.microsoft.com/office/drawing/2014/main" id="{9EA3F4C7-38E0-4693-B522-347E30E7251B}"/>
               </a:ext>
             </a:extLst>
           </p:cNvPr>
@@ -6417,10 +6576,54 @@
           <a:p>
             <a:r>
               <a:rPr lang="en-US" dirty="0"/>
-              <a:t>Share of Preference</a:t>
-            </a:r>
-          </a:p>
-          <a:p>
+              <a:t>We have lots of simulator options:</a:t>
+            </a:r>
+          </a:p>
+          <a:p>
+            <a:pPr marL="457200" indent="-457200">
+              <a:buFont typeface="Arial" panose="020B0604020202020204" pitchFamily="34" charset="0"/>
+              <a:buChar char="•"/>
+            </a:pPr>
+            <a:r>
+              <a:rPr lang="en-US" dirty="0"/>
+              <a:t>Lighthouse - Most powerful</a:t>
+            </a:r>
+          </a:p>
+          <a:p>
+            <a:pPr marL="457200" indent="-457200">
+              <a:buFont typeface="Arial" panose="020B0604020202020204" pitchFamily="34" charset="0"/>
+              <a:buChar char="•"/>
+            </a:pPr>
+            <a:r>
+              <a:rPr lang="en-US" dirty="0"/>
+              <a:t>sawtoothsimulator.com - Most online!</a:t>
+            </a:r>
+          </a:p>
+          <a:p>
+            <a:pPr marL="457200" indent="-457200">
+              <a:buFont typeface="Arial" panose="020B0604020202020204" pitchFamily="34" charset="0"/>
+              <a:buChar char="•"/>
+            </a:pPr>
+            <a:r>
+              <a:rPr lang="en-US" dirty="0"/>
+              <a:t>Lighthouse Excel export - Easy option, less flexible, not client ready</a:t>
+            </a:r>
+          </a:p>
+          <a:p>
+            <a:pPr marL="457200" indent="-457200">
+              <a:buFont typeface="Arial" panose="020B0604020202020204" pitchFamily="34" charset="0"/>
+              <a:buChar char="•"/>
+            </a:pPr>
+            <a:r>
+              <a:rPr lang="en-US" dirty="0"/>
+              <a:t>Custom Excel Simulator – Fully customizable, easy to give to clients</a:t>
+            </a:r>
+          </a:p>
+          <a:p>
+            <a:pPr marL="457200" indent="-457200">
+              <a:buFont typeface="Arial" panose="020B0604020202020204" pitchFamily="34" charset="0"/>
+              <a:buChar char="•"/>
+            </a:pPr>
             <a:endParaRPr lang="en-US" dirty="0"/>
           </a:p>
         </p:txBody>
@@ -6430,7 +6633,7 @@
           <p:cNvPr id="4" name="Slide Number Placeholder 3">
             <a:extLst>
               <a:ext uri="{FF2B5EF4-FFF2-40B4-BE49-F238E27FC236}">
-                <a16:creationId xmlns:a16="http://schemas.microsoft.com/office/drawing/2014/main" id="{1A38EA18-7A14-48E8-9285-07BD8664B2B9}"/>
+                <a16:creationId xmlns:a16="http://schemas.microsoft.com/office/drawing/2014/main" id="{5B7433F2-EAB1-4C10-B9B1-791DF1571196}"/>
               </a:ext>
             </a:extLst>
           </p:cNvPr>
@@ -6458,7 +6661,7 @@
     </p:spTree>
     <p:extLst>
       <p:ext uri="{BB962C8B-B14F-4D97-AF65-F5344CB8AC3E}">
-        <p14:creationId xmlns:p14="http://schemas.microsoft.com/office/powerpoint/2010/main" val="2935214854"/>
+        <p14:creationId xmlns:p14="http://schemas.microsoft.com/office/powerpoint/2010/main" val="3816925926"/>
       </p:ext>
     </p:extLst>
   </p:cSld>
@@ -6538,7 +6741,19 @@
           <a:p>
             <a:r>
               <a:rPr lang="en-US" dirty="0"/>
-              <a:t>First Choice</a:t>
+              <a:t>Total Utility Calculation:</a:t>
+            </a:r>
+          </a:p>
+          <a:p>
+            <a:endParaRPr lang="en-US" dirty="0"/>
+          </a:p>
+          <a:p>
+            <a:endParaRPr lang="en-US" dirty="0"/>
+          </a:p>
+          <a:p>
+            <a:r>
+              <a:rPr lang="en-US" dirty="0"/>
+              <a:t>Share of Preference:</a:t>
             </a:r>
           </a:p>
           <a:p>
@@ -6576,10 +6791,104 @@
           </a:p>
         </p:txBody>
       </p:sp>
+      <p:pic>
+        <p:nvPicPr>
+          <p:cNvPr id="1028" name="Picture 4">
+            <a:extLst>
+              <a:ext uri="{FF2B5EF4-FFF2-40B4-BE49-F238E27FC236}">
+                <a16:creationId xmlns:a16="http://schemas.microsoft.com/office/drawing/2014/main" id="{2E7CEE31-1A77-47B3-97F1-375C1BB95910}"/>
+              </a:ext>
+            </a:extLst>
+          </p:cNvPr>
+          <p:cNvPicPr>
+            <a:picLocks noChangeAspect="1" noChangeArrowheads="1"/>
+          </p:cNvPicPr>
+          <p:nvPr/>
+        </p:nvPicPr>
+        <p:blipFill>
+          <a:blip r:embed="rId2">
+            <a:extLst>
+              <a:ext uri="{28A0092B-C50C-407E-A947-70E740481C1C}">
+                <a14:useLocalDpi xmlns:a14="http://schemas.microsoft.com/office/drawing/2010/main" val="0"/>
+              </a:ext>
+            </a:extLst>
+          </a:blip>
+          <a:srcRect/>
+          <a:stretch>
+            <a:fillRect/>
+          </a:stretch>
+        </p:blipFill>
+        <p:spPr bwMode="auto">
+          <a:xfrm>
+            <a:off x="2172880" y="4504933"/>
+            <a:ext cx="7477125" cy="1019175"/>
+          </a:xfrm>
+          <a:prstGeom prst="rect">
+            <a:avLst/>
+          </a:prstGeom>
+          <a:noFill/>
+          <a:extLst>
+            <a:ext uri="{909E8E84-426E-40DD-AFC4-6F175D3DCCD1}">
+              <a14:hiddenFill xmlns:a14="http://schemas.microsoft.com/office/drawing/2010/main">
+                <a:solidFill>
+                  <a:srgbClr val="FFFFFF"/>
+                </a:solidFill>
+              </a14:hiddenFill>
+            </a:ext>
+          </a:extLst>
+        </p:spPr>
+      </p:pic>
+      <p:pic>
+        <p:nvPicPr>
+          <p:cNvPr id="1032" name="Picture 8">
+            <a:extLst>
+              <a:ext uri="{FF2B5EF4-FFF2-40B4-BE49-F238E27FC236}">
+                <a16:creationId xmlns:a16="http://schemas.microsoft.com/office/drawing/2014/main" id="{6889DEAE-0DCE-4266-A8C9-CDF9B3D94AB5}"/>
+              </a:ext>
+            </a:extLst>
+          </p:cNvPr>
+          <p:cNvPicPr>
+            <a:picLocks noChangeAspect="1" noChangeArrowheads="1"/>
+          </p:cNvPicPr>
+          <p:nvPr/>
+        </p:nvPicPr>
+        <p:blipFill>
+          <a:blip r:embed="rId3">
+            <a:extLst>
+              <a:ext uri="{28A0092B-C50C-407E-A947-70E740481C1C}">
+                <a14:useLocalDpi xmlns:a14="http://schemas.microsoft.com/office/drawing/2010/main" val="0"/>
+              </a:ext>
+            </a:extLst>
+          </a:blip>
+          <a:srcRect/>
+          <a:stretch>
+            <a:fillRect/>
+          </a:stretch>
+        </p:blipFill>
+        <p:spPr bwMode="auto">
+          <a:xfrm>
+            <a:off x="1873104" y="2353681"/>
+            <a:ext cx="9620250" cy="447675"/>
+          </a:xfrm>
+          <a:prstGeom prst="rect">
+            <a:avLst/>
+          </a:prstGeom>
+          <a:noFill/>
+          <a:extLst>
+            <a:ext uri="{909E8E84-426E-40DD-AFC4-6F175D3DCCD1}">
+              <a14:hiddenFill xmlns:a14="http://schemas.microsoft.com/office/drawing/2010/main">
+                <a:solidFill>
+                  <a:srgbClr val="FFFFFF"/>
+                </a:solidFill>
+              </a14:hiddenFill>
+            </a:ext>
+          </a:extLst>
+        </p:spPr>
+      </p:pic>
     </p:spTree>
     <p:extLst>
       <p:ext uri="{BB962C8B-B14F-4D97-AF65-F5344CB8AC3E}">
-        <p14:creationId xmlns:p14="http://schemas.microsoft.com/office/powerpoint/2010/main" val="2810655403"/>
+        <p14:creationId xmlns:p14="http://schemas.microsoft.com/office/powerpoint/2010/main" val="935496644"/>
       </p:ext>
     </p:extLst>
   </p:cSld>
@@ -6608,10 +6917,10 @@
       </p:grpSpPr>
       <p:sp>
         <p:nvSpPr>
-          <p:cNvPr id="5" name="Title 4">
-            <a:extLst>
-              <a:ext uri="{FF2B5EF4-FFF2-40B4-BE49-F238E27FC236}">
-                <a16:creationId xmlns:a16="http://schemas.microsoft.com/office/drawing/2014/main" id="{EFD6FED5-482C-4D3A-8839-736C514EE8A4}"/>
+          <p:cNvPr id="2" name="Title 1">
+            <a:extLst>
+              <a:ext uri="{FF2B5EF4-FFF2-40B4-BE49-F238E27FC236}">
+                <a16:creationId xmlns:a16="http://schemas.microsoft.com/office/drawing/2014/main" id="{278CC4E3-307F-4BF4-837F-6D0DEBFC3915}"/>
               </a:ext>
             </a:extLst>
           </p:cNvPr>
@@ -6620,6 +6929,34 @@
           </p:cNvSpPr>
           <p:nvPr>
             <p:ph type="title"/>
+          </p:nvPr>
+        </p:nvSpPr>
+        <p:spPr/>
+        <p:txBody>
+          <a:bodyPr/>
+          <a:lstStyle/>
+          <a:p>
+            <a:r>
+              <a:rPr lang="en-US" dirty="0"/>
+              <a:t>Essential Calculations</a:t>
+            </a:r>
+          </a:p>
+        </p:txBody>
+      </p:sp>
+      <p:sp>
+        <p:nvSpPr>
+          <p:cNvPr id="3" name="Text Placeholder 2">
+            <a:extLst>
+              <a:ext uri="{FF2B5EF4-FFF2-40B4-BE49-F238E27FC236}">
+                <a16:creationId xmlns:a16="http://schemas.microsoft.com/office/drawing/2014/main" id="{18697F6F-CCD3-4FAC-B98A-203BFE420BF2}"/>
+              </a:ext>
+            </a:extLst>
+          </p:cNvPr>
+          <p:cNvSpPr>
+            <a:spLocks noGrp="1"/>
+          </p:cNvSpPr>
+          <p:nvPr>
+            <p:ph type="body" sz="quarter" idx="11"/>
           </p:nvPr>
         </p:nvSpPr>
         <p:spPr/>
@@ -6631,40 +6968,21 @@
           <a:p>
             <a:r>
               <a:rPr lang="en-US" dirty="0"/>
-              <a:t>Segmentation and Weighting</a:t>
-            </a:r>
-          </a:p>
-        </p:txBody>
-      </p:sp>
-      <p:sp>
-        <p:nvSpPr>
-          <p:cNvPr id="6" name="Text Placeholder 5">
-            <a:extLst>
-              <a:ext uri="{FF2B5EF4-FFF2-40B4-BE49-F238E27FC236}">
-                <a16:creationId xmlns:a16="http://schemas.microsoft.com/office/drawing/2014/main" id="{CCF8D961-26CA-4A79-A9EF-DC7C9F441911}"/>
-              </a:ext>
-            </a:extLst>
-          </p:cNvPr>
-          <p:cNvSpPr>
-            <a:spLocks noGrp="1"/>
-          </p:cNvSpPr>
-          <p:nvPr>
-            <p:ph type="body" sz="quarter" idx="11"/>
-          </p:nvPr>
-        </p:nvSpPr>
-        <p:spPr/>
-        <p:txBody>
-          <a:bodyPr/>
-          <a:lstStyle/>
-          <a:p>
-            <a:r>
-              <a:rPr lang="en-US" dirty="0"/>
-              <a:t>Regular Average:</a:t>
+              <a:t>Average Share of Preference: </a:t>
             </a:r>
           </a:p>
           <a:p>
             <a:endParaRPr lang="en-US" dirty="0"/>
           </a:p>
+          <a:p>
+            <a:endParaRPr lang="en-US" dirty="0"/>
+          </a:p>
+          <a:p>
+            <a:endParaRPr lang="en-US" dirty="0"/>
+          </a:p>
+          <a:p>
+            <a:endParaRPr lang="en-US" dirty="0"/>
+          </a:p>
         </p:txBody>
       </p:sp>
       <p:sp>
@@ -6672,7 +6990,7 @@
           <p:cNvPr id="4" name="Slide Number Placeholder 3">
             <a:extLst>
               <a:ext uri="{FF2B5EF4-FFF2-40B4-BE49-F238E27FC236}">
-                <a16:creationId xmlns:a16="http://schemas.microsoft.com/office/drawing/2014/main" id="{AF82B9A4-ED7D-44BA-9ED1-A12C0E69A8CC}"/>
+                <a16:creationId xmlns:a16="http://schemas.microsoft.com/office/drawing/2014/main" id="{1A38EA18-7A14-48E8-9285-07BD8664B2B9}"/>
               </a:ext>
             </a:extLst>
           </p:cNvPr>
@@ -6692,6 +7010,310 @@
               <a:rPr lang="en-US" smtClean="0"/>
               <a:pPr/>
               <a:t>6</a:t>
+            </a:fld>
+            <a:endParaRPr lang="en-US" dirty="0"/>
+          </a:p>
+        </p:txBody>
+      </p:sp>
+      <p:pic>
+        <p:nvPicPr>
+          <p:cNvPr id="2050" name="Picture 2">
+            <a:extLst>
+              <a:ext uri="{FF2B5EF4-FFF2-40B4-BE49-F238E27FC236}">
+                <a16:creationId xmlns:a16="http://schemas.microsoft.com/office/drawing/2014/main" id="{534B2B89-C04B-4A8E-9C84-960B04046CD7}"/>
+              </a:ext>
+            </a:extLst>
+          </p:cNvPr>
+          <p:cNvPicPr>
+            <a:picLocks noChangeAspect="1" noChangeArrowheads="1"/>
+          </p:cNvPicPr>
+          <p:nvPr/>
+        </p:nvPicPr>
+        <p:blipFill>
+          <a:blip r:embed="rId3">
+            <a:extLst>
+              <a:ext uri="{28A0092B-C50C-407E-A947-70E740481C1C}">
+                <a14:useLocalDpi xmlns:a14="http://schemas.microsoft.com/office/drawing/2010/main" val="0"/>
+              </a:ext>
+            </a:extLst>
+          </a:blip>
+          <a:srcRect/>
+          <a:stretch>
+            <a:fillRect/>
+          </a:stretch>
+        </p:blipFill>
+        <p:spPr bwMode="auto">
+          <a:xfrm>
+            <a:off x="2771601" y="2407459"/>
+            <a:ext cx="6229350" cy="1495425"/>
+          </a:xfrm>
+          <a:prstGeom prst="rect">
+            <a:avLst/>
+          </a:prstGeom>
+          <a:noFill/>
+          <a:extLst>
+            <a:ext uri="{909E8E84-426E-40DD-AFC4-6F175D3DCCD1}">
+              <a14:hiddenFill xmlns:a14="http://schemas.microsoft.com/office/drawing/2010/main">
+                <a:solidFill>
+                  <a:srgbClr val="FFFFFF"/>
+                </a:solidFill>
+              </a14:hiddenFill>
+            </a:ext>
+          </a:extLst>
+        </p:spPr>
+      </p:pic>
+    </p:spTree>
+    <p:extLst>
+      <p:ext uri="{BB962C8B-B14F-4D97-AF65-F5344CB8AC3E}">
+        <p14:creationId xmlns:p14="http://schemas.microsoft.com/office/powerpoint/2010/main" val="2935214854"/>
+      </p:ext>
+    </p:extLst>
+  </p:cSld>
+  <p:clrMapOvr>
+    <a:masterClrMapping/>
+  </p:clrMapOvr>
+</p:sld>
+</file>
+
+<file path=ppt/slides/slide7.xml><?xml version="1.0" encoding="utf-8"?>
+<p:sld xmlns:a="http://schemas.openxmlformats.org/drawingml/2006/main" xmlns:r="http://schemas.openxmlformats.org/officeDocument/2006/relationships" xmlns:p="http://schemas.openxmlformats.org/presentationml/2006/main">
+  <p:cSld>
+    <p:spTree>
+      <p:nvGrpSpPr>
+        <p:cNvPr id="1" name=""/>
+        <p:cNvGrpSpPr/>
+        <p:nvPr/>
+      </p:nvGrpSpPr>
+      <p:grpSpPr>
+        <a:xfrm>
+          <a:off x="0" y="0"/>
+          <a:ext cx="0" cy="0"/>
+          <a:chOff x="0" y="0"/>
+          <a:chExt cx="0" cy="0"/>
+        </a:xfrm>
+      </p:grpSpPr>
+      <p:sp>
+        <p:nvSpPr>
+          <p:cNvPr id="2" name="Title 1">
+            <a:extLst>
+              <a:ext uri="{FF2B5EF4-FFF2-40B4-BE49-F238E27FC236}">
+                <a16:creationId xmlns:a16="http://schemas.microsoft.com/office/drawing/2014/main" id="{4924275A-E803-449A-BF15-05DE3ACAD6A0}"/>
+              </a:ext>
+            </a:extLst>
+          </p:cNvPr>
+          <p:cNvSpPr>
+            <a:spLocks noGrp="1"/>
+          </p:cNvSpPr>
+          <p:nvPr>
+            <p:ph type="title"/>
+          </p:nvPr>
+        </p:nvSpPr>
+        <p:spPr/>
+        <p:txBody>
+          <a:bodyPr/>
+          <a:lstStyle/>
+          <a:p>
+            <a:r>
+              <a:rPr lang="en-US" dirty="0"/>
+              <a:t>Segmentation and Weighting</a:t>
+            </a:r>
+          </a:p>
+        </p:txBody>
+      </p:sp>
+      <p:sp>
+        <p:nvSpPr>
+          <p:cNvPr id="3" name="Text Placeholder 2">
+            <a:extLst>
+              <a:ext uri="{FF2B5EF4-FFF2-40B4-BE49-F238E27FC236}">
+                <a16:creationId xmlns:a16="http://schemas.microsoft.com/office/drawing/2014/main" id="{598B70B3-F577-4F04-A100-5D52FA47ECD6}"/>
+              </a:ext>
+            </a:extLst>
+          </p:cNvPr>
+          <p:cNvSpPr>
+            <a:spLocks noGrp="1"/>
+          </p:cNvSpPr>
+          <p:nvPr>
+            <p:ph type="body" sz="quarter" idx="11"/>
+          </p:nvPr>
+        </p:nvSpPr>
+        <p:spPr/>
+        <p:txBody>
+          <a:bodyPr/>
+          <a:lstStyle/>
+          <a:p>
+            <a:r>
+              <a:rPr lang="en-US" dirty="0"/>
+              <a:t>Segmentation – Filtering of respondents by known subgroups</a:t>
+            </a:r>
+          </a:p>
+          <a:p>
+            <a:r>
+              <a:rPr lang="en-US" dirty="0"/>
+              <a:t>Weighting – Changing respondent’s relative contribution toward group average</a:t>
+            </a:r>
+          </a:p>
+          <a:p>
+            <a:pPr marL="457200" indent="-457200">
+              <a:buFont typeface="Arial" panose="020B0604020202020204" pitchFamily="34" charset="0"/>
+              <a:buChar char="•"/>
+            </a:pPr>
+            <a:r>
+              <a:rPr lang="en-US" dirty="0"/>
+              <a:t>	Use weighting when your actual population is different in a known way from your sampled population.</a:t>
+            </a:r>
+          </a:p>
+        </p:txBody>
+      </p:sp>
+      <p:sp>
+        <p:nvSpPr>
+          <p:cNvPr id="4" name="Slide Number Placeholder 3">
+            <a:extLst>
+              <a:ext uri="{FF2B5EF4-FFF2-40B4-BE49-F238E27FC236}">
+                <a16:creationId xmlns:a16="http://schemas.microsoft.com/office/drawing/2014/main" id="{3FE61BB3-FE16-4350-8200-5AFB4D2EE31F}"/>
+              </a:ext>
+            </a:extLst>
+          </p:cNvPr>
+          <p:cNvSpPr>
+            <a:spLocks noGrp="1"/>
+          </p:cNvSpPr>
+          <p:nvPr>
+            <p:ph type="sldNum" sz="quarter" idx="10"/>
+          </p:nvPr>
+        </p:nvSpPr>
+        <p:spPr/>
+        <p:txBody>
+          <a:bodyPr/>
+          <a:lstStyle/>
+          <a:p>
+            <a:fld id="{010B2668-03F4-4AF2-A4A7-833A47BBF1AE}" type="slidenum">
+              <a:rPr lang="en-US" smtClean="0"/>
+              <a:pPr/>
+              <a:t>7</a:t>
+            </a:fld>
+            <a:endParaRPr lang="en-US" dirty="0"/>
+          </a:p>
+        </p:txBody>
+      </p:sp>
+    </p:spTree>
+    <p:extLst>
+      <p:ext uri="{BB962C8B-B14F-4D97-AF65-F5344CB8AC3E}">
+        <p14:creationId xmlns:p14="http://schemas.microsoft.com/office/powerpoint/2010/main" val="3987356354"/>
+      </p:ext>
+    </p:extLst>
+  </p:cSld>
+  <p:clrMapOvr>
+    <a:masterClrMapping/>
+  </p:clrMapOvr>
+</p:sld>
+</file>
+
+<file path=ppt/slides/slide8.xml><?xml version="1.0" encoding="utf-8"?>
+<p:sld xmlns:a="http://schemas.openxmlformats.org/drawingml/2006/main" xmlns:r="http://schemas.openxmlformats.org/officeDocument/2006/relationships" xmlns:p="http://schemas.openxmlformats.org/presentationml/2006/main">
+  <p:cSld>
+    <p:spTree>
+      <p:nvGrpSpPr>
+        <p:cNvPr id="1" name=""/>
+        <p:cNvGrpSpPr/>
+        <p:nvPr/>
+      </p:nvGrpSpPr>
+      <p:grpSpPr>
+        <a:xfrm>
+          <a:off x="0" y="0"/>
+          <a:ext cx="0" cy="0"/>
+          <a:chOff x="0" y="0"/>
+          <a:chExt cx="0" cy="0"/>
+        </a:xfrm>
+      </p:grpSpPr>
+      <p:sp>
+        <p:nvSpPr>
+          <p:cNvPr id="5" name="Title 4">
+            <a:extLst>
+              <a:ext uri="{FF2B5EF4-FFF2-40B4-BE49-F238E27FC236}">
+                <a16:creationId xmlns:a16="http://schemas.microsoft.com/office/drawing/2014/main" id="{EFD6FED5-482C-4D3A-8839-736C514EE8A4}"/>
+              </a:ext>
+            </a:extLst>
+          </p:cNvPr>
+          <p:cNvSpPr>
+            <a:spLocks noGrp="1"/>
+          </p:cNvSpPr>
+          <p:nvPr>
+            <p:ph type="title"/>
+          </p:nvPr>
+        </p:nvSpPr>
+        <p:spPr/>
+        <p:txBody>
+          <a:bodyPr>
+            <a:normAutofit fontScale="90000"/>
+          </a:bodyPr>
+          <a:lstStyle/>
+          <a:p>
+            <a:r>
+              <a:rPr lang="en-US" dirty="0"/>
+              <a:t>Segmentation and Weighting – Review Averages</a:t>
+            </a:r>
+            <a:br>
+              <a:rPr lang="en-US" dirty="0"/>
+            </a:br>
+            <a:endParaRPr lang="en-US" dirty="0"/>
+          </a:p>
+        </p:txBody>
+      </p:sp>
+      <p:sp>
+        <p:nvSpPr>
+          <p:cNvPr id="6" name="Text Placeholder 5">
+            <a:extLst>
+              <a:ext uri="{FF2B5EF4-FFF2-40B4-BE49-F238E27FC236}">
+                <a16:creationId xmlns:a16="http://schemas.microsoft.com/office/drawing/2014/main" id="{CCF8D961-26CA-4A79-A9EF-DC7C9F441911}"/>
+              </a:ext>
+            </a:extLst>
+          </p:cNvPr>
+          <p:cNvSpPr>
+            <a:spLocks noGrp="1"/>
+          </p:cNvSpPr>
+          <p:nvPr>
+            <p:ph type="body" sz="quarter" idx="11"/>
+          </p:nvPr>
+        </p:nvSpPr>
+        <p:spPr/>
+        <p:txBody>
+          <a:bodyPr/>
+          <a:lstStyle/>
+          <a:p>
+            <a:r>
+              <a:rPr lang="en-US" dirty="0"/>
+              <a:t>Regular Average:</a:t>
+            </a:r>
+          </a:p>
+          <a:p>
+            <a:endParaRPr lang="en-US" dirty="0"/>
+          </a:p>
+        </p:txBody>
+      </p:sp>
+      <p:sp>
+        <p:nvSpPr>
+          <p:cNvPr id="4" name="Slide Number Placeholder 3">
+            <a:extLst>
+              <a:ext uri="{FF2B5EF4-FFF2-40B4-BE49-F238E27FC236}">
+                <a16:creationId xmlns:a16="http://schemas.microsoft.com/office/drawing/2014/main" id="{AF82B9A4-ED7D-44BA-9ED1-A12C0E69A8CC}"/>
+              </a:ext>
+            </a:extLst>
+          </p:cNvPr>
+          <p:cNvSpPr>
+            <a:spLocks noGrp="1"/>
+          </p:cNvSpPr>
+          <p:nvPr>
+            <p:ph type="sldNum" sz="quarter" idx="10"/>
+          </p:nvPr>
+        </p:nvSpPr>
+        <p:spPr/>
+        <p:txBody>
+          <a:bodyPr/>
+          <a:lstStyle/>
+          <a:p>
+            <a:fld id="{010B2668-03F4-4AF2-A4A7-833A47BBF1AE}" type="slidenum">
+              <a:rPr lang="en-US" smtClean="0"/>
+              <a:pPr/>
+              <a:t>8</a:t>
             </a:fld>
             <a:endParaRPr lang="en-US" dirty="0"/>
           </a:p>
@@ -6757,7 +7379,7 @@
 </p:sld>
 </file>
 
-<file path=ppt/slides/slide7.xml><?xml version="1.0" encoding="utf-8"?>
+<file path=ppt/slides/slide9.xml><?xml version="1.0" encoding="utf-8"?>
 <p:sld xmlns:a="http://schemas.openxmlformats.org/drawingml/2006/main" xmlns:r="http://schemas.openxmlformats.org/officeDocument/2006/relationships" xmlns:p="http://schemas.openxmlformats.org/presentationml/2006/main">
   <p:cSld>
     <p:spTree>
@@ -6793,13 +7415,13 @@
         <p:spPr/>
         <p:txBody>
           <a:bodyPr>
-            <a:normAutofit/>
+            <a:normAutofit fontScale="90000"/>
           </a:bodyPr>
           <a:lstStyle/>
           <a:p>
             <a:r>
               <a:rPr lang="en-US" dirty="0"/>
-              <a:t>Segmentation and Weighting</a:t>
+              <a:t>Segmentation and Weighting – Review Averages</a:t>
             </a:r>
           </a:p>
         </p:txBody>
@@ -6859,7 +7481,7 @@
             <a:fld id="{010B2668-03F4-4AF2-A4A7-833A47BBF1AE}" type="slidenum">
               <a:rPr lang="en-US" smtClean="0"/>
               <a:pPr/>
-              <a:t>7</a:t>
+              <a:t>9</a:t>
             </a:fld>
             <a:endParaRPr lang="en-US" dirty="0"/>
           </a:p>
@@ -6916,290 +7538,6 @@
     <p:extLst>
       <p:ext uri="{BB962C8B-B14F-4D97-AF65-F5344CB8AC3E}">
         <p14:creationId xmlns:p14="http://schemas.microsoft.com/office/powerpoint/2010/main" val="2140019076"/>
-      </p:ext>
-    </p:extLst>
-  </p:cSld>
-  <p:clrMapOvr>
-    <a:masterClrMapping/>
-  </p:clrMapOvr>
-</p:sld>
-</file>
-
-<file path=ppt/slides/slide8.xml><?xml version="1.0" encoding="utf-8"?>
-<p:sld xmlns:a="http://schemas.openxmlformats.org/drawingml/2006/main" xmlns:r="http://schemas.openxmlformats.org/officeDocument/2006/relationships" xmlns:p="http://schemas.openxmlformats.org/presentationml/2006/main">
-  <p:cSld>
-    <p:spTree>
-      <p:nvGrpSpPr>
-        <p:cNvPr id="1" name=""/>
-        <p:cNvGrpSpPr/>
-        <p:nvPr/>
-      </p:nvGrpSpPr>
-      <p:grpSpPr>
-        <a:xfrm>
-          <a:off x="0" y="0"/>
-          <a:ext cx="0" cy="0"/>
-          <a:chOff x="0" y="0"/>
-          <a:chExt cx="0" cy="0"/>
-        </a:xfrm>
-      </p:grpSpPr>
-      <p:sp>
-        <p:nvSpPr>
-          <p:cNvPr id="5" name="Title 4">
-            <a:extLst>
-              <a:ext uri="{FF2B5EF4-FFF2-40B4-BE49-F238E27FC236}">
-                <a16:creationId xmlns:a16="http://schemas.microsoft.com/office/drawing/2014/main" id="{EFD6FED5-482C-4D3A-8839-736C514EE8A4}"/>
-              </a:ext>
-            </a:extLst>
-          </p:cNvPr>
-          <p:cNvSpPr>
-            <a:spLocks noGrp="1"/>
-          </p:cNvSpPr>
-          <p:nvPr>
-            <p:ph type="title"/>
-          </p:nvPr>
-        </p:nvSpPr>
-        <p:spPr/>
-        <p:txBody>
-          <a:bodyPr>
-            <a:normAutofit/>
-          </a:bodyPr>
-          <a:lstStyle/>
-          <a:p>
-            <a:r>
-              <a:rPr lang="en-US" dirty="0"/>
-              <a:t>Segmentation and Weighting</a:t>
-            </a:r>
-          </a:p>
-        </p:txBody>
-      </p:sp>
-      <p:sp>
-        <p:nvSpPr>
-          <p:cNvPr id="6" name="Text Placeholder 5">
-            <a:extLst>
-              <a:ext uri="{FF2B5EF4-FFF2-40B4-BE49-F238E27FC236}">
-                <a16:creationId xmlns:a16="http://schemas.microsoft.com/office/drawing/2014/main" id="{CCF8D961-26CA-4A79-A9EF-DC7C9F441911}"/>
-              </a:ext>
-            </a:extLst>
-          </p:cNvPr>
-          <p:cNvSpPr>
-            <a:spLocks noGrp="1"/>
-          </p:cNvSpPr>
-          <p:nvPr>
-            <p:ph type="body" sz="quarter" idx="11"/>
-          </p:nvPr>
-        </p:nvSpPr>
-        <p:spPr/>
-        <p:txBody>
-          <a:bodyPr/>
-          <a:lstStyle/>
-          <a:p>
-            <a:r>
-              <a:rPr lang="en-US" dirty="0"/>
-              <a:t>Weighted Average with weights shown:</a:t>
-            </a:r>
-          </a:p>
-          <a:p>
-            <a:endParaRPr lang="en-US" dirty="0"/>
-          </a:p>
-        </p:txBody>
-      </p:sp>
-      <p:sp>
-        <p:nvSpPr>
-          <p:cNvPr id="4" name="Slide Number Placeholder 3">
-            <a:extLst>
-              <a:ext uri="{FF2B5EF4-FFF2-40B4-BE49-F238E27FC236}">
-                <a16:creationId xmlns:a16="http://schemas.microsoft.com/office/drawing/2014/main" id="{AF82B9A4-ED7D-44BA-9ED1-A12C0E69A8CC}"/>
-              </a:ext>
-            </a:extLst>
-          </p:cNvPr>
-          <p:cNvSpPr>
-            <a:spLocks noGrp="1"/>
-          </p:cNvSpPr>
-          <p:nvPr>
-            <p:ph type="sldNum" sz="quarter" idx="10"/>
-          </p:nvPr>
-        </p:nvSpPr>
-        <p:spPr/>
-        <p:txBody>
-          <a:bodyPr/>
-          <a:lstStyle/>
-          <a:p>
-            <a:fld id="{010B2668-03F4-4AF2-A4A7-833A47BBF1AE}" type="slidenum">
-              <a:rPr lang="en-US" smtClean="0"/>
-              <a:pPr/>
-              <a:t>8</a:t>
-            </a:fld>
-            <a:endParaRPr lang="en-US" dirty="0"/>
-          </a:p>
-        </p:txBody>
-      </p:sp>
-      <p:pic>
-        <p:nvPicPr>
-          <p:cNvPr id="3074" name="Picture 2">
-            <a:extLst>
-              <a:ext uri="{FF2B5EF4-FFF2-40B4-BE49-F238E27FC236}">
-                <a16:creationId xmlns:a16="http://schemas.microsoft.com/office/drawing/2014/main" id="{9C0911D9-2AFD-4220-8935-29071AB1C3ED}"/>
-              </a:ext>
-            </a:extLst>
-          </p:cNvPr>
-          <p:cNvPicPr>
-            <a:picLocks noChangeAspect="1" noChangeArrowheads="1"/>
-          </p:cNvPicPr>
-          <p:nvPr/>
-        </p:nvPicPr>
-        <p:blipFill>
-          <a:blip r:embed="rId2">
-            <a:extLst>
-              <a:ext uri="{28A0092B-C50C-407E-A947-70E740481C1C}">
-                <a14:useLocalDpi xmlns:a14="http://schemas.microsoft.com/office/drawing/2010/main" val="0"/>
-              </a:ext>
-            </a:extLst>
-          </a:blip>
-          <a:srcRect/>
-          <a:stretch>
-            <a:fillRect/>
-          </a:stretch>
-        </p:blipFill>
-        <p:spPr bwMode="auto">
-          <a:xfrm>
-            <a:off x="2574131" y="2566884"/>
-            <a:ext cx="6953250" cy="3295650"/>
-          </a:xfrm>
-          <a:prstGeom prst="rect">
-            <a:avLst/>
-          </a:prstGeom>
-          <a:noFill/>
-          <a:extLst>
-            <a:ext uri="{909E8E84-426E-40DD-AFC4-6F175D3DCCD1}">
-              <a14:hiddenFill xmlns:a14="http://schemas.microsoft.com/office/drawing/2010/main">
-                <a:solidFill>
-                  <a:srgbClr val="FFFFFF"/>
-                </a:solidFill>
-              </a14:hiddenFill>
-            </a:ext>
-          </a:extLst>
-        </p:spPr>
-      </p:pic>
-    </p:spTree>
-    <p:extLst>
-      <p:ext uri="{BB962C8B-B14F-4D97-AF65-F5344CB8AC3E}">
-        <p14:creationId xmlns:p14="http://schemas.microsoft.com/office/powerpoint/2010/main" val="513684691"/>
-      </p:ext>
-    </p:extLst>
-  </p:cSld>
-  <p:clrMapOvr>
-    <a:masterClrMapping/>
-  </p:clrMapOvr>
-</p:sld>
-</file>
-
-<file path=ppt/slides/slide9.xml><?xml version="1.0" encoding="utf-8"?>
-<p:sld xmlns:a="http://schemas.openxmlformats.org/drawingml/2006/main" xmlns:r="http://schemas.openxmlformats.org/officeDocument/2006/relationships" xmlns:p="http://schemas.openxmlformats.org/presentationml/2006/main">
-  <p:cSld>
-    <p:spTree>
-      <p:nvGrpSpPr>
-        <p:cNvPr id="1" name=""/>
-        <p:cNvGrpSpPr/>
-        <p:nvPr/>
-      </p:nvGrpSpPr>
-      <p:grpSpPr>
-        <a:xfrm>
-          <a:off x="0" y="0"/>
-          <a:ext cx="0" cy="0"/>
-          <a:chOff x="0" y="0"/>
-          <a:chExt cx="0" cy="0"/>
-        </a:xfrm>
-      </p:grpSpPr>
-      <p:sp>
-        <p:nvSpPr>
-          <p:cNvPr id="2" name="Text Placeholder 1">
-            <a:extLst>
-              <a:ext uri="{FF2B5EF4-FFF2-40B4-BE49-F238E27FC236}">
-                <a16:creationId xmlns:a16="http://schemas.microsoft.com/office/drawing/2014/main" id="{52DA0DCE-E2A4-44FC-923A-B30F5E52F3D4}"/>
-              </a:ext>
-            </a:extLst>
-          </p:cNvPr>
-          <p:cNvSpPr>
-            <a:spLocks noGrp="1"/>
-          </p:cNvSpPr>
-          <p:nvPr>
-            <p:ph type="body" sz="quarter" idx="11"/>
-          </p:nvPr>
-        </p:nvSpPr>
-        <p:spPr/>
-        <p:txBody>
-          <a:bodyPr/>
-          <a:lstStyle/>
-          <a:p>
-            <a:r>
-              <a:rPr lang="en-US" dirty="0"/>
-              <a:t>“You’re so thoughtful. You’re like sunshine on a rainy day. You’re even better than a unicorn, because you’re real.”</a:t>
-            </a:r>
-          </a:p>
-        </p:txBody>
-      </p:sp>
-      <p:sp>
-        <p:nvSpPr>
-          <p:cNvPr id="3" name="Text Placeholder 2">
-            <a:extLst>
-              <a:ext uri="{FF2B5EF4-FFF2-40B4-BE49-F238E27FC236}">
-                <a16:creationId xmlns:a16="http://schemas.microsoft.com/office/drawing/2014/main" id="{187F4FD4-B078-48DD-B7CE-0B027270ED5B}"/>
-              </a:ext>
-            </a:extLst>
-          </p:cNvPr>
-          <p:cNvSpPr>
-            <a:spLocks noGrp="1"/>
-          </p:cNvSpPr>
-          <p:nvPr>
-            <p:ph type="body" sz="quarter" idx="12"/>
-          </p:nvPr>
-        </p:nvSpPr>
-        <p:spPr/>
-        <p:txBody>
-          <a:bodyPr/>
-          <a:lstStyle/>
-          <a:p>
-            <a:r>
-              <a:rPr lang="en-US" dirty="0"/>
-              <a:t>WILLIAM SHAKESPEARE</a:t>
-            </a:r>
-          </a:p>
-        </p:txBody>
-      </p:sp>
-      <p:sp>
-        <p:nvSpPr>
-          <p:cNvPr id="6" name="Slide Number Placeholder 5">
-            <a:extLst>
-              <a:ext uri="{FF2B5EF4-FFF2-40B4-BE49-F238E27FC236}">
-                <a16:creationId xmlns:a16="http://schemas.microsoft.com/office/drawing/2014/main" id="{0EE127A8-4653-4AD0-A0FA-D9D81E753AF0}"/>
-              </a:ext>
-            </a:extLst>
-          </p:cNvPr>
-          <p:cNvSpPr>
-            <a:spLocks noGrp="1"/>
-          </p:cNvSpPr>
-          <p:nvPr>
-            <p:ph type="sldNum" sz="quarter" idx="10"/>
-          </p:nvPr>
-        </p:nvSpPr>
-        <p:spPr/>
-        <p:txBody>
-          <a:bodyPr/>
-          <a:lstStyle/>
-          <a:p>
-            <a:fld id="{010B2668-03F4-4AF2-A4A7-833A47BBF1AE}" type="slidenum">
-              <a:rPr lang="en-US" smtClean="0"/>
-              <a:pPr/>
-              <a:t>9</a:t>
-            </a:fld>
-            <a:endParaRPr lang="en-US" dirty="0"/>
-          </a:p>
-        </p:txBody>
-      </p:sp>
-    </p:spTree>
-    <p:extLst>
-      <p:ext uri="{BB962C8B-B14F-4D97-AF65-F5344CB8AC3E}">
-        <p14:creationId xmlns:p14="http://schemas.microsoft.com/office/powerpoint/2010/main" val="1807926504"/>
       </p:ext>
     </p:extLst>
   </p:cSld>

--- a/Excel Simulator Tips and Tricks.pptx
+++ b/Excel Simulator Tips and Tricks.pptx
@@ -5,46 +5,51 @@
     <p:sldMasterId id="2147483648" r:id="rId1"/>
   </p:sldMasterIdLst>
   <p:notesMasterIdLst>
-    <p:notesMasterId r:id="rId17"/>
+    <p:notesMasterId r:id="rId22"/>
   </p:notesMasterIdLst>
   <p:sldIdLst>
     <p:sldId id="265" r:id="rId2"/>
     <p:sldId id="281" r:id="rId3"/>
     <p:sldId id="272" r:id="rId4"/>
     <p:sldId id="287" r:id="rId5"/>
-    <p:sldId id="269" r:id="rId6"/>
-    <p:sldId id="279" r:id="rId7"/>
-    <p:sldId id="283" r:id="rId8"/>
-    <p:sldId id="273" r:id="rId9"/>
-    <p:sldId id="274" r:id="rId10"/>
-    <p:sldId id="275" r:id="rId11"/>
-    <p:sldId id="282" r:id="rId12"/>
-    <p:sldId id="284" r:id="rId13"/>
-    <p:sldId id="285" r:id="rId14"/>
-    <p:sldId id="286" r:id="rId15"/>
-    <p:sldId id="267" r:id="rId16"/>
+    <p:sldId id="291" r:id="rId6"/>
+    <p:sldId id="292" r:id="rId7"/>
+    <p:sldId id="290" r:id="rId8"/>
+    <p:sldId id="285" r:id="rId9"/>
+    <p:sldId id="286" r:id="rId10"/>
+    <p:sldId id="288" r:id="rId11"/>
+    <p:sldId id="269" r:id="rId12"/>
+    <p:sldId id="279" r:id="rId13"/>
+    <p:sldId id="283" r:id="rId14"/>
+    <p:sldId id="273" r:id="rId15"/>
+    <p:sldId id="274" r:id="rId16"/>
+    <p:sldId id="275" r:id="rId17"/>
+    <p:sldId id="282" r:id="rId18"/>
+    <p:sldId id="284" r:id="rId19"/>
+    <p:sldId id="289" r:id="rId20"/>
+    <p:sldId id="267" r:id="rId21"/>
   </p:sldIdLst>
   <p:sldSz cx="12192000" cy="6858000"/>
   <p:notesSz cx="6858000" cy="9144000"/>
   <p:embeddedFontLst>
     <p:embeddedFont>
       <p:font typeface="Calibri" panose="020F0502020204030204" pitchFamily="34" charset="0"/>
-      <p:regular r:id="rId18"/>
-      <p:bold r:id="rId19"/>
-      <p:italic r:id="rId20"/>
-      <p:boldItalic r:id="rId21"/>
+      <p:regular r:id="rId23"/>
+      <p:bold r:id="rId24"/>
+      <p:italic r:id="rId25"/>
+      <p:boldItalic r:id="rId26"/>
     </p:embeddedFont>
     <p:embeddedFont>
       <p:font typeface="Source Sans Pro" panose="020B0503030403020204" pitchFamily="34" charset="0"/>
-      <p:regular r:id="rId22"/>
-      <p:bold r:id="rId23"/>
-      <p:italic r:id="rId24"/>
-      <p:boldItalic r:id="rId25"/>
+      <p:regular r:id="rId27"/>
+      <p:bold r:id="rId28"/>
+      <p:italic r:id="rId29"/>
+      <p:boldItalic r:id="rId30"/>
     </p:embeddedFont>
     <p:embeddedFont>
       <p:font typeface="Source Sans Pro Semibold" panose="020B0603030403020204" pitchFamily="34" charset="0"/>
-      <p:bold r:id="rId26"/>
-      <p:boldItalic r:id="rId27"/>
+      <p:bold r:id="rId31"/>
+      <p:boldItalic r:id="rId32"/>
     </p:embeddedFont>
   </p:embeddedFontLst>
   <p:defaultTextStyle>
@@ -258,7 +263,7 @@
           <a:p>
             <a:fld id="{DE170032-BD20-48D6-A055-C0D06282CF84}" type="datetimeFigureOut">
               <a:rPr lang="en-US" smtClean="0"/>
-              <a:t>9/10/2019</a:t>
+              <a:t>9/17/2019</a:t>
             </a:fld>
             <a:endParaRPr lang="en-US"/>
           </a:p>
@@ -570,6 +575,96 @@
           <a:lstStyle/>
           <a:p>
             <a:r>
+              <a:rPr lang="en-US" dirty="0">
+                <a:hlinkClick r:id="rId3"/>
+              </a:rPr>
+              <a:t>https://support.office.com/en-us/article/guidelines-and-examples-of-array-formulas-7d94a64e-3ff3-4686-9372-ecfd5caa57c7</a:t>
+            </a:r>
+            <a:endParaRPr lang="en-US" dirty="0"/>
+          </a:p>
+        </p:txBody>
+      </p:sp>
+      <p:sp>
+        <p:nvSpPr>
+          <p:cNvPr id="4" name="Slide Number Placeholder 3"/>
+          <p:cNvSpPr>
+            <a:spLocks noGrp="1"/>
+          </p:cNvSpPr>
+          <p:nvPr>
+            <p:ph type="sldNum" sz="quarter" idx="5"/>
+          </p:nvPr>
+        </p:nvSpPr>
+        <p:spPr/>
+        <p:txBody>
+          <a:bodyPr/>
+          <a:lstStyle/>
+          <a:p>
+            <a:fld id="{0629C32D-7E7A-494A-BA47-051E64BDE12D}" type="slidenum">
+              <a:rPr lang="en-US" smtClean="0"/>
+              <a:t>8</a:t>
+            </a:fld>
+            <a:endParaRPr lang="en-US"/>
+          </a:p>
+        </p:txBody>
+      </p:sp>
+    </p:spTree>
+    <p:extLst>
+      <p:ext uri="{BB962C8B-B14F-4D97-AF65-F5344CB8AC3E}">
+        <p14:creationId xmlns:p14="http://schemas.microsoft.com/office/powerpoint/2010/main" val="4063103194"/>
+      </p:ext>
+    </p:extLst>
+  </p:cSld>
+  <p:clrMapOvr>
+    <a:masterClrMapping/>
+  </p:clrMapOvr>
+</p:notes>
+</file>
+
+<file path=ppt/notesSlides/notesSlide2.xml><?xml version="1.0" encoding="utf-8"?>
+<p:notes xmlns:a="http://schemas.openxmlformats.org/drawingml/2006/main" xmlns:r="http://schemas.openxmlformats.org/officeDocument/2006/relationships" xmlns:p="http://schemas.openxmlformats.org/presentationml/2006/main">
+  <p:cSld>
+    <p:spTree>
+      <p:nvGrpSpPr>
+        <p:cNvPr id="1" name=""/>
+        <p:cNvGrpSpPr/>
+        <p:nvPr/>
+      </p:nvGrpSpPr>
+      <p:grpSpPr>
+        <a:xfrm>
+          <a:off x="0" y="0"/>
+          <a:ext cx="0" cy="0"/>
+          <a:chOff x="0" y="0"/>
+          <a:chExt cx="0" cy="0"/>
+        </a:xfrm>
+      </p:grpSpPr>
+      <p:sp>
+        <p:nvSpPr>
+          <p:cNvPr id="2" name="Slide Image Placeholder 1"/>
+          <p:cNvSpPr>
+            <a:spLocks noGrp="1" noRot="1" noChangeAspect="1"/>
+          </p:cNvSpPr>
+          <p:nvPr>
+            <p:ph type="sldImg"/>
+          </p:nvPr>
+        </p:nvSpPr>
+        <p:spPr/>
+      </p:sp>
+      <p:sp>
+        <p:nvSpPr>
+          <p:cNvPr id="3" name="Notes Placeholder 2"/>
+          <p:cNvSpPr>
+            <a:spLocks noGrp="1"/>
+          </p:cNvSpPr>
+          <p:nvPr>
+            <p:ph type="body" idx="1"/>
+          </p:nvPr>
+        </p:nvSpPr>
+        <p:spPr/>
+        <p:txBody>
+          <a:bodyPr/>
+          <a:lstStyle/>
+          <a:p>
+            <a:r>
               <a:rPr lang="en-US" dirty="0"/>
               <a:t>Average share of preference is just the average over each respondent’s share of preference.</a:t>
             </a:r>
@@ -593,7 +688,7 @@
           <a:p>
             <a:fld id="{0629C32D-7E7A-494A-BA47-051E64BDE12D}" type="slidenum">
               <a:rPr lang="en-US" smtClean="0"/>
-              <a:t>6</a:t>
+              <a:t>12</a:t>
             </a:fld>
             <a:endParaRPr lang="en-US"/>
           </a:p>
@@ -5469,10 +5564,10 @@
       </p:grpSpPr>
       <p:sp>
         <p:nvSpPr>
-          <p:cNvPr id="5" name="Title 4">
-            <a:extLst>
-              <a:ext uri="{FF2B5EF4-FFF2-40B4-BE49-F238E27FC236}">
-                <a16:creationId xmlns:a16="http://schemas.microsoft.com/office/drawing/2014/main" id="{EFD6FED5-482C-4D3A-8839-736C514EE8A4}"/>
+          <p:cNvPr id="2" name="Title 1">
+            <a:extLst>
+              <a:ext uri="{FF2B5EF4-FFF2-40B4-BE49-F238E27FC236}">
+                <a16:creationId xmlns:a16="http://schemas.microsoft.com/office/drawing/2014/main" id="{452C4107-5ED7-456D-ABC1-26CFB5CE0132}"/>
               </a:ext>
             </a:extLst>
           </p:cNvPr>
@@ -5492,17 +5587,21 @@
           <a:p>
             <a:r>
               <a:rPr lang="en-US" dirty="0"/>
-              <a:t>Segmentation and Weighting – Review Averages</a:t>
-            </a:r>
-          </a:p>
-        </p:txBody>
-      </p:sp>
-      <p:sp>
-        <p:nvSpPr>
-          <p:cNvPr id="6" name="Text Placeholder 5">
-            <a:extLst>
-              <a:ext uri="{FF2B5EF4-FFF2-40B4-BE49-F238E27FC236}">
-                <a16:creationId xmlns:a16="http://schemas.microsoft.com/office/drawing/2014/main" id="{CCF8D961-26CA-4A79-A9EF-DC7C9F441911}"/>
+              <a:t>Essential Excel Tricks - Other common formulas</a:t>
+            </a:r>
+            <a:br>
+              <a:rPr lang="en-US" dirty="0"/>
+            </a:br>
+            <a:endParaRPr lang="en-US" dirty="0"/>
+          </a:p>
+        </p:txBody>
+      </p:sp>
+      <p:sp>
+        <p:nvSpPr>
+          <p:cNvPr id="3" name="Text Placeholder 2">
+            <a:extLst>
+              <a:ext uri="{FF2B5EF4-FFF2-40B4-BE49-F238E27FC236}">
+                <a16:creationId xmlns:a16="http://schemas.microsoft.com/office/drawing/2014/main" id="{C729C694-5E28-43EF-BFEF-305EC6DD5CEE}"/>
               </a:ext>
             </a:extLst>
           </p:cNvPr>
@@ -5515,16 +5614,79 @@
         </p:nvSpPr>
         <p:spPr/>
         <p:txBody>
-          <a:bodyPr/>
+          <a:bodyPr>
+            <a:normAutofit lnSpcReduction="10000"/>
+          </a:bodyPr>
           <a:lstStyle/>
           <a:p>
+            <a:pPr marL="457200" indent="-457200">
+              <a:buFont typeface="Arial" panose="020B0604020202020204" pitchFamily="34" charset="0"/>
+              <a:buChar char="•"/>
+            </a:pPr>
             <a:r>
               <a:rPr lang="en-US" dirty="0"/>
-              <a:t>Weighted Average with weights shown:</a:t>
-            </a:r>
-          </a:p>
-          <a:p>
-            <a:endParaRPr lang="en-US" dirty="0"/>
+              <a:t>Finding stuff</a:t>
+            </a:r>
+          </a:p>
+          <a:p>
+            <a:pPr marL="801687" lvl="1" indent="-457200">
+              <a:buFont typeface="Arial" panose="020B0604020202020204" pitchFamily="34" charset="0"/>
+              <a:buChar char="•"/>
+            </a:pPr>
+            <a:r>
+              <a:rPr lang="en-US" dirty="0"/>
+              <a:t>VLOOKUP – Find a value, return another value</a:t>
+            </a:r>
+          </a:p>
+          <a:p>
+            <a:pPr marL="801687" lvl="1" indent="-457200">
+              <a:buFont typeface="Arial" panose="020B0604020202020204" pitchFamily="34" charset="0"/>
+              <a:buChar char="•"/>
+            </a:pPr>
+            <a:r>
+              <a:rPr lang="en-US" dirty="0"/>
+              <a:t>MATCH – Find a value, tell me where you found it</a:t>
+            </a:r>
+          </a:p>
+          <a:p>
+            <a:pPr marL="457200" indent="-457200">
+              <a:buFont typeface="Arial" panose="020B0604020202020204" pitchFamily="34" charset="0"/>
+              <a:buChar char="•"/>
+            </a:pPr>
+            <a:r>
+              <a:rPr lang="en-US" dirty="0"/>
+              <a:t>Indicator logic (converting TRUE/FALSE to 1/0)</a:t>
+            </a:r>
+          </a:p>
+          <a:p>
+            <a:pPr marL="457200" indent="-457200">
+              <a:buFont typeface="Arial" panose="020B0604020202020204" pitchFamily="34" charset="0"/>
+              <a:buChar char="•"/>
+            </a:pPr>
+            <a:r>
+              <a:rPr lang="en-US" dirty="0"/>
+              <a:t>OFFSET – Give me a cell near a cell, offset by some amount</a:t>
+            </a:r>
+          </a:p>
+          <a:p>
+            <a:pPr marL="457200" indent="-457200">
+              <a:buFont typeface="Arial" panose="020B0604020202020204" pitchFamily="34" charset="0"/>
+              <a:buChar char="•"/>
+            </a:pPr>
+            <a:r>
+              <a:rPr lang="en-US" dirty="0"/>
+              <a:t>ROW/COLUMN – What row am I on?</a:t>
+            </a:r>
+          </a:p>
+          <a:p>
+            <a:pPr marL="457200" indent="-457200">
+              <a:buFont typeface="Arial" panose="020B0604020202020204" pitchFamily="34" charset="0"/>
+              <a:buChar char="•"/>
+            </a:pPr>
+            <a:r>
+              <a:rPr lang="en-US" dirty="0"/>
+              <a:t>INDEX – Give me subset of another selection</a:t>
+            </a:r>
           </a:p>
         </p:txBody>
       </p:sp>
@@ -5533,7 +5695,7 @@
           <p:cNvPr id="4" name="Slide Number Placeholder 3">
             <a:extLst>
               <a:ext uri="{FF2B5EF4-FFF2-40B4-BE49-F238E27FC236}">
-                <a16:creationId xmlns:a16="http://schemas.microsoft.com/office/drawing/2014/main" id="{AF82B9A4-ED7D-44BA-9ED1-A12C0E69A8CC}"/>
+                <a16:creationId xmlns:a16="http://schemas.microsoft.com/office/drawing/2014/main" id="{A970D68E-81BB-4801-84D2-3199E0A4D67F}"/>
               </a:ext>
             </a:extLst>
           </p:cNvPr>
@@ -5558,57 +5720,10 @@
           </a:p>
         </p:txBody>
       </p:sp>
-      <p:pic>
-        <p:nvPicPr>
-          <p:cNvPr id="3074" name="Picture 2">
-            <a:extLst>
-              <a:ext uri="{FF2B5EF4-FFF2-40B4-BE49-F238E27FC236}">
-                <a16:creationId xmlns:a16="http://schemas.microsoft.com/office/drawing/2014/main" id="{9C0911D9-2AFD-4220-8935-29071AB1C3ED}"/>
-              </a:ext>
-            </a:extLst>
-          </p:cNvPr>
-          <p:cNvPicPr>
-            <a:picLocks noChangeAspect="1" noChangeArrowheads="1"/>
-          </p:cNvPicPr>
-          <p:nvPr/>
-        </p:nvPicPr>
-        <p:blipFill>
-          <a:blip r:embed="rId2">
-            <a:extLst>
-              <a:ext uri="{28A0092B-C50C-407E-A947-70E740481C1C}">
-                <a14:useLocalDpi xmlns:a14="http://schemas.microsoft.com/office/drawing/2010/main" val="0"/>
-              </a:ext>
-            </a:extLst>
-          </a:blip>
-          <a:srcRect/>
-          <a:stretch>
-            <a:fillRect/>
-          </a:stretch>
-        </p:blipFill>
-        <p:spPr bwMode="auto">
-          <a:xfrm>
-            <a:off x="2574131" y="2566884"/>
-            <a:ext cx="6953250" cy="3295650"/>
-          </a:xfrm>
-          <a:prstGeom prst="rect">
-            <a:avLst/>
-          </a:prstGeom>
-          <a:noFill/>
-          <a:extLst>
-            <a:ext uri="{909E8E84-426E-40DD-AFC4-6F175D3DCCD1}">
-              <a14:hiddenFill xmlns:a14="http://schemas.microsoft.com/office/drawing/2010/main">
-                <a:solidFill>
-                  <a:srgbClr val="FFFFFF"/>
-                </a:solidFill>
-              </a14:hiddenFill>
-            </a:ext>
-          </a:extLst>
-        </p:spPr>
-      </p:pic>
     </p:spTree>
     <p:extLst>
       <p:ext uri="{BB962C8B-B14F-4D97-AF65-F5344CB8AC3E}">
-        <p14:creationId xmlns:p14="http://schemas.microsoft.com/office/powerpoint/2010/main" val="513684691"/>
+        <p14:creationId xmlns:p14="http://schemas.microsoft.com/office/powerpoint/2010/main" val="1819296999"/>
       </p:ext>
     </p:extLst>
   </p:cSld>
@@ -5640,7 +5755,7 @@
           <p:cNvPr id="2" name="Title 1">
             <a:extLst>
               <a:ext uri="{FF2B5EF4-FFF2-40B4-BE49-F238E27FC236}">
-                <a16:creationId xmlns:a16="http://schemas.microsoft.com/office/drawing/2014/main" id="{36DCA713-615C-4277-AB75-D536E533B625}"/>
+                <a16:creationId xmlns:a16="http://schemas.microsoft.com/office/drawing/2014/main" id="{278CC4E3-307F-4BF4-837F-6D0DEBFC3915}"/>
               </a:ext>
             </a:extLst>
           </p:cNvPr>
@@ -5653,46 +5768,102 @@
         </p:nvSpPr>
         <p:spPr/>
         <p:txBody>
+          <a:bodyPr/>
+          <a:lstStyle/>
+          <a:p>
+            <a:r>
+              <a:rPr lang="en-US" dirty="0"/>
+              <a:t>Essential Calculations</a:t>
+            </a:r>
+          </a:p>
+        </p:txBody>
+      </p:sp>
+      <p:sp>
+        <p:nvSpPr>
+          <p:cNvPr id="3" name="Text Placeholder 2">
+            <a:extLst>
+              <a:ext uri="{FF2B5EF4-FFF2-40B4-BE49-F238E27FC236}">
+                <a16:creationId xmlns:a16="http://schemas.microsoft.com/office/drawing/2014/main" id="{18697F6F-CCD3-4FAC-B98A-203BFE420BF2}"/>
+              </a:ext>
+            </a:extLst>
+          </p:cNvPr>
+          <p:cNvSpPr>
+            <a:spLocks noGrp="1"/>
+          </p:cNvSpPr>
+          <p:nvPr>
+            <p:ph type="body" sz="quarter" idx="11"/>
+          </p:nvPr>
+        </p:nvSpPr>
+        <p:spPr/>
+        <p:txBody>
           <a:bodyPr>
-            <a:normAutofit fontScale="90000"/>
+            <a:normAutofit fontScale="85000" lnSpcReduction="20000"/>
           </a:bodyPr>
           <a:lstStyle/>
           <a:p>
             <a:r>
+              <a:rPr lang="en-US" b="1" dirty="0"/>
+              <a:t>Total Utility Calculation:</a:t>
+            </a:r>
+          </a:p>
+          <a:p>
+            <a:r>
               <a:rPr lang="en-US" dirty="0"/>
-              <a:t>Segmentation and Weighting – Segmentation	</a:t>
-            </a:r>
-          </a:p>
-        </p:txBody>
-      </p:sp>
-      <p:sp>
-        <p:nvSpPr>
-          <p:cNvPr id="3" name="Text Placeholder 2">
-            <a:extLst>
-              <a:ext uri="{FF2B5EF4-FFF2-40B4-BE49-F238E27FC236}">
-                <a16:creationId xmlns:a16="http://schemas.microsoft.com/office/drawing/2014/main" id="{41EF2E60-A8B2-4610-A13A-5ACFEFEAC1DC}"/>
-              </a:ext>
-            </a:extLst>
-          </p:cNvPr>
-          <p:cNvSpPr>
-            <a:spLocks noGrp="1"/>
-          </p:cNvSpPr>
-          <p:nvPr>
-            <p:ph type="body" sz="quarter" idx="11"/>
-          </p:nvPr>
-        </p:nvSpPr>
-        <p:spPr/>
-        <p:txBody>
-          <a:bodyPr/>
-          <a:lstStyle/>
+              <a:t>	Formula:</a:t>
+            </a:r>
+          </a:p>
+          <a:p>
+            <a:r>
+              <a:rPr lang="en-US" dirty="0"/>
+              <a:t>	Excel (standard):    =sum(a1:e1) </a:t>
+            </a:r>
+          </a:p>
+          <a:p>
+            <a:r>
+              <a:rPr lang="en-US" dirty="0"/>
+              <a:t>	Excel (array):            =MMULT(</a:t>
+            </a:r>
+            <a:r>
+              <a:rPr lang="en-US" dirty="0" err="1"/>
+              <a:t>Utilities,Design</a:t>
+            </a:r>
+            <a:r>
+              <a:rPr lang="en-US" dirty="0"/>
+              <a:t>)</a:t>
+            </a:r>
+          </a:p>
+          <a:p>
+            <a:r>
+              <a:rPr lang="en-US" b="1" dirty="0"/>
+              <a:t>Share of Preference:</a:t>
+            </a:r>
+          </a:p>
+          <a:p>
+            <a:r>
+              <a:rPr lang="en-US" dirty="0"/>
+              <a:t>	Formula: </a:t>
+            </a:r>
+          </a:p>
+          <a:p>
+            <a:r>
+              <a:rPr lang="en-US" dirty="0"/>
+              <a:t>	Excel (standard): =exp(a1)/(exp(a1)+exp(b1)+exp(c1)</a:t>
+            </a:r>
+          </a:p>
+          <a:p>
+            <a:r>
+              <a:rPr lang="en-US" dirty="0"/>
+              <a:t>	Excel (array):         =exp(a1:c1)/sum(exp(a1:c1))</a:t>
+            </a:r>
+          </a:p>
           <a:p>
             <a:endParaRPr lang="en-US" dirty="0"/>
           </a:p>
           <a:p>
-            <a:r>
-              <a:rPr lang="en-US" dirty="0"/>
-              <a:t>For building our simulators, segmentation is a matter of setting our weights equal to zero when the segment should be excluded.</a:t>
-            </a:r>
+            <a:endParaRPr lang="en-US" dirty="0"/>
+          </a:p>
+          <a:p>
+            <a:endParaRPr lang="en-US" dirty="0"/>
           </a:p>
         </p:txBody>
       </p:sp>
@@ -5701,7 +5872,7 @@
           <p:cNvPr id="4" name="Slide Number Placeholder 3">
             <a:extLst>
               <a:ext uri="{FF2B5EF4-FFF2-40B4-BE49-F238E27FC236}">
-                <a16:creationId xmlns:a16="http://schemas.microsoft.com/office/drawing/2014/main" id="{62816006-3A1E-4A4A-8782-9208D3590E81}"/>
+                <a16:creationId xmlns:a16="http://schemas.microsoft.com/office/drawing/2014/main" id="{1A38EA18-7A14-48E8-9285-07BD8664B2B9}"/>
               </a:ext>
             </a:extLst>
           </p:cNvPr>
@@ -5721,1071 +5892,6 @@
               <a:rPr lang="en-US" smtClean="0"/>
               <a:pPr/>
               <a:t>11</a:t>
-            </a:fld>
-            <a:endParaRPr lang="en-US" dirty="0"/>
-          </a:p>
-        </p:txBody>
-      </p:sp>
-    </p:spTree>
-    <p:extLst>
-      <p:ext uri="{BB962C8B-B14F-4D97-AF65-F5344CB8AC3E}">
-        <p14:creationId xmlns:p14="http://schemas.microsoft.com/office/powerpoint/2010/main" val="3752827672"/>
-      </p:ext>
-    </p:extLst>
-  </p:cSld>
-  <p:clrMapOvr>
-    <a:masterClrMapping/>
-  </p:clrMapOvr>
-</p:sld>
-</file>
-
-<file path=ppt/slides/slide12.xml><?xml version="1.0" encoding="utf-8"?>
-<p:sld xmlns:a="http://schemas.openxmlformats.org/drawingml/2006/main" xmlns:r="http://schemas.openxmlformats.org/officeDocument/2006/relationships" xmlns:p="http://schemas.openxmlformats.org/presentationml/2006/main">
-  <p:cSld>
-    <p:spTree>
-      <p:nvGrpSpPr>
-        <p:cNvPr id="1" name=""/>
-        <p:cNvGrpSpPr/>
-        <p:nvPr/>
-      </p:nvGrpSpPr>
-      <p:grpSpPr>
-        <a:xfrm>
-          <a:off x="0" y="0"/>
-          <a:ext cx="0" cy="0"/>
-          <a:chOff x="0" y="0"/>
-          <a:chExt cx="0" cy="0"/>
-        </a:xfrm>
-      </p:grpSpPr>
-      <p:sp>
-        <p:nvSpPr>
-          <p:cNvPr id="2" name="Title 1">
-            <a:extLst>
-              <a:ext uri="{FF2B5EF4-FFF2-40B4-BE49-F238E27FC236}">
-                <a16:creationId xmlns:a16="http://schemas.microsoft.com/office/drawing/2014/main" id="{95F1FCD0-C05D-41B4-8FBD-EC77E889443F}"/>
-              </a:ext>
-            </a:extLst>
-          </p:cNvPr>
-          <p:cNvSpPr>
-            <a:spLocks noGrp="1"/>
-          </p:cNvSpPr>
-          <p:nvPr>
-            <p:ph type="title"/>
-          </p:nvPr>
-        </p:nvSpPr>
-        <p:spPr/>
-        <p:txBody>
-          <a:bodyPr/>
-          <a:lstStyle/>
-          <a:p>
-            <a:r>
-              <a:rPr lang="en-US" dirty="0"/>
-              <a:t>Style Considerations	</a:t>
-            </a:r>
-          </a:p>
-        </p:txBody>
-      </p:sp>
-      <p:sp>
-        <p:nvSpPr>
-          <p:cNvPr id="3" name="Text Placeholder 2">
-            <a:extLst>
-              <a:ext uri="{FF2B5EF4-FFF2-40B4-BE49-F238E27FC236}">
-                <a16:creationId xmlns:a16="http://schemas.microsoft.com/office/drawing/2014/main" id="{AB2F0E6B-80E9-423A-AB61-140A6CB20330}"/>
-              </a:ext>
-            </a:extLst>
-          </p:cNvPr>
-          <p:cNvSpPr>
-            <a:spLocks noGrp="1"/>
-          </p:cNvSpPr>
-          <p:nvPr>
-            <p:ph type="body" sz="quarter" idx="11"/>
-          </p:nvPr>
-        </p:nvSpPr>
-        <p:spPr/>
-        <p:txBody>
-          <a:bodyPr/>
-          <a:lstStyle/>
-          <a:p>
-            <a:endParaRPr lang="en-US"/>
-          </a:p>
-        </p:txBody>
-      </p:sp>
-      <p:sp>
-        <p:nvSpPr>
-          <p:cNvPr id="4" name="Slide Number Placeholder 3">
-            <a:extLst>
-              <a:ext uri="{FF2B5EF4-FFF2-40B4-BE49-F238E27FC236}">
-                <a16:creationId xmlns:a16="http://schemas.microsoft.com/office/drawing/2014/main" id="{D9792AF3-406C-4A1E-81B5-59D2D9135B2C}"/>
-              </a:ext>
-            </a:extLst>
-          </p:cNvPr>
-          <p:cNvSpPr>
-            <a:spLocks noGrp="1"/>
-          </p:cNvSpPr>
-          <p:nvPr>
-            <p:ph type="sldNum" sz="quarter" idx="10"/>
-          </p:nvPr>
-        </p:nvSpPr>
-        <p:spPr/>
-        <p:txBody>
-          <a:bodyPr/>
-          <a:lstStyle/>
-          <a:p>
-            <a:fld id="{010B2668-03F4-4AF2-A4A7-833A47BBF1AE}" type="slidenum">
-              <a:rPr lang="en-US" smtClean="0"/>
-              <a:pPr/>
-              <a:t>12</a:t>
-            </a:fld>
-            <a:endParaRPr lang="en-US" dirty="0"/>
-          </a:p>
-        </p:txBody>
-      </p:sp>
-    </p:spTree>
-    <p:extLst>
-      <p:ext uri="{BB962C8B-B14F-4D97-AF65-F5344CB8AC3E}">
-        <p14:creationId xmlns:p14="http://schemas.microsoft.com/office/powerpoint/2010/main" val="809941715"/>
-      </p:ext>
-    </p:extLst>
-  </p:cSld>
-  <p:clrMapOvr>
-    <a:masterClrMapping/>
-  </p:clrMapOvr>
-</p:sld>
-</file>
-
-<file path=ppt/slides/slide13.xml><?xml version="1.0" encoding="utf-8"?>
-<p:sld xmlns:a="http://schemas.openxmlformats.org/drawingml/2006/main" xmlns:r="http://schemas.openxmlformats.org/officeDocument/2006/relationships" xmlns:p="http://schemas.openxmlformats.org/presentationml/2006/main">
-  <p:cSld>
-    <p:spTree>
-      <p:nvGrpSpPr>
-        <p:cNvPr id="1" name=""/>
-        <p:cNvGrpSpPr/>
-        <p:nvPr/>
-      </p:nvGrpSpPr>
-      <p:grpSpPr>
-        <a:xfrm>
-          <a:off x="0" y="0"/>
-          <a:ext cx="0" cy="0"/>
-          <a:chOff x="0" y="0"/>
-          <a:chExt cx="0" cy="0"/>
-        </a:xfrm>
-      </p:grpSpPr>
-      <p:sp>
-        <p:nvSpPr>
-          <p:cNvPr id="2" name="Title 1">
-            <a:extLst>
-              <a:ext uri="{FF2B5EF4-FFF2-40B4-BE49-F238E27FC236}">
-                <a16:creationId xmlns:a16="http://schemas.microsoft.com/office/drawing/2014/main" id="{4B0703F3-E25F-4DF5-9DE5-540B61F934DF}"/>
-              </a:ext>
-            </a:extLst>
-          </p:cNvPr>
-          <p:cNvSpPr>
-            <a:spLocks noGrp="1"/>
-          </p:cNvSpPr>
-          <p:nvPr>
-            <p:ph type="title"/>
-          </p:nvPr>
-        </p:nvSpPr>
-        <p:spPr/>
-        <p:txBody>
-          <a:bodyPr/>
-          <a:lstStyle/>
-          <a:p>
-            <a:r>
-              <a:rPr lang="en-US" dirty="0"/>
-              <a:t>Array Formulas</a:t>
-            </a:r>
-          </a:p>
-        </p:txBody>
-      </p:sp>
-      <p:sp>
-        <p:nvSpPr>
-          <p:cNvPr id="3" name="Text Placeholder 2">
-            <a:extLst>
-              <a:ext uri="{FF2B5EF4-FFF2-40B4-BE49-F238E27FC236}">
-                <a16:creationId xmlns:a16="http://schemas.microsoft.com/office/drawing/2014/main" id="{0AF12800-EBA8-45DE-A1F6-8880A94440E1}"/>
-              </a:ext>
-            </a:extLst>
-          </p:cNvPr>
-          <p:cNvSpPr>
-            <a:spLocks noGrp="1"/>
-          </p:cNvSpPr>
-          <p:nvPr>
-            <p:ph type="body" sz="quarter" idx="11"/>
-          </p:nvPr>
-        </p:nvSpPr>
-        <p:spPr/>
-        <p:txBody>
-          <a:bodyPr/>
-          <a:lstStyle/>
-          <a:p>
-            <a:r>
-              <a:rPr lang="en-US" dirty="0"/>
-              <a:t>Allows operations on many cells at once</a:t>
-            </a:r>
-          </a:p>
-          <a:p>
-            <a:r>
-              <a:rPr lang="en-US" dirty="0"/>
-              <a:t>Allows ‘arrays’ of cells to operate on each other</a:t>
-            </a:r>
-          </a:p>
-          <a:p>
-            <a:r>
-              <a:rPr lang="en-US" dirty="0" err="1"/>
-              <a:t>Control+Shift+Enter</a:t>
-            </a:r>
-            <a:endParaRPr lang="en-US" dirty="0"/>
-          </a:p>
-          <a:p>
-            <a:r>
-              <a:rPr lang="en-US" dirty="0"/>
-              <a:t>F9</a:t>
-            </a:r>
-          </a:p>
-          <a:p>
-            <a:endParaRPr lang="en-US" dirty="0"/>
-          </a:p>
-          <a:p>
-            <a:endParaRPr lang="en-US" dirty="0"/>
-          </a:p>
-        </p:txBody>
-      </p:sp>
-      <p:sp>
-        <p:nvSpPr>
-          <p:cNvPr id="4" name="Slide Number Placeholder 3">
-            <a:extLst>
-              <a:ext uri="{FF2B5EF4-FFF2-40B4-BE49-F238E27FC236}">
-                <a16:creationId xmlns:a16="http://schemas.microsoft.com/office/drawing/2014/main" id="{3C400E39-EFDA-4BE9-B2CF-02CCBCC09ABD}"/>
-              </a:ext>
-            </a:extLst>
-          </p:cNvPr>
-          <p:cNvSpPr>
-            <a:spLocks noGrp="1"/>
-          </p:cNvSpPr>
-          <p:nvPr>
-            <p:ph type="sldNum" sz="quarter" idx="10"/>
-          </p:nvPr>
-        </p:nvSpPr>
-        <p:spPr/>
-        <p:txBody>
-          <a:bodyPr/>
-          <a:lstStyle/>
-          <a:p>
-            <a:fld id="{010B2668-03F4-4AF2-A4A7-833A47BBF1AE}" type="slidenum">
-              <a:rPr lang="en-US" smtClean="0"/>
-              <a:pPr/>
-              <a:t>13</a:t>
-            </a:fld>
-            <a:endParaRPr lang="en-US" dirty="0"/>
-          </a:p>
-        </p:txBody>
-      </p:sp>
-    </p:spTree>
-    <p:extLst>
-      <p:ext uri="{BB962C8B-B14F-4D97-AF65-F5344CB8AC3E}">
-        <p14:creationId xmlns:p14="http://schemas.microsoft.com/office/powerpoint/2010/main" val="442292445"/>
-      </p:ext>
-    </p:extLst>
-  </p:cSld>
-  <p:clrMapOvr>
-    <a:masterClrMapping/>
-  </p:clrMapOvr>
-</p:sld>
-</file>
-
-<file path=ppt/slides/slide14.xml><?xml version="1.0" encoding="utf-8"?>
-<p:sld xmlns:a="http://schemas.openxmlformats.org/drawingml/2006/main" xmlns:r="http://schemas.openxmlformats.org/officeDocument/2006/relationships" xmlns:p="http://schemas.openxmlformats.org/presentationml/2006/main">
-  <p:cSld>
-    <p:spTree>
-      <p:nvGrpSpPr>
-        <p:cNvPr id="1" name=""/>
-        <p:cNvGrpSpPr/>
-        <p:nvPr/>
-      </p:nvGrpSpPr>
-      <p:grpSpPr>
-        <a:xfrm>
-          <a:off x="0" y="0"/>
-          <a:ext cx="0" cy="0"/>
-          <a:chOff x="0" y="0"/>
-          <a:chExt cx="0" cy="0"/>
-        </a:xfrm>
-      </p:grpSpPr>
-      <p:sp>
-        <p:nvSpPr>
-          <p:cNvPr id="2" name="Title 1">
-            <a:extLst>
-              <a:ext uri="{FF2B5EF4-FFF2-40B4-BE49-F238E27FC236}">
-                <a16:creationId xmlns:a16="http://schemas.microsoft.com/office/drawing/2014/main" id="{87FAFA62-4295-4A71-AF0B-F3D8A43D696E}"/>
-              </a:ext>
-            </a:extLst>
-          </p:cNvPr>
-          <p:cNvSpPr>
-            <a:spLocks noGrp="1"/>
-          </p:cNvSpPr>
-          <p:nvPr>
-            <p:ph type="title"/>
-          </p:nvPr>
-        </p:nvSpPr>
-        <p:spPr/>
-        <p:txBody>
-          <a:bodyPr>
-            <a:normAutofit fontScale="90000"/>
-          </a:bodyPr>
-          <a:lstStyle/>
-          <a:p>
-            <a:r>
-              <a:rPr lang="en-US" dirty="0"/>
-              <a:t>Named Ranges – Reuse common cell selections</a:t>
-            </a:r>
-          </a:p>
-        </p:txBody>
-      </p:sp>
-      <p:sp>
-        <p:nvSpPr>
-          <p:cNvPr id="4" name="Slide Number Placeholder 3">
-            <a:extLst>
-              <a:ext uri="{FF2B5EF4-FFF2-40B4-BE49-F238E27FC236}">
-                <a16:creationId xmlns:a16="http://schemas.microsoft.com/office/drawing/2014/main" id="{CBF595E1-E5D0-4886-AACE-BFB91C2CA4E2}"/>
-              </a:ext>
-            </a:extLst>
-          </p:cNvPr>
-          <p:cNvSpPr>
-            <a:spLocks noGrp="1"/>
-          </p:cNvSpPr>
-          <p:nvPr>
-            <p:ph type="sldNum" sz="quarter" idx="10"/>
-          </p:nvPr>
-        </p:nvSpPr>
-        <p:spPr/>
-        <p:txBody>
-          <a:bodyPr/>
-          <a:lstStyle/>
-          <a:p>
-            <a:fld id="{010B2668-03F4-4AF2-A4A7-833A47BBF1AE}" type="slidenum">
-              <a:rPr lang="en-US" smtClean="0"/>
-              <a:pPr/>
-              <a:t>14</a:t>
-            </a:fld>
-            <a:endParaRPr lang="en-US" dirty="0"/>
-          </a:p>
-        </p:txBody>
-      </p:sp>
-      <p:pic>
-        <p:nvPicPr>
-          <p:cNvPr id="6" name="Picture 5">
-            <a:extLst>
-              <a:ext uri="{FF2B5EF4-FFF2-40B4-BE49-F238E27FC236}">
-                <a16:creationId xmlns:a16="http://schemas.microsoft.com/office/drawing/2014/main" id="{0E5893F2-C14C-4EAA-83EA-0F07A6CF4F53}"/>
-              </a:ext>
-            </a:extLst>
-          </p:cNvPr>
-          <p:cNvPicPr>
-            <a:picLocks noChangeAspect="1"/>
-          </p:cNvPicPr>
-          <p:nvPr/>
-        </p:nvPicPr>
-        <p:blipFill>
-          <a:blip r:embed="rId2"/>
-          <a:stretch>
-            <a:fillRect/>
-          </a:stretch>
-        </p:blipFill>
-        <p:spPr>
-          <a:xfrm>
-            <a:off x="2180305" y="1329299"/>
-            <a:ext cx="8330941" cy="4931017"/>
-          </a:xfrm>
-          <a:prstGeom prst="rect">
-            <a:avLst/>
-          </a:prstGeom>
-        </p:spPr>
-      </p:pic>
-    </p:spTree>
-    <p:extLst>
-      <p:ext uri="{BB962C8B-B14F-4D97-AF65-F5344CB8AC3E}">
-        <p14:creationId xmlns:p14="http://schemas.microsoft.com/office/powerpoint/2010/main" val="379786197"/>
-      </p:ext>
-    </p:extLst>
-  </p:cSld>
-  <p:clrMapOvr>
-    <a:masterClrMapping/>
-  </p:clrMapOvr>
-</p:sld>
-</file>
-
-<file path=ppt/slides/slide15.xml><?xml version="1.0" encoding="utf-8"?>
-<p:sld xmlns:a="http://schemas.openxmlformats.org/drawingml/2006/main" xmlns:r="http://schemas.openxmlformats.org/officeDocument/2006/relationships" xmlns:p="http://schemas.openxmlformats.org/presentationml/2006/main">
-  <p:cSld>
-    <p:spTree>
-      <p:nvGrpSpPr>
-        <p:cNvPr id="1" name=""/>
-        <p:cNvGrpSpPr/>
-        <p:nvPr/>
-      </p:nvGrpSpPr>
-      <p:grpSpPr>
-        <a:xfrm>
-          <a:off x="0" y="0"/>
-          <a:ext cx="0" cy="0"/>
-          <a:chOff x="0" y="0"/>
-          <a:chExt cx="0" cy="0"/>
-        </a:xfrm>
-      </p:grpSpPr>
-      <p:sp>
-        <p:nvSpPr>
-          <p:cNvPr id="3" name="Text Placeholder 2">
-            <a:extLst>
-              <a:ext uri="{FF2B5EF4-FFF2-40B4-BE49-F238E27FC236}">
-                <a16:creationId xmlns:a16="http://schemas.microsoft.com/office/drawing/2014/main" id="{6CD85326-CDFC-4843-9EF5-A258E287B43E}"/>
-              </a:ext>
-            </a:extLst>
-          </p:cNvPr>
-          <p:cNvSpPr>
-            <a:spLocks noGrp="1"/>
-          </p:cNvSpPr>
-          <p:nvPr>
-            <p:ph type="body" sz="quarter" idx="10"/>
-          </p:nvPr>
-        </p:nvSpPr>
-        <p:spPr/>
-        <p:txBody>
-          <a:bodyPr/>
-          <a:lstStyle/>
-          <a:p>
-            <a:r>
-              <a:rPr lang="en-US" dirty="0"/>
-              <a:t>kenneth@sawtoothsoftware.com</a:t>
-            </a:r>
-          </a:p>
-          <a:p>
-            <a:r>
-              <a:rPr lang="en-US" dirty="0"/>
-              <a:t>www.sawtoothsoftware.com</a:t>
-            </a:r>
-          </a:p>
-          <a:p>
-            <a:r>
-              <a:rPr lang="en-US" dirty="0"/>
-              <a:t>+1 801 477 4700</a:t>
-            </a:r>
-          </a:p>
-        </p:txBody>
-      </p:sp>
-      <p:sp>
-        <p:nvSpPr>
-          <p:cNvPr id="4" name="Text Placeholder 3">
-            <a:extLst>
-              <a:ext uri="{FF2B5EF4-FFF2-40B4-BE49-F238E27FC236}">
-                <a16:creationId xmlns:a16="http://schemas.microsoft.com/office/drawing/2014/main" id="{6E24048A-26E0-4C57-BCDF-12AAC0D9F12B}"/>
-              </a:ext>
-            </a:extLst>
-          </p:cNvPr>
-          <p:cNvSpPr>
-            <a:spLocks noGrp="1"/>
-          </p:cNvSpPr>
-          <p:nvPr>
-            <p:ph type="body" sz="quarter" idx="11"/>
-          </p:nvPr>
-        </p:nvSpPr>
-        <p:spPr/>
-        <p:txBody>
-          <a:bodyPr/>
-          <a:lstStyle/>
-          <a:p>
-            <a:r>
-              <a:rPr lang="en-US" dirty="0"/>
-              <a:t>QUESTIONS?</a:t>
-            </a:r>
-          </a:p>
-        </p:txBody>
-      </p:sp>
-    </p:spTree>
-    <p:extLst>
-      <p:ext uri="{BB962C8B-B14F-4D97-AF65-F5344CB8AC3E}">
-        <p14:creationId xmlns:p14="http://schemas.microsoft.com/office/powerpoint/2010/main" val="1174939927"/>
-      </p:ext>
-    </p:extLst>
-  </p:cSld>
-  <p:clrMapOvr>
-    <a:masterClrMapping/>
-  </p:clrMapOvr>
-  <mc:AlternateContent xmlns:mc="http://schemas.openxmlformats.org/markup-compatibility/2006" xmlns:p14="http://schemas.microsoft.com/office/powerpoint/2010/main">
-    <mc:Choice Requires="p14">
-      <p:transition p14:dur="250">
-        <p:fade/>
-      </p:transition>
-    </mc:Choice>
-    <mc:Fallback xmlns="">
-      <p:transition>
-        <p:fade/>
-      </p:transition>
-    </mc:Fallback>
-  </mc:AlternateContent>
-</p:sld>
-</file>
-
-<file path=ppt/slides/slide2.xml><?xml version="1.0" encoding="utf-8"?>
-<p:sld xmlns:a="http://schemas.openxmlformats.org/drawingml/2006/main" xmlns:r="http://schemas.openxmlformats.org/officeDocument/2006/relationships" xmlns:p="http://schemas.openxmlformats.org/presentationml/2006/main">
-  <p:cSld>
-    <p:spTree>
-      <p:nvGrpSpPr>
-        <p:cNvPr id="1" name=""/>
-        <p:cNvGrpSpPr/>
-        <p:nvPr/>
-      </p:nvGrpSpPr>
-      <p:grpSpPr>
-        <a:xfrm>
-          <a:off x="0" y="0"/>
-          <a:ext cx="0" cy="0"/>
-          <a:chOff x="0" y="0"/>
-          <a:chExt cx="0" cy="0"/>
-        </a:xfrm>
-      </p:grpSpPr>
-      <p:sp>
-        <p:nvSpPr>
-          <p:cNvPr id="2" name="Title 1">
-            <a:extLst>
-              <a:ext uri="{FF2B5EF4-FFF2-40B4-BE49-F238E27FC236}">
-                <a16:creationId xmlns:a16="http://schemas.microsoft.com/office/drawing/2014/main" id="{CF502D37-0F0C-4B2E-B6F1-0E3A50D91C91}"/>
-              </a:ext>
-            </a:extLst>
-          </p:cNvPr>
-          <p:cNvSpPr>
-            <a:spLocks noGrp="1"/>
-          </p:cNvSpPr>
-          <p:nvPr>
-            <p:ph type="title"/>
-          </p:nvPr>
-        </p:nvSpPr>
-        <p:spPr/>
-        <p:txBody>
-          <a:bodyPr/>
-          <a:lstStyle/>
-          <a:p>
-            <a:r>
-              <a:rPr lang="en-US" dirty="0"/>
-              <a:t>Additional Files</a:t>
-            </a:r>
-          </a:p>
-        </p:txBody>
-      </p:sp>
-      <p:sp>
-        <p:nvSpPr>
-          <p:cNvPr id="3" name="Text Placeholder 2">
-            <a:extLst>
-              <a:ext uri="{FF2B5EF4-FFF2-40B4-BE49-F238E27FC236}">
-                <a16:creationId xmlns:a16="http://schemas.microsoft.com/office/drawing/2014/main" id="{72F789A8-35FD-4DA2-8347-685E5F13958A}"/>
-              </a:ext>
-            </a:extLst>
-          </p:cNvPr>
-          <p:cNvSpPr>
-            <a:spLocks noGrp="1"/>
-          </p:cNvSpPr>
-          <p:nvPr>
-            <p:ph type="body" sz="quarter" idx="11"/>
-          </p:nvPr>
-        </p:nvSpPr>
-        <p:spPr/>
-        <p:txBody>
-          <a:bodyPr/>
-          <a:lstStyle/>
-          <a:p>
-            <a:r>
-              <a:rPr lang="en-US" dirty="0">
-                <a:hlinkClick r:id="rId2"/>
-              </a:rPr>
-              <a:t>https://github.com/kpfairchild/ExcelSimulator</a:t>
-            </a:r>
-            <a:endParaRPr lang="en-US" dirty="0"/>
-          </a:p>
-        </p:txBody>
-      </p:sp>
-      <p:sp>
-        <p:nvSpPr>
-          <p:cNvPr id="4" name="Slide Number Placeholder 3">
-            <a:extLst>
-              <a:ext uri="{FF2B5EF4-FFF2-40B4-BE49-F238E27FC236}">
-                <a16:creationId xmlns:a16="http://schemas.microsoft.com/office/drawing/2014/main" id="{92577EA7-9910-4810-93A6-5FF3CD7C4CD5}"/>
-              </a:ext>
-            </a:extLst>
-          </p:cNvPr>
-          <p:cNvSpPr>
-            <a:spLocks noGrp="1"/>
-          </p:cNvSpPr>
-          <p:nvPr>
-            <p:ph type="sldNum" sz="quarter" idx="10"/>
-          </p:nvPr>
-        </p:nvSpPr>
-        <p:spPr/>
-        <p:txBody>
-          <a:bodyPr/>
-          <a:lstStyle/>
-          <a:p>
-            <a:fld id="{010B2668-03F4-4AF2-A4A7-833A47BBF1AE}" type="slidenum">
-              <a:rPr lang="en-US" smtClean="0"/>
-              <a:pPr/>
-              <a:t>2</a:t>
-            </a:fld>
-            <a:endParaRPr lang="en-US" dirty="0"/>
-          </a:p>
-        </p:txBody>
-      </p:sp>
-    </p:spTree>
-    <p:extLst>
-      <p:ext uri="{BB962C8B-B14F-4D97-AF65-F5344CB8AC3E}">
-        <p14:creationId xmlns:p14="http://schemas.microsoft.com/office/powerpoint/2010/main" val="4215298468"/>
-      </p:ext>
-    </p:extLst>
-  </p:cSld>
-  <p:clrMapOvr>
-    <a:masterClrMapping/>
-  </p:clrMapOvr>
-</p:sld>
-</file>
-
-<file path=ppt/slides/slide3.xml><?xml version="1.0" encoding="utf-8"?>
-<p:sld xmlns:a="http://schemas.openxmlformats.org/drawingml/2006/main" xmlns:r="http://schemas.openxmlformats.org/officeDocument/2006/relationships" xmlns:p="http://schemas.openxmlformats.org/presentationml/2006/main">
-  <p:cSld>
-    <p:spTree>
-      <p:nvGrpSpPr>
-        <p:cNvPr id="1" name=""/>
-        <p:cNvGrpSpPr/>
-        <p:nvPr/>
-      </p:nvGrpSpPr>
-      <p:grpSpPr>
-        <a:xfrm>
-          <a:off x="0" y="0"/>
-          <a:ext cx="0" cy="0"/>
-          <a:chOff x="0" y="0"/>
-          <a:chExt cx="0" cy="0"/>
-        </a:xfrm>
-      </p:grpSpPr>
-      <p:sp>
-        <p:nvSpPr>
-          <p:cNvPr id="2" name="Title 1">
-            <a:extLst>
-              <a:ext uri="{FF2B5EF4-FFF2-40B4-BE49-F238E27FC236}">
-                <a16:creationId xmlns:a16="http://schemas.microsoft.com/office/drawing/2014/main" id="{35B0FE23-F5B7-4D61-ABDE-952E79F6DCB6}"/>
-              </a:ext>
-            </a:extLst>
-          </p:cNvPr>
-          <p:cNvSpPr>
-            <a:spLocks noGrp="1"/>
-          </p:cNvSpPr>
-          <p:nvPr>
-            <p:ph type="title"/>
-          </p:nvPr>
-        </p:nvSpPr>
-        <p:spPr/>
-        <p:txBody>
-          <a:bodyPr>
-            <a:normAutofit/>
-          </a:bodyPr>
-          <a:lstStyle/>
-          <a:p>
-            <a:r>
-              <a:rPr lang="en-US" dirty="0"/>
-              <a:t>Topics we’ll cover</a:t>
-            </a:r>
-          </a:p>
-        </p:txBody>
-      </p:sp>
-      <p:sp>
-        <p:nvSpPr>
-          <p:cNvPr id="3" name="Text Placeholder 2">
-            <a:extLst>
-              <a:ext uri="{FF2B5EF4-FFF2-40B4-BE49-F238E27FC236}">
-                <a16:creationId xmlns:a16="http://schemas.microsoft.com/office/drawing/2014/main" id="{F00EBF3E-E85D-429A-9FE7-B957B87DE669}"/>
-              </a:ext>
-            </a:extLst>
-          </p:cNvPr>
-          <p:cNvSpPr>
-            <a:spLocks noGrp="1"/>
-          </p:cNvSpPr>
-          <p:nvPr>
-            <p:ph type="body" sz="quarter" idx="11"/>
-          </p:nvPr>
-        </p:nvSpPr>
-        <p:spPr/>
-        <p:txBody>
-          <a:bodyPr>
-            <a:normAutofit fontScale="92500" lnSpcReduction="10000"/>
-          </a:bodyPr>
-          <a:lstStyle/>
-          <a:p>
-            <a:r>
-              <a:rPr lang="en-US" dirty="0"/>
-              <a:t>Why Excel?</a:t>
-            </a:r>
-          </a:p>
-          <a:p>
-            <a:r>
-              <a:rPr lang="en-US" dirty="0"/>
-              <a:t>Essential Calculations</a:t>
-            </a:r>
-          </a:p>
-          <a:p>
-            <a:r>
-              <a:rPr lang="en-US" dirty="0"/>
-              <a:t>Segmentation and Weighting</a:t>
-            </a:r>
-          </a:p>
-          <a:p>
-            <a:r>
-              <a:rPr lang="en-US" dirty="0"/>
-              <a:t>Style Considerations</a:t>
-            </a:r>
-          </a:p>
-          <a:p>
-            <a:r>
-              <a:rPr lang="en-US" dirty="0"/>
-              <a:t>Array Formulas</a:t>
-            </a:r>
-          </a:p>
-          <a:p>
-            <a:r>
-              <a:rPr lang="en-US" dirty="0"/>
-              <a:t>Named Ranges</a:t>
-            </a:r>
-          </a:p>
-          <a:p>
-            <a:r>
-              <a:rPr lang="en-US" dirty="0"/>
-              <a:t>Putting it all Together</a:t>
-            </a:r>
-          </a:p>
-          <a:p>
-            <a:endParaRPr lang="en-US" dirty="0"/>
-          </a:p>
-        </p:txBody>
-      </p:sp>
-      <p:sp>
-        <p:nvSpPr>
-          <p:cNvPr id="4" name="Slide Number Placeholder 3">
-            <a:extLst>
-              <a:ext uri="{FF2B5EF4-FFF2-40B4-BE49-F238E27FC236}">
-                <a16:creationId xmlns:a16="http://schemas.microsoft.com/office/drawing/2014/main" id="{CF0A6089-3A74-40EE-85E0-759BDDA1D31E}"/>
-              </a:ext>
-            </a:extLst>
-          </p:cNvPr>
-          <p:cNvSpPr>
-            <a:spLocks noGrp="1"/>
-          </p:cNvSpPr>
-          <p:nvPr>
-            <p:ph type="sldNum" sz="quarter" idx="10"/>
-          </p:nvPr>
-        </p:nvSpPr>
-        <p:spPr/>
-        <p:txBody>
-          <a:bodyPr/>
-          <a:lstStyle/>
-          <a:p>
-            <a:fld id="{010B2668-03F4-4AF2-A4A7-833A47BBF1AE}" type="slidenum">
-              <a:rPr lang="en-US" smtClean="0"/>
-              <a:pPr/>
-              <a:t>3</a:t>
-            </a:fld>
-            <a:endParaRPr lang="en-US" dirty="0"/>
-          </a:p>
-        </p:txBody>
-      </p:sp>
-    </p:spTree>
-    <p:extLst>
-      <p:ext uri="{BB962C8B-B14F-4D97-AF65-F5344CB8AC3E}">
-        <p14:creationId xmlns:p14="http://schemas.microsoft.com/office/powerpoint/2010/main" val="4129805339"/>
-      </p:ext>
-    </p:extLst>
-  </p:cSld>
-  <p:clrMapOvr>
-    <a:masterClrMapping/>
-  </p:clrMapOvr>
-</p:sld>
-</file>
-
-<file path=ppt/slides/slide4.xml><?xml version="1.0" encoding="utf-8"?>
-<p:sld xmlns:a="http://schemas.openxmlformats.org/drawingml/2006/main" xmlns:r="http://schemas.openxmlformats.org/officeDocument/2006/relationships" xmlns:p="http://schemas.openxmlformats.org/presentationml/2006/main">
-  <p:cSld>
-    <p:spTree>
-      <p:nvGrpSpPr>
-        <p:cNvPr id="1" name=""/>
-        <p:cNvGrpSpPr/>
-        <p:nvPr/>
-      </p:nvGrpSpPr>
-      <p:grpSpPr>
-        <a:xfrm>
-          <a:off x="0" y="0"/>
-          <a:ext cx="0" cy="0"/>
-          <a:chOff x="0" y="0"/>
-          <a:chExt cx="0" cy="0"/>
-        </a:xfrm>
-      </p:grpSpPr>
-      <p:sp>
-        <p:nvSpPr>
-          <p:cNvPr id="2" name="Title 1">
-            <a:extLst>
-              <a:ext uri="{FF2B5EF4-FFF2-40B4-BE49-F238E27FC236}">
-                <a16:creationId xmlns:a16="http://schemas.microsoft.com/office/drawing/2014/main" id="{4D41A463-4275-4E35-87A9-9AADF94A064A}"/>
-              </a:ext>
-            </a:extLst>
-          </p:cNvPr>
-          <p:cNvSpPr>
-            <a:spLocks noGrp="1"/>
-          </p:cNvSpPr>
-          <p:nvPr>
-            <p:ph type="title"/>
-          </p:nvPr>
-        </p:nvSpPr>
-        <p:spPr>
-          <a:xfrm>
-            <a:off x="1000460" y="242682"/>
-            <a:ext cx="10101431" cy="1060092"/>
-          </a:xfrm>
-        </p:spPr>
-        <p:txBody>
-          <a:bodyPr/>
-          <a:lstStyle/>
-          <a:p>
-            <a:r>
-              <a:rPr lang="en-US" dirty="0"/>
-              <a:t>Why Excel?</a:t>
-            </a:r>
-          </a:p>
-        </p:txBody>
-      </p:sp>
-      <p:sp>
-        <p:nvSpPr>
-          <p:cNvPr id="3" name="Text Placeholder 2">
-            <a:extLst>
-              <a:ext uri="{FF2B5EF4-FFF2-40B4-BE49-F238E27FC236}">
-                <a16:creationId xmlns:a16="http://schemas.microsoft.com/office/drawing/2014/main" id="{9EA3F4C7-38E0-4693-B522-347E30E7251B}"/>
-              </a:ext>
-            </a:extLst>
-          </p:cNvPr>
-          <p:cNvSpPr>
-            <a:spLocks noGrp="1"/>
-          </p:cNvSpPr>
-          <p:nvPr>
-            <p:ph type="body" sz="quarter" idx="11"/>
-          </p:nvPr>
-        </p:nvSpPr>
-        <p:spPr/>
-        <p:txBody>
-          <a:bodyPr>
-            <a:normAutofit/>
-          </a:bodyPr>
-          <a:lstStyle/>
-          <a:p>
-            <a:r>
-              <a:rPr lang="en-US" dirty="0"/>
-              <a:t>We have lots of simulator options:</a:t>
-            </a:r>
-          </a:p>
-          <a:p>
-            <a:pPr marL="457200" indent="-457200">
-              <a:buFont typeface="Arial" panose="020B0604020202020204" pitchFamily="34" charset="0"/>
-              <a:buChar char="•"/>
-            </a:pPr>
-            <a:r>
-              <a:rPr lang="en-US" dirty="0"/>
-              <a:t>Lighthouse - Most powerful</a:t>
-            </a:r>
-          </a:p>
-          <a:p>
-            <a:pPr marL="457200" indent="-457200">
-              <a:buFont typeface="Arial" panose="020B0604020202020204" pitchFamily="34" charset="0"/>
-              <a:buChar char="•"/>
-            </a:pPr>
-            <a:r>
-              <a:rPr lang="en-US" dirty="0"/>
-              <a:t>sawtoothsimulator.com - Most online!</a:t>
-            </a:r>
-          </a:p>
-          <a:p>
-            <a:pPr marL="457200" indent="-457200">
-              <a:buFont typeface="Arial" panose="020B0604020202020204" pitchFamily="34" charset="0"/>
-              <a:buChar char="•"/>
-            </a:pPr>
-            <a:r>
-              <a:rPr lang="en-US" dirty="0"/>
-              <a:t>Lighthouse Excel export - Easy option, less flexible, not client ready</a:t>
-            </a:r>
-          </a:p>
-          <a:p>
-            <a:pPr marL="457200" indent="-457200">
-              <a:buFont typeface="Arial" panose="020B0604020202020204" pitchFamily="34" charset="0"/>
-              <a:buChar char="•"/>
-            </a:pPr>
-            <a:r>
-              <a:rPr lang="en-US" dirty="0"/>
-              <a:t>Custom Excel Simulator – Fully customizable, easy to give to clients</a:t>
-            </a:r>
-          </a:p>
-          <a:p>
-            <a:pPr marL="457200" indent="-457200">
-              <a:buFont typeface="Arial" panose="020B0604020202020204" pitchFamily="34" charset="0"/>
-              <a:buChar char="•"/>
-            </a:pPr>
-            <a:endParaRPr lang="en-US" dirty="0"/>
-          </a:p>
-        </p:txBody>
-      </p:sp>
-      <p:sp>
-        <p:nvSpPr>
-          <p:cNvPr id="4" name="Slide Number Placeholder 3">
-            <a:extLst>
-              <a:ext uri="{FF2B5EF4-FFF2-40B4-BE49-F238E27FC236}">
-                <a16:creationId xmlns:a16="http://schemas.microsoft.com/office/drawing/2014/main" id="{5B7433F2-EAB1-4C10-B9B1-791DF1571196}"/>
-              </a:ext>
-            </a:extLst>
-          </p:cNvPr>
-          <p:cNvSpPr>
-            <a:spLocks noGrp="1"/>
-          </p:cNvSpPr>
-          <p:nvPr>
-            <p:ph type="sldNum" sz="quarter" idx="10"/>
-          </p:nvPr>
-        </p:nvSpPr>
-        <p:spPr/>
-        <p:txBody>
-          <a:bodyPr/>
-          <a:lstStyle/>
-          <a:p>
-            <a:fld id="{010B2668-03F4-4AF2-A4A7-833A47BBF1AE}" type="slidenum">
-              <a:rPr lang="en-US" smtClean="0"/>
-              <a:pPr/>
-              <a:t>4</a:t>
-            </a:fld>
-            <a:endParaRPr lang="en-US" dirty="0"/>
-          </a:p>
-        </p:txBody>
-      </p:sp>
-    </p:spTree>
-    <p:extLst>
-      <p:ext uri="{BB962C8B-B14F-4D97-AF65-F5344CB8AC3E}">
-        <p14:creationId xmlns:p14="http://schemas.microsoft.com/office/powerpoint/2010/main" val="3816925926"/>
-      </p:ext>
-    </p:extLst>
-  </p:cSld>
-  <p:clrMapOvr>
-    <a:masterClrMapping/>
-  </p:clrMapOvr>
-</p:sld>
-</file>
-
-<file path=ppt/slides/slide5.xml><?xml version="1.0" encoding="utf-8"?>
-<p:sld xmlns:a="http://schemas.openxmlformats.org/drawingml/2006/main" xmlns:r="http://schemas.openxmlformats.org/officeDocument/2006/relationships" xmlns:p="http://schemas.openxmlformats.org/presentationml/2006/main">
-  <p:cSld>
-    <p:spTree>
-      <p:nvGrpSpPr>
-        <p:cNvPr id="1" name=""/>
-        <p:cNvGrpSpPr/>
-        <p:nvPr/>
-      </p:nvGrpSpPr>
-      <p:grpSpPr>
-        <a:xfrm>
-          <a:off x="0" y="0"/>
-          <a:ext cx="0" cy="0"/>
-          <a:chOff x="0" y="0"/>
-          <a:chExt cx="0" cy="0"/>
-        </a:xfrm>
-      </p:grpSpPr>
-      <p:sp>
-        <p:nvSpPr>
-          <p:cNvPr id="2" name="Title 1">
-            <a:extLst>
-              <a:ext uri="{FF2B5EF4-FFF2-40B4-BE49-F238E27FC236}">
-                <a16:creationId xmlns:a16="http://schemas.microsoft.com/office/drawing/2014/main" id="{278CC4E3-307F-4BF4-837F-6D0DEBFC3915}"/>
-              </a:ext>
-            </a:extLst>
-          </p:cNvPr>
-          <p:cNvSpPr>
-            <a:spLocks noGrp="1"/>
-          </p:cNvSpPr>
-          <p:nvPr>
-            <p:ph type="title"/>
-          </p:nvPr>
-        </p:nvSpPr>
-        <p:spPr/>
-        <p:txBody>
-          <a:bodyPr/>
-          <a:lstStyle/>
-          <a:p>
-            <a:r>
-              <a:rPr lang="en-US" dirty="0"/>
-              <a:t>Essential Calculations</a:t>
-            </a:r>
-          </a:p>
-        </p:txBody>
-      </p:sp>
-      <p:sp>
-        <p:nvSpPr>
-          <p:cNvPr id="3" name="Text Placeholder 2">
-            <a:extLst>
-              <a:ext uri="{FF2B5EF4-FFF2-40B4-BE49-F238E27FC236}">
-                <a16:creationId xmlns:a16="http://schemas.microsoft.com/office/drawing/2014/main" id="{18697F6F-CCD3-4FAC-B98A-203BFE420BF2}"/>
-              </a:ext>
-            </a:extLst>
-          </p:cNvPr>
-          <p:cNvSpPr>
-            <a:spLocks noGrp="1"/>
-          </p:cNvSpPr>
-          <p:nvPr>
-            <p:ph type="body" sz="quarter" idx="11"/>
-          </p:nvPr>
-        </p:nvSpPr>
-        <p:spPr/>
-        <p:txBody>
-          <a:bodyPr>
-            <a:normAutofit/>
-          </a:bodyPr>
-          <a:lstStyle/>
-          <a:p>
-            <a:r>
-              <a:rPr lang="en-US" dirty="0"/>
-              <a:t>Total Utility Calculation:</a:t>
-            </a:r>
-          </a:p>
-          <a:p>
-            <a:endParaRPr lang="en-US" dirty="0"/>
-          </a:p>
-          <a:p>
-            <a:endParaRPr lang="en-US" dirty="0"/>
-          </a:p>
-          <a:p>
-            <a:r>
-              <a:rPr lang="en-US" dirty="0"/>
-              <a:t>Share of Preference:</a:t>
-            </a:r>
-          </a:p>
-          <a:p>
-            <a:endParaRPr lang="en-US" dirty="0"/>
-          </a:p>
-        </p:txBody>
-      </p:sp>
-      <p:sp>
-        <p:nvSpPr>
-          <p:cNvPr id="4" name="Slide Number Placeholder 3">
-            <a:extLst>
-              <a:ext uri="{FF2B5EF4-FFF2-40B4-BE49-F238E27FC236}">
-                <a16:creationId xmlns:a16="http://schemas.microsoft.com/office/drawing/2014/main" id="{1A38EA18-7A14-48E8-9285-07BD8664B2B9}"/>
-              </a:ext>
-            </a:extLst>
-          </p:cNvPr>
-          <p:cNvSpPr>
-            <a:spLocks noGrp="1"/>
-          </p:cNvSpPr>
-          <p:nvPr>
-            <p:ph type="sldNum" sz="quarter" idx="10"/>
-          </p:nvPr>
-        </p:nvSpPr>
-        <p:spPr/>
-        <p:txBody>
-          <a:bodyPr/>
-          <a:lstStyle/>
-          <a:p>
-            <a:fld id="{010B2668-03F4-4AF2-A4A7-833A47BBF1AE}" type="slidenum">
-              <a:rPr lang="en-US" smtClean="0"/>
-              <a:pPr/>
-              <a:t>5</a:t>
             </a:fld>
             <a:endParaRPr lang="en-US" dirty="0"/>
           </a:p>
@@ -6820,8 +5926,8 @@
         </p:blipFill>
         <p:spPr bwMode="auto">
           <a:xfrm>
-            <a:off x="2172880" y="4504933"/>
-            <a:ext cx="7477125" cy="1019175"/>
+            <a:off x="3457574" y="4250006"/>
+            <a:ext cx="5735230" cy="781745"/>
           </a:xfrm>
           <a:prstGeom prst="rect">
             <a:avLst/>
@@ -6867,8 +5973,8 @@
         </p:blipFill>
         <p:spPr bwMode="auto">
           <a:xfrm>
-            <a:off x="1873104" y="2353681"/>
-            <a:ext cx="9620250" cy="447675"/>
+            <a:off x="3605851" y="2171700"/>
+            <a:ext cx="7328848" cy="341045"/>
           </a:xfrm>
           <a:prstGeom prst="rect">
             <a:avLst/>
@@ -6898,7 +6004,7 @@
 </p:sld>
 </file>
 
-<file path=ppt/slides/slide6.xml><?xml version="1.0" encoding="utf-8"?>
+<file path=ppt/slides/slide12.xml><?xml version="1.0" encoding="utf-8"?>
 <p:sld xmlns:a="http://schemas.openxmlformats.org/drawingml/2006/main" xmlns:r="http://schemas.openxmlformats.org/officeDocument/2006/relationships" xmlns:p="http://schemas.openxmlformats.org/presentationml/2006/main">
   <p:cSld>
     <p:spTree>
@@ -6981,7 +6087,10 @@
             <a:endParaRPr lang="en-US" dirty="0"/>
           </a:p>
           <a:p>
-            <a:endParaRPr lang="en-US" dirty="0"/>
+            <a:r>
+              <a:rPr lang="en-US" dirty="0"/>
+              <a:t>	Excel (standard): sum(A:A)/count(A:A)</a:t>
+            </a:r>
           </a:p>
         </p:txBody>
       </p:sp>
@@ -7009,7 +6118,7 @@
             <a:fld id="{010B2668-03F4-4AF2-A4A7-833A47BBF1AE}" type="slidenum">
               <a:rPr lang="en-US" smtClean="0"/>
               <a:pPr/>
-              <a:t>6</a:t>
+              <a:t>12</a:t>
             </a:fld>
             <a:endParaRPr lang="en-US" dirty="0"/>
           </a:p>
@@ -7075,7 +6184,7 @@
 </p:sld>
 </file>
 
-<file path=ppt/slides/slide7.xml><?xml version="1.0" encoding="utf-8"?>
+<file path=ppt/slides/slide13.xml><?xml version="1.0" encoding="utf-8"?>
 <p:sld xmlns:a="http://schemas.openxmlformats.org/drawingml/2006/main" xmlns:r="http://schemas.openxmlformats.org/officeDocument/2006/relationships" xmlns:p="http://schemas.openxmlformats.org/presentationml/2006/main">
   <p:cSld>
     <p:spTree>
@@ -7188,7 +6297,7 @@
             <a:fld id="{010B2668-03F4-4AF2-A4A7-833A47BBF1AE}" type="slidenum">
               <a:rPr lang="en-US" smtClean="0"/>
               <a:pPr/>
-              <a:t>7</a:t>
+              <a:t>13</a:t>
             </a:fld>
             <a:endParaRPr lang="en-US" dirty="0"/>
           </a:p>
@@ -7207,7 +6316,7 @@
 </p:sld>
 </file>
 
-<file path=ppt/slides/slide8.xml><?xml version="1.0" encoding="utf-8"?>
+<file path=ppt/slides/slide14.xml><?xml version="1.0" encoding="utf-8"?>
 <p:sld xmlns:a="http://schemas.openxmlformats.org/drawingml/2006/main" xmlns:r="http://schemas.openxmlformats.org/officeDocument/2006/relationships" xmlns:p="http://schemas.openxmlformats.org/presentationml/2006/main">
   <p:cSld>
     <p:spTree>
@@ -7313,7 +6422,7 @@
             <a:fld id="{010B2668-03F4-4AF2-A4A7-833A47BBF1AE}" type="slidenum">
               <a:rPr lang="en-US" smtClean="0"/>
               <a:pPr/>
-              <a:t>8</a:t>
+              <a:t>14</a:t>
             </a:fld>
             <a:endParaRPr lang="en-US" dirty="0"/>
           </a:p>
@@ -7379,7 +6488,7 @@
 </p:sld>
 </file>
 
-<file path=ppt/slides/slide9.xml><?xml version="1.0" encoding="utf-8"?>
+<file path=ppt/slides/slide15.xml><?xml version="1.0" encoding="utf-8"?>
 <p:sld xmlns:a="http://schemas.openxmlformats.org/drawingml/2006/main" xmlns:r="http://schemas.openxmlformats.org/officeDocument/2006/relationships" xmlns:p="http://schemas.openxmlformats.org/presentationml/2006/main">
   <p:cSld>
     <p:spTree>
@@ -7442,7 +6551,12 @@
             <p:ph type="body" sz="quarter" idx="11"/>
           </p:nvPr>
         </p:nvSpPr>
-        <p:spPr/>
+        <p:spPr>
+          <a:xfrm>
+            <a:off x="1000125" y="1545454"/>
+            <a:ext cx="10101263" cy="4714861"/>
+          </a:xfrm>
+        </p:spPr>
         <p:txBody>
           <a:bodyPr/>
           <a:lstStyle/>
@@ -7451,6 +6565,18 @@
               <a:rPr lang="en-US" dirty="0"/>
               <a:t>Regular Average with weights shown:</a:t>
             </a:r>
+          </a:p>
+          <a:p>
+            <a:endParaRPr lang="en-US" dirty="0"/>
+          </a:p>
+          <a:p>
+            <a:endParaRPr lang="en-US" dirty="0"/>
+          </a:p>
+          <a:p>
+            <a:endParaRPr lang="en-US" dirty="0"/>
+          </a:p>
+          <a:p>
+            <a:endParaRPr lang="en-US" dirty="0"/>
           </a:p>
           <a:p>
             <a:endParaRPr lang="en-US" dirty="0"/>
@@ -7481,7 +6607,7 @@
             <a:fld id="{010B2668-03F4-4AF2-A4A7-833A47BBF1AE}" type="slidenum">
               <a:rPr lang="en-US" smtClean="0"/>
               <a:pPr/>
-              <a:t>9</a:t>
+              <a:t>15</a:t>
             </a:fld>
             <a:endParaRPr lang="en-US" dirty="0"/>
           </a:p>
@@ -7538,6 +6664,2031 @@
     <p:extLst>
       <p:ext uri="{BB962C8B-B14F-4D97-AF65-F5344CB8AC3E}">
         <p14:creationId xmlns:p14="http://schemas.microsoft.com/office/powerpoint/2010/main" val="2140019076"/>
+      </p:ext>
+    </p:extLst>
+  </p:cSld>
+  <p:clrMapOvr>
+    <a:masterClrMapping/>
+  </p:clrMapOvr>
+</p:sld>
+</file>
+
+<file path=ppt/slides/slide16.xml><?xml version="1.0" encoding="utf-8"?>
+<p:sld xmlns:a="http://schemas.openxmlformats.org/drawingml/2006/main" xmlns:r="http://schemas.openxmlformats.org/officeDocument/2006/relationships" xmlns:p="http://schemas.openxmlformats.org/presentationml/2006/main">
+  <p:cSld>
+    <p:spTree>
+      <p:nvGrpSpPr>
+        <p:cNvPr id="1" name=""/>
+        <p:cNvGrpSpPr/>
+        <p:nvPr/>
+      </p:nvGrpSpPr>
+      <p:grpSpPr>
+        <a:xfrm>
+          <a:off x="0" y="0"/>
+          <a:ext cx="0" cy="0"/>
+          <a:chOff x="0" y="0"/>
+          <a:chExt cx="0" cy="0"/>
+        </a:xfrm>
+      </p:grpSpPr>
+      <p:sp>
+        <p:nvSpPr>
+          <p:cNvPr id="5" name="Title 4">
+            <a:extLst>
+              <a:ext uri="{FF2B5EF4-FFF2-40B4-BE49-F238E27FC236}">
+                <a16:creationId xmlns:a16="http://schemas.microsoft.com/office/drawing/2014/main" id="{EFD6FED5-482C-4D3A-8839-736C514EE8A4}"/>
+              </a:ext>
+            </a:extLst>
+          </p:cNvPr>
+          <p:cNvSpPr>
+            <a:spLocks noGrp="1"/>
+          </p:cNvSpPr>
+          <p:nvPr>
+            <p:ph type="title"/>
+          </p:nvPr>
+        </p:nvSpPr>
+        <p:spPr/>
+        <p:txBody>
+          <a:bodyPr>
+            <a:normAutofit fontScale="90000"/>
+          </a:bodyPr>
+          <a:lstStyle/>
+          <a:p>
+            <a:r>
+              <a:rPr lang="en-US" dirty="0"/>
+              <a:t>Segmentation and Weighting – Review Averages</a:t>
+            </a:r>
+          </a:p>
+        </p:txBody>
+      </p:sp>
+      <p:sp>
+        <p:nvSpPr>
+          <p:cNvPr id="6" name="Text Placeholder 5">
+            <a:extLst>
+              <a:ext uri="{FF2B5EF4-FFF2-40B4-BE49-F238E27FC236}">
+                <a16:creationId xmlns:a16="http://schemas.microsoft.com/office/drawing/2014/main" id="{CCF8D961-26CA-4A79-A9EF-DC7C9F441911}"/>
+              </a:ext>
+            </a:extLst>
+          </p:cNvPr>
+          <p:cNvSpPr>
+            <a:spLocks noGrp="1"/>
+          </p:cNvSpPr>
+          <p:nvPr>
+            <p:ph type="body" sz="quarter" idx="11"/>
+          </p:nvPr>
+        </p:nvSpPr>
+        <p:spPr/>
+        <p:txBody>
+          <a:bodyPr>
+            <a:normAutofit fontScale="92500" lnSpcReduction="10000"/>
+          </a:bodyPr>
+          <a:lstStyle/>
+          <a:p>
+            <a:r>
+              <a:rPr lang="en-US" dirty="0"/>
+              <a:t>Weighted Average with weights shown:</a:t>
+            </a:r>
+          </a:p>
+          <a:p>
+            <a:endParaRPr lang="en-US" dirty="0"/>
+          </a:p>
+          <a:p>
+            <a:endParaRPr lang="en-US" dirty="0"/>
+          </a:p>
+          <a:p>
+            <a:endParaRPr lang="en-US" dirty="0"/>
+          </a:p>
+          <a:p>
+            <a:endParaRPr lang="en-US" dirty="0"/>
+          </a:p>
+          <a:p>
+            <a:endParaRPr lang="en-US" dirty="0"/>
+          </a:p>
+          <a:p>
+            <a:r>
+              <a:rPr lang="en-US" dirty="0"/>
+              <a:t>Excel(array + named ranges): =sum(weights*values)/sum(weights)</a:t>
+            </a:r>
+          </a:p>
+          <a:p>
+            <a:endParaRPr lang="en-US" dirty="0"/>
+          </a:p>
+          <a:p>
+            <a:endParaRPr lang="en-US" dirty="0"/>
+          </a:p>
+        </p:txBody>
+      </p:sp>
+      <p:sp>
+        <p:nvSpPr>
+          <p:cNvPr id="4" name="Slide Number Placeholder 3">
+            <a:extLst>
+              <a:ext uri="{FF2B5EF4-FFF2-40B4-BE49-F238E27FC236}">
+                <a16:creationId xmlns:a16="http://schemas.microsoft.com/office/drawing/2014/main" id="{AF82B9A4-ED7D-44BA-9ED1-A12C0E69A8CC}"/>
+              </a:ext>
+            </a:extLst>
+          </p:cNvPr>
+          <p:cNvSpPr>
+            <a:spLocks noGrp="1"/>
+          </p:cNvSpPr>
+          <p:nvPr>
+            <p:ph type="sldNum" sz="quarter" idx="10"/>
+          </p:nvPr>
+        </p:nvSpPr>
+        <p:spPr/>
+        <p:txBody>
+          <a:bodyPr/>
+          <a:lstStyle/>
+          <a:p>
+            <a:fld id="{010B2668-03F4-4AF2-A4A7-833A47BBF1AE}" type="slidenum">
+              <a:rPr lang="en-US" smtClean="0"/>
+              <a:pPr/>
+              <a:t>16</a:t>
+            </a:fld>
+            <a:endParaRPr lang="en-US" dirty="0"/>
+          </a:p>
+        </p:txBody>
+      </p:sp>
+      <p:pic>
+        <p:nvPicPr>
+          <p:cNvPr id="3074" name="Picture 2">
+            <a:extLst>
+              <a:ext uri="{FF2B5EF4-FFF2-40B4-BE49-F238E27FC236}">
+                <a16:creationId xmlns:a16="http://schemas.microsoft.com/office/drawing/2014/main" id="{9C0911D9-2AFD-4220-8935-29071AB1C3ED}"/>
+              </a:ext>
+            </a:extLst>
+          </p:cNvPr>
+          <p:cNvPicPr>
+            <a:picLocks noChangeAspect="1" noChangeArrowheads="1"/>
+          </p:cNvPicPr>
+          <p:nvPr/>
+        </p:nvPicPr>
+        <p:blipFill>
+          <a:blip r:embed="rId2">
+            <a:extLst>
+              <a:ext uri="{28A0092B-C50C-407E-A947-70E740481C1C}">
+                <a14:useLocalDpi xmlns:a14="http://schemas.microsoft.com/office/drawing/2010/main" val="0"/>
+              </a:ext>
+            </a:extLst>
+          </a:blip>
+          <a:srcRect/>
+          <a:stretch>
+            <a:fillRect/>
+          </a:stretch>
+        </p:blipFill>
+        <p:spPr bwMode="auto">
+          <a:xfrm>
+            <a:off x="2619375" y="2157309"/>
+            <a:ext cx="6953250" cy="3295650"/>
+          </a:xfrm>
+          <a:prstGeom prst="rect">
+            <a:avLst/>
+          </a:prstGeom>
+          <a:noFill/>
+          <a:extLst>
+            <a:ext uri="{909E8E84-426E-40DD-AFC4-6F175D3DCCD1}">
+              <a14:hiddenFill xmlns:a14="http://schemas.microsoft.com/office/drawing/2010/main">
+                <a:solidFill>
+                  <a:srgbClr val="FFFFFF"/>
+                </a:solidFill>
+              </a14:hiddenFill>
+            </a:ext>
+          </a:extLst>
+        </p:spPr>
+      </p:pic>
+    </p:spTree>
+    <p:extLst>
+      <p:ext uri="{BB962C8B-B14F-4D97-AF65-F5344CB8AC3E}">
+        <p14:creationId xmlns:p14="http://schemas.microsoft.com/office/powerpoint/2010/main" val="513684691"/>
+      </p:ext>
+    </p:extLst>
+  </p:cSld>
+  <p:clrMapOvr>
+    <a:masterClrMapping/>
+  </p:clrMapOvr>
+</p:sld>
+</file>
+
+<file path=ppt/slides/slide17.xml><?xml version="1.0" encoding="utf-8"?>
+<p:sld xmlns:a="http://schemas.openxmlformats.org/drawingml/2006/main" xmlns:r="http://schemas.openxmlformats.org/officeDocument/2006/relationships" xmlns:p="http://schemas.openxmlformats.org/presentationml/2006/main">
+  <p:cSld>
+    <p:spTree>
+      <p:nvGrpSpPr>
+        <p:cNvPr id="1" name=""/>
+        <p:cNvGrpSpPr/>
+        <p:nvPr/>
+      </p:nvGrpSpPr>
+      <p:grpSpPr>
+        <a:xfrm>
+          <a:off x="0" y="0"/>
+          <a:ext cx="0" cy="0"/>
+          <a:chOff x="0" y="0"/>
+          <a:chExt cx="0" cy="0"/>
+        </a:xfrm>
+      </p:grpSpPr>
+      <p:sp>
+        <p:nvSpPr>
+          <p:cNvPr id="2" name="Title 1">
+            <a:extLst>
+              <a:ext uri="{FF2B5EF4-FFF2-40B4-BE49-F238E27FC236}">
+                <a16:creationId xmlns:a16="http://schemas.microsoft.com/office/drawing/2014/main" id="{36DCA713-615C-4277-AB75-D536E533B625}"/>
+              </a:ext>
+            </a:extLst>
+          </p:cNvPr>
+          <p:cNvSpPr>
+            <a:spLocks noGrp="1"/>
+          </p:cNvSpPr>
+          <p:nvPr>
+            <p:ph type="title"/>
+          </p:nvPr>
+        </p:nvSpPr>
+        <p:spPr/>
+        <p:txBody>
+          <a:bodyPr>
+            <a:normAutofit fontScale="90000"/>
+          </a:bodyPr>
+          <a:lstStyle/>
+          <a:p>
+            <a:r>
+              <a:rPr lang="en-US" dirty="0"/>
+              <a:t>Segmentation and Weighting – Segmentation	</a:t>
+            </a:r>
+          </a:p>
+        </p:txBody>
+      </p:sp>
+      <p:sp>
+        <p:nvSpPr>
+          <p:cNvPr id="3" name="Text Placeholder 2">
+            <a:extLst>
+              <a:ext uri="{FF2B5EF4-FFF2-40B4-BE49-F238E27FC236}">
+                <a16:creationId xmlns:a16="http://schemas.microsoft.com/office/drawing/2014/main" id="{41EF2E60-A8B2-4610-A13A-5ACFEFEAC1DC}"/>
+              </a:ext>
+            </a:extLst>
+          </p:cNvPr>
+          <p:cNvSpPr>
+            <a:spLocks noGrp="1"/>
+          </p:cNvSpPr>
+          <p:nvPr>
+            <p:ph type="body" sz="quarter" idx="11"/>
+          </p:nvPr>
+        </p:nvSpPr>
+        <p:spPr/>
+        <p:txBody>
+          <a:bodyPr/>
+          <a:lstStyle/>
+          <a:p>
+            <a:endParaRPr lang="en-US" dirty="0"/>
+          </a:p>
+          <a:p>
+            <a:r>
+              <a:rPr lang="en-US" dirty="0"/>
+              <a:t>For building our simulators, we can just treat segmentation is a matter of setting our weights equal to zero when the segment should be excluded.</a:t>
+            </a:r>
+          </a:p>
+        </p:txBody>
+      </p:sp>
+      <p:sp>
+        <p:nvSpPr>
+          <p:cNvPr id="4" name="Slide Number Placeholder 3">
+            <a:extLst>
+              <a:ext uri="{FF2B5EF4-FFF2-40B4-BE49-F238E27FC236}">
+                <a16:creationId xmlns:a16="http://schemas.microsoft.com/office/drawing/2014/main" id="{62816006-3A1E-4A4A-8782-9208D3590E81}"/>
+              </a:ext>
+            </a:extLst>
+          </p:cNvPr>
+          <p:cNvSpPr>
+            <a:spLocks noGrp="1"/>
+          </p:cNvSpPr>
+          <p:nvPr>
+            <p:ph type="sldNum" sz="quarter" idx="10"/>
+          </p:nvPr>
+        </p:nvSpPr>
+        <p:spPr/>
+        <p:txBody>
+          <a:bodyPr/>
+          <a:lstStyle/>
+          <a:p>
+            <a:fld id="{010B2668-03F4-4AF2-A4A7-833A47BBF1AE}" type="slidenum">
+              <a:rPr lang="en-US" smtClean="0"/>
+              <a:pPr/>
+              <a:t>17</a:t>
+            </a:fld>
+            <a:endParaRPr lang="en-US" dirty="0"/>
+          </a:p>
+        </p:txBody>
+      </p:sp>
+    </p:spTree>
+    <p:extLst>
+      <p:ext uri="{BB962C8B-B14F-4D97-AF65-F5344CB8AC3E}">
+        <p14:creationId xmlns:p14="http://schemas.microsoft.com/office/powerpoint/2010/main" val="3752827672"/>
+      </p:ext>
+    </p:extLst>
+  </p:cSld>
+  <p:clrMapOvr>
+    <a:masterClrMapping/>
+  </p:clrMapOvr>
+</p:sld>
+</file>
+
+<file path=ppt/slides/slide18.xml><?xml version="1.0" encoding="utf-8"?>
+<p:sld xmlns:a="http://schemas.openxmlformats.org/drawingml/2006/main" xmlns:r="http://schemas.openxmlformats.org/officeDocument/2006/relationships" xmlns:p="http://schemas.openxmlformats.org/presentationml/2006/main">
+  <p:cSld>
+    <p:spTree>
+      <p:nvGrpSpPr>
+        <p:cNvPr id="1" name=""/>
+        <p:cNvGrpSpPr/>
+        <p:nvPr/>
+      </p:nvGrpSpPr>
+      <p:grpSpPr>
+        <a:xfrm>
+          <a:off x="0" y="0"/>
+          <a:ext cx="0" cy="0"/>
+          <a:chOff x="0" y="0"/>
+          <a:chExt cx="0" cy="0"/>
+        </a:xfrm>
+      </p:grpSpPr>
+      <p:sp>
+        <p:nvSpPr>
+          <p:cNvPr id="2" name="Title 1">
+            <a:extLst>
+              <a:ext uri="{FF2B5EF4-FFF2-40B4-BE49-F238E27FC236}">
+                <a16:creationId xmlns:a16="http://schemas.microsoft.com/office/drawing/2014/main" id="{95F1FCD0-C05D-41B4-8FBD-EC77E889443F}"/>
+              </a:ext>
+            </a:extLst>
+          </p:cNvPr>
+          <p:cNvSpPr>
+            <a:spLocks noGrp="1"/>
+          </p:cNvSpPr>
+          <p:nvPr>
+            <p:ph type="title"/>
+          </p:nvPr>
+        </p:nvSpPr>
+        <p:spPr/>
+        <p:txBody>
+          <a:bodyPr/>
+          <a:lstStyle/>
+          <a:p>
+            <a:r>
+              <a:rPr lang="en-US" dirty="0"/>
+              <a:t>Style Considerations	</a:t>
+            </a:r>
+          </a:p>
+        </p:txBody>
+      </p:sp>
+      <p:pic>
+        <p:nvPicPr>
+          <p:cNvPr id="6" name="Picture 5">
+            <a:extLst>
+              <a:ext uri="{FF2B5EF4-FFF2-40B4-BE49-F238E27FC236}">
+                <a16:creationId xmlns:a16="http://schemas.microsoft.com/office/drawing/2014/main" id="{F435B9C6-A83F-41D3-BA70-0E18EB4A4FED}"/>
+              </a:ext>
+            </a:extLst>
+          </p:cNvPr>
+          <p:cNvPicPr>
+            <a:picLocks noChangeAspect="1"/>
+          </p:cNvPicPr>
+          <p:nvPr/>
+        </p:nvPicPr>
+        <p:blipFill>
+          <a:blip r:embed="rId2"/>
+          <a:stretch>
+            <a:fillRect/>
+          </a:stretch>
+        </p:blipFill>
+        <p:spPr>
+          <a:xfrm>
+            <a:off x="596153" y="1311153"/>
+            <a:ext cx="7732579" cy="5304165"/>
+          </a:xfrm>
+          <a:prstGeom prst="rect">
+            <a:avLst/>
+          </a:prstGeom>
+        </p:spPr>
+      </p:pic>
+      <p:sp>
+        <p:nvSpPr>
+          <p:cNvPr id="3" name="Text Placeholder 2">
+            <a:extLst>
+              <a:ext uri="{FF2B5EF4-FFF2-40B4-BE49-F238E27FC236}">
+                <a16:creationId xmlns:a16="http://schemas.microsoft.com/office/drawing/2014/main" id="{AB2F0E6B-80E9-423A-AB61-140A6CB20330}"/>
+              </a:ext>
+            </a:extLst>
+          </p:cNvPr>
+          <p:cNvSpPr>
+            <a:spLocks noGrp="1"/>
+          </p:cNvSpPr>
+          <p:nvPr>
+            <p:ph type="body" sz="quarter" idx="11"/>
+          </p:nvPr>
+        </p:nvSpPr>
+        <p:spPr>
+          <a:xfrm>
+            <a:off x="8328732" y="2283848"/>
+            <a:ext cx="2773158" cy="5221851"/>
+          </a:xfrm>
+        </p:spPr>
+        <p:txBody>
+          <a:bodyPr/>
+          <a:lstStyle/>
+          <a:p>
+            <a:pPr marL="514350" indent="-514350">
+              <a:buFont typeface="+mj-lt"/>
+              <a:buAutoNum type="arabicPeriod"/>
+            </a:pPr>
+            <a:r>
+              <a:rPr lang="en-US" dirty="0"/>
+              <a:t>Keep it simple</a:t>
+            </a:r>
+          </a:p>
+          <a:p>
+            <a:pPr marL="514350" indent="-514350">
+              <a:buFont typeface="+mj-lt"/>
+              <a:buAutoNum type="arabicPeriod"/>
+            </a:pPr>
+            <a:r>
+              <a:rPr lang="en-US" dirty="0"/>
+              <a:t>Get it working before styling</a:t>
+            </a:r>
+          </a:p>
+          <a:p>
+            <a:pPr marL="514350" indent="-514350">
+              <a:buFont typeface="+mj-lt"/>
+              <a:buAutoNum type="arabicPeriod"/>
+            </a:pPr>
+            <a:endParaRPr lang="en-US" dirty="0"/>
+          </a:p>
+        </p:txBody>
+      </p:sp>
+      <p:sp>
+        <p:nvSpPr>
+          <p:cNvPr id="4" name="Slide Number Placeholder 3">
+            <a:extLst>
+              <a:ext uri="{FF2B5EF4-FFF2-40B4-BE49-F238E27FC236}">
+                <a16:creationId xmlns:a16="http://schemas.microsoft.com/office/drawing/2014/main" id="{D9792AF3-406C-4A1E-81B5-59D2D9135B2C}"/>
+              </a:ext>
+            </a:extLst>
+          </p:cNvPr>
+          <p:cNvSpPr>
+            <a:spLocks noGrp="1"/>
+          </p:cNvSpPr>
+          <p:nvPr>
+            <p:ph type="sldNum" sz="quarter" idx="10"/>
+          </p:nvPr>
+        </p:nvSpPr>
+        <p:spPr/>
+        <p:txBody>
+          <a:bodyPr/>
+          <a:lstStyle/>
+          <a:p>
+            <a:fld id="{010B2668-03F4-4AF2-A4A7-833A47BBF1AE}" type="slidenum">
+              <a:rPr lang="en-US" smtClean="0"/>
+              <a:pPr/>
+              <a:t>18</a:t>
+            </a:fld>
+            <a:endParaRPr lang="en-US" dirty="0"/>
+          </a:p>
+        </p:txBody>
+      </p:sp>
+    </p:spTree>
+    <p:extLst>
+      <p:ext uri="{BB962C8B-B14F-4D97-AF65-F5344CB8AC3E}">
+        <p14:creationId xmlns:p14="http://schemas.microsoft.com/office/powerpoint/2010/main" val="809941715"/>
+      </p:ext>
+    </p:extLst>
+  </p:cSld>
+  <p:clrMapOvr>
+    <a:masterClrMapping/>
+  </p:clrMapOvr>
+</p:sld>
+</file>
+
+<file path=ppt/slides/slide19.xml><?xml version="1.0" encoding="utf-8"?>
+<p:sld xmlns:a="http://schemas.openxmlformats.org/drawingml/2006/main" xmlns:r="http://schemas.openxmlformats.org/officeDocument/2006/relationships" xmlns:p="http://schemas.openxmlformats.org/presentationml/2006/main">
+  <p:cSld>
+    <p:spTree>
+      <p:nvGrpSpPr>
+        <p:cNvPr id="1" name=""/>
+        <p:cNvGrpSpPr/>
+        <p:nvPr/>
+      </p:nvGrpSpPr>
+      <p:grpSpPr>
+        <a:xfrm>
+          <a:off x="0" y="0"/>
+          <a:ext cx="0" cy="0"/>
+          <a:chOff x="0" y="0"/>
+          <a:chExt cx="0" cy="0"/>
+        </a:xfrm>
+      </p:grpSpPr>
+      <p:sp>
+        <p:nvSpPr>
+          <p:cNvPr id="11" name="Title 10">
+            <a:extLst>
+              <a:ext uri="{FF2B5EF4-FFF2-40B4-BE49-F238E27FC236}">
+                <a16:creationId xmlns:a16="http://schemas.microsoft.com/office/drawing/2014/main" id="{908892F9-7730-4F69-AE32-EC6D913F6959}"/>
+              </a:ext>
+            </a:extLst>
+          </p:cNvPr>
+          <p:cNvSpPr>
+            <a:spLocks noGrp="1"/>
+          </p:cNvSpPr>
+          <p:nvPr>
+            <p:ph type="title"/>
+          </p:nvPr>
+        </p:nvSpPr>
+        <p:spPr/>
+        <p:txBody>
+          <a:bodyPr>
+            <a:normAutofit/>
+          </a:bodyPr>
+          <a:lstStyle/>
+          <a:p>
+            <a:r>
+              <a:rPr lang="en-US" dirty="0"/>
+              <a:t>Let’s look at an example!</a:t>
+            </a:r>
+          </a:p>
+        </p:txBody>
+      </p:sp>
+      <p:sp>
+        <p:nvSpPr>
+          <p:cNvPr id="12" name="Text Placeholder 11">
+            <a:extLst>
+              <a:ext uri="{FF2B5EF4-FFF2-40B4-BE49-F238E27FC236}">
+                <a16:creationId xmlns:a16="http://schemas.microsoft.com/office/drawing/2014/main" id="{4A4E0EF5-3F39-4A9B-A21A-B53933DEEEE1}"/>
+              </a:ext>
+            </a:extLst>
+          </p:cNvPr>
+          <p:cNvSpPr>
+            <a:spLocks noGrp="1"/>
+          </p:cNvSpPr>
+          <p:nvPr>
+            <p:ph type="body" sz="quarter" idx="11"/>
+          </p:nvPr>
+        </p:nvSpPr>
+        <p:spPr/>
+        <p:txBody>
+          <a:bodyPr/>
+          <a:lstStyle/>
+          <a:p>
+            <a:endParaRPr lang="en-US" dirty="0"/>
+          </a:p>
+        </p:txBody>
+      </p:sp>
+      <p:sp>
+        <p:nvSpPr>
+          <p:cNvPr id="4" name="Slide Number Placeholder 3">
+            <a:extLst>
+              <a:ext uri="{FF2B5EF4-FFF2-40B4-BE49-F238E27FC236}">
+                <a16:creationId xmlns:a16="http://schemas.microsoft.com/office/drawing/2014/main" id="{F9B1070F-CE3F-41DB-8CA1-271BDBE5C4D7}"/>
+              </a:ext>
+            </a:extLst>
+          </p:cNvPr>
+          <p:cNvSpPr>
+            <a:spLocks noGrp="1"/>
+          </p:cNvSpPr>
+          <p:nvPr>
+            <p:ph type="sldNum" sz="quarter" idx="10"/>
+          </p:nvPr>
+        </p:nvSpPr>
+        <p:spPr/>
+        <p:txBody>
+          <a:bodyPr/>
+          <a:lstStyle/>
+          <a:p>
+            <a:fld id="{010B2668-03F4-4AF2-A4A7-833A47BBF1AE}" type="slidenum">
+              <a:rPr lang="en-US" smtClean="0"/>
+              <a:pPr/>
+              <a:t>19</a:t>
+            </a:fld>
+            <a:endParaRPr lang="en-US" dirty="0"/>
+          </a:p>
+        </p:txBody>
+      </p:sp>
+    </p:spTree>
+    <p:extLst>
+      <p:ext uri="{BB962C8B-B14F-4D97-AF65-F5344CB8AC3E}">
+        <p14:creationId xmlns:p14="http://schemas.microsoft.com/office/powerpoint/2010/main" val="3671383949"/>
+      </p:ext>
+    </p:extLst>
+  </p:cSld>
+  <p:clrMapOvr>
+    <a:masterClrMapping/>
+  </p:clrMapOvr>
+</p:sld>
+</file>
+
+<file path=ppt/slides/slide2.xml><?xml version="1.0" encoding="utf-8"?>
+<p:sld xmlns:a="http://schemas.openxmlformats.org/drawingml/2006/main" xmlns:r="http://schemas.openxmlformats.org/officeDocument/2006/relationships" xmlns:p="http://schemas.openxmlformats.org/presentationml/2006/main">
+  <p:cSld>
+    <p:spTree>
+      <p:nvGrpSpPr>
+        <p:cNvPr id="1" name=""/>
+        <p:cNvGrpSpPr/>
+        <p:nvPr/>
+      </p:nvGrpSpPr>
+      <p:grpSpPr>
+        <a:xfrm>
+          <a:off x="0" y="0"/>
+          <a:ext cx="0" cy="0"/>
+          <a:chOff x="0" y="0"/>
+          <a:chExt cx="0" cy="0"/>
+        </a:xfrm>
+      </p:grpSpPr>
+      <p:sp>
+        <p:nvSpPr>
+          <p:cNvPr id="2" name="Title 1">
+            <a:extLst>
+              <a:ext uri="{FF2B5EF4-FFF2-40B4-BE49-F238E27FC236}">
+                <a16:creationId xmlns:a16="http://schemas.microsoft.com/office/drawing/2014/main" id="{CF502D37-0F0C-4B2E-B6F1-0E3A50D91C91}"/>
+              </a:ext>
+            </a:extLst>
+          </p:cNvPr>
+          <p:cNvSpPr>
+            <a:spLocks noGrp="1"/>
+          </p:cNvSpPr>
+          <p:nvPr>
+            <p:ph type="title"/>
+          </p:nvPr>
+        </p:nvSpPr>
+        <p:spPr/>
+        <p:txBody>
+          <a:bodyPr/>
+          <a:lstStyle/>
+          <a:p>
+            <a:r>
+              <a:rPr lang="en-US" dirty="0"/>
+              <a:t>Additional Files</a:t>
+            </a:r>
+          </a:p>
+        </p:txBody>
+      </p:sp>
+      <p:sp>
+        <p:nvSpPr>
+          <p:cNvPr id="3" name="Text Placeholder 2">
+            <a:extLst>
+              <a:ext uri="{FF2B5EF4-FFF2-40B4-BE49-F238E27FC236}">
+                <a16:creationId xmlns:a16="http://schemas.microsoft.com/office/drawing/2014/main" id="{72F789A8-35FD-4DA2-8347-685E5F13958A}"/>
+              </a:ext>
+            </a:extLst>
+          </p:cNvPr>
+          <p:cNvSpPr>
+            <a:spLocks noGrp="1"/>
+          </p:cNvSpPr>
+          <p:nvPr>
+            <p:ph type="body" sz="quarter" idx="11"/>
+          </p:nvPr>
+        </p:nvSpPr>
+        <p:spPr/>
+        <p:txBody>
+          <a:bodyPr/>
+          <a:lstStyle/>
+          <a:p>
+            <a:r>
+              <a:rPr lang="en-US" dirty="0">
+                <a:hlinkClick r:id="rId2"/>
+              </a:rPr>
+              <a:t>https://github.com/kpfairchild/ExcelSimulator</a:t>
+            </a:r>
+            <a:endParaRPr lang="en-US" dirty="0"/>
+          </a:p>
+        </p:txBody>
+      </p:sp>
+      <p:sp>
+        <p:nvSpPr>
+          <p:cNvPr id="4" name="Slide Number Placeholder 3">
+            <a:extLst>
+              <a:ext uri="{FF2B5EF4-FFF2-40B4-BE49-F238E27FC236}">
+                <a16:creationId xmlns:a16="http://schemas.microsoft.com/office/drawing/2014/main" id="{92577EA7-9910-4810-93A6-5FF3CD7C4CD5}"/>
+              </a:ext>
+            </a:extLst>
+          </p:cNvPr>
+          <p:cNvSpPr>
+            <a:spLocks noGrp="1"/>
+          </p:cNvSpPr>
+          <p:nvPr>
+            <p:ph type="sldNum" sz="quarter" idx="10"/>
+          </p:nvPr>
+        </p:nvSpPr>
+        <p:spPr/>
+        <p:txBody>
+          <a:bodyPr/>
+          <a:lstStyle/>
+          <a:p>
+            <a:fld id="{010B2668-03F4-4AF2-A4A7-833A47BBF1AE}" type="slidenum">
+              <a:rPr lang="en-US" smtClean="0"/>
+              <a:pPr/>
+              <a:t>2</a:t>
+            </a:fld>
+            <a:endParaRPr lang="en-US" dirty="0"/>
+          </a:p>
+        </p:txBody>
+      </p:sp>
+    </p:spTree>
+    <p:extLst>
+      <p:ext uri="{BB962C8B-B14F-4D97-AF65-F5344CB8AC3E}">
+        <p14:creationId xmlns:p14="http://schemas.microsoft.com/office/powerpoint/2010/main" val="4215298468"/>
+      </p:ext>
+    </p:extLst>
+  </p:cSld>
+  <p:clrMapOvr>
+    <a:masterClrMapping/>
+  </p:clrMapOvr>
+</p:sld>
+</file>
+
+<file path=ppt/slides/slide20.xml><?xml version="1.0" encoding="utf-8"?>
+<p:sld xmlns:a="http://schemas.openxmlformats.org/drawingml/2006/main" xmlns:r="http://schemas.openxmlformats.org/officeDocument/2006/relationships" xmlns:p="http://schemas.openxmlformats.org/presentationml/2006/main">
+  <p:cSld>
+    <p:spTree>
+      <p:nvGrpSpPr>
+        <p:cNvPr id="1" name=""/>
+        <p:cNvGrpSpPr/>
+        <p:nvPr/>
+      </p:nvGrpSpPr>
+      <p:grpSpPr>
+        <a:xfrm>
+          <a:off x="0" y="0"/>
+          <a:ext cx="0" cy="0"/>
+          <a:chOff x="0" y="0"/>
+          <a:chExt cx="0" cy="0"/>
+        </a:xfrm>
+      </p:grpSpPr>
+      <p:sp>
+        <p:nvSpPr>
+          <p:cNvPr id="3" name="Text Placeholder 2">
+            <a:extLst>
+              <a:ext uri="{FF2B5EF4-FFF2-40B4-BE49-F238E27FC236}">
+                <a16:creationId xmlns:a16="http://schemas.microsoft.com/office/drawing/2014/main" id="{6CD85326-CDFC-4843-9EF5-A258E287B43E}"/>
+              </a:ext>
+            </a:extLst>
+          </p:cNvPr>
+          <p:cNvSpPr>
+            <a:spLocks noGrp="1"/>
+          </p:cNvSpPr>
+          <p:nvPr>
+            <p:ph type="body" sz="quarter" idx="10"/>
+          </p:nvPr>
+        </p:nvSpPr>
+        <p:spPr/>
+        <p:txBody>
+          <a:bodyPr/>
+          <a:lstStyle/>
+          <a:p>
+            <a:r>
+              <a:rPr lang="en-US" dirty="0"/>
+              <a:t>kenneth@sawtoothsoftware.com</a:t>
+            </a:r>
+          </a:p>
+          <a:p>
+            <a:r>
+              <a:rPr lang="en-US" dirty="0"/>
+              <a:t>www.sawtoothsoftware.com</a:t>
+            </a:r>
+          </a:p>
+          <a:p>
+            <a:r>
+              <a:rPr lang="en-US" dirty="0"/>
+              <a:t>+1 801 477 4700</a:t>
+            </a:r>
+          </a:p>
+        </p:txBody>
+      </p:sp>
+      <p:sp>
+        <p:nvSpPr>
+          <p:cNvPr id="4" name="Text Placeholder 3">
+            <a:extLst>
+              <a:ext uri="{FF2B5EF4-FFF2-40B4-BE49-F238E27FC236}">
+                <a16:creationId xmlns:a16="http://schemas.microsoft.com/office/drawing/2014/main" id="{6E24048A-26E0-4C57-BCDF-12AAC0D9F12B}"/>
+              </a:ext>
+            </a:extLst>
+          </p:cNvPr>
+          <p:cNvSpPr>
+            <a:spLocks noGrp="1"/>
+          </p:cNvSpPr>
+          <p:nvPr>
+            <p:ph type="body" sz="quarter" idx="11"/>
+          </p:nvPr>
+        </p:nvSpPr>
+        <p:spPr/>
+        <p:txBody>
+          <a:bodyPr/>
+          <a:lstStyle/>
+          <a:p>
+            <a:r>
+              <a:rPr lang="en-US" dirty="0"/>
+              <a:t>QUESTIONS?</a:t>
+            </a:r>
+          </a:p>
+        </p:txBody>
+      </p:sp>
+    </p:spTree>
+    <p:extLst>
+      <p:ext uri="{BB962C8B-B14F-4D97-AF65-F5344CB8AC3E}">
+        <p14:creationId xmlns:p14="http://schemas.microsoft.com/office/powerpoint/2010/main" val="1174939927"/>
+      </p:ext>
+    </p:extLst>
+  </p:cSld>
+  <p:clrMapOvr>
+    <a:masterClrMapping/>
+  </p:clrMapOvr>
+  <mc:AlternateContent xmlns:mc="http://schemas.openxmlformats.org/markup-compatibility/2006" xmlns:p14="http://schemas.microsoft.com/office/powerpoint/2010/main">
+    <mc:Choice Requires="p14">
+      <p:transition p14:dur="250">
+        <p:fade/>
+      </p:transition>
+    </mc:Choice>
+    <mc:Fallback xmlns="">
+      <p:transition>
+        <p:fade/>
+      </p:transition>
+    </mc:Fallback>
+  </mc:AlternateContent>
+</p:sld>
+</file>
+
+<file path=ppt/slides/slide3.xml><?xml version="1.0" encoding="utf-8"?>
+<p:sld xmlns:a="http://schemas.openxmlformats.org/drawingml/2006/main" xmlns:r="http://schemas.openxmlformats.org/officeDocument/2006/relationships" xmlns:p="http://schemas.openxmlformats.org/presentationml/2006/main">
+  <p:cSld>
+    <p:spTree>
+      <p:nvGrpSpPr>
+        <p:cNvPr id="1" name=""/>
+        <p:cNvGrpSpPr/>
+        <p:nvPr/>
+      </p:nvGrpSpPr>
+      <p:grpSpPr>
+        <a:xfrm>
+          <a:off x="0" y="0"/>
+          <a:ext cx="0" cy="0"/>
+          <a:chOff x="0" y="0"/>
+          <a:chExt cx="0" cy="0"/>
+        </a:xfrm>
+      </p:grpSpPr>
+      <p:sp>
+        <p:nvSpPr>
+          <p:cNvPr id="2" name="Title 1">
+            <a:extLst>
+              <a:ext uri="{FF2B5EF4-FFF2-40B4-BE49-F238E27FC236}">
+                <a16:creationId xmlns:a16="http://schemas.microsoft.com/office/drawing/2014/main" id="{35B0FE23-F5B7-4D61-ABDE-952E79F6DCB6}"/>
+              </a:ext>
+            </a:extLst>
+          </p:cNvPr>
+          <p:cNvSpPr>
+            <a:spLocks noGrp="1"/>
+          </p:cNvSpPr>
+          <p:nvPr>
+            <p:ph type="title"/>
+          </p:nvPr>
+        </p:nvSpPr>
+        <p:spPr/>
+        <p:txBody>
+          <a:bodyPr>
+            <a:normAutofit/>
+          </a:bodyPr>
+          <a:lstStyle/>
+          <a:p>
+            <a:r>
+              <a:rPr lang="en-US" dirty="0"/>
+              <a:t>Topics we’ll cover</a:t>
+            </a:r>
+          </a:p>
+        </p:txBody>
+      </p:sp>
+      <p:sp>
+        <p:nvSpPr>
+          <p:cNvPr id="3" name="Text Placeholder 2">
+            <a:extLst>
+              <a:ext uri="{FF2B5EF4-FFF2-40B4-BE49-F238E27FC236}">
+                <a16:creationId xmlns:a16="http://schemas.microsoft.com/office/drawing/2014/main" id="{F00EBF3E-E85D-429A-9FE7-B957B87DE669}"/>
+              </a:ext>
+            </a:extLst>
+          </p:cNvPr>
+          <p:cNvSpPr>
+            <a:spLocks noGrp="1"/>
+          </p:cNvSpPr>
+          <p:nvPr>
+            <p:ph type="body" sz="quarter" idx="11"/>
+          </p:nvPr>
+        </p:nvSpPr>
+        <p:spPr/>
+        <p:txBody>
+          <a:bodyPr>
+            <a:normAutofit fontScale="70000" lnSpcReduction="20000"/>
+          </a:bodyPr>
+          <a:lstStyle/>
+          <a:p>
+            <a:pPr marL="457200" indent="-457200">
+              <a:buFont typeface="Arial" panose="020B0604020202020204" pitchFamily="34" charset="0"/>
+              <a:buChar char="•"/>
+            </a:pPr>
+            <a:r>
+              <a:rPr lang="en-US" dirty="0"/>
+              <a:t>Why Excel?</a:t>
+            </a:r>
+          </a:p>
+          <a:p>
+            <a:pPr marL="457200" indent="-457200">
+              <a:buFont typeface="Arial" panose="020B0604020202020204" pitchFamily="34" charset="0"/>
+              <a:buChar char="•"/>
+            </a:pPr>
+            <a:r>
+              <a:rPr lang="en-US" dirty="0"/>
+              <a:t>Elements of an Excel Simulator</a:t>
+            </a:r>
+          </a:p>
+          <a:p>
+            <a:pPr marL="457200" indent="-457200">
+              <a:buFont typeface="Arial" panose="020B0604020202020204" pitchFamily="34" charset="0"/>
+              <a:buChar char="•"/>
+            </a:pPr>
+            <a:r>
+              <a:rPr lang="en-US" dirty="0"/>
+              <a:t>Essential Excel Tricks</a:t>
+            </a:r>
+          </a:p>
+          <a:p>
+            <a:pPr marL="801687" lvl="1" indent="-457200">
+              <a:buFont typeface="Arial" panose="020B0604020202020204" pitchFamily="34" charset="0"/>
+              <a:buChar char="•"/>
+            </a:pPr>
+            <a:r>
+              <a:rPr lang="en-US" dirty="0"/>
+              <a:t>Array Formulas</a:t>
+            </a:r>
+          </a:p>
+          <a:p>
+            <a:pPr marL="801687" lvl="1" indent="-457200">
+              <a:buFont typeface="Arial" panose="020B0604020202020204" pitchFamily="34" charset="0"/>
+              <a:buChar char="•"/>
+            </a:pPr>
+            <a:r>
+              <a:rPr lang="en-US" dirty="0"/>
+              <a:t>Named Ranges</a:t>
+            </a:r>
+          </a:p>
+          <a:p>
+            <a:pPr marL="801687" lvl="1" indent="-457200">
+              <a:buFont typeface="Arial" panose="020B0604020202020204" pitchFamily="34" charset="0"/>
+              <a:buChar char="•"/>
+            </a:pPr>
+            <a:r>
+              <a:rPr lang="en-US" dirty="0"/>
+              <a:t>Other essentials</a:t>
+            </a:r>
+          </a:p>
+          <a:p>
+            <a:pPr marL="457200" indent="-457200">
+              <a:buFont typeface="Arial" panose="020B0604020202020204" pitchFamily="34" charset="0"/>
+              <a:buChar char="•"/>
+            </a:pPr>
+            <a:r>
+              <a:rPr lang="en-US" dirty="0"/>
+              <a:t>Essential Calculations</a:t>
+            </a:r>
+          </a:p>
+          <a:p>
+            <a:pPr marL="457200" indent="-457200">
+              <a:buFont typeface="Arial" panose="020B0604020202020204" pitchFamily="34" charset="0"/>
+              <a:buChar char="•"/>
+            </a:pPr>
+            <a:r>
+              <a:rPr lang="en-US" dirty="0"/>
+              <a:t>Segmentation and Weighting</a:t>
+            </a:r>
+          </a:p>
+          <a:p>
+            <a:pPr marL="457200" indent="-457200">
+              <a:buFont typeface="Arial" panose="020B0604020202020204" pitchFamily="34" charset="0"/>
+              <a:buChar char="•"/>
+            </a:pPr>
+            <a:r>
+              <a:rPr lang="en-US" dirty="0"/>
+              <a:t>Style </a:t>
+            </a:r>
+            <a:r>
+              <a:rPr lang="en-US" dirty="0" err="1"/>
+              <a:t>ConsiderationsPutting</a:t>
+            </a:r>
+            <a:r>
+              <a:rPr lang="en-US" dirty="0"/>
+              <a:t> it all Together</a:t>
+            </a:r>
+          </a:p>
+          <a:p>
+            <a:endParaRPr lang="en-US" dirty="0"/>
+          </a:p>
+        </p:txBody>
+      </p:sp>
+      <p:sp>
+        <p:nvSpPr>
+          <p:cNvPr id="4" name="Slide Number Placeholder 3">
+            <a:extLst>
+              <a:ext uri="{FF2B5EF4-FFF2-40B4-BE49-F238E27FC236}">
+                <a16:creationId xmlns:a16="http://schemas.microsoft.com/office/drawing/2014/main" id="{CF0A6089-3A74-40EE-85E0-759BDDA1D31E}"/>
+              </a:ext>
+            </a:extLst>
+          </p:cNvPr>
+          <p:cNvSpPr>
+            <a:spLocks noGrp="1"/>
+          </p:cNvSpPr>
+          <p:nvPr>
+            <p:ph type="sldNum" sz="quarter" idx="10"/>
+          </p:nvPr>
+        </p:nvSpPr>
+        <p:spPr/>
+        <p:txBody>
+          <a:bodyPr/>
+          <a:lstStyle/>
+          <a:p>
+            <a:fld id="{010B2668-03F4-4AF2-A4A7-833A47BBF1AE}" type="slidenum">
+              <a:rPr lang="en-US" smtClean="0"/>
+              <a:pPr/>
+              <a:t>3</a:t>
+            </a:fld>
+            <a:endParaRPr lang="en-US" dirty="0"/>
+          </a:p>
+        </p:txBody>
+      </p:sp>
+    </p:spTree>
+    <p:extLst>
+      <p:ext uri="{BB962C8B-B14F-4D97-AF65-F5344CB8AC3E}">
+        <p14:creationId xmlns:p14="http://schemas.microsoft.com/office/powerpoint/2010/main" val="4129805339"/>
+      </p:ext>
+    </p:extLst>
+  </p:cSld>
+  <p:clrMapOvr>
+    <a:masterClrMapping/>
+  </p:clrMapOvr>
+</p:sld>
+</file>
+
+<file path=ppt/slides/slide4.xml><?xml version="1.0" encoding="utf-8"?>
+<p:sld xmlns:a="http://schemas.openxmlformats.org/drawingml/2006/main" xmlns:r="http://schemas.openxmlformats.org/officeDocument/2006/relationships" xmlns:p="http://schemas.openxmlformats.org/presentationml/2006/main">
+  <p:cSld>
+    <p:spTree>
+      <p:nvGrpSpPr>
+        <p:cNvPr id="1" name=""/>
+        <p:cNvGrpSpPr/>
+        <p:nvPr/>
+      </p:nvGrpSpPr>
+      <p:grpSpPr>
+        <a:xfrm>
+          <a:off x="0" y="0"/>
+          <a:ext cx="0" cy="0"/>
+          <a:chOff x="0" y="0"/>
+          <a:chExt cx="0" cy="0"/>
+        </a:xfrm>
+      </p:grpSpPr>
+      <p:sp>
+        <p:nvSpPr>
+          <p:cNvPr id="2" name="Title 1">
+            <a:extLst>
+              <a:ext uri="{FF2B5EF4-FFF2-40B4-BE49-F238E27FC236}">
+                <a16:creationId xmlns:a16="http://schemas.microsoft.com/office/drawing/2014/main" id="{4D41A463-4275-4E35-87A9-9AADF94A064A}"/>
+              </a:ext>
+            </a:extLst>
+          </p:cNvPr>
+          <p:cNvSpPr>
+            <a:spLocks noGrp="1"/>
+          </p:cNvSpPr>
+          <p:nvPr>
+            <p:ph type="title"/>
+          </p:nvPr>
+        </p:nvSpPr>
+        <p:spPr>
+          <a:xfrm>
+            <a:off x="1000460" y="242682"/>
+            <a:ext cx="10101431" cy="1060092"/>
+          </a:xfrm>
+        </p:spPr>
+        <p:txBody>
+          <a:bodyPr/>
+          <a:lstStyle/>
+          <a:p>
+            <a:r>
+              <a:rPr lang="en-US" dirty="0"/>
+              <a:t>Why Excel?</a:t>
+            </a:r>
+          </a:p>
+        </p:txBody>
+      </p:sp>
+      <p:sp>
+        <p:nvSpPr>
+          <p:cNvPr id="3" name="Text Placeholder 2">
+            <a:extLst>
+              <a:ext uri="{FF2B5EF4-FFF2-40B4-BE49-F238E27FC236}">
+                <a16:creationId xmlns:a16="http://schemas.microsoft.com/office/drawing/2014/main" id="{9EA3F4C7-38E0-4693-B522-347E30E7251B}"/>
+              </a:ext>
+            </a:extLst>
+          </p:cNvPr>
+          <p:cNvSpPr>
+            <a:spLocks noGrp="1"/>
+          </p:cNvSpPr>
+          <p:nvPr>
+            <p:ph type="body" sz="quarter" idx="11"/>
+          </p:nvPr>
+        </p:nvSpPr>
+        <p:spPr/>
+        <p:txBody>
+          <a:bodyPr>
+            <a:normAutofit/>
+          </a:bodyPr>
+          <a:lstStyle/>
+          <a:p>
+            <a:r>
+              <a:rPr lang="en-US" dirty="0"/>
+              <a:t>We have lots of simulator options:</a:t>
+            </a:r>
+          </a:p>
+          <a:p>
+            <a:pPr marL="457200" indent="-457200">
+              <a:buFont typeface="Arial" panose="020B0604020202020204" pitchFamily="34" charset="0"/>
+              <a:buChar char="•"/>
+            </a:pPr>
+            <a:r>
+              <a:rPr lang="en-US" dirty="0"/>
+              <a:t>Lighthouse - Most powerful</a:t>
+            </a:r>
+          </a:p>
+          <a:p>
+            <a:pPr marL="457200" indent="-457200">
+              <a:buFont typeface="Arial" panose="020B0604020202020204" pitchFamily="34" charset="0"/>
+              <a:buChar char="•"/>
+            </a:pPr>
+            <a:r>
+              <a:rPr lang="en-US" dirty="0"/>
+              <a:t>sawtoothsimulator.com - Most online!</a:t>
+            </a:r>
+          </a:p>
+          <a:p>
+            <a:pPr marL="457200" indent="-457200">
+              <a:buFont typeface="Arial" panose="020B0604020202020204" pitchFamily="34" charset="0"/>
+              <a:buChar char="•"/>
+            </a:pPr>
+            <a:r>
+              <a:rPr lang="en-US" dirty="0"/>
+              <a:t>Lighthouse Excel export - Easy option, less flexible, not client ready</a:t>
+            </a:r>
+          </a:p>
+          <a:p>
+            <a:pPr marL="457200" indent="-457200">
+              <a:buFont typeface="Arial" panose="020B0604020202020204" pitchFamily="34" charset="0"/>
+              <a:buChar char="•"/>
+            </a:pPr>
+            <a:r>
+              <a:rPr lang="en-US" dirty="0"/>
+              <a:t>Custom Excel Simulator – Fully customizable, easy to give to clients</a:t>
+            </a:r>
+          </a:p>
+          <a:p>
+            <a:pPr marL="457200" indent="-457200">
+              <a:buFont typeface="Arial" panose="020B0604020202020204" pitchFamily="34" charset="0"/>
+              <a:buChar char="•"/>
+            </a:pPr>
+            <a:endParaRPr lang="en-US" dirty="0"/>
+          </a:p>
+        </p:txBody>
+      </p:sp>
+      <p:sp>
+        <p:nvSpPr>
+          <p:cNvPr id="4" name="Slide Number Placeholder 3">
+            <a:extLst>
+              <a:ext uri="{FF2B5EF4-FFF2-40B4-BE49-F238E27FC236}">
+                <a16:creationId xmlns:a16="http://schemas.microsoft.com/office/drawing/2014/main" id="{5B7433F2-EAB1-4C10-B9B1-791DF1571196}"/>
+              </a:ext>
+            </a:extLst>
+          </p:cNvPr>
+          <p:cNvSpPr>
+            <a:spLocks noGrp="1"/>
+          </p:cNvSpPr>
+          <p:nvPr>
+            <p:ph type="sldNum" sz="quarter" idx="10"/>
+          </p:nvPr>
+        </p:nvSpPr>
+        <p:spPr/>
+        <p:txBody>
+          <a:bodyPr/>
+          <a:lstStyle/>
+          <a:p>
+            <a:fld id="{010B2668-03F4-4AF2-A4A7-833A47BBF1AE}" type="slidenum">
+              <a:rPr lang="en-US" smtClean="0"/>
+              <a:pPr/>
+              <a:t>4</a:t>
+            </a:fld>
+            <a:endParaRPr lang="en-US" dirty="0"/>
+          </a:p>
+        </p:txBody>
+      </p:sp>
+    </p:spTree>
+    <p:extLst>
+      <p:ext uri="{BB962C8B-B14F-4D97-AF65-F5344CB8AC3E}">
+        <p14:creationId xmlns:p14="http://schemas.microsoft.com/office/powerpoint/2010/main" val="3816925926"/>
+      </p:ext>
+    </p:extLst>
+  </p:cSld>
+  <p:clrMapOvr>
+    <a:masterClrMapping/>
+  </p:clrMapOvr>
+</p:sld>
+</file>
+
+<file path=ppt/slides/slide5.xml><?xml version="1.0" encoding="utf-8"?>
+<p:sld xmlns:a="http://schemas.openxmlformats.org/drawingml/2006/main" xmlns:r="http://schemas.openxmlformats.org/officeDocument/2006/relationships" xmlns:p="http://schemas.openxmlformats.org/presentationml/2006/main">
+  <p:cSld>
+    <p:spTree>
+      <p:nvGrpSpPr>
+        <p:cNvPr id="1" name=""/>
+        <p:cNvGrpSpPr/>
+        <p:nvPr/>
+      </p:nvGrpSpPr>
+      <p:grpSpPr>
+        <a:xfrm>
+          <a:off x="0" y="0"/>
+          <a:ext cx="0" cy="0"/>
+          <a:chOff x="0" y="0"/>
+          <a:chExt cx="0" cy="0"/>
+        </a:xfrm>
+      </p:grpSpPr>
+      <p:sp>
+        <p:nvSpPr>
+          <p:cNvPr id="2" name="Title 1">
+            <a:extLst>
+              <a:ext uri="{FF2B5EF4-FFF2-40B4-BE49-F238E27FC236}">
+                <a16:creationId xmlns:a16="http://schemas.microsoft.com/office/drawing/2014/main" id="{0526E483-2E93-4AB0-958B-3F6C7BD0FFED}"/>
+              </a:ext>
+            </a:extLst>
+          </p:cNvPr>
+          <p:cNvSpPr>
+            <a:spLocks noGrp="1"/>
+          </p:cNvSpPr>
+          <p:nvPr>
+            <p:ph type="title"/>
+          </p:nvPr>
+        </p:nvSpPr>
+        <p:spPr/>
+        <p:txBody>
+          <a:bodyPr/>
+          <a:lstStyle/>
+          <a:p>
+            <a:r>
+              <a:rPr lang="en-US" dirty="0"/>
+              <a:t>Elements of an Excel Simulator</a:t>
+            </a:r>
+          </a:p>
+        </p:txBody>
+      </p:sp>
+      <p:sp>
+        <p:nvSpPr>
+          <p:cNvPr id="3" name="Text Placeholder 2">
+            <a:extLst>
+              <a:ext uri="{FF2B5EF4-FFF2-40B4-BE49-F238E27FC236}">
+                <a16:creationId xmlns:a16="http://schemas.microsoft.com/office/drawing/2014/main" id="{D0969D22-38D8-4DFF-BE22-4A57A21BF1FA}"/>
+              </a:ext>
+            </a:extLst>
+          </p:cNvPr>
+          <p:cNvSpPr>
+            <a:spLocks noGrp="1"/>
+          </p:cNvSpPr>
+          <p:nvPr>
+            <p:ph type="body" sz="quarter" idx="11"/>
+          </p:nvPr>
+        </p:nvSpPr>
+        <p:spPr/>
+        <p:txBody>
+          <a:bodyPr/>
+          <a:lstStyle/>
+          <a:p>
+            <a:r>
+              <a:rPr lang="en-US" dirty="0"/>
+              <a:t>Raw Utilities</a:t>
+            </a:r>
+          </a:p>
+        </p:txBody>
+      </p:sp>
+      <p:sp>
+        <p:nvSpPr>
+          <p:cNvPr id="4" name="Slide Number Placeholder 3">
+            <a:extLst>
+              <a:ext uri="{FF2B5EF4-FFF2-40B4-BE49-F238E27FC236}">
+                <a16:creationId xmlns:a16="http://schemas.microsoft.com/office/drawing/2014/main" id="{9A0FEE64-6A5A-4C08-9A28-1848FD269C7D}"/>
+              </a:ext>
+            </a:extLst>
+          </p:cNvPr>
+          <p:cNvSpPr>
+            <a:spLocks noGrp="1"/>
+          </p:cNvSpPr>
+          <p:nvPr>
+            <p:ph type="sldNum" sz="quarter" idx="10"/>
+          </p:nvPr>
+        </p:nvSpPr>
+        <p:spPr/>
+        <p:txBody>
+          <a:bodyPr/>
+          <a:lstStyle/>
+          <a:p>
+            <a:fld id="{010B2668-03F4-4AF2-A4A7-833A47BBF1AE}" type="slidenum">
+              <a:rPr lang="en-US" smtClean="0"/>
+              <a:pPr/>
+              <a:t>5</a:t>
+            </a:fld>
+            <a:endParaRPr lang="en-US" dirty="0"/>
+          </a:p>
+        </p:txBody>
+      </p:sp>
+      <p:pic>
+        <p:nvPicPr>
+          <p:cNvPr id="5" name="Picture 4">
+            <a:extLst>
+              <a:ext uri="{FF2B5EF4-FFF2-40B4-BE49-F238E27FC236}">
+                <a16:creationId xmlns:a16="http://schemas.microsoft.com/office/drawing/2014/main" id="{1A978DD5-4652-43F2-9D0F-551994DADDDE}"/>
+              </a:ext>
+            </a:extLst>
+          </p:cNvPr>
+          <p:cNvPicPr>
+            <a:picLocks noChangeAspect="1"/>
+          </p:cNvPicPr>
+          <p:nvPr/>
+        </p:nvPicPr>
+        <p:blipFill>
+          <a:blip r:embed="rId2"/>
+          <a:stretch>
+            <a:fillRect/>
+          </a:stretch>
+        </p:blipFill>
+        <p:spPr>
+          <a:xfrm>
+            <a:off x="1170887" y="2366814"/>
+            <a:ext cx="9850225" cy="2124371"/>
+          </a:xfrm>
+          <a:prstGeom prst="rect">
+            <a:avLst/>
+          </a:prstGeom>
+        </p:spPr>
+      </p:pic>
+    </p:spTree>
+    <p:extLst>
+      <p:ext uri="{BB962C8B-B14F-4D97-AF65-F5344CB8AC3E}">
+        <p14:creationId xmlns:p14="http://schemas.microsoft.com/office/powerpoint/2010/main" val="4282474381"/>
+      </p:ext>
+    </p:extLst>
+  </p:cSld>
+  <p:clrMapOvr>
+    <a:masterClrMapping/>
+  </p:clrMapOvr>
+</p:sld>
+</file>
+
+<file path=ppt/slides/slide6.xml><?xml version="1.0" encoding="utf-8"?>
+<p:sld xmlns:a="http://schemas.openxmlformats.org/drawingml/2006/main" xmlns:r="http://schemas.openxmlformats.org/officeDocument/2006/relationships" xmlns:p="http://schemas.openxmlformats.org/presentationml/2006/main">
+  <p:cSld>
+    <p:spTree>
+      <p:nvGrpSpPr>
+        <p:cNvPr id="1" name=""/>
+        <p:cNvGrpSpPr/>
+        <p:nvPr/>
+      </p:nvGrpSpPr>
+      <p:grpSpPr>
+        <a:xfrm>
+          <a:off x="0" y="0"/>
+          <a:ext cx="0" cy="0"/>
+          <a:chOff x="0" y="0"/>
+          <a:chExt cx="0" cy="0"/>
+        </a:xfrm>
+      </p:grpSpPr>
+      <p:sp>
+        <p:nvSpPr>
+          <p:cNvPr id="2" name="Title 1">
+            <a:extLst>
+              <a:ext uri="{FF2B5EF4-FFF2-40B4-BE49-F238E27FC236}">
+                <a16:creationId xmlns:a16="http://schemas.microsoft.com/office/drawing/2014/main" id="{5BD8609A-6693-4C81-8A3D-D72D59D3EC41}"/>
+              </a:ext>
+            </a:extLst>
+          </p:cNvPr>
+          <p:cNvSpPr>
+            <a:spLocks noGrp="1"/>
+          </p:cNvSpPr>
+          <p:nvPr>
+            <p:ph type="title"/>
+          </p:nvPr>
+        </p:nvSpPr>
+        <p:spPr/>
+        <p:txBody>
+          <a:bodyPr/>
+          <a:lstStyle/>
+          <a:p>
+            <a:r>
+              <a:rPr lang="en-US" dirty="0"/>
+              <a:t>Elements of an Excel Simulator</a:t>
+            </a:r>
+          </a:p>
+        </p:txBody>
+      </p:sp>
+      <p:sp>
+        <p:nvSpPr>
+          <p:cNvPr id="3" name="Text Placeholder 2">
+            <a:extLst>
+              <a:ext uri="{FF2B5EF4-FFF2-40B4-BE49-F238E27FC236}">
+                <a16:creationId xmlns:a16="http://schemas.microsoft.com/office/drawing/2014/main" id="{BF943E83-D7B8-4F02-8D77-3129047EB582}"/>
+              </a:ext>
+            </a:extLst>
+          </p:cNvPr>
+          <p:cNvSpPr>
+            <a:spLocks noGrp="1"/>
+          </p:cNvSpPr>
+          <p:nvPr>
+            <p:ph type="body" sz="quarter" idx="11"/>
+          </p:nvPr>
+        </p:nvSpPr>
+        <p:spPr/>
+        <p:txBody>
+          <a:bodyPr/>
+          <a:lstStyle/>
+          <a:p>
+            <a:r>
+              <a:rPr lang="en-US" dirty="0"/>
+              <a:t>Calculations/other hidden stuff</a:t>
+            </a:r>
+          </a:p>
+          <a:p>
+            <a:endParaRPr lang="en-US" dirty="0"/>
+          </a:p>
+        </p:txBody>
+      </p:sp>
+      <p:sp>
+        <p:nvSpPr>
+          <p:cNvPr id="4" name="Slide Number Placeholder 3">
+            <a:extLst>
+              <a:ext uri="{FF2B5EF4-FFF2-40B4-BE49-F238E27FC236}">
+                <a16:creationId xmlns:a16="http://schemas.microsoft.com/office/drawing/2014/main" id="{A9FE9DEA-4A92-4EDA-A634-8FB5A6498AE4}"/>
+              </a:ext>
+            </a:extLst>
+          </p:cNvPr>
+          <p:cNvSpPr>
+            <a:spLocks noGrp="1"/>
+          </p:cNvSpPr>
+          <p:nvPr>
+            <p:ph type="sldNum" sz="quarter" idx="10"/>
+          </p:nvPr>
+        </p:nvSpPr>
+        <p:spPr/>
+        <p:txBody>
+          <a:bodyPr/>
+          <a:lstStyle/>
+          <a:p>
+            <a:fld id="{010B2668-03F4-4AF2-A4A7-833A47BBF1AE}" type="slidenum">
+              <a:rPr lang="en-US" smtClean="0"/>
+              <a:pPr/>
+              <a:t>6</a:t>
+            </a:fld>
+            <a:endParaRPr lang="en-US" dirty="0"/>
+          </a:p>
+        </p:txBody>
+      </p:sp>
+      <p:pic>
+        <p:nvPicPr>
+          <p:cNvPr id="5" name="Picture 4">
+            <a:extLst>
+              <a:ext uri="{FF2B5EF4-FFF2-40B4-BE49-F238E27FC236}">
+                <a16:creationId xmlns:a16="http://schemas.microsoft.com/office/drawing/2014/main" id="{B597AC3D-82E0-47CE-8A29-5D199067D0D4}"/>
+              </a:ext>
+            </a:extLst>
+          </p:cNvPr>
+          <p:cNvPicPr>
+            <a:picLocks noChangeAspect="1"/>
+          </p:cNvPicPr>
+          <p:nvPr/>
+        </p:nvPicPr>
+        <p:blipFill>
+          <a:blip r:embed="rId2"/>
+          <a:stretch>
+            <a:fillRect/>
+          </a:stretch>
+        </p:blipFill>
+        <p:spPr>
+          <a:xfrm>
+            <a:off x="1090612" y="2522908"/>
+            <a:ext cx="4315427" cy="3105583"/>
+          </a:xfrm>
+          <a:prstGeom prst="rect">
+            <a:avLst/>
+          </a:prstGeom>
+        </p:spPr>
+      </p:pic>
+      <p:pic>
+        <p:nvPicPr>
+          <p:cNvPr id="6" name="Picture 5">
+            <a:extLst>
+              <a:ext uri="{FF2B5EF4-FFF2-40B4-BE49-F238E27FC236}">
+                <a16:creationId xmlns:a16="http://schemas.microsoft.com/office/drawing/2014/main" id="{64DFE10D-9203-45BE-B82D-B034DED595C5}"/>
+              </a:ext>
+            </a:extLst>
+          </p:cNvPr>
+          <p:cNvPicPr>
+            <a:picLocks noChangeAspect="1"/>
+          </p:cNvPicPr>
+          <p:nvPr/>
+        </p:nvPicPr>
+        <p:blipFill>
+          <a:blip r:embed="rId3"/>
+          <a:stretch>
+            <a:fillRect/>
+          </a:stretch>
+        </p:blipFill>
+        <p:spPr>
+          <a:xfrm>
+            <a:off x="6519586" y="2595520"/>
+            <a:ext cx="3953427" cy="600159"/>
+          </a:xfrm>
+          <a:prstGeom prst="rect">
+            <a:avLst/>
+          </a:prstGeom>
+        </p:spPr>
+      </p:pic>
+      <p:pic>
+        <p:nvPicPr>
+          <p:cNvPr id="7" name="Picture 6">
+            <a:extLst>
+              <a:ext uri="{FF2B5EF4-FFF2-40B4-BE49-F238E27FC236}">
+                <a16:creationId xmlns:a16="http://schemas.microsoft.com/office/drawing/2014/main" id="{4D1C22FB-664B-49EA-9550-8B0FD945F5B3}"/>
+              </a:ext>
+            </a:extLst>
+          </p:cNvPr>
+          <p:cNvPicPr>
+            <a:picLocks noChangeAspect="1"/>
+          </p:cNvPicPr>
+          <p:nvPr/>
+        </p:nvPicPr>
+        <p:blipFill>
+          <a:blip r:embed="rId4"/>
+          <a:stretch>
+            <a:fillRect/>
+          </a:stretch>
+        </p:blipFill>
+        <p:spPr>
+          <a:xfrm>
+            <a:off x="6519586" y="3470521"/>
+            <a:ext cx="2124371" cy="2514951"/>
+          </a:xfrm>
+          <a:prstGeom prst="rect">
+            <a:avLst/>
+          </a:prstGeom>
+        </p:spPr>
+      </p:pic>
+    </p:spTree>
+    <p:extLst>
+      <p:ext uri="{BB962C8B-B14F-4D97-AF65-F5344CB8AC3E}">
+        <p14:creationId xmlns:p14="http://schemas.microsoft.com/office/powerpoint/2010/main" val="2292186146"/>
+      </p:ext>
+    </p:extLst>
+  </p:cSld>
+  <p:clrMapOvr>
+    <a:masterClrMapping/>
+  </p:clrMapOvr>
+</p:sld>
+</file>
+
+<file path=ppt/slides/slide7.xml><?xml version="1.0" encoding="utf-8"?>
+<p:sld xmlns:a="http://schemas.openxmlformats.org/drawingml/2006/main" xmlns:r="http://schemas.openxmlformats.org/officeDocument/2006/relationships" xmlns:p="http://schemas.openxmlformats.org/presentationml/2006/main">
+  <p:cSld>
+    <p:spTree>
+      <p:nvGrpSpPr>
+        <p:cNvPr id="1" name=""/>
+        <p:cNvGrpSpPr/>
+        <p:nvPr/>
+      </p:nvGrpSpPr>
+      <p:grpSpPr>
+        <a:xfrm>
+          <a:off x="0" y="0"/>
+          <a:ext cx="0" cy="0"/>
+          <a:chOff x="0" y="0"/>
+          <a:chExt cx="0" cy="0"/>
+        </a:xfrm>
+      </p:grpSpPr>
+      <p:sp>
+        <p:nvSpPr>
+          <p:cNvPr id="2" name="Title 1">
+            <a:extLst>
+              <a:ext uri="{FF2B5EF4-FFF2-40B4-BE49-F238E27FC236}">
+                <a16:creationId xmlns:a16="http://schemas.microsoft.com/office/drawing/2014/main" id="{48DB999F-A0EC-4337-B9E1-67959DE210A5}"/>
+              </a:ext>
+            </a:extLst>
+          </p:cNvPr>
+          <p:cNvSpPr>
+            <a:spLocks noGrp="1"/>
+          </p:cNvSpPr>
+          <p:nvPr>
+            <p:ph type="title"/>
+          </p:nvPr>
+        </p:nvSpPr>
+        <p:spPr/>
+        <p:txBody>
+          <a:bodyPr/>
+          <a:lstStyle/>
+          <a:p>
+            <a:r>
+              <a:rPr lang="en-US" dirty="0"/>
+              <a:t>Elements of an Excel Simulator</a:t>
+            </a:r>
+          </a:p>
+        </p:txBody>
+      </p:sp>
+      <p:sp>
+        <p:nvSpPr>
+          <p:cNvPr id="3" name="Text Placeholder 2">
+            <a:extLst>
+              <a:ext uri="{FF2B5EF4-FFF2-40B4-BE49-F238E27FC236}">
+                <a16:creationId xmlns:a16="http://schemas.microsoft.com/office/drawing/2014/main" id="{B2103881-FE51-4516-B8C8-3D99A5C1381A}"/>
+              </a:ext>
+            </a:extLst>
+          </p:cNvPr>
+          <p:cNvSpPr>
+            <a:spLocks noGrp="1"/>
+          </p:cNvSpPr>
+          <p:nvPr>
+            <p:ph type="body" sz="quarter" idx="11"/>
+          </p:nvPr>
+        </p:nvSpPr>
+        <p:spPr/>
+        <p:txBody>
+          <a:bodyPr/>
+          <a:lstStyle/>
+          <a:p>
+            <a:r>
+              <a:rPr lang="en-US" b="1" dirty="0"/>
+              <a:t>Client facing configurator and share of preference display</a:t>
+            </a:r>
+          </a:p>
+          <a:p>
+            <a:endParaRPr lang="en-US" b="1" dirty="0"/>
+          </a:p>
+        </p:txBody>
+      </p:sp>
+      <p:sp>
+        <p:nvSpPr>
+          <p:cNvPr id="4" name="Slide Number Placeholder 3">
+            <a:extLst>
+              <a:ext uri="{FF2B5EF4-FFF2-40B4-BE49-F238E27FC236}">
+                <a16:creationId xmlns:a16="http://schemas.microsoft.com/office/drawing/2014/main" id="{A44940C5-DD1F-48DA-B7AA-0FDE2694A01A}"/>
+              </a:ext>
+            </a:extLst>
+          </p:cNvPr>
+          <p:cNvSpPr>
+            <a:spLocks noGrp="1"/>
+          </p:cNvSpPr>
+          <p:nvPr>
+            <p:ph type="sldNum" sz="quarter" idx="10"/>
+          </p:nvPr>
+        </p:nvSpPr>
+        <p:spPr/>
+        <p:txBody>
+          <a:bodyPr/>
+          <a:lstStyle/>
+          <a:p>
+            <a:fld id="{010B2668-03F4-4AF2-A4A7-833A47BBF1AE}" type="slidenum">
+              <a:rPr lang="en-US" smtClean="0"/>
+              <a:pPr/>
+              <a:t>7</a:t>
+            </a:fld>
+            <a:endParaRPr lang="en-US" dirty="0"/>
+          </a:p>
+        </p:txBody>
+      </p:sp>
+      <p:pic>
+        <p:nvPicPr>
+          <p:cNvPr id="6" name="Picture 5">
+            <a:extLst>
+              <a:ext uri="{FF2B5EF4-FFF2-40B4-BE49-F238E27FC236}">
+                <a16:creationId xmlns:a16="http://schemas.microsoft.com/office/drawing/2014/main" id="{1C1CA864-1483-4B09-9FEF-00BE6CCAFCD8}"/>
+              </a:ext>
+            </a:extLst>
+          </p:cNvPr>
+          <p:cNvPicPr>
+            <a:picLocks noChangeAspect="1"/>
+          </p:cNvPicPr>
+          <p:nvPr/>
+        </p:nvPicPr>
+        <p:blipFill>
+          <a:blip r:embed="rId2"/>
+          <a:stretch>
+            <a:fillRect/>
+          </a:stretch>
+        </p:blipFill>
+        <p:spPr>
+          <a:xfrm>
+            <a:off x="1090612" y="2395622"/>
+            <a:ext cx="8191864" cy="2585953"/>
+          </a:xfrm>
+          <a:prstGeom prst="rect">
+            <a:avLst/>
+          </a:prstGeom>
+        </p:spPr>
+      </p:pic>
+    </p:spTree>
+    <p:extLst>
+      <p:ext uri="{BB962C8B-B14F-4D97-AF65-F5344CB8AC3E}">
+        <p14:creationId xmlns:p14="http://schemas.microsoft.com/office/powerpoint/2010/main" val="3333154879"/>
+      </p:ext>
+    </p:extLst>
+  </p:cSld>
+  <p:clrMapOvr>
+    <a:masterClrMapping/>
+  </p:clrMapOvr>
+</p:sld>
+</file>
+
+<file path=ppt/slides/slide8.xml><?xml version="1.0" encoding="utf-8"?>
+<p:sld xmlns:a="http://schemas.openxmlformats.org/drawingml/2006/main" xmlns:r="http://schemas.openxmlformats.org/officeDocument/2006/relationships" xmlns:p="http://schemas.openxmlformats.org/presentationml/2006/main">
+  <p:cSld>
+    <p:spTree>
+      <p:nvGrpSpPr>
+        <p:cNvPr id="1" name=""/>
+        <p:cNvGrpSpPr/>
+        <p:nvPr/>
+      </p:nvGrpSpPr>
+      <p:grpSpPr>
+        <a:xfrm>
+          <a:off x="0" y="0"/>
+          <a:ext cx="0" cy="0"/>
+          <a:chOff x="0" y="0"/>
+          <a:chExt cx="0" cy="0"/>
+        </a:xfrm>
+      </p:grpSpPr>
+      <p:sp>
+        <p:nvSpPr>
+          <p:cNvPr id="2" name="Title 1">
+            <a:extLst>
+              <a:ext uri="{FF2B5EF4-FFF2-40B4-BE49-F238E27FC236}">
+                <a16:creationId xmlns:a16="http://schemas.microsoft.com/office/drawing/2014/main" id="{4B0703F3-E25F-4DF5-9DE5-540B61F934DF}"/>
+              </a:ext>
+            </a:extLst>
+          </p:cNvPr>
+          <p:cNvSpPr>
+            <a:spLocks noGrp="1"/>
+          </p:cNvSpPr>
+          <p:nvPr>
+            <p:ph type="title"/>
+          </p:nvPr>
+        </p:nvSpPr>
+        <p:spPr/>
+        <p:txBody>
+          <a:bodyPr>
+            <a:normAutofit/>
+          </a:bodyPr>
+          <a:lstStyle/>
+          <a:p>
+            <a:r>
+              <a:rPr lang="en-US" dirty="0"/>
+              <a:t>Essential Excel Tricks - Array Formulas</a:t>
+            </a:r>
+          </a:p>
+        </p:txBody>
+      </p:sp>
+      <p:sp>
+        <p:nvSpPr>
+          <p:cNvPr id="3" name="Text Placeholder 2">
+            <a:extLst>
+              <a:ext uri="{FF2B5EF4-FFF2-40B4-BE49-F238E27FC236}">
+                <a16:creationId xmlns:a16="http://schemas.microsoft.com/office/drawing/2014/main" id="{0AF12800-EBA8-45DE-A1F6-8880A94440E1}"/>
+              </a:ext>
+            </a:extLst>
+          </p:cNvPr>
+          <p:cNvSpPr>
+            <a:spLocks noGrp="1"/>
+          </p:cNvSpPr>
+          <p:nvPr>
+            <p:ph type="body" sz="quarter" idx="11"/>
+          </p:nvPr>
+        </p:nvSpPr>
+        <p:spPr/>
+        <p:txBody>
+          <a:bodyPr>
+            <a:normAutofit fontScale="92500" lnSpcReduction="20000"/>
+          </a:bodyPr>
+          <a:lstStyle/>
+          <a:p>
+            <a:pPr marL="457200" indent="-457200">
+              <a:buFont typeface="Arial" panose="020B0604020202020204" pitchFamily="34" charset="0"/>
+              <a:buChar char="•"/>
+            </a:pPr>
+            <a:r>
+              <a:rPr lang="en-US" dirty="0"/>
+              <a:t>Runs calculations on whole arrays of values at the same time</a:t>
+            </a:r>
+          </a:p>
+          <a:p>
+            <a:pPr marL="457200" indent="-457200">
+              <a:buFont typeface="Arial" panose="020B0604020202020204" pitchFamily="34" charset="0"/>
+              <a:buChar char="•"/>
+            </a:pPr>
+            <a:r>
+              <a:rPr lang="en-US" dirty="0"/>
+              <a:t>Can output to multiple cells</a:t>
+            </a:r>
+          </a:p>
+          <a:p>
+            <a:pPr marL="457200" indent="-457200">
+              <a:buFont typeface="Arial" panose="020B0604020202020204" pitchFamily="34" charset="0"/>
+              <a:buChar char="•"/>
+            </a:pPr>
+            <a:r>
+              <a:rPr lang="en-US" dirty="0"/>
+              <a:t>Can reduce the total amount of cells that need to store intermediate calculation steps (brevity/clarity tradeoff!!)</a:t>
+            </a:r>
+          </a:p>
+          <a:p>
+            <a:pPr marL="457200" indent="-457200">
+              <a:buFont typeface="Arial" panose="020B0604020202020204" pitchFamily="34" charset="0"/>
+              <a:buChar char="•"/>
+            </a:pPr>
+            <a:r>
+              <a:rPr lang="en-US" dirty="0"/>
+              <a:t>How to:</a:t>
+            </a:r>
+          </a:p>
+          <a:p>
+            <a:pPr marL="858837" lvl="1" indent="-514350">
+              <a:buFont typeface="+mj-lt"/>
+              <a:buAutoNum type="arabicPeriod"/>
+            </a:pPr>
+            <a:r>
+              <a:rPr lang="en-US" dirty="0"/>
+              <a:t>	When editing a cell, press ‘</a:t>
+            </a:r>
+            <a:r>
+              <a:rPr lang="en-US" dirty="0" err="1"/>
+              <a:t>Control+Shift+Enter</a:t>
+            </a:r>
+            <a:r>
+              <a:rPr lang="en-US" dirty="0"/>
+              <a:t>’ (CSE) instead of ‘Enter’.</a:t>
+            </a:r>
+          </a:p>
+          <a:p>
+            <a:pPr marL="858837" lvl="1" indent="-514350">
+              <a:buFont typeface="+mj-lt"/>
+              <a:buAutoNum type="arabicPeriod"/>
+            </a:pPr>
+            <a:r>
+              <a:rPr lang="en-US" dirty="0"/>
+              <a:t>	F9 is your best friend to evaluate intermediate steps for difficult computations</a:t>
+            </a:r>
+          </a:p>
+          <a:p>
+            <a:endParaRPr lang="en-US" dirty="0"/>
+          </a:p>
+        </p:txBody>
+      </p:sp>
+      <p:sp>
+        <p:nvSpPr>
+          <p:cNvPr id="4" name="Slide Number Placeholder 3">
+            <a:extLst>
+              <a:ext uri="{FF2B5EF4-FFF2-40B4-BE49-F238E27FC236}">
+                <a16:creationId xmlns:a16="http://schemas.microsoft.com/office/drawing/2014/main" id="{3C400E39-EFDA-4BE9-B2CF-02CCBCC09ABD}"/>
+              </a:ext>
+            </a:extLst>
+          </p:cNvPr>
+          <p:cNvSpPr>
+            <a:spLocks noGrp="1"/>
+          </p:cNvSpPr>
+          <p:nvPr>
+            <p:ph type="sldNum" sz="quarter" idx="10"/>
+          </p:nvPr>
+        </p:nvSpPr>
+        <p:spPr/>
+        <p:txBody>
+          <a:bodyPr/>
+          <a:lstStyle/>
+          <a:p>
+            <a:fld id="{010B2668-03F4-4AF2-A4A7-833A47BBF1AE}" type="slidenum">
+              <a:rPr lang="en-US" smtClean="0"/>
+              <a:pPr/>
+              <a:t>8</a:t>
+            </a:fld>
+            <a:endParaRPr lang="en-US" dirty="0"/>
+          </a:p>
+        </p:txBody>
+      </p:sp>
+    </p:spTree>
+    <p:extLst>
+      <p:ext uri="{BB962C8B-B14F-4D97-AF65-F5344CB8AC3E}">
+        <p14:creationId xmlns:p14="http://schemas.microsoft.com/office/powerpoint/2010/main" val="442292445"/>
+      </p:ext>
+    </p:extLst>
+  </p:cSld>
+  <p:clrMapOvr>
+    <a:masterClrMapping/>
+  </p:clrMapOvr>
+</p:sld>
+</file>
+
+<file path=ppt/slides/slide9.xml><?xml version="1.0" encoding="utf-8"?>
+<p:sld xmlns:a="http://schemas.openxmlformats.org/drawingml/2006/main" xmlns:r="http://schemas.openxmlformats.org/officeDocument/2006/relationships" xmlns:p="http://schemas.openxmlformats.org/presentationml/2006/main">
+  <p:cSld>
+    <p:spTree>
+      <p:nvGrpSpPr>
+        <p:cNvPr id="1" name=""/>
+        <p:cNvGrpSpPr/>
+        <p:nvPr/>
+      </p:nvGrpSpPr>
+      <p:grpSpPr>
+        <a:xfrm>
+          <a:off x="0" y="0"/>
+          <a:ext cx="0" cy="0"/>
+          <a:chOff x="0" y="0"/>
+          <a:chExt cx="0" cy="0"/>
+        </a:xfrm>
+      </p:grpSpPr>
+      <p:sp>
+        <p:nvSpPr>
+          <p:cNvPr id="2" name="Title 1">
+            <a:extLst>
+              <a:ext uri="{FF2B5EF4-FFF2-40B4-BE49-F238E27FC236}">
+                <a16:creationId xmlns:a16="http://schemas.microsoft.com/office/drawing/2014/main" id="{87FAFA62-4295-4A71-AF0B-F3D8A43D696E}"/>
+              </a:ext>
+            </a:extLst>
+          </p:cNvPr>
+          <p:cNvSpPr>
+            <a:spLocks noGrp="1"/>
+          </p:cNvSpPr>
+          <p:nvPr>
+            <p:ph type="title"/>
+          </p:nvPr>
+        </p:nvSpPr>
+        <p:spPr/>
+        <p:txBody>
+          <a:bodyPr>
+            <a:normAutofit/>
+          </a:bodyPr>
+          <a:lstStyle/>
+          <a:p>
+            <a:r>
+              <a:rPr lang="en-US" dirty="0"/>
+              <a:t>Essential Excel Tricks - Named Ranges</a:t>
+            </a:r>
+          </a:p>
+        </p:txBody>
+      </p:sp>
+      <p:sp>
+        <p:nvSpPr>
+          <p:cNvPr id="4" name="Slide Number Placeholder 3">
+            <a:extLst>
+              <a:ext uri="{FF2B5EF4-FFF2-40B4-BE49-F238E27FC236}">
+                <a16:creationId xmlns:a16="http://schemas.microsoft.com/office/drawing/2014/main" id="{CBF595E1-E5D0-4886-AACE-BFB91C2CA4E2}"/>
+              </a:ext>
+            </a:extLst>
+          </p:cNvPr>
+          <p:cNvSpPr>
+            <a:spLocks noGrp="1"/>
+          </p:cNvSpPr>
+          <p:nvPr>
+            <p:ph type="sldNum" sz="quarter" idx="10"/>
+          </p:nvPr>
+        </p:nvSpPr>
+        <p:spPr/>
+        <p:txBody>
+          <a:bodyPr/>
+          <a:lstStyle/>
+          <a:p>
+            <a:fld id="{010B2668-03F4-4AF2-A4A7-833A47BBF1AE}" type="slidenum">
+              <a:rPr lang="en-US" smtClean="0"/>
+              <a:pPr/>
+              <a:t>9</a:t>
+            </a:fld>
+            <a:endParaRPr lang="en-US" dirty="0"/>
+          </a:p>
+        </p:txBody>
+      </p:sp>
+      <p:pic>
+        <p:nvPicPr>
+          <p:cNvPr id="6" name="Picture 5">
+            <a:extLst>
+              <a:ext uri="{FF2B5EF4-FFF2-40B4-BE49-F238E27FC236}">
+                <a16:creationId xmlns:a16="http://schemas.microsoft.com/office/drawing/2014/main" id="{0E5893F2-C14C-4EAA-83EA-0F07A6CF4F53}"/>
+              </a:ext>
+            </a:extLst>
+          </p:cNvPr>
+          <p:cNvPicPr>
+            <a:picLocks noChangeAspect="1"/>
+          </p:cNvPicPr>
+          <p:nvPr/>
+        </p:nvPicPr>
+        <p:blipFill>
+          <a:blip r:embed="rId2"/>
+          <a:stretch>
+            <a:fillRect/>
+          </a:stretch>
+        </p:blipFill>
+        <p:spPr>
+          <a:xfrm>
+            <a:off x="2180305" y="1329299"/>
+            <a:ext cx="8330941" cy="4931017"/>
+          </a:xfrm>
+          <a:prstGeom prst="rect">
+            <a:avLst/>
+          </a:prstGeom>
+        </p:spPr>
+      </p:pic>
+    </p:spTree>
+    <p:extLst>
+      <p:ext uri="{BB962C8B-B14F-4D97-AF65-F5344CB8AC3E}">
+        <p14:creationId xmlns:p14="http://schemas.microsoft.com/office/powerpoint/2010/main" val="379786197"/>
       </p:ext>
     </p:extLst>
   </p:cSld>

--- a/Excel Simulator Tips and Tricks.pptx
+++ b/Excel Simulator Tips and Tricks.pptx
@@ -5,7 +5,7 @@
     <p:sldMasterId id="2147483648" r:id="rId1"/>
   </p:sldMasterIdLst>
   <p:notesMasterIdLst>
-    <p:notesMasterId r:id="rId22"/>
+    <p:notesMasterId r:id="rId24"/>
   </p:notesMasterIdLst>
   <p:sldIdLst>
     <p:sldId id="265" r:id="rId2"/>
@@ -18,38 +18,40 @@
     <p:sldId id="285" r:id="rId9"/>
     <p:sldId id="286" r:id="rId10"/>
     <p:sldId id="288" r:id="rId11"/>
-    <p:sldId id="269" r:id="rId12"/>
-    <p:sldId id="279" r:id="rId13"/>
-    <p:sldId id="283" r:id="rId14"/>
-    <p:sldId id="273" r:id="rId15"/>
-    <p:sldId id="274" r:id="rId16"/>
-    <p:sldId id="275" r:id="rId17"/>
-    <p:sldId id="282" r:id="rId18"/>
-    <p:sldId id="284" r:id="rId19"/>
-    <p:sldId id="289" r:id="rId20"/>
-    <p:sldId id="267" r:id="rId21"/>
+    <p:sldId id="294" r:id="rId12"/>
+    <p:sldId id="269" r:id="rId13"/>
+    <p:sldId id="293" r:id="rId14"/>
+    <p:sldId id="279" r:id="rId15"/>
+    <p:sldId id="283" r:id="rId16"/>
+    <p:sldId id="273" r:id="rId17"/>
+    <p:sldId id="274" r:id="rId18"/>
+    <p:sldId id="275" r:id="rId19"/>
+    <p:sldId id="282" r:id="rId20"/>
+    <p:sldId id="284" r:id="rId21"/>
+    <p:sldId id="289" r:id="rId22"/>
+    <p:sldId id="267" r:id="rId23"/>
   </p:sldIdLst>
   <p:sldSz cx="12192000" cy="6858000"/>
   <p:notesSz cx="6858000" cy="9144000"/>
   <p:embeddedFontLst>
     <p:embeddedFont>
       <p:font typeface="Calibri" panose="020F0502020204030204" pitchFamily="34" charset="0"/>
-      <p:regular r:id="rId23"/>
-      <p:bold r:id="rId24"/>
-      <p:italic r:id="rId25"/>
-      <p:boldItalic r:id="rId26"/>
+      <p:regular r:id="rId25"/>
+      <p:bold r:id="rId26"/>
+      <p:italic r:id="rId27"/>
+      <p:boldItalic r:id="rId28"/>
     </p:embeddedFont>
     <p:embeddedFont>
       <p:font typeface="Source Sans Pro" panose="020B0503030403020204" pitchFamily="34" charset="0"/>
-      <p:regular r:id="rId27"/>
-      <p:bold r:id="rId28"/>
-      <p:italic r:id="rId29"/>
-      <p:boldItalic r:id="rId30"/>
+      <p:regular r:id="rId29"/>
+      <p:bold r:id="rId30"/>
+      <p:italic r:id="rId31"/>
+      <p:boldItalic r:id="rId32"/>
     </p:embeddedFont>
     <p:embeddedFont>
       <p:font typeface="Source Sans Pro Semibold" panose="020B0603030403020204" pitchFamily="34" charset="0"/>
-      <p:bold r:id="rId31"/>
-      <p:boldItalic r:id="rId32"/>
+      <p:bold r:id="rId33"/>
+      <p:boldItalic r:id="rId34"/>
     </p:embeddedFont>
   </p:embeddedFontLst>
   <p:defaultTextStyle>
@@ -167,6 +169,342 @@
 </p:cmAuthorLst>
 </file>
 
+<file path=ppt/revisionInfo.xml><?xml version="1.0" encoding="utf-8"?>
+<p1510:revInfo xmlns:a="http://schemas.openxmlformats.org/drawingml/2006/main" xmlns:r="http://schemas.openxmlformats.org/officeDocument/2006/relationships" xmlns:p1510="http://schemas.microsoft.com/office/powerpoint/2015/10/main">
+  <p1510:revLst>
+    <p1510:client id="{550A57E9-1EB2-449C-8461-CD426BA79F1E}" v="23" dt="2020-04-24T04:30:54.331"/>
+  </p1510:revLst>
+</p1510:revInfo>
+</file>
+
+<file path=ppt/changesInfos/changesInfo1.xml><?xml version="1.0" encoding="utf-8"?>
+<pc:chgInfo xmlns:a="http://schemas.openxmlformats.org/drawingml/2006/main" xmlns:r="http://schemas.openxmlformats.org/officeDocument/2006/relationships" xmlns:ac="http://schemas.microsoft.com/office/drawing/2013/main/command" xmlns:pc="http://schemas.microsoft.com/office/powerpoint/2013/main/command">
+  <pc:docChgLst>
+    <pc:chgData name="Kenneth Fairchild" userId="03832577-716b-4c0d-b669-d62905d419f0" providerId="ADAL" clId="{550A57E9-1EB2-449C-8461-CD426BA79F1E}"/>
+    <pc:docChg chg="undo custSel modSld">
+      <pc:chgData name="Kenneth Fairchild" userId="03832577-716b-4c0d-b669-d62905d419f0" providerId="ADAL" clId="{550A57E9-1EB2-449C-8461-CD426BA79F1E}" dt="2020-04-24T15:47:17.905" v="302" actId="20577"/>
+      <pc:docMkLst>
+        <pc:docMk/>
+      </pc:docMkLst>
+      <pc:sldChg chg="modSp mod">
+        <pc:chgData name="Kenneth Fairchild" userId="03832577-716b-4c0d-b669-d62905d419f0" providerId="ADAL" clId="{550A57E9-1EB2-449C-8461-CD426BA79F1E}" dt="2020-04-24T03:03:18.410" v="49" actId="20577"/>
+        <pc:sldMkLst>
+          <pc:docMk/>
+          <pc:sldMk cId="935496644" sldId="269"/>
+        </pc:sldMkLst>
+        <pc:spChg chg="mod">
+          <ac:chgData name="Kenneth Fairchild" userId="03832577-716b-4c0d-b669-d62905d419f0" providerId="ADAL" clId="{550A57E9-1EB2-449C-8461-CD426BA79F1E}" dt="2020-04-24T03:03:18.410" v="49" actId="20577"/>
+          <ac:spMkLst>
+            <pc:docMk/>
+            <pc:sldMk cId="935496644" sldId="269"/>
+            <ac:spMk id="3" creationId="{18697F6F-CCD3-4FAC-B98A-203BFE420BF2}"/>
+          </ac:spMkLst>
+        </pc:spChg>
+      </pc:sldChg>
+      <pc:sldChg chg="modSp mod">
+        <pc:chgData name="Kenneth Fairchild" userId="03832577-716b-4c0d-b669-d62905d419f0" providerId="ADAL" clId="{550A57E9-1EB2-449C-8461-CD426BA79F1E}" dt="2020-04-24T04:31:00.731" v="285" actId="1076"/>
+        <pc:sldMkLst>
+          <pc:docMk/>
+          <pc:sldMk cId="2935214854" sldId="279"/>
+        </pc:sldMkLst>
+        <pc:spChg chg="mod">
+          <ac:chgData name="Kenneth Fairchild" userId="03832577-716b-4c0d-b669-d62905d419f0" providerId="ADAL" clId="{550A57E9-1EB2-449C-8461-CD426BA79F1E}" dt="2020-04-24T04:30:31.295" v="276" actId="5793"/>
+          <ac:spMkLst>
+            <pc:docMk/>
+            <pc:sldMk cId="2935214854" sldId="279"/>
+            <ac:spMk id="2" creationId="{278CC4E3-307F-4BF4-837F-6D0DEBFC3915}"/>
+          </ac:spMkLst>
+        </pc:spChg>
+        <pc:spChg chg="mod">
+          <ac:chgData name="Kenneth Fairchild" userId="03832577-716b-4c0d-b669-d62905d419f0" providerId="ADAL" clId="{550A57E9-1EB2-449C-8461-CD426BA79F1E}" dt="2020-04-24T04:31:00.731" v="285" actId="1076"/>
+          <ac:spMkLst>
+            <pc:docMk/>
+            <pc:sldMk cId="2935214854" sldId="279"/>
+            <ac:spMk id="3" creationId="{18697F6F-CCD3-4FAC-B98A-203BFE420BF2}"/>
+          </ac:spMkLst>
+        </pc:spChg>
+        <pc:picChg chg="mod">
+          <ac:chgData name="Kenneth Fairchild" userId="03832577-716b-4c0d-b669-d62905d419f0" providerId="ADAL" clId="{550A57E9-1EB2-449C-8461-CD426BA79F1E}" dt="2020-04-24T04:30:54.330" v="284" actId="1076"/>
+          <ac:picMkLst>
+            <pc:docMk/>
+            <pc:sldMk cId="2935214854" sldId="279"/>
+            <ac:picMk id="2050" creationId="{534B2B89-C04B-4A8E-9C84-960B04046CD7}"/>
+          </ac:picMkLst>
+        </pc:picChg>
+      </pc:sldChg>
+      <pc:sldChg chg="modSp mod">
+        <pc:chgData name="Kenneth Fairchild" userId="03832577-716b-4c0d-b669-d62905d419f0" providerId="ADAL" clId="{550A57E9-1EB2-449C-8461-CD426BA79F1E}" dt="2020-04-24T04:32:10.365" v="286" actId="20577"/>
+        <pc:sldMkLst>
+          <pc:docMk/>
+          <pc:sldMk cId="3752827672" sldId="282"/>
+        </pc:sldMkLst>
+        <pc:spChg chg="mod">
+          <ac:chgData name="Kenneth Fairchild" userId="03832577-716b-4c0d-b669-d62905d419f0" providerId="ADAL" clId="{550A57E9-1EB2-449C-8461-CD426BA79F1E}" dt="2020-04-24T04:32:10.365" v="286" actId="20577"/>
+          <ac:spMkLst>
+            <pc:docMk/>
+            <pc:sldMk cId="3752827672" sldId="282"/>
+            <ac:spMk id="3" creationId="{41EF2E60-A8B2-4610-A13A-5ACFEFEAC1DC}"/>
+          </ac:spMkLst>
+        </pc:spChg>
+      </pc:sldChg>
+      <pc:sldChg chg="delSp mod">
+        <pc:chgData name="Kenneth Fairchild" userId="03832577-716b-4c0d-b669-d62905d419f0" providerId="ADAL" clId="{550A57E9-1EB2-449C-8461-CD426BA79F1E}" dt="2020-04-24T15:46:36.553" v="287" actId="478"/>
+        <pc:sldMkLst>
+          <pc:docMk/>
+          <pc:sldMk cId="3671383949" sldId="289"/>
+        </pc:sldMkLst>
+        <pc:spChg chg="del">
+          <ac:chgData name="Kenneth Fairchild" userId="03832577-716b-4c0d-b669-d62905d419f0" providerId="ADAL" clId="{550A57E9-1EB2-449C-8461-CD426BA79F1E}" dt="2020-04-24T15:46:36.553" v="287" actId="478"/>
+          <ac:spMkLst>
+            <pc:docMk/>
+            <pc:sldMk cId="3671383949" sldId="289"/>
+            <ac:spMk id="12" creationId="{4A4E0EF5-3F39-4A9B-A21A-B53933DEEEE1}"/>
+          </ac:spMkLst>
+        </pc:spChg>
+      </pc:sldChg>
+      <pc:sldChg chg="addSp delSp modSp mod">
+        <pc:chgData name="Kenneth Fairchild" userId="03832577-716b-4c0d-b669-d62905d419f0" providerId="ADAL" clId="{550A57E9-1EB2-449C-8461-CD426BA79F1E}" dt="2020-04-24T04:30:19.502" v="269" actId="20577"/>
+        <pc:sldMkLst>
+          <pc:docMk/>
+          <pc:sldMk cId="3964088221" sldId="293"/>
+        </pc:sldMkLst>
+        <pc:spChg chg="mod">
+          <ac:chgData name="Kenneth Fairchild" userId="03832577-716b-4c0d-b669-d62905d419f0" providerId="ADAL" clId="{550A57E9-1EB2-449C-8461-CD426BA79F1E}" dt="2020-04-24T04:30:19.502" v="269" actId="20577"/>
+          <ac:spMkLst>
+            <pc:docMk/>
+            <pc:sldMk cId="3964088221" sldId="293"/>
+            <ac:spMk id="2" creationId="{DBE970FB-4430-456D-8510-58BF0ACDCC1E}"/>
+          </ac:spMkLst>
+        </pc:spChg>
+        <pc:spChg chg="del mod">
+          <ac:chgData name="Kenneth Fairchild" userId="03832577-716b-4c0d-b669-d62905d419f0" providerId="ADAL" clId="{550A57E9-1EB2-449C-8461-CD426BA79F1E}" dt="2020-04-24T04:29:33.314" v="262" actId="478"/>
+          <ac:spMkLst>
+            <pc:docMk/>
+            <pc:sldMk cId="3964088221" sldId="293"/>
+            <ac:spMk id="3" creationId="{797584E0-6001-4659-958E-F499C27DF011}"/>
+          </ac:spMkLst>
+        </pc:spChg>
+        <pc:spChg chg="add del mod ord">
+          <ac:chgData name="Kenneth Fairchild" userId="03832577-716b-4c0d-b669-d62905d419f0" providerId="ADAL" clId="{550A57E9-1EB2-449C-8461-CD426BA79F1E}" dt="2020-04-24T04:29:33.926" v="263" actId="478"/>
+          <ac:spMkLst>
+            <pc:docMk/>
+            <pc:sldMk cId="3964088221" sldId="293"/>
+            <ac:spMk id="7" creationId="{A7176D70-0FED-49AF-87BC-6E872AAC6529}"/>
+          </ac:spMkLst>
+        </pc:spChg>
+        <pc:spChg chg="add del mod">
+          <ac:chgData name="Kenneth Fairchild" userId="03832577-716b-4c0d-b669-d62905d419f0" providerId="ADAL" clId="{550A57E9-1EB2-449C-8461-CD426BA79F1E}" dt="2020-04-24T04:19:12.810" v="76"/>
+          <ac:spMkLst>
+            <pc:docMk/>
+            <pc:sldMk cId="3964088221" sldId="293"/>
+            <ac:spMk id="8" creationId="{5098A9FA-C42B-4C66-B1A7-077A1FD88438}"/>
+          </ac:spMkLst>
+        </pc:spChg>
+        <pc:spChg chg="add del mod">
+          <ac:chgData name="Kenneth Fairchild" userId="03832577-716b-4c0d-b669-d62905d419f0" providerId="ADAL" clId="{550A57E9-1EB2-449C-8461-CD426BA79F1E}" dt="2020-04-24T04:19:12.811" v="78"/>
+          <ac:spMkLst>
+            <pc:docMk/>
+            <pc:sldMk cId="3964088221" sldId="293"/>
+            <ac:spMk id="9" creationId="{2381557D-B5B7-42C4-9A35-A072ACC81D07}"/>
+          </ac:spMkLst>
+        </pc:spChg>
+        <pc:spChg chg="add del mod">
+          <ac:chgData name="Kenneth Fairchild" userId="03832577-716b-4c0d-b669-d62905d419f0" providerId="ADAL" clId="{550A57E9-1EB2-449C-8461-CD426BA79F1E}" dt="2020-04-24T04:19:12.811" v="80"/>
+          <ac:spMkLst>
+            <pc:docMk/>
+            <pc:sldMk cId="3964088221" sldId="293"/>
+            <ac:spMk id="10" creationId="{85BE63C6-29F7-4A7B-B020-233A2423A02E}"/>
+          </ac:spMkLst>
+        </pc:spChg>
+        <pc:spChg chg="add del mod">
+          <ac:chgData name="Kenneth Fairchild" userId="03832577-716b-4c0d-b669-d62905d419f0" providerId="ADAL" clId="{550A57E9-1EB2-449C-8461-CD426BA79F1E}" dt="2020-04-24T04:29:39.869" v="265" actId="478"/>
+          <ac:spMkLst>
+            <pc:docMk/>
+            <pc:sldMk cId="3964088221" sldId="293"/>
+            <ac:spMk id="11" creationId="{29BFA7CA-D7EC-4691-899D-3793BE94184B}"/>
+          </ac:spMkLst>
+        </pc:spChg>
+        <pc:graphicFrameChg chg="add del mod">
+          <ac:chgData name="Kenneth Fairchild" userId="03832577-716b-4c0d-b669-d62905d419f0" providerId="ADAL" clId="{550A57E9-1EB2-449C-8461-CD426BA79F1E}" dt="2020-04-24T03:10:18.350" v="63" actId="478"/>
+          <ac:graphicFrameMkLst>
+            <pc:docMk/>
+            <pc:sldMk cId="3964088221" sldId="293"/>
+            <ac:graphicFrameMk id="5" creationId="{B69E1F17-4EF6-44AB-A0F1-8C49E0D083DE}"/>
+          </ac:graphicFrameMkLst>
+        </pc:graphicFrameChg>
+        <pc:picChg chg="add mod">
+          <ac:chgData name="Kenneth Fairchild" userId="03832577-716b-4c0d-b669-d62905d419f0" providerId="ADAL" clId="{550A57E9-1EB2-449C-8461-CD426BA79F1E}" dt="2020-04-24T04:29:37.004" v="264" actId="1076"/>
+          <ac:picMkLst>
+            <pc:docMk/>
+            <pc:sldMk cId="3964088221" sldId="293"/>
+            <ac:picMk id="6" creationId="{3775860A-1441-454F-A78F-A5E1717587FC}"/>
+          </ac:picMkLst>
+        </pc:picChg>
+      </pc:sldChg>
+      <pc:sldChg chg="addSp delSp modSp mod">
+        <pc:chgData name="Kenneth Fairchild" userId="03832577-716b-4c0d-b669-d62905d419f0" providerId="ADAL" clId="{550A57E9-1EB2-449C-8461-CD426BA79F1E}" dt="2020-04-24T15:47:17.905" v="302" actId="20577"/>
+        <pc:sldMkLst>
+          <pc:docMk/>
+          <pc:sldMk cId="2329906711" sldId="294"/>
+        </pc:sldMkLst>
+        <pc:spChg chg="mod">
+          <ac:chgData name="Kenneth Fairchild" userId="03832577-716b-4c0d-b669-d62905d419f0" providerId="ADAL" clId="{550A57E9-1EB2-449C-8461-CD426BA79F1E}" dt="2020-04-24T04:20:40.219" v="104" actId="27636"/>
+          <ac:spMkLst>
+            <pc:docMk/>
+            <pc:sldMk cId="2329906711" sldId="294"/>
+            <ac:spMk id="2" creationId="{B628A7B9-F501-4B51-A5C8-76CDE6EC511C}"/>
+          </ac:spMkLst>
+        </pc:spChg>
+        <pc:spChg chg="del mod">
+          <ac:chgData name="Kenneth Fairchild" userId="03832577-716b-4c0d-b669-d62905d419f0" providerId="ADAL" clId="{550A57E9-1EB2-449C-8461-CD426BA79F1E}" dt="2020-04-24T04:28:58.524" v="258" actId="478"/>
+          <ac:spMkLst>
+            <pc:docMk/>
+            <pc:sldMk cId="2329906711" sldId="294"/>
+            <ac:spMk id="3" creationId="{0EAED28A-0D6E-45D1-BC88-AB5AEFB5A3E1}"/>
+          </ac:spMkLst>
+        </pc:spChg>
+        <pc:spChg chg="add mod">
+          <ac:chgData name="Kenneth Fairchild" userId="03832577-716b-4c0d-b669-d62905d419f0" providerId="ADAL" clId="{550A57E9-1EB2-449C-8461-CD426BA79F1E}" dt="2020-04-24T04:24:53.296" v="141" actId="164"/>
+          <ac:spMkLst>
+            <pc:docMk/>
+            <pc:sldMk cId="2329906711" sldId="294"/>
+            <ac:spMk id="5" creationId="{8BCCF09E-B14B-46F7-BB23-8525CA911926}"/>
+          </ac:spMkLst>
+        </pc:spChg>
+        <pc:spChg chg="add mod">
+          <ac:chgData name="Kenneth Fairchild" userId="03832577-716b-4c0d-b669-d62905d419f0" providerId="ADAL" clId="{550A57E9-1EB2-449C-8461-CD426BA79F1E}" dt="2020-04-24T04:27:32.680" v="224" actId="164"/>
+          <ac:spMkLst>
+            <pc:docMk/>
+            <pc:sldMk cId="2329906711" sldId="294"/>
+            <ac:spMk id="6" creationId="{E32B4E47-1515-42FC-BE3A-B652EABE2971}"/>
+          </ac:spMkLst>
+        </pc:spChg>
+        <pc:spChg chg="add mod">
+          <ac:chgData name="Kenneth Fairchild" userId="03832577-716b-4c0d-b669-d62905d419f0" providerId="ADAL" clId="{550A57E9-1EB2-449C-8461-CD426BA79F1E}" dt="2020-04-24T04:27:37.004" v="226" actId="1076"/>
+          <ac:spMkLst>
+            <pc:docMk/>
+            <pc:sldMk cId="2329906711" sldId="294"/>
+            <ac:spMk id="7" creationId="{C6BF196F-CB6C-4C25-9661-B799327DF377}"/>
+          </ac:spMkLst>
+        </pc:spChg>
+        <pc:spChg chg="add mod">
+          <ac:chgData name="Kenneth Fairchild" userId="03832577-716b-4c0d-b669-d62905d419f0" providerId="ADAL" clId="{550A57E9-1EB2-449C-8461-CD426BA79F1E}" dt="2020-04-24T15:47:17.905" v="302" actId="20577"/>
+          <ac:spMkLst>
+            <pc:docMk/>
+            <pc:sldMk cId="2329906711" sldId="294"/>
+            <ac:spMk id="16" creationId="{C0C714B4-D69B-45E0-9C10-8B6679162628}"/>
+          </ac:spMkLst>
+        </pc:spChg>
+        <pc:spChg chg="add mod">
+          <ac:chgData name="Kenneth Fairchild" userId="03832577-716b-4c0d-b669-d62905d419f0" providerId="ADAL" clId="{550A57E9-1EB2-449C-8461-CD426BA79F1E}" dt="2020-04-24T04:27:47.429" v="227" actId="164"/>
+          <ac:spMkLst>
+            <pc:docMk/>
+            <pc:sldMk cId="2329906711" sldId="294"/>
+            <ac:spMk id="19" creationId="{9B22B153-F024-4032-8D2E-12D25246D760}"/>
+          </ac:spMkLst>
+        </pc:spChg>
+        <pc:spChg chg="add mod">
+          <ac:chgData name="Kenneth Fairchild" userId="03832577-716b-4c0d-b669-d62905d419f0" providerId="ADAL" clId="{550A57E9-1EB2-449C-8461-CD426BA79F1E}" dt="2020-04-24T04:27:47.429" v="227" actId="164"/>
+          <ac:spMkLst>
+            <pc:docMk/>
+            <pc:sldMk cId="2329906711" sldId="294"/>
+            <ac:spMk id="23" creationId="{5C4D526E-9EE2-468E-B490-75293E02AD8A}"/>
+          </ac:spMkLst>
+        </pc:spChg>
+        <pc:spChg chg="add mod">
+          <ac:chgData name="Kenneth Fairchild" userId="03832577-716b-4c0d-b669-d62905d419f0" providerId="ADAL" clId="{550A57E9-1EB2-449C-8461-CD426BA79F1E}" dt="2020-04-24T04:28:55.004" v="257" actId="164"/>
+          <ac:spMkLst>
+            <pc:docMk/>
+            <pc:sldMk cId="2329906711" sldId="294"/>
+            <ac:spMk id="26" creationId="{C8E64393-1456-4878-B610-C666F47FAF75}"/>
+          </ac:spMkLst>
+        </pc:spChg>
+        <pc:grpChg chg="add mod">
+          <ac:chgData name="Kenneth Fairchild" userId="03832577-716b-4c0d-b669-d62905d419f0" providerId="ADAL" clId="{550A57E9-1EB2-449C-8461-CD426BA79F1E}" dt="2020-04-24T04:27:32.680" v="224" actId="164"/>
+          <ac:grpSpMkLst>
+            <pc:docMk/>
+            <pc:sldMk cId="2329906711" sldId="294"/>
+            <ac:grpSpMk id="10" creationId="{E3B51A73-94EC-4FC0-8BD2-0F466224AB7F}"/>
+          </ac:grpSpMkLst>
+        </pc:grpChg>
+        <pc:grpChg chg="add mod">
+          <ac:chgData name="Kenneth Fairchild" userId="03832577-716b-4c0d-b669-d62905d419f0" providerId="ADAL" clId="{550A57E9-1EB2-449C-8461-CD426BA79F1E}" dt="2020-04-24T04:27:47.429" v="227" actId="164"/>
+          <ac:grpSpMkLst>
+            <pc:docMk/>
+            <pc:sldMk cId="2329906711" sldId="294"/>
+            <ac:grpSpMk id="24" creationId="{3E2FCE52-C5CE-4EF9-BC98-0417D13244A3}"/>
+          </ac:grpSpMkLst>
+        </pc:grpChg>
+        <pc:grpChg chg="add mod">
+          <ac:chgData name="Kenneth Fairchild" userId="03832577-716b-4c0d-b669-d62905d419f0" providerId="ADAL" clId="{550A57E9-1EB2-449C-8461-CD426BA79F1E}" dt="2020-04-24T04:28:55.004" v="257" actId="164"/>
+          <ac:grpSpMkLst>
+            <pc:docMk/>
+            <pc:sldMk cId="2329906711" sldId="294"/>
+            <ac:grpSpMk id="25" creationId="{40898E57-918E-4E10-91A8-A4C4D3788E60}"/>
+          </ac:grpSpMkLst>
+        </pc:grpChg>
+        <pc:grpChg chg="add mod">
+          <ac:chgData name="Kenneth Fairchild" userId="03832577-716b-4c0d-b669-d62905d419f0" providerId="ADAL" clId="{550A57E9-1EB2-449C-8461-CD426BA79F1E}" dt="2020-04-24T04:29:08.803" v="260" actId="14100"/>
+          <ac:grpSpMkLst>
+            <pc:docMk/>
+            <pc:sldMk cId="2329906711" sldId="294"/>
+            <ac:grpSpMk id="31" creationId="{6E8C9872-A11E-45FB-8750-7B5A2251DE72}"/>
+          </ac:grpSpMkLst>
+        </pc:grpChg>
+        <pc:cxnChg chg="add mod">
+          <ac:chgData name="Kenneth Fairchild" userId="03832577-716b-4c0d-b669-d62905d419f0" providerId="ADAL" clId="{550A57E9-1EB2-449C-8461-CD426BA79F1E}" dt="2020-04-24T04:24:53.296" v="141" actId="164"/>
+          <ac:cxnSpMkLst>
+            <pc:docMk/>
+            <pc:sldMk cId="2329906711" sldId="294"/>
+            <ac:cxnSpMk id="9" creationId="{58C466D3-3D6B-49D3-AA0E-8DC06D091651}"/>
+          </ac:cxnSpMkLst>
+        </pc:cxnChg>
+        <pc:cxnChg chg="add mod">
+          <ac:chgData name="Kenneth Fairchild" userId="03832577-716b-4c0d-b669-d62905d419f0" providerId="ADAL" clId="{550A57E9-1EB2-449C-8461-CD426BA79F1E}" dt="2020-04-24T04:27:32.680" v="224" actId="164"/>
+          <ac:cxnSpMkLst>
+            <pc:docMk/>
+            <pc:sldMk cId="2329906711" sldId="294"/>
+            <ac:cxnSpMk id="12" creationId="{D13702ED-7D7A-4BE5-A83E-E51C361350DF}"/>
+          </ac:cxnSpMkLst>
+        </pc:cxnChg>
+        <pc:cxnChg chg="add mod">
+          <ac:chgData name="Kenneth Fairchild" userId="03832577-716b-4c0d-b669-d62905d419f0" providerId="ADAL" clId="{550A57E9-1EB2-449C-8461-CD426BA79F1E}" dt="2020-04-24T04:27:32.680" v="224" actId="164"/>
+          <ac:cxnSpMkLst>
+            <pc:docMk/>
+            <pc:sldMk cId="2329906711" sldId="294"/>
+            <ac:cxnSpMk id="13" creationId="{9424E6E3-D2C1-4636-AFC7-6A1292C36291}"/>
+          </ac:cxnSpMkLst>
+        </pc:cxnChg>
+        <pc:cxnChg chg="add mod">
+          <ac:chgData name="Kenneth Fairchild" userId="03832577-716b-4c0d-b669-d62905d419f0" providerId="ADAL" clId="{550A57E9-1EB2-449C-8461-CD426BA79F1E}" dt="2020-04-24T04:27:47.429" v="227" actId="164"/>
+          <ac:cxnSpMkLst>
+            <pc:docMk/>
+            <pc:sldMk cId="2329906711" sldId="294"/>
+            <ac:cxnSpMk id="20" creationId="{8071F552-50F0-4D1F-AEA0-62C2B18A96F6}"/>
+          </ac:cxnSpMkLst>
+        </pc:cxnChg>
+        <pc:cxnChg chg="add mod">
+          <ac:chgData name="Kenneth Fairchild" userId="03832577-716b-4c0d-b669-d62905d419f0" providerId="ADAL" clId="{550A57E9-1EB2-449C-8461-CD426BA79F1E}" dt="2020-04-24T04:28:55.004" v="257" actId="164"/>
+          <ac:cxnSpMkLst>
+            <pc:docMk/>
+            <pc:sldMk cId="2329906711" sldId="294"/>
+            <ac:cxnSpMk id="27" creationId="{6E2A52D7-1FE0-4897-8A46-EB05C0036022}"/>
+          </ac:cxnSpMkLst>
+        </pc:cxnChg>
+        <pc:cxnChg chg="add mod">
+          <ac:chgData name="Kenneth Fairchild" userId="03832577-716b-4c0d-b669-d62905d419f0" providerId="ADAL" clId="{550A57E9-1EB2-449C-8461-CD426BA79F1E}" dt="2020-04-24T04:28:55.004" v="257" actId="164"/>
+          <ac:cxnSpMkLst>
+            <pc:docMk/>
+            <pc:sldMk cId="2329906711" sldId="294"/>
+            <ac:cxnSpMk id="29" creationId="{B4E3C7DE-2F4E-4065-B6E7-D794B280F576}"/>
+          </ac:cxnSpMkLst>
+        </pc:cxnChg>
+      </pc:sldChg>
+    </pc:docChg>
+  </pc:docChgLst>
+</pc:chgInfo>
+</file>
+
 <file path=ppt/comments/comment1.xml><?xml version="1.0" encoding="utf-8"?>
 <p:cmLst xmlns:a="http://schemas.openxmlformats.org/drawingml/2006/main" xmlns:r="http://schemas.openxmlformats.org/officeDocument/2006/relationships" xmlns:p="http://schemas.openxmlformats.org/presentationml/2006/main">
   <p:cm authorId="1" dt="2019-09-10T15:45:15.658" idx="1">
@@ -263,7 +601,7 @@
           <a:p>
             <a:fld id="{DE170032-BD20-48D6-A055-C0D06282CF84}" type="datetimeFigureOut">
               <a:rPr lang="en-US" smtClean="0"/>
-              <a:t>9/17/2019</a:t>
+              <a:t>4/23/2020</a:t>
             </a:fld>
             <a:endParaRPr lang="en-US"/>
           </a:p>
@@ -688,7 +1026,7 @@
           <a:p>
             <a:fld id="{0629C32D-7E7A-494A-BA47-051E64BDE12D}" type="slidenum">
               <a:rPr lang="en-US" smtClean="0"/>
-              <a:t>12</a:t>
+              <a:t>14</a:t>
             </a:fld>
             <a:endParaRPr lang="en-US"/>
           </a:p>
@@ -5755,7 +6093,7 @@
           <p:cNvPr id="2" name="Title 1">
             <a:extLst>
               <a:ext uri="{FF2B5EF4-FFF2-40B4-BE49-F238E27FC236}">
-                <a16:creationId xmlns:a16="http://schemas.microsoft.com/office/drawing/2014/main" id="{278CC4E3-307F-4BF4-837F-6D0DEBFC3915}"/>
+                <a16:creationId xmlns:a16="http://schemas.microsoft.com/office/drawing/2014/main" id="{B628A7B9-F501-4B51-A5C8-76CDE6EC511C}"/>
               </a:ext>
             </a:extLst>
           </p:cNvPr>
@@ -5768,102 +6106,15 @@
         </p:nvSpPr>
         <p:spPr/>
         <p:txBody>
-          <a:bodyPr/>
-          <a:lstStyle/>
-          <a:p>
-            <a:r>
-              <a:rPr lang="en-US" dirty="0"/>
-              <a:t>Essential Calculations</a:t>
-            </a:r>
-          </a:p>
-        </p:txBody>
-      </p:sp>
-      <p:sp>
-        <p:nvSpPr>
-          <p:cNvPr id="3" name="Text Placeholder 2">
-            <a:extLst>
-              <a:ext uri="{FF2B5EF4-FFF2-40B4-BE49-F238E27FC236}">
-                <a16:creationId xmlns:a16="http://schemas.microsoft.com/office/drawing/2014/main" id="{18697F6F-CCD3-4FAC-B98A-203BFE420BF2}"/>
-              </a:ext>
-            </a:extLst>
-          </p:cNvPr>
-          <p:cNvSpPr>
-            <a:spLocks noGrp="1"/>
-          </p:cNvSpPr>
-          <p:nvPr>
-            <p:ph type="body" sz="quarter" idx="11"/>
-          </p:nvPr>
-        </p:nvSpPr>
-        <p:spPr/>
-        <p:txBody>
           <a:bodyPr>
-            <a:normAutofit fontScale="85000" lnSpcReduction="20000"/>
+            <a:normAutofit/>
           </a:bodyPr>
           <a:lstStyle/>
           <a:p>
             <a:r>
-              <a:rPr lang="en-US" b="1" dirty="0"/>
-              <a:t>Total Utility Calculation:</a:t>
-            </a:r>
-          </a:p>
-          <a:p>
-            <a:r>
               <a:rPr lang="en-US" dirty="0"/>
-              <a:t>	Formula:</a:t>
-            </a:r>
-          </a:p>
-          <a:p>
-            <a:r>
-              <a:rPr lang="en-US" dirty="0"/>
-              <a:t>	Excel (standard):    =sum(a1:e1) </a:t>
-            </a:r>
-          </a:p>
-          <a:p>
-            <a:r>
-              <a:rPr lang="en-US" dirty="0"/>
-              <a:t>	Excel (array):            =MMULT(</a:t>
-            </a:r>
-            <a:r>
-              <a:rPr lang="en-US" dirty="0" err="1"/>
-              <a:t>Utilities,Design</a:t>
-            </a:r>
-            <a:r>
-              <a:rPr lang="en-US" dirty="0"/>
-              <a:t>)</a:t>
-            </a:r>
-          </a:p>
-          <a:p>
-            <a:r>
-              <a:rPr lang="en-US" b="1" dirty="0"/>
-              <a:t>Share of Preference:</a:t>
-            </a:r>
-          </a:p>
-          <a:p>
-            <a:r>
-              <a:rPr lang="en-US" dirty="0"/>
-              <a:t>	Formula: </a:t>
-            </a:r>
-          </a:p>
-          <a:p>
-            <a:r>
-              <a:rPr lang="en-US" dirty="0"/>
-              <a:t>	Excel (standard): =exp(a1)/(exp(a1)+exp(b1)+exp(c1)</a:t>
-            </a:r>
-          </a:p>
-          <a:p>
-            <a:r>
-              <a:rPr lang="en-US" dirty="0"/>
-              <a:t>	Excel (array):         =exp(a1:c1)/sum(exp(a1:c1))</a:t>
-            </a:r>
-          </a:p>
-          <a:p>
-            <a:endParaRPr lang="en-US" dirty="0"/>
-          </a:p>
-          <a:p>
-            <a:endParaRPr lang="en-US" dirty="0"/>
-          </a:p>
-          <a:p>
-            <a:endParaRPr lang="en-US" dirty="0"/>
+              <a:t>Calculation Flow Chart</a:t>
+            </a:r>
           </a:p>
         </p:txBody>
       </p:sp>
@@ -5872,7 +6123,7 @@
           <p:cNvPr id="4" name="Slide Number Placeholder 3">
             <a:extLst>
               <a:ext uri="{FF2B5EF4-FFF2-40B4-BE49-F238E27FC236}">
-                <a16:creationId xmlns:a16="http://schemas.microsoft.com/office/drawing/2014/main" id="{1A38EA18-7A14-48E8-9285-07BD8664B2B9}"/>
+                <a16:creationId xmlns:a16="http://schemas.microsoft.com/office/drawing/2014/main" id="{997CDD78-67A2-4939-85FE-AC5BD7654112}"/>
               </a:ext>
             </a:extLst>
           </p:cNvPr>
@@ -5892,6 +6143,858 @@
               <a:rPr lang="en-US" smtClean="0"/>
               <a:pPr/>
               <a:t>11</a:t>
+            </a:fld>
+            <a:endParaRPr lang="en-US" dirty="0"/>
+          </a:p>
+        </p:txBody>
+      </p:sp>
+      <p:grpSp>
+        <p:nvGrpSpPr>
+          <p:cNvPr id="31" name="Group 30">
+            <a:extLst>
+              <a:ext uri="{FF2B5EF4-FFF2-40B4-BE49-F238E27FC236}">
+                <a16:creationId xmlns:a16="http://schemas.microsoft.com/office/drawing/2014/main" id="{6E8C9872-A11E-45FB-8750-7B5A2251DE72}"/>
+              </a:ext>
+            </a:extLst>
+          </p:cNvPr>
+          <p:cNvGrpSpPr/>
+          <p:nvPr/>
+        </p:nvGrpSpPr>
+        <p:grpSpPr>
+          <a:xfrm>
+            <a:off x="1000460" y="1541416"/>
+            <a:ext cx="9972340" cy="5087281"/>
+            <a:chOff x="3561801" y="179674"/>
+            <a:chExt cx="6218826" cy="6449024"/>
+          </a:xfrm>
+        </p:grpSpPr>
+        <p:grpSp>
+          <p:nvGrpSpPr>
+            <p:cNvPr id="25" name="Group 24">
+              <a:extLst>
+                <a:ext uri="{FF2B5EF4-FFF2-40B4-BE49-F238E27FC236}">
+                  <a16:creationId xmlns:a16="http://schemas.microsoft.com/office/drawing/2014/main" id="{40898E57-918E-4E10-91A8-A4C4D3788E60}"/>
+                </a:ext>
+              </a:extLst>
+            </p:cNvPr>
+            <p:cNvGrpSpPr/>
+            <p:nvPr/>
+          </p:nvGrpSpPr>
+          <p:grpSpPr>
+            <a:xfrm>
+              <a:off x="3561801" y="179674"/>
+              <a:ext cx="6218826" cy="5049890"/>
+              <a:chOff x="4275904" y="597685"/>
+              <a:chExt cx="6218826" cy="5049890"/>
+            </a:xfrm>
+          </p:grpSpPr>
+          <p:grpSp>
+            <p:nvGrpSpPr>
+              <p:cNvPr id="24" name="Group 23">
+                <a:extLst>
+                  <a:ext uri="{FF2B5EF4-FFF2-40B4-BE49-F238E27FC236}">
+                    <a16:creationId xmlns:a16="http://schemas.microsoft.com/office/drawing/2014/main" id="{3E2FCE52-C5CE-4EF9-BC98-0417D13244A3}"/>
+                  </a:ext>
+                </a:extLst>
+              </p:cNvPr>
+              <p:cNvGrpSpPr/>
+              <p:nvPr/>
+            </p:nvGrpSpPr>
+            <p:grpSpPr>
+              <a:xfrm>
+                <a:off x="4275904" y="597685"/>
+                <a:ext cx="4928034" cy="3753690"/>
+                <a:chOff x="4275904" y="597685"/>
+                <a:chExt cx="4928034" cy="3753690"/>
+              </a:xfrm>
+            </p:grpSpPr>
+            <p:sp>
+              <p:nvSpPr>
+                <p:cNvPr id="6" name="Flowchart: Process 5">
+                  <a:extLst>
+                    <a:ext uri="{FF2B5EF4-FFF2-40B4-BE49-F238E27FC236}">
+                      <a16:creationId xmlns:a16="http://schemas.microsoft.com/office/drawing/2014/main" id="{E32B4E47-1515-42FC-BE3A-B652EABE2971}"/>
+                    </a:ext>
+                  </a:extLst>
+                </p:cNvPr>
+                <p:cNvSpPr/>
+                <p:nvPr/>
+              </p:nvSpPr>
+              <p:spPr>
+                <a:xfrm>
+                  <a:off x="4275904" y="1940407"/>
+                  <a:ext cx="2020389" cy="896983"/>
+                </a:xfrm>
+                <a:prstGeom prst="flowChartProcess">
+                  <a:avLst/>
+                </a:prstGeom>
+              </p:spPr>
+              <p:style>
+                <a:lnRef idx="2">
+                  <a:schemeClr val="accent1">
+                    <a:shade val="50000"/>
+                  </a:schemeClr>
+                </a:lnRef>
+                <a:fillRef idx="1">
+                  <a:schemeClr val="accent1"/>
+                </a:fillRef>
+                <a:effectRef idx="0">
+                  <a:schemeClr val="accent1"/>
+                </a:effectRef>
+                <a:fontRef idx="minor">
+                  <a:schemeClr val="lt1"/>
+                </a:fontRef>
+              </p:style>
+              <p:txBody>
+                <a:bodyPr rtlCol="0" anchor="ctr"/>
+                <a:lstStyle/>
+                <a:p>
+                  <a:pPr algn="ctr"/>
+                  <a:r>
+                    <a:rPr lang="en-US" dirty="0"/>
+                    <a:t>Design</a:t>
+                  </a:r>
+                </a:p>
+              </p:txBody>
+            </p:sp>
+            <p:grpSp>
+              <p:nvGrpSpPr>
+                <p:cNvPr id="10" name="Group 9">
+                  <a:extLst>
+                    <a:ext uri="{FF2B5EF4-FFF2-40B4-BE49-F238E27FC236}">
+                      <a16:creationId xmlns:a16="http://schemas.microsoft.com/office/drawing/2014/main" id="{E3B51A73-94EC-4FC0-8BD2-0F466224AB7F}"/>
+                    </a:ext>
+                  </a:extLst>
+                </p:cNvPr>
+                <p:cNvGrpSpPr/>
+                <p:nvPr/>
+              </p:nvGrpSpPr>
+              <p:grpSpPr>
+                <a:xfrm>
+                  <a:off x="7183549" y="597685"/>
+                  <a:ext cx="2020389" cy="2239706"/>
+                  <a:chOff x="7200967" y="405791"/>
+                  <a:chExt cx="2020389" cy="2239706"/>
+                </a:xfrm>
+              </p:grpSpPr>
+              <p:sp>
+                <p:nvSpPr>
+                  <p:cNvPr id="5" name="Flowchart: Process 4">
+                    <a:extLst>
+                      <a:ext uri="{FF2B5EF4-FFF2-40B4-BE49-F238E27FC236}">
+                        <a16:creationId xmlns:a16="http://schemas.microsoft.com/office/drawing/2014/main" id="{8BCCF09E-B14B-46F7-BB23-8525CA911926}"/>
+                      </a:ext>
+                    </a:extLst>
+                  </p:cNvPr>
+                  <p:cNvSpPr/>
+                  <p:nvPr/>
+                </p:nvSpPr>
+                <p:spPr>
+                  <a:xfrm>
+                    <a:off x="7200967" y="405791"/>
+                    <a:ext cx="2020389" cy="896983"/>
+                  </a:xfrm>
+                  <a:prstGeom prst="flowChartProcess">
+                    <a:avLst/>
+                  </a:prstGeom>
+                </p:spPr>
+                <p:style>
+                  <a:lnRef idx="2">
+                    <a:schemeClr val="accent1">
+                      <a:shade val="50000"/>
+                    </a:schemeClr>
+                  </a:lnRef>
+                  <a:fillRef idx="1">
+                    <a:schemeClr val="accent1"/>
+                  </a:fillRef>
+                  <a:effectRef idx="0">
+                    <a:schemeClr val="accent1"/>
+                  </a:effectRef>
+                  <a:fontRef idx="minor">
+                    <a:schemeClr val="lt1"/>
+                  </a:fontRef>
+                </p:style>
+                <p:txBody>
+                  <a:bodyPr rtlCol="0" anchor="ctr"/>
+                  <a:lstStyle/>
+                  <a:p>
+                    <a:pPr algn="ctr"/>
+                    <a:r>
+                      <a:rPr lang="en-US" dirty="0"/>
+                      <a:t>Utilities</a:t>
+                    </a:r>
+                  </a:p>
+                </p:txBody>
+              </p:sp>
+              <p:sp>
+                <p:nvSpPr>
+                  <p:cNvPr id="7" name="Flowchart: Process 6">
+                    <a:extLst>
+                      <a:ext uri="{FF2B5EF4-FFF2-40B4-BE49-F238E27FC236}">
+                        <a16:creationId xmlns:a16="http://schemas.microsoft.com/office/drawing/2014/main" id="{C6BF196F-CB6C-4C25-9661-B799327DF377}"/>
+                      </a:ext>
+                    </a:extLst>
+                  </p:cNvPr>
+                  <p:cNvSpPr/>
+                  <p:nvPr/>
+                </p:nvSpPr>
+                <p:spPr>
+                  <a:xfrm>
+                    <a:off x="7200967" y="1748514"/>
+                    <a:ext cx="2020389" cy="896983"/>
+                  </a:xfrm>
+                  <a:prstGeom prst="flowChartProcess">
+                    <a:avLst/>
+                  </a:prstGeom>
+                </p:spPr>
+                <p:style>
+                  <a:lnRef idx="2">
+                    <a:schemeClr val="accent1">
+                      <a:shade val="50000"/>
+                    </a:schemeClr>
+                  </a:lnRef>
+                  <a:fillRef idx="1">
+                    <a:schemeClr val="accent1"/>
+                  </a:fillRef>
+                  <a:effectRef idx="0">
+                    <a:schemeClr val="accent1"/>
+                  </a:effectRef>
+                  <a:fontRef idx="minor">
+                    <a:schemeClr val="lt1"/>
+                  </a:fontRef>
+                </p:style>
+                <p:txBody>
+                  <a:bodyPr rtlCol="0" anchor="ctr"/>
+                  <a:lstStyle/>
+                  <a:p>
+                    <a:pPr algn="ctr"/>
+                    <a:r>
+                      <a:rPr lang="en-US" dirty="0"/>
+                      <a:t>Filters</a:t>
+                    </a:r>
+                  </a:p>
+                </p:txBody>
+              </p:sp>
+              <p:cxnSp>
+                <p:nvCxnSpPr>
+                  <p:cNvPr id="9" name="Straight Arrow Connector 8">
+                    <a:extLst>
+                      <a:ext uri="{FF2B5EF4-FFF2-40B4-BE49-F238E27FC236}">
+                        <a16:creationId xmlns:a16="http://schemas.microsoft.com/office/drawing/2014/main" id="{58C466D3-3D6B-49D3-AA0E-8DC06D091651}"/>
+                      </a:ext>
+                    </a:extLst>
+                  </p:cNvPr>
+                  <p:cNvCxnSpPr>
+                    <a:stCxn id="5" idx="2"/>
+                  </p:cNvCxnSpPr>
+                  <p:nvPr/>
+                </p:nvCxnSpPr>
+                <p:spPr>
+                  <a:xfrm flipH="1">
+                    <a:off x="8211161" y="1302774"/>
+                    <a:ext cx="1" cy="447116"/>
+                  </a:xfrm>
+                  <a:prstGeom prst="straightConnector1">
+                    <a:avLst/>
+                  </a:prstGeom>
+                  <a:ln>
+                    <a:tailEnd type="triangle"/>
+                  </a:ln>
+                </p:spPr>
+                <p:style>
+                  <a:lnRef idx="1">
+                    <a:schemeClr val="accent1"/>
+                  </a:lnRef>
+                  <a:fillRef idx="0">
+                    <a:schemeClr val="accent1"/>
+                  </a:fillRef>
+                  <a:effectRef idx="0">
+                    <a:schemeClr val="accent1"/>
+                  </a:effectRef>
+                  <a:fontRef idx="minor">
+                    <a:schemeClr val="tx1"/>
+                  </a:fontRef>
+                </p:style>
+              </p:cxnSp>
+            </p:grpSp>
+            <p:cxnSp>
+              <p:nvCxnSpPr>
+                <p:cNvPr id="12" name="Straight Arrow Connector 11">
+                  <a:extLst>
+                    <a:ext uri="{FF2B5EF4-FFF2-40B4-BE49-F238E27FC236}">
+                      <a16:creationId xmlns:a16="http://schemas.microsoft.com/office/drawing/2014/main" id="{D13702ED-7D7A-4BE5-A83E-E51C361350DF}"/>
+                    </a:ext>
+                  </a:extLst>
+                </p:cNvPr>
+                <p:cNvCxnSpPr>
+                  <a:cxnSpLocks/>
+                  <a:stCxn id="6" idx="2"/>
+                </p:cNvCxnSpPr>
+                <p:nvPr/>
+              </p:nvCxnSpPr>
+              <p:spPr>
+                <a:xfrm>
+                  <a:off x="5286099" y="2837390"/>
+                  <a:ext cx="879570" cy="591610"/>
+                </a:xfrm>
+                <a:prstGeom prst="straightConnector1">
+                  <a:avLst/>
+                </a:prstGeom>
+                <a:ln>
+                  <a:tailEnd type="triangle"/>
+                </a:ln>
+              </p:spPr>
+              <p:style>
+                <a:lnRef idx="1">
+                  <a:schemeClr val="accent1"/>
+                </a:lnRef>
+                <a:fillRef idx="0">
+                  <a:schemeClr val="accent1"/>
+                </a:fillRef>
+                <a:effectRef idx="0">
+                  <a:schemeClr val="accent1"/>
+                </a:effectRef>
+                <a:fontRef idx="minor">
+                  <a:schemeClr val="tx1"/>
+                </a:fontRef>
+              </p:style>
+            </p:cxnSp>
+            <p:cxnSp>
+              <p:nvCxnSpPr>
+                <p:cNvPr id="13" name="Straight Arrow Connector 12">
+                  <a:extLst>
+                    <a:ext uri="{FF2B5EF4-FFF2-40B4-BE49-F238E27FC236}">
+                      <a16:creationId xmlns:a16="http://schemas.microsoft.com/office/drawing/2014/main" id="{9424E6E3-D2C1-4636-AFC7-6A1292C36291}"/>
+                    </a:ext>
+                  </a:extLst>
+                </p:cNvPr>
+                <p:cNvCxnSpPr>
+                  <a:cxnSpLocks/>
+                </p:cNvCxnSpPr>
+                <p:nvPr/>
+              </p:nvCxnSpPr>
+              <p:spPr>
+                <a:xfrm flipH="1">
+                  <a:off x="7541623" y="2861912"/>
+                  <a:ext cx="652121" cy="567088"/>
+                </a:xfrm>
+                <a:prstGeom prst="straightConnector1">
+                  <a:avLst/>
+                </a:prstGeom>
+                <a:ln>
+                  <a:tailEnd type="triangle"/>
+                </a:ln>
+              </p:spPr>
+              <p:style>
+                <a:lnRef idx="1">
+                  <a:schemeClr val="accent1"/>
+                </a:lnRef>
+                <a:fillRef idx="0">
+                  <a:schemeClr val="accent1"/>
+                </a:fillRef>
+                <a:effectRef idx="0">
+                  <a:schemeClr val="accent1"/>
+                </a:effectRef>
+                <a:fontRef idx="minor">
+                  <a:schemeClr val="tx1"/>
+                </a:fontRef>
+              </p:style>
+            </p:cxnSp>
+            <p:sp>
+              <p:nvSpPr>
+                <p:cNvPr id="16" name="Flowchart: Process 15">
+                  <a:extLst>
+                    <a:ext uri="{FF2B5EF4-FFF2-40B4-BE49-F238E27FC236}">
+                      <a16:creationId xmlns:a16="http://schemas.microsoft.com/office/drawing/2014/main" id="{C0C714B4-D69B-45E0-9C10-8B6679162628}"/>
+                    </a:ext>
+                  </a:extLst>
+                </p:cNvPr>
+                <p:cNvSpPr/>
+                <p:nvPr/>
+              </p:nvSpPr>
+              <p:spPr>
+                <a:xfrm>
+                  <a:off x="5847294" y="3454392"/>
+                  <a:ext cx="2020389" cy="896983"/>
+                </a:xfrm>
+                <a:prstGeom prst="flowChartProcess">
+                  <a:avLst/>
+                </a:prstGeom>
+              </p:spPr>
+              <p:style>
+                <a:lnRef idx="2">
+                  <a:schemeClr val="accent1">
+                    <a:shade val="50000"/>
+                  </a:schemeClr>
+                </a:lnRef>
+                <a:fillRef idx="1">
+                  <a:schemeClr val="accent1"/>
+                </a:fillRef>
+                <a:effectRef idx="0">
+                  <a:schemeClr val="accent1"/>
+                </a:effectRef>
+                <a:fontRef idx="minor">
+                  <a:schemeClr val="lt1"/>
+                </a:fontRef>
+              </p:style>
+              <p:txBody>
+                <a:bodyPr rtlCol="0" anchor="ctr"/>
+                <a:lstStyle/>
+                <a:p>
+                  <a:pPr algn="ctr"/>
+                  <a:r>
+                    <a:rPr lang="en-US" dirty="0"/>
+                    <a:t>Total Utilities</a:t>
+                  </a:r>
+                </a:p>
+              </p:txBody>
+            </p:sp>
+          </p:grpSp>
+          <p:sp>
+            <p:nvSpPr>
+              <p:cNvPr id="19" name="Flowchart: Process 18">
+                <a:extLst>
+                  <a:ext uri="{FF2B5EF4-FFF2-40B4-BE49-F238E27FC236}">
+                    <a16:creationId xmlns:a16="http://schemas.microsoft.com/office/drawing/2014/main" id="{9B22B153-F024-4032-8D2E-12D25246D760}"/>
+                  </a:ext>
+                </a:extLst>
+              </p:cNvPr>
+              <p:cNvSpPr/>
+              <p:nvPr/>
+            </p:nvSpPr>
+            <p:spPr>
+              <a:xfrm>
+                <a:off x="5847294" y="4746328"/>
+                <a:ext cx="2020389" cy="896983"/>
+              </a:xfrm>
+              <a:prstGeom prst="flowChartProcess">
+                <a:avLst/>
+              </a:prstGeom>
+            </p:spPr>
+            <p:style>
+              <a:lnRef idx="2">
+                <a:schemeClr val="accent1">
+                  <a:shade val="50000"/>
+                </a:schemeClr>
+              </a:lnRef>
+              <a:fillRef idx="1">
+                <a:schemeClr val="accent1"/>
+              </a:fillRef>
+              <a:effectRef idx="0">
+                <a:schemeClr val="accent1"/>
+              </a:effectRef>
+              <a:fontRef idx="minor">
+                <a:schemeClr val="lt1"/>
+              </a:fontRef>
+            </p:style>
+            <p:txBody>
+              <a:bodyPr rtlCol="0" anchor="ctr"/>
+              <a:lstStyle/>
+              <a:p>
+                <a:pPr algn="ctr"/>
+                <a:r>
+                  <a:rPr lang="en-US" dirty="0"/>
+                  <a:t>Share of Preference</a:t>
+                </a:r>
+              </a:p>
+            </p:txBody>
+          </p:sp>
+          <p:cxnSp>
+            <p:nvCxnSpPr>
+              <p:cNvPr id="20" name="Straight Arrow Connector 19">
+                <a:extLst>
+                  <a:ext uri="{FF2B5EF4-FFF2-40B4-BE49-F238E27FC236}">
+                    <a16:creationId xmlns:a16="http://schemas.microsoft.com/office/drawing/2014/main" id="{8071F552-50F0-4D1F-AEA0-62C2B18A96F6}"/>
+                  </a:ext>
+                </a:extLst>
+              </p:cNvPr>
+              <p:cNvCxnSpPr>
+                <a:cxnSpLocks/>
+                <a:stCxn id="16" idx="2"/>
+              </p:cNvCxnSpPr>
+              <p:nvPr/>
+            </p:nvCxnSpPr>
+            <p:spPr>
+              <a:xfrm>
+                <a:off x="6857489" y="4351375"/>
+                <a:ext cx="0" cy="394952"/>
+              </a:xfrm>
+              <a:prstGeom prst="straightConnector1">
+                <a:avLst/>
+              </a:prstGeom>
+              <a:ln>
+                <a:tailEnd type="triangle"/>
+              </a:ln>
+            </p:spPr>
+            <p:style>
+              <a:lnRef idx="1">
+                <a:schemeClr val="accent1"/>
+              </a:lnRef>
+              <a:fillRef idx="0">
+                <a:schemeClr val="accent1"/>
+              </a:fillRef>
+              <a:effectRef idx="0">
+                <a:schemeClr val="accent1"/>
+              </a:effectRef>
+              <a:fontRef idx="minor">
+                <a:schemeClr val="tx1"/>
+              </a:fontRef>
+            </p:style>
+          </p:cxnSp>
+          <p:sp>
+            <p:nvSpPr>
+              <p:cNvPr id="23" name="Flowchart: Process 22">
+                <a:extLst>
+                  <a:ext uri="{FF2B5EF4-FFF2-40B4-BE49-F238E27FC236}">
+                    <a16:creationId xmlns:a16="http://schemas.microsoft.com/office/drawing/2014/main" id="{5C4D526E-9EE2-468E-B490-75293E02AD8A}"/>
+                  </a:ext>
+                </a:extLst>
+              </p:cNvPr>
+              <p:cNvSpPr/>
+              <p:nvPr/>
+            </p:nvSpPr>
+            <p:spPr>
+              <a:xfrm>
+                <a:off x="8474341" y="4750592"/>
+                <a:ext cx="2020389" cy="896983"/>
+              </a:xfrm>
+              <a:prstGeom prst="flowChartProcess">
+                <a:avLst/>
+              </a:prstGeom>
+            </p:spPr>
+            <p:style>
+              <a:lnRef idx="2">
+                <a:schemeClr val="accent1">
+                  <a:shade val="50000"/>
+                </a:schemeClr>
+              </a:lnRef>
+              <a:fillRef idx="1">
+                <a:schemeClr val="accent1"/>
+              </a:fillRef>
+              <a:effectRef idx="0">
+                <a:schemeClr val="accent1"/>
+              </a:effectRef>
+              <a:fontRef idx="minor">
+                <a:schemeClr val="lt1"/>
+              </a:fontRef>
+            </p:style>
+            <p:txBody>
+              <a:bodyPr rtlCol="0" anchor="ctr"/>
+              <a:lstStyle/>
+              <a:p>
+                <a:pPr algn="ctr"/>
+                <a:r>
+                  <a:rPr lang="en-US" dirty="0"/>
+                  <a:t>Weights</a:t>
+                </a:r>
+              </a:p>
+            </p:txBody>
+          </p:sp>
+        </p:grpSp>
+        <p:sp>
+          <p:nvSpPr>
+            <p:cNvPr id="26" name="Flowchart: Process 25">
+              <a:extLst>
+                <a:ext uri="{FF2B5EF4-FFF2-40B4-BE49-F238E27FC236}">
+                  <a16:creationId xmlns:a16="http://schemas.microsoft.com/office/drawing/2014/main" id="{C8E64393-1456-4878-B610-C666F47FAF75}"/>
+                </a:ext>
+              </a:extLst>
+            </p:cNvPr>
+            <p:cNvSpPr/>
+            <p:nvPr/>
+          </p:nvSpPr>
+          <p:spPr>
+            <a:xfrm>
+              <a:off x="6469446" y="5731715"/>
+              <a:ext cx="2020389" cy="896983"/>
+            </a:xfrm>
+            <a:prstGeom prst="flowChartProcess">
+              <a:avLst/>
+            </a:prstGeom>
+          </p:spPr>
+          <p:style>
+            <a:lnRef idx="2">
+              <a:schemeClr val="accent1">
+                <a:shade val="50000"/>
+              </a:schemeClr>
+            </a:lnRef>
+            <a:fillRef idx="1">
+              <a:schemeClr val="accent1"/>
+            </a:fillRef>
+            <a:effectRef idx="0">
+              <a:schemeClr val="accent1"/>
+            </a:effectRef>
+            <a:fontRef idx="minor">
+              <a:schemeClr val="lt1"/>
+            </a:fontRef>
+          </p:style>
+          <p:txBody>
+            <a:bodyPr rtlCol="0" anchor="ctr"/>
+            <a:lstStyle/>
+            <a:p>
+              <a:pPr algn="ctr"/>
+              <a:r>
+                <a:rPr lang="en-US" dirty="0"/>
+                <a:t>Average Shares</a:t>
+              </a:r>
+            </a:p>
+          </p:txBody>
+        </p:sp>
+        <p:cxnSp>
+          <p:nvCxnSpPr>
+            <p:cNvPr id="27" name="Straight Arrow Connector 26">
+              <a:extLst>
+                <a:ext uri="{FF2B5EF4-FFF2-40B4-BE49-F238E27FC236}">
+                  <a16:creationId xmlns:a16="http://schemas.microsoft.com/office/drawing/2014/main" id="{6E2A52D7-1FE0-4897-8A46-EB05C0036022}"/>
+                </a:ext>
+              </a:extLst>
+            </p:cNvPr>
+            <p:cNvCxnSpPr>
+              <a:cxnSpLocks/>
+            </p:cNvCxnSpPr>
+            <p:nvPr/>
+          </p:nvCxnSpPr>
+          <p:spPr>
+            <a:xfrm>
+              <a:off x="6169000" y="5225300"/>
+              <a:ext cx="815274" cy="506415"/>
+            </a:xfrm>
+            <a:prstGeom prst="straightConnector1">
+              <a:avLst/>
+            </a:prstGeom>
+            <a:ln>
+              <a:tailEnd type="triangle"/>
+            </a:ln>
+          </p:spPr>
+          <p:style>
+            <a:lnRef idx="1">
+              <a:schemeClr val="accent1"/>
+            </a:lnRef>
+            <a:fillRef idx="0">
+              <a:schemeClr val="accent1"/>
+            </a:fillRef>
+            <a:effectRef idx="0">
+              <a:schemeClr val="accent1"/>
+            </a:effectRef>
+            <a:fontRef idx="minor">
+              <a:schemeClr val="tx1"/>
+            </a:fontRef>
+          </p:style>
+        </p:cxnSp>
+        <p:cxnSp>
+          <p:nvCxnSpPr>
+            <p:cNvPr id="29" name="Straight Arrow Connector 28">
+              <a:extLst>
+                <a:ext uri="{FF2B5EF4-FFF2-40B4-BE49-F238E27FC236}">
+                  <a16:creationId xmlns:a16="http://schemas.microsoft.com/office/drawing/2014/main" id="{B4E3C7DE-2F4E-4065-B6E7-D794B280F576}"/>
+                </a:ext>
+              </a:extLst>
+            </p:cNvPr>
+            <p:cNvCxnSpPr>
+              <a:cxnSpLocks/>
+            </p:cNvCxnSpPr>
+            <p:nvPr/>
+          </p:nvCxnSpPr>
+          <p:spPr>
+            <a:xfrm flipH="1">
+              <a:off x="7929544" y="5225300"/>
+              <a:ext cx="813034" cy="506415"/>
+            </a:xfrm>
+            <a:prstGeom prst="straightConnector1">
+              <a:avLst/>
+            </a:prstGeom>
+            <a:ln>
+              <a:tailEnd type="triangle"/>
+            </a:ln>
+          </p:spPr>
+          <p:style>
+            <a:lnRef idx="1">
+              <a:schemeClr val="accent1"/>
+            </a:lnRef>
+            <a:fillRef idx="0">
+              <a:schemeClr val="accent1"/>
+            </a:fillRef>
+            <a:effectRef idx="0">
+              <a:schemeClr val="accent1"/>
+            </a:effectRef>
+            <a:fontRef idx="minor">
+              <a:schemeClr val="tx1"/>
+            </a:fontRef>
+          </p:style>
+        </p:cxnSp>
+      </p:grpSp>
+    </p:spTree>
+    <p:extLst>
+      <p:ext uri="{BB962C8B-B14F-4D97-AF65-F5344CB8AC3E}">
+        <p14:creationId xmlns:p14="http://schemas.microsoft.com/office/powerpoint/2010/main" val="2329906711"/>
+      </p:ext>
+    </p:extLst>
+  </p:cSld>
+  <p:clrMapOvr>
+    <a:masterClrMapping/>
+  </p:clrMapOvr>
+</p:sld>
+</file>
+
+<file path=ppt/slides/slide12.xml><?xml version="1.0" encoding="utf-8"?>
+<p:sld xmlns:a="http://schemas.openxmlformats.org/drawingml/2006/main" xmlns:r="http://schemas.openxmlformats.org/officeDocument/2006/relationships" xmlns:p="http://schemas.openxmlformats.org/presentationml/2006/main">
+  <p:cSld>
+    <p:spTree>
+      <p:nvGrpSpPr>
+        <p:cNvPr id="1" name=""/>
+        <p:cNvGrpSpPr/>
+        <p:nvPr/>
+      </p:nvGrpSpPr>
+      <p:grpSpPr>
+        <a:xfrm>
+          <a:off x="0" y="0"/>
+          <a:ext cx="0" cy="0"/>
+          <a:chOff x="0" y="0"/>
+          <a:chExt cx="0" cy="0"/>
+        </a:xfrm>
+      </p:grpSpPr>
+      <p:sp>
+        <p:nvSpPr>
+          <p:cNvPr id="2" name="Title 1">
+            <a:extLst>
+              <a:ext uri="{FF2B5EF4-FFF2-40B4-BE49-F238E27FC236}">
+                <a16:creationId xmlns:a16="http://schemas.microsoft.com/office/drawing/2014/main" id="{278CC4E3-307F-4BF4-837F-6D0DEBFC3915}"/>
+              </a:ext>
+            </a:extLst>
+          </p:cNvPr>
+          <p:cNvSpPr>
+            <a:spLocks noGrp="1"/>
+          </p:cNvSpPr>
+          <p:nvPr>
+            <p:ph type="title"/>
+          </p:nvPr>
+        </p:nvSpPr>
+        <p:spPr/>
+        <p:txBody>
+          <a:bodyPr/>
+          <a:lstStyle/>
+          <a:p>
+            <a:r>
+              <a:rPr lang="en-US" dirty="0"/>
+              <a:t>Essential Calculations</a:t>
+            </a:r>
+          </a:p>
+        </p:txBody>
+      </p:sp>
+      <p:sp>
+        <p:nvSpPr>
+          <p:cNvPr id="3" name="Text Placeholder 2">
+            <a:extLst>
+              <a:ext uri="{FF2B5EF4-FFF2-40B4-BE49-F238E27FC236}">
+                <a16:creationId xmlns:a16="http://schemas.microsoft.com/office/drawing/2014/main" id="{18697F6F-CCD3-4FAC-B98A-203BFE420BF2}"/>
+              </a:ext>
+            </a:extLst>
+          </p:cNvPr>
+          <p:cNvSpPr>
+            <a:spLocks noGrp="1"/>
+          </p:cNvSpPr>
+          <p:nvPr>
+            <p:ph type="body" sz="quarter" idx="11"/>
+          </p:nvPr>
+        </p:nvSpPr>
+        <p:spPr/>
+        <p:txBody>
+          <a:bodyPr>
+            <a:normAutofit fontScale="77500" lnSpcReduction="20000"/>
+          </a:bodyPr>
+          <a:lstStyle/>
+          <a:p>
+            <a:r>
+              <a:rPr lang="en-US" b="1" dirty="0"/>
+              <a:t>Total Utility Calculation:</a:t>
+            </a:r>
+          </a:p>
+          <a:p>
+            <a:r>
+              <a:rPr lang="en-US" dirty="0"/>
+              <a:t>	Formula:</a:t>
+            </a:r>
+          </a:p>
+          <a:p>
+            <a:r>
+              <a:rPr lang="en-US" dirty="0"/>
+              <a:t>	Excel (standard):    =sum(a1:e1) </a:t>
+            </a:r>
+          </a:p>
+          <a:p>
+            <a:r>
+              <a:rPr lang="en-US" dirty="0"/>
+              <a:t>	Excel (array):            =MMULT(</a:t>
+            </a:r>
+            <a:r>
+              <a:rPr lang="en-US" dirty="0" err="1"/>
+              <a:t>Utilities,Design</a:t>
+            </a:r>
+            <a:r>
+              <a:rPr lang="en-US" dirty="0"/>
+              <a:t>) or SUMPRODUCT(Utilities, Design)</a:t>
+            </a:r>
+          </a:p>
+          <a:p>
+            <a:r>
+              <a:rPr lang="en-US" b="1" dirty="0"/>
+              <a:t>Share of Preference:</a:t>
+            </a:r>
+          </a:p>
+          <a:p>
+            <a:r>
+              <a:rPr lang="en-US" dirty="0"/>
+              <a:t>	Formula: </a:t>
+            </a:r>
+          </a:p>
+          <a:p>
+            <a:r>
+              <a:rPr lang="en-US" dirty="0"/>
+              <a:t>	Excel (standard): =exp(a1)/(exp(a1)+exp(b1)+exp(c1)</a:t>
+            </a:r>
+          </a:p>
+          <a:p>
+            <a:r>
+              <a:rPr lang="en-US" dirty="0"/>
+              <a:t>	Excel (array):         =exp(a1:c1)/sum(exp(a1:c1))</a:t>
+            </a:r>
+          </a:p>
+          <a:p>
+            <a:endParaRPr lang="en-US" dirty="0"/>
+          </a:p>
+          <a:p>
+            <a:endParaRPr lang="en-US" dirty="0"/>
+          </a:p>
+          <a:p>
+            <a:endParaRPr lang="en-US" dirty="0"/>
+          </a:p>
+        </p:txBody>
+      </p:sp>
+      <p:sp>
+        <p:nvSpPr>
+          <p:cNvPr id="4" name="Slide Number Placeholder 3">
+            <a:extLst>
+              <a:ext uri="{FF2B5EF4-FFF2-40B4-BE49-F238E27FC236}">
+                <a16:creationId xmlns:a16="http://schemas.microsoft.com/office/drawing/2014/main" id="{1A38EA18-7A14-48E8-9285-07BD8664B2B9}"/>
+              </a:ext>
+            </a:extLst>
+          </p:cNvPr>
+          <p:cNvSpPr>
+            <a:spLocks noGrp="1"/>
+          </p:cNvSpPr>
+          <p:nvPr>
+            <p:ph type="sldNum" sz="quarter" idx="10"/>
+          </p:nvPr>
+        </p:nvSpPr>
+        <p:spPr/>
+        <p:txBody>
+          <a:bodyPr/>
+          <a:lstStyle/>
+          <a:p>
+            <a:fld id="{010B2668-03F4-4AF2-A4A7-833A47BBF1AE}" type="slidenum">
+              <a:rPr lang="en-US" smtClean="0"/>
+              <a:pPr/>
+              <a:t>12</a:t>
             </a:fld>
             <a:endParaRPr lang="en-US" dirty="0"/>
           </a:p>
@@ -6004,7 +7107,7 @@
 </p:sld>
 </file>
 
-<file path=ppt/slides/slide12.xml><?xml version="1.0" encoding="utf-8"?>
+<file path=ppt/slides/slide13.xml><?xml version="1.0" encoding="utf-8"?>
 <p:sld xmlns:a="http://schemas.openxmlformats.org/drawingml/2006/main" xmlns:r="http://schemas.openxmlformats.org/officeDocument/2006/relationships" xmlns:p="http://schemas.openxmlformats.org/presentationml/2006/main">
   <p:cSld>
     <p:spTree>
@@ -6026,7 +7129,7 @@
           <p:cNvPr id="2" name="Title 1">
             <a:extLst>
               <a:ext uri="{FF2B5EF4-FFF2-40B4-BE49-F238E27FC236}">
-                <a16:creationId xmlns:a16="http://schemas.microsoft.com/office/drawing/2014/main" id="{278CC4E3-307F-4BF4-837F-6D0DEBFC3915}"/>
+                <a16:creationId xmlns:a16="http://schemas.microsoft.com/office/drawing/2014/main" id="{DBE970FB-4430-456D-8510-58BF0ACDCC1E}"/>
               </a:ext>
             </a:extLst>
           </p:cNvPr>
@@ -6044,7 +7147,134 @@
           <a:p>
             <a:r>
               <a:rPr lang="en-US" dirty="0"/>
-              <a:t>Essential Calculations</a:t>
+              <a:t>Essential Calculations - Total Utility</a:t>
+            </a:r>
+          </a:p>
+        </p:txBody>
+      </p:sp>
+      <p:sp>
+        <p:nvSpPr>
+          <p:cNvPr id="4" name="Slide Number Placeholder 3">
+            <a:extLst>
+              <a:ext uri="{FF2B5EF4-FFF2-40B4-BE49-F238E27FC236}">
+                <a16:creationId xmlns:a16="http://schemas.microsoft.com/office/drawing/2014/main" id="{C92B84EE-D974-4123-92DD-903CFEF8B235}"/>
+              </a:ext>
+            </a:extLst>
+          </p:cNvPr>
+          <p:cNvSpPr>
+            <a:spLocks noGrp="1"/>
+          </p:cNvSpPr>
+          <p:nvPr>
+            <p:ph type="sldNum" sz="quarter" idx="10"/>
+          </p:nvPr>
+        </p:nvSpPr>
+        <p:spPr/>
+        <p:txBody>
+          <a:bodyPr/>
+          <a:lstStyle/>
+          <a:p>
+            <a:fld id="{010B2668-03F4-4AF2-A4A7-833A47BBF1AE}" type="slidenum">
+              <a:rPr lang="en-US" smtClean="0"/>
+              <a:pPr/>
+              <a:t>13</a:t>
+            </a:fld>
+            <a:endParaRPr lang="en-US" dirty="0"/>
+          </a:p>
+        </p:txBody>
+      </p:sp>
+      <p:pic>
+        <p:nvPicPr>
+          <p:cNvPr id="6" name="Picture 5">
+            <a:extLst>
+              <a:ext uri="{FF2B5EF4-FFF2-40B4-BE49-F238E27FC236}">
+                <a16:creationId xmlns:a16="http://schemas.microsoft.com/office/drawing/2014/main" id="{3775860A-1441-454F-A78F-A5E1717587FC}"/>
+              </a:ext>
+            </a:extLst>
+          </p:cNvPr>
+          <p:cNvPicPr>
+            <a:picLocks noChangeAspect="1"/>
+          </p:cNvPicPr>
+          <p:nvPr/>
+        </p:nvPicPr>
+        <p:blipFill>
+          <a:blip r:embed="rId2"/>
+          <a:stretch>
+            <a:fillRect/>
+          </a:stretch>
+        </p:blipFill>
+        <p:spPr>
+          <a:xfrm>
+            <a:off x="1728407" y="1551951"/>
+            <a:ext cx="7411484" cy="1790950"/>
+          </a:xfrm>
+          <a:prstGeom prst="rect">
+            <a:avLst/>
+          </a:prstGeom>
+        </p:spPr>
+      </p:pic>
+    </p:spTree>
+    <p:extLst>
+      <p:ext uri="{BB962C8B-B14F-4D97-AF65-F5344CB8AC3E}">
+        <p14:creationId xmlns:p14="http://schemas.microsoft.com/office/powerpoint/2010/main" val="3964088221"/>
+      </p:ext>
+    </p:extLst>
+  </p:cSld>
+  <p:clrMapOvr>
+    <a:masterClrMapping/>
+  </p:clrMapOvr>
+</p:sld>
+</file>
+
+<file path=ppt/slides/slide14.xml><?xml version="1.0" encoding="utf-8"?>
+<p:sld xmlns:a="http://schemas.openxmlformats.org/drawingml/2006/main" xmlns:r="http://schemas.openxmlformats.org/officeDocument/2006/relationships" xmlns:p="http://schemas.openxmlformats.org/presentationml/2006/main">
+  <p:cSld>
+    <p:spTree>
+      <p:nvGrpSpPr>
+        <p:cNvPr id="1" name=""/>
+        <p:cNvGrpSpPr/>
+        <p:nvPr/>
+      </p:nvGrpSpPr>
+      <p:grpSpPr>
+        <a:xfrm>
+          <a:off x="0" y="0"/>
+          <a:ext cx="0" cy="0"/>
+          <a:chOff x="0" y="0"/>
+          <a:chExt cx="0" cy="0"/>
+        </a:xfrm>
+      </p:grpSpPr>
+      <p:sp>
+        <p:nvSpPr>
+          <p:cNvPr id="2" name="Title 1">
+            <a:extLst>
+              <a:ext uri="{FF2B5EF4-FFF2-40B4-BE49-F238E27FC236}">
+                <a16:creationId xmlns:a16="http://schemas.microsoft.com/office/drawing/2014/main" id="{278CC4E3-307F-4BF4-837F-6D0DEBFC3915}"/>
+              </a:ext>
+            </a:extLst>
+          </p:cNvPr>
+          <p:cNvSpPr>
+            <a:spLocks noGrp="1"/>
+          </p:cNvSpPr>
+          <p:nvPr>
+            <p:ph type="title"/>
+          </p:nvPr>
+        </p:nvSpPr>
+        <p:spPr/>
+        <p:txBody>
+          <a:bodyPr>
+            <a:normAutofit fontScale="90000"/>
+          </a:bodyPr>
+          <a:lstStyle/>
+          <a:p>
+            <a:r>
+              <a:rPr lang="en-US" dirty="0"/>
+              <a:t>Essential Calculations – </a:t>
+            </a:r>
+            <a:br>
+              <a:rPr lang="en-US" dirty="0"/>
+            </a:br>
+            <a:r>
+              <a:rPr lang="en-US" dirty="0"/>
+              <a:t>Average Share of Preference</a:t>
             </a:r>
           </a:p>
         </p:txBody>
@@ -6065,26 +7295,31 @@
             <p:ph type="body" sz="quarter" idx="11"/>
           </p:nvPr>
         </p:nvSpPr>
-        <p:spPr/>
+        <p:spPr>
+          <a:xfrm>
+            <a:off x="1000628" y="857476"/>
+            <a:ext cx="10101263" cy="4714861"/>
+          </a:xfrm>
+        </p:spPr>
         <p:txBody>
           <a:bodyPr>
             <a:normAutofit/>
           </a:bodyPr>
           <a:lstStyle/>
           <a:p>
+            <a:endParaRPr lang="en-US" dirty="0"/>
+          </a:p>
+          <a:p>
+            <a:endParaRPr lang="en-US" dirty="0"/>
+          </a:p>
+          <a:p>
+            <a:endParaRPr lang="en-US" dirty="0"/>
+          </a:p>
+          <a:p>
             <a:r>
               <a:rPr lang="en-US" dirty="0"/>
-              <a:t>Average Share of Preference: </a:t>
-            </a:r>
-          </a:p>
-          <a:p>
-            <a:endParaRPr lang="en-US" dirty="0"/>
-          </a:p>
-          <a:p>
-            <a:endParaRPr lang="en-US" dirty="0"/>
-          </a:p>
-          <a:p>
-            <a:endParaRPr lang="en-US" dirty="0"/>
+              <a:t>	</a:t>
+            </a:r>
           </a:p>
           <a:p>
             <a:r>
@@ -6118,7 +7353,7 @@
             <a:fld id="{010B2668-03F4-4AF2-A4A7-833A47BBF1AE}" type="slidenum">
               <a:rPr lang="en-US" smtClean="0"/>
               <a:pPr/>
-              <a:t>12</a:t>
+              <a:t>14</a:t>
             </a:fld>
             <a:endParaRPr lang="en-US" dirty="0"/>
           </a:p>
@@ -6153,7 +7388,7 @@
         </p:blipFill>
         <p:spPr bwMode="auto">
           <a:xfrm>
-            <a:off x="2771601" y="2407459"/>
+            <a:off x="2823852" y="1719482"/>
             <a:ext cx="6229350" cy="1495425"/>
           </a:xfrm>
           <a:prstGeom prst="rect">
@@ -6184,7 +7419,7 @@
 </p:sld>
 </file>
 
-<file path=ppt/slides/slide13.xml><?xml version="1.0" encoding="utf-8"?>
+<file path=ppt/slides/slide15.xml><?xml version="1.0" encoding="utf-8"?>
 <p:sld xmlns:a="http://schemas.openxmlformats.org/drawingml/2006/main" xmlns:r="http://schemas.openxmlformats.org/officeDocument/2006/relationships" xmlns:p="http://schemas.openxmlformats.org/presentationml/2006/main">
   <p:cSld>
     <p:spTree>
@@ -6297,7 +7532,7 @@
             <a:fld id="{010B2668-03F4-4AF2-A4A7-833A47BBF1AE}" type="slidenum">
               <a:rPr lang="en-US" smtClean="0"/>
               <a:pPr/>
-              <a:t>13</a:t>
+              <a:t>15</a:t>
             </a:fld>
             <a:endParaRPr lang="en-US" dirty="0"/>
           </a:p>
@@ -6316,7 +7551,7 @@
 </p:sld>
 </file>
 
-<file path=ppt/slides/slide14.xml><?xml version="1.0" encoding="utf-8"?>
+<file path=ppt/slides/slide16.xml><?xml version="1.0" encoding="utf-8"?>
 <p:sld xmlns:a="http://schemas.openxmlformats.org/drawingml/2006/main" xmlns:r="http://schemas.openxmlformats.org/officeDocument/2006/relationships" xmlns:p="http://schemas.openxmlformats.org/presentationml/2006/main">
   <p:cSld>
     <p:spTree>
@@ -6422,7 +7657,7 @@
             <a:fld id="{010B2668-03F4-4AF2-A4A7-833A47BBF1AE}" type="slidenum">
               <a:rPr lang="en-US" smtClean="0"/>
               <a:pPr/>
-              <a:t>14</a:t>
+              <a:t>16</a:t>
             </a:fld>
             <a:endParaRPr lang="en-US" dirty="0"/>
           </a:p>
@@ -6488,7 +7723,7 @@
 </p:sld>
 </file>
 
-<file path=ppt/slides/slide15.xml><?xml version="1.0" encoding="utf-8"?>
+<file path=ppt/slides/slide17.xml><?xml version="1.0" encoding="utf-8"?>
 <p:sld xmlns:a="http://schemas.openxmlformats.org/drawingml/2006/main" xmlns:r="http://schemas.openxmlformats.org/officeDocument/2006/relationships" xmlns:p="http://schemas.openxmlformats.org/presentationml/2006/main">
   <p:cSld>
     <p:spTree>
@@ -6607,7 +7842,7 @@
             <a:fld id="{010B2668-03F4-4AF2-A4A7-833A47BBF1AE}" type="slidenum">
               <a:rPr lang="en-US" smtClean="0"/>
               <a:pPr/>
-              <a:t>15</a:t>
+              <a:t>17</a:t>
             </a:fld>
             <a:endParaRPr lang="en-US" dirty="0"/>
           </a:p>
@@ -6673,7 +7908,7 @@
 </p:sld>
 </file>
 
-<file path=ppt/slides/slide16.xml><?xml version="1.0" encoding="utf-8"?>
+<file path=ppt/slides/slide18.xml><?xml version="1.0" encoding="utf-8"?>
 <p:sld xmlns:a="http://schemas.openxmlformats.org/drawingml/2006/main" xmlns:r="http://schemas.openxmlformats.org/officeDocument/2006/relationships" xmlns:p="http://schemas.openxmlformats.org/presentationml/2006/main">
   <p:cSld>
     <p:spTree>
@@ -6801,7 +8036,7 @@
             <a:fld id="{010B2668-03F4-4AF2-A4A7-833A47BBF1AE}" type="slidenum">
               <a:rPr lang="en-US" smtClean="0"/>
               <a:pPr/>
-              <a:t>16</a:t>
+              <a:t>18</a:t>
             </a:fld>
             <a:endParaRPr lang="en-US" dirty="0"/>
           </a:p>
@@ -6867,299 +8102,6 @@
 </p:sld>
 </file>
 
-<file path=ppt/slides/slide17.xml><?xml version="1.0" encoding="utf-8"?>
-<p:sld xmlns:a="http://schemas.openxmlformats.org/drawingml/2006/main" xmlns:r="http://schemas.openxmlformats.org/officeDocument/2006/relationships" xmlns:p="http://schemas.openxmlformats.org/presentationml/2006/main">
-  <p:cSld>
-    <p:spTree>
-      <p:nvGrpSpPr>
-        <p:cNvPr id="1" name=""/>
-        <p:cNvGrpSpPr/>
-        <p:nvPr/>
-      </p:nvGrpSpPr>
-      <p:grpSpPr>
-        <a:xfrm>
-          <a:off x="0" y="0"/>
-          <a:ext cx="0" cy="0"/>
-          <a:chOff x="0" y="0"/>
-          <a:chExt cx="0" cy="0"/>
-        </a:xfrm>
-      </p:grpSpPr>
-      <p:sp>
-        <p:nvSpPr>
-          <p:cNvPr id="2" name="Title 1">
-            <a:extLst>
-              <a:ext uri="{FF2B5EF4-FFF2-40B4-BE49-F238E27FC236}">
-                <a16:creationId xmlns:a16="http://schemas.microsoft.com/office/drawing/2014/main" id="{36DCA713-615C-4277-AB75-D536E533B625}"/>
-              </a:ext>
-            </a:extLst>
-          </p:cNvPr>
-          <p:cNvSpPr>
-            <a:spLocks noGrp="1"/>
-          </p:cNvSpPr>
-          <p:nvPr>
-            <p:ph type="title"/>
-          </p:nvPr>
-        </p:nvSpPr>
-        <p:spPr/>
-        <p:txBody>
-          <a:bodyPr>
-            <a:normAutofit fontScale="90000"/>
-          </a:bodyPr>
-          <a:lstStyle/>
-          <a:p>
-            <a:r>
-              <a:rPr lang="en-US" dirty="0"/>
-              <a:t>Segmentation and Weighting – Segmentation	</a:t>
-            </a:r>
-          </a:p>
-        </p:txBody>
-      </p:sp>
-      <p:sp>
-        <p:nvSpPr>
-          <p:cNvPr id="3" name="Text Placeholder 2">
-            <a:extLst>
-              <a:ext uri="{FF2B5EF4-FFF2-40B4-BE49-F238E27FC236}">
-                <a16:creationId xmlns:a16="http://schemas.microsoft.com/office/drawing/2014/main" id="{41EF2E60-A8B2-4610-A13A-5ACFEFEAC1DC}"/>
-              </a:ext>
-            </a:extLst>
-          </p:cNvPr>
-          <p:cNvSpPr>
-            <a:spLocks noGrp="1"/>
-          </p:cNvSpPr>
-          <p:nvPr>
-            <p:ph type="body" sz="quarter" idx="11"/>
-          </p:nvPr>
-        </p:nvSpPr>
-        <p:spPr/>
-        <p:txBody>
-          <a:bodyPr/>
-          <a:lstStyle/>
-          <a:p>
-            <a:endParaRPr lang="en-US" dirty="0"/>
-          </a:p>
-          <a:p>
-            <a:r>
-              <a:rPr lang="en-US" dirty="0"/>
-              <a:t>For building our simulators, we can just treat segmentation is a matter of setting our weights equal to zero when the segment should be excluded.</a:t>
-            </a:r>
-          </a:p>
-        </p:txBody>
-      </p:sp>
-      <p:sp>
-        <p:nvSpPr>
-          <p:cNvPr id="4" name="Slide Number Placeholder 3">
-            <a:extLst>
-              <a:ext uri="{FF2B5EF4-FFF2-40B4-BE49-F238E27FC236}">
-                <a16:creationId xmlns:a16="http://schemas.microsoft.com/office/drawing/2014/main" id="{62816006-3A1E-4A4A-8782-9208D3590E81}"/>
-              </a:ext>
-            </a:extLst>
-          </p:cNvPr>
-          <p:cNvSpPr>
-            <a:spLocks noGrp="1"/>
-          </p:cNvSpPr>
-          <p:nvPr>
-            <p:ph type="sldNum" sz="quarter" idx="10"/>
-          </p:nvPr>
-        </p:nvSpPr>
-        <p:spPr/>
-        <p:txBody>
-          <a:bodyPr/>
-          <a:lstStyle/>
-          <a:p>
-            <a:fld id="{010B2668-03F4-4AF2-A4A7-833A47BBF1AE}" type="slidenum">
-              <a:rPr lang="en-US" smtClean="0"/>
-              <a:pPr/>
-              <a:t>17</a:t>
-            </a:fld>
-            <a:endParaRPr lang="en-US" dirty="0"/>
-          </a:p>
-        </p:txBody>
-      </p:sp>
-    </p:spTree>
-    <p:extLst>
-      <p:ext uri="{BB962C8B-B14F-4D97-AF65-F5344CB8AC3E}">
-        <p14:creationId xmlns:p14="http://schemas.microsoft.com/office/powerpoint/2010/main" val="3752827672"/>
-      </p:ext>
-    </p:extLst>
-  </p:cSld>
-  <p:clrMapOvr>
-    <a:masterClrMapping/>
-  </p:clrMapOvr>
-</p:sld>
-</file>
-
-<file path=ppt/slides/slide18.xml><?xml version="1.0" encoding="utf-8"?>
-<p:sld xmlns:a="http://schemas.openxmlformats.org/drawingml/2006/main" xmlns:r="http://schemas.openxmlformats.org/officeDocument/2006/relationships" xmlns:p="http://schemas.openxmlformats.org/presentationml/2006/main">
-  <p:cSld>
-    <p:spTree>
-      <p:nvGrpSpPr>
-        <p:cNvPr id="1" name=""/>
-        <p:cNvGrpSpPr/>
-        <p:nvPr/>
-      </p:nvGrpSpPr>
-      <p:grpSpPr>
-        <a:xfrm>
-          <a:off x="0" y="0"/>
-          <a:ext cx="0" cy="0"/>
-          <a:chOff x="0" y="0"/>
-          <a:chExt cx="0" cy="0"/>
-        </a:xfrm>
-      </p:grpSpPr>
-      <p:sp>
-        <p:nvSpPr>
-          <p:cNvPr id="2" name="Title 1">
-            <a:extLst>
-              <a:ext uri="{FF2B5EF4-FFF2-40B4-BE49-F238E27FC236}">
-                <a16:creationId xmlns:a16="http://schemas.microsoft.com/office/drawing/2014/main" id="{95F1FCD0-C05D-41B4-8FBD-EC77E889443F}"/>
-              </a:ext>
-            </a:extLst>
-          </p:cNvPr>
-          <p:cNvSpPr>
-            <a:spLocks noGrp="1"/>
-          </p:cNvSpPr>
-          <p:nvPr>
-            <p:ph type="title"/>
-          </p:nvPr>
-        </p:nvSpPr>
-        <p:spPr/>
-        <p:txBody>
-          <a:bodyPr/>
-          <a:lstStyle/>
-          <a:p>
-            <a:r>
-              <a:rPr lang="en-US" dirty="0"/>
-              <a:t>Style Considerations	</a:t>
-            </a:r>
-          </a:p>
-        </p:txBody>
-      </p:sp>
-      <p:pic>
-        <p:nvPicPr>
-          <p:cNvPr id="6" name="Picture 5">
-            <a:extLst>
-              <a:ext uri="{FF2B5EF4-FFF2-40B4-BE49-F238E27FC236}">
-                <a16:creationId xmlns:a16="http://schemas.microsoft.com/office/drawing/2014/main" id="{F435B9C6-A83F-41D3-BA70-0E18EB4A4FED}"/>
-              </a:ext>
-            </a:extLst>
-          </p:cNvPr>
-          <p:cNvPicPr>
-            <a:picLocks noChangeAspect="1"/>
-          </p:cNvPicPr>
-          <p:nvPr/>
-        </p:nvPicPr>
-        <p:blipFill>
-          <a:blip r:embed="rId2"/>
-          <a:stretch>
-            <a:fillRect/>
-          </a:stretch>
-        </p:blipFill>
-        <p:spPr>
-          <a:xfrm>
-            <a:off x="596153" y="1311153"/>
-            <a:ext cx="7732579" cy="5304165"/>
-          </a:xfrm>
-          <a:prstGeom prst="rect">
-            <a:avLst/>
-          </a:prstGeom>
-        </p:spPr>
-      </p:pic>
-      <p:sp>
-        <p:nvSpPr>
-          <p:cNvPr id="3" name="Text Placeholder 2">
-            <a:extLst>
-              <a:ext uri="{FF2B5EF4-FFF2-40B4-BE49-F238E27FC236}">
-                <a16:creationId xmlns:a16="http://schemas.microsoft.com/office/drawing/2014/main" id="{AB2F0E6B-80E9-423A-AB61-140A6CB20330}"/>
-              </a:ext>
-            </a:extLst>
-          </p:cNvPr>
-          <p:cNvSpPr>
-            <a:spLocks noGrp="1"/>
-          </p:cNvSpPr>
-          <p:nvPr>
-            <p:ph type="body" sz="quarter" idx="11"/>
-          </p:nvPr>
-        </p:nvSpPr>
-        <p:spPr>
-          <a:xfrm>
-            <a:off x="8328732" y="2283848"/>
-            <a:ext cx="2773158" cy="5221851"/>
-          </a:xfrm>
-        </p:spPr>
-        <p:txBody>
-          <a:bodyPr/>
-          <a:lstStyle/>
-          <a:p>
-            <a:pPr marL="514350" indent="-514350">
-              <a:buFont typeface="+mj-lt"/>
-              <a:buAutoNum type="arabicPeriod"/>
-            </a:pPr>
-            <a:r>
-              <a:rPr lang="en-US" dirty="0"/>
-              <a:t>Keep it simple</a:t>
-            </a:r>
-          </a:p>
-          <a:p>
-            <a:pPr marL="514350" indent="-514350">
-              <a:buFont typeface="+mj-lt"/>
-              <a:buAutoNum type="arabicPeriod"/>
-            </a:pPr>
-            <a:r>
-              <a:rPr lang="en-US" dirty="0"/>
-              <a:t>Get it working before styling</a:t>
-            </a:r>
-          </a:p>
-          <a:p>
-            <a:pPr marL="514350" indent="-514350">
-              <a:buFont typeface="+mj-lt"/>
-              <a:buAutoNum type="arabicPeriod"/>
-            </a:pPr>
-            <a:endParaRPr lang="en-US" dirty="0"/>
-          </a:p>
-        </p:txBody>
-      </p:sp>
-      <p:sp>
-        <p:nvSpPr>
-          <p:cNvPr id="4" name="Slide Number Placeholder 3">
-            <a:extLst>
-              <a:ext uri="{FF2B5EF4-FFF2-40B4-BE49-F238E27FC236}">
-                <a16:creationId xmlns:a16="http://schemas.microsoft.com/office/drawing/2014/main" id="{D9792AF3-406C-4A1E-81B5-59D2D9135B2C}"/>
-              </a:ext>
-            </a:extLst>
-          </p:cNvPr>
-          <p:cNvSpPr>
-            <a:spLocks noGrp="1"/>
-          </p:cNvSpPr>
-          <p:nvPr>
-            <p:ph type="sldNum" sz="quarter" idx="10"/>
-          </p:nvPr>
-        </p:nvSpPr>
-        <p:spPr/>
-        <p:txBody>
-          <a:bodyPr/>
-          <a:lstStyle/>
-          <a:p>
-            <a:fld id="{010B2668-03F4-4AF2-A4A7-833A47BBF1AE}" type="slidenum">
-              <a:rPr lang="en-US" smtClean="0"/>
-              <a:pPr/>
-              <a:t>18</a:t>
-            </a:fld>
-            <a:endParaRPr lang="en-US" dirty="0"/>
-          </a:p>
-        </p:txBody>
-      </p:sp>
-    </p:spTree>
-    <p:extLst>
-      <p:ext uri="{BB962C8B-B14F-4D97-AF65-F5344CB8AC3E}">
-        <p14:creationId xmlns:p14="http://schemas.microsoft.com/office/powerpoint/2010/main" val="809941715"/>
-      </p:ext>
-    </p:extLst>
-  </p:cSld>
-  <p:clrMapOvr>
-    <a:masterClrMapping/>
-  </p:clrMapOvr>
-</p:sld>
-</file>
-
 <file path=ppt/slides/slide19.xml><?xml version="1.0" encoding="utf-8"?>
 <p:sld xmlns:a="http://schemas.openxmlformats.org/drawingml/2006/main" xmlns:r="http://schemas.openxmlformats.org/officeDocument/2006/relationships" xmlns:p="http://schemas.openxmlformats.org/presentationml/2006/main">
   <p:cSld>
@@ -7179,10 +8121,10 @@
       </p:grpSpPr>
       <p:sp>
         <p:nvSpPr>
-          <p:cNvPr id="11" name="Title 10">
-            <a:extLst>
-              <a:ext uri="{FF2B5EF4-FFF2-40B4-BE49-F238E27FC236}">
-                <a16:creationId xmlns:a16="http://schemas.microsoft.com/office/drawing/2014/main" id="{908892F9-7730-4F69-AE32-EC6D913F6959}"/>
+          <p:cNvPr id="2" name="Title 1">
+            <a:extLst>
+              <a:ext uri="{FF2B5EF4-FFF2-40B4-BE49-F238E27FC236}">
+                <a16:creationId xmlns:a16="http://schemas.microsoft.com/office/drawing/2014/main" id="{36DCA713-615C-4277-AB75-D536E533B625}"/>
               </a:ext>
             </a:extLst>
           </p:cNvPr>
@@ -7196,23 +8138,23 @@
         <p:spPr/>
         <p:txBody>
           <a:bodyPr>
-            <a:normAutofit/>
+            <a:normAutofit fontScale="90000"/>
           </a:bodyPr>
           <a:lstStyle/>
           <a:p>
             <a:r>
               <a:rPr lang="en-US" dirty="0"/>
-              <a:t>Let’s look at an example!</a:t>
-            </a:r>
-          </a:p>
-        </p:txBody>
-      </p:sp>
-      <p:sp>
-        <p:nvSpPr>
-          <p:cNvPr id="12" name="Text Placeholder 11">
-            <a:extLst>
-              <a:ext uri="{FF2B5EF4-FFF2-40B4-BE49-F238E27FC236}">
-                <a16:creationId xmlns:a16="http://schemas.microsoft.com/office/drawing/2014/main" id="{4A4E0EF5-3F39-4A9B-A21A-B53933DEEEE1}"/>
+              <a:t>Segmentation and Weighting – Segmentation	</a:t>
+            </a:r>
+          </a:p>
+        </p:txBody>
+      </p:sp>
+      <p:sp>
+        <p:nvSpPr>
+          <p:cNvPr id="3" name="Text Placeholder 2">
+            <a:extLst>
+              <a:ext uri="{FF2B5EF4-FFF2-40B4-BE49-F238E27FC236}">
+                <a16:creationId xmlns:a16="http://schemas.microsoft.com/office/drawing/2014/main" id="{41EF2E60-A8B2-4610-A13A-5ACFEFEAC1DC}"/>
               </a:ext>
             </a:extLst>
           </p:cNvPr>
@@ -7230,6 +8172,12 @@
           <a:p>
             <a:endParaRPr lang="en-US" dirty="0"/>
           </a:p>
+          <a:p>
+            <a:r>
+              <a:rPr lang="en-US" dirty="0"/>
+              <a:t>For building our simulators, we can just treat segmentation as a matter of setting our weights equal to zero when the segment should be excluded.</a:t>
+            </a:r>
+          </a:p>
         </p:txBody>
       </p:sp>
       <p:sp>
@@ -7237,7 +8185,7 @@
           <p:cNvPr id="4" name="Slide Number Placeholder 3">
             <a:extLst>
               <a:ext uri="{FF2B5EF4-FFF2-40B4-BE49-F238E27FC236}">
-                <a16:creationId xmlns:a16="http://schemas.microsoft.com/office/drawing/2014/main" id="{F9B1070F-CE3F-41DB-8CA1-271BDBE5C4D7}"/>
+                <a16:creationId xmlns:a16="http://schemas.microsoft.com/office/drawing/2014/main" id="{62816006-3A1E-4A4A-8782-9208D3590E81}"/>
               </a:ext>
             </a:extLst>
           </p:cNvPr>
@@ -7265,7 +8213,7 @@
     </p:spTree>
     <p:extLst>
       <p:ext uri="{BB962C8B-B14F-4D97-AF65-F5344CB8AC3E}">
-        <p14:creationId xmlns:p14="http://schemas.microsoft.com/office/powerpoint/2010/main" val="3671383949"/>
+        <p14:creationId xmlns:p14="http://schemas.microsoft.com/office/powerpoint/2010/main" val="3752827672"/>
       </p:ext>
     </p:extLst>
   </p:cSld>
@@ -7395,6 +8343,268 @@
 </file>
 
 <file path=ppt/slides/slide20.xml><?xml version="1.0" encoding="utf-8"?>
+<p:sld xmlns:a="http://schemas.openxmlformats.org/drawingml/2006/main" xmlns:r="http://schemas.openxmlformats.org/officeDocument/2006/relationships" xmlns:p="http://schemas.openxmlformats.org/presentationml/2006/main">
+  <p:cSld>
+    <p:spTree>
+      <p:nvGrpSpPr>
+        <p:cNvPr id="1" name=""/>
+        <p:cNvGrpSpPr/>
+        <p:nvPr/>
+      </p:nvGrpSpPr>
+      <p:grpSpPr>
+        <a:xfrm>
+          <a:off x="0" y="0"/>
+          <a:ext cx="0" cy="0"/>
+          <a:chOff x="0" y="0"/>
+          <a:chExt cx="0" cy="0"/>
+        </a:xfrm>
+      </p:grpSpPr>
+      <p:sp>
+        <p:nvSpPr>
+          <p:cNvPr id="2" name="Title 1">
+            <a:extLst>
+              <a:ext uri="{FF2B5EF4-FFF2-40B4-BE49-F238E27FC236}">
+                <a16:creationId xmlns:a16="http://schemas.microsoft.com/office/drawing/2014/main" id="{95F1FCD0-C05D-41B4-8FBD-EC77E889443F}"/>
+              </a:ext>
+            </a:extLst>
+          </p:cNvPr>
+          <p:cNvSpPr>
+            <a:spLocks noGrp="1"/>
+          </p:cNvSpPr>
+          <p:nvPr>
+            <p:ph type="title"/>
+          </p:nvPr>
+        </p:nvSpPr>
+        <p:spPr/>
+        <p:txBody>
+          <a:bodyPr/>
+          <a:lstStyle/>
+          <a:p>
+            <a:r>
+              <a:rPr lang="en-US" dirty="0"/>
+              <a:t>Style Considerations	</a:t>
+            </a:r>
+          </a:p>
+        </p:txBody>
+      </p:sp>
+      <p:pic>
+        <p:nvPicPr>
+          <p:cNvPr id="6" name="Picture 5">
+            <a:extLst>
+              <a:ext uri="{FF2B5EF4-FFF2-40B4-BE49-F238E27FC236}">
+                <a16:creationId xmlns:a16="http://schemas.microsoft.com/office/drawing/2014/main" id="{F435B9C6-A83F-41D3-BA70-0E18EB4A4FED}"/>
+              </a:ext>
+            </a:extLst>
+          </p:cNvPr>
+          <p:cNvPicPr>
+            <a:picLocks noChangeAspect="1"/>
+          </p:cNvPicPr>
+          <p:nvPr/>
+        </p:nvPicPr>
+        <p:blipFill>
+          <a:blip r:embed="rId2"/>
+          <a:stretch>
+            <a:fillRect/>
+          </a:stretch>
+        </p:blipFill>
+        <p:spPr>
+          <a:xfrm>
+            <a:off x="596153" y="1311153"/>
+            <a:ext cx="7732579" cy="5304165"/>
+          </a:xfrm>
+          <a:prstGeom prst="rect">
+            <a:avLst/>
+          </a:prstGeom>
+        </p:spPr>
+      </p:pic>
+      <p:sp>
+        <p:nvSpPr>
+          <p:cNvPr id="3" name="Text Placeholder 2">
+            <a:extLst>
+              <a:ext uri="{FF2B5EF4-FFF2-40B4-BE49-F238E27FC236}">
+                <a16:creationId xmlns:a16="http://schemas.microsoft.com/office/drawing/2014/main" id="{AB2F0E6B-80E9-423A-AB61-140A6CB20330}"/>
+              </a:ext>
+            </a:extLst>
+          </p:cNvPr>
+          <p:cNvSpPr>
+            <a:spLocks noGrp="1"/>
+          </p:cNvSpPr>
+          <p:nvPr>
+            <p:ph type="body" sz="quarter" idx="11"/>
+          </p:nvPr>
+        </p:nvSpPr>
+        <p:spPr>
+          <a:xfrm>
+            <a:off x="8328732" y="2283848"/>
+            <a:ext cx="2773158" cy="5221851"/>
+          </a:xfrm>
+        </p:spPr>
+        <p:txBody>
+          <a:bodyPr/>
+          <a:lstStyle/>
+          <a:p>
+            <a:pPr marL="514350" indent="-514350">
+              <a:buFont typeface="+mj-lt"/>
+              <a:buAutoNum type="arabicPeriod"/>
+            </a:pPr>
+            <a:r>
+              <a:rPr lang="en-US" dirty="0"/>
+              <a:t>Keep it simple</a:t>
+            </a:r>
+          </a:p>
+          <a:p>
+            <a:pPr marL="514350" indent="-514350">
+              <a:buFont typeface="+mj-lt"/>
+              <a:buAutoNum type="arabicPeriod"/>
+            </a:pPr>
+            <a:r>
+              <a:rPr lang="en-US" dirty="0"/>
+              <a:t>Get it working before styling</a:t>
+            </a:r>
+          </a:p>
+          <a:p>
+            <a:pPr marL="514350" indent="-514350">
+              <a:buFont typeface="+mj-lt"/>
+              <a:buAutoNum type="arabicPeriod"/>
+            </a:pPr>
+            <a:endParaRPr lang="en-US" dirty="0"/>
+          </a:p>
+        </p:txBody>
+      </p:sp>
+      <p:sp>
+        <p:nvSpPr>
+          <p:cNvPr id="4" name="Slide Number Placeholder 3">
+            <a:extLst>
+              <a:ext uri="{FF2B5EF4-FFF2-40B4-BE49-F238E27FC236}">
+                <a16:creationId xmlns:a16="http://schemas.microsoft.com/office/drawing/2014/main" id="{D9792AF3-406C-4A1E-81B5-59D2D9135B2C}"/>
+              </a:ext>
+            </a:extLst>
+          </p:cNvPr>
+          <p:cNvSpPr>
+            <a:spLocks noGrp="1"/>
+          </p:cNvSpPr>
+          <p:nvPr>
+            <p:ph type="sldNum" sz="quarter" idx="10"/>
+          </p:nvPr>
+        </p:nvSpPr>
+        <p:spPr/>
+        <p:txBody>
+          <a:bodyPr/>
+          <a:lstStyle/>
+          <a:p>
+            <a:fld id="{010B2668-03F4-4AF2-A4A7-833A47BBF1AE}" type="slidenum">
+              <a:rPr lang="en-US" smtClean="0"/>
+              <a:pPr/>
+              <a:t>20</a:t>
+            </a:fld>
+            <a:endParaRPr lang="en-US" dirty="0"/>
+          </a:p>
+        </p:txBody>
+      </p:sp>
+    </p:spTree>
+    <p:extLst>
+      <p:ext uri="{BB962C8B-B14F-4D97-AF65-F5344CB8AC3E}">
+        <p14:creationId xmlns:p14="http://schemas.microsoft.com/office/powerpoint/2010/main" val="809941715"/>
+      </p:ext>
+    </p:extLst>
+  </p:cSld>
+  <p:clrMapOvr>
+    <a:masterClrMapping/>
+  </p:clrMapOvr>
+</p:sld>
+</file>
+
+<file path=ppt/slides/slide21.xml><?xml version="1.0" encoding="utf-8"?>
+<p:sld xmlns:a="http://schemas.openxmlformats.org/drawingml/2006/main" xmlns:r="http://schemas.openxmlformats.org/officeDocument/2006/relationships" xmlns:p="http://schemas.openxmlformats.org/presentationml/2006/main">
+  <p:cSld>
+    <p:spTree>
+      <p:nvGrpSpPr>
+        <p:cNvPr id="1" name=""/>
+        <p:cNvGrpSpPr/>
+        <p:nvPr/>
+      </p:nvGrpSpPr>
+      <p:grpSpPr>
+        <a:xfrm>
+          <a:off x="0" y="0"/>
+          <a:ext cx="0" cy="0"/>
+          <a:chOff x="0" y="0"/>
+          <a:chExt cx="0" cy="0"/>
+        </a:xfrm>
+      </p:grpSpPr>
+      <p:sp>
+        <p:nvSpPr>
+          <p:cNvPr id="11" name="Title 10">
+            <a:extLst>
+              <a:ext uri="{FF2B5EF4-FFF2-40B4-BE49-F238E27FC236}">
+                <a16:creationId xmlns:a16="http://schemas.microsoft.com/office/drawing/2014/main" id="{908892F9-7730-4F69-AE32-EC6D913F6959}"/>
+              </a:ext>
+            </a:extLst>
+          </p:cNvPr>
+          <p:cNvSpPr>
+            <a:spLocks noGrp="1"/>
+          </p:cNvSpPr>
+          <p:nvPr>
+            <p:ph type="title"/>
+          </p:nvPr>
+        </p:nvSpPr>
+        <p:spPr/>
+        <p:txBody>
+          <a:bodyPr>
+            <a:normAutofit/>
+          </a:bodyPr>
+          <a:lstStyle/>
+          <a:p>
+            <a:r>
+              <a:rPr lang="en-US" dirty="0"/>
+              <a:t>Let’s look at an example!</a:t>
+            </a:r>
+          </a:p>
+        </p:txBody>
+      </p:sp>
+      <p:sp>
+        <p:nvSpPr>
+          <p:cNvPr id="4" name="Slide Number Placeholder 3">
+            <a:extLst>
+              <a:ext uri="{FF2B5EF4-FFF2-40B4-BE49-F238E27FC236}">
+                <a16:creationId xmlns:a16="http://schemas.microsoft.com/office/drawing/2014/main" id="{F9B1070F-CE3F-41DB-8CA1-271BDBE5C4D7}"/>
+              </a:ext>
+            </a:extLst>
+          </p:cNvPr>
+          <p:cNvSpPr>
+            <a:spLocks noGrp="1"/>
+          </p:cNvSpPr>
+          <p:nvPr>
+            <p:ph type="sldNum" sz="quarter" idx="10"/>
+          </p:nvPr>
+        </p:nvSpPr>
+        <p:spPr/>
+        <p:txBody>
+          <a:bodyPr/>
+          <a:lstStyle/>
+          <a:p>
+            <a:fld id="{010B2668-03F4-4AF2-A4A7-833A47BBF1AE}" type="slidenum">
+              <a:rPr lang="en-US" smtClean="0"/>
+              <a:pPr/>
+              <a:t>21</a:t>
+            </a:fld>
+            <a:endParaRPr lang="en-US" dirty="0"/>
+          </a:p>
+        </p:txBody>
+      </p:sp>
+    </p:spTree>
+    <p:extLst>
+      <p:ext uri="{BB962C8B-B14F-4D97-AF65-F5344CB8AC3E}">
+        <p14:creationId xmlns:p14="http://schemas.microsoft.com/office/powerpoint/2010/main" val="3671383949"/>
+      </p:ext>
+    </p:extLst>
+  </p:cSld>
+  <p:clrMapOvr>
+    <a:masterClrMapping/>
+  </p:clrMapOvr>
+</p:sld>
+</file>
+
+<file path=ppt/slides/slide22.xml><?xml version="1.0" encoding="utf-8"?>
 <p:sld xmlns:a="http://schemas.openxmlformats.org/drawingml/2006/main" xmlns:r="http://schemas.openxmlformats.org/officeDocument/2006/relationships" xmlns:p="http://schemas.openxmlformats.org/presentationml/2006/main">
   <p:cSld>
     <p:spTree>

--- a/Excel Simulator Tips and Tricks.pptx
+++ b/Excel Simulator Tips and Tricks.pptx
@@ -172,7 +172,7 @@
 <file path=ppt/revisionInfo.xml><?xml version="1.0" encoding="utf-8"?>
 <p1510:revInfo xmlns:a="http://schemas.openxmlformats.org/drawingml/2006/main" xmlns:r="http://schemas.openxmlformats.org/officeDocument/2006/relationships" xmlns:p1510="http://schemas.microsoft.com/office/powerpoint/2015/10/main">
   <p1510:revLst>
-    <p1510:client id="{550A57E9-1EB2-449C-8461-CD426BA79F1E}" v="23" dt="2020-04-24T04:30:54.331"/>
+    <p1510:client id="{550A57E9-1EB2-449C-8461-CD426BA79F1E}" v="26" dt="2020-04-24T19:35:10.205"/>
   </p1510:revLst>
 </p1510:revInfo>
 </file>
@@ -182,7 +182,7 @@
   <pc:docChgLst>
     <pc:chgData name="Kenneth Fairchild" userId="03832577-716b-4c0d-b669-d62905d419f0" providerId="ADAL" clId="{550A57E9-1EB2-449C-8461-CD426BA79F1E}"/>
     <pc:docChg chg="undo custSel modSld">
-      <pc:chgData name="Kenneth Fairchild" userId="03832577-716b-4c0d-b669-d62905d419f0" providerId="ADAL" clId="{550A57E9-1EB2-449C-8461-CD426BA79F1E}" dt="2020-04-24T15:47:17.905" v="302" actId="20577"/>
+      <pc:chgData name="Kenneth Fairchild" userId="03832577-716b-4c0d-b669-d62905d419f0" providerId="ADAL" clId="{550A57E9-1EB2-449C-8461-CD426BA79F1E}" dt="2020-04-24T19:35:10.204" v="319" actId="164"/>
       <pc:docMkLst>
         <pc:docMk/>
       </pc:docMkLst>
@@ -342,7 +342,7 @@
         </pc:picChg>
       </pc:sldChg>
       <pc:sldChg chg="addSp delSp modSp mod">
-        <pc:chgData name="Kenneth Fairchild" userId="03832577-716b-4c0d-b669-d62905d419f0" providerId="ADAL" clId="{550A57E9-1EB2-449C-8461-CD426BA79F1E}" dt="2020-04-24T15:47:17.905" v="302" actId="20577"/>
+        <pc:chgData name="Kenneth Fairchild" userId="03832577-716b-4c0d-b669-d62905d419f0" providerId="ADAL" clId="{550A57E9-1EB2-449C-8461-CD426BA79F1E}" dt="2020-04-24T19:35:10.204" v="319" actId="164"/>
         <pc:sldMkLst>
           <pc:docMk/>
           <pc:sldMk cId="2329906711" sldId="294"/>
@@ -404,6 +404,14 @@
           </ac:spMkLst>
         </pc:spChg>
         <pc:spChg chg="add mod">
+          <ac:chgData name="Kenneth Fairchild" userId="03832577-716b-4c0d-b669-d62905d419f0" providerId="ADAL" clId="{550A57E9-1EB2-449C-8461-CD426BA79F1E}" dt="2020-04-24T19:35:10.204" v="319" actId="164"/>
+          <ac:spMkLst>
+            <pc:docMk/>
+            <pc:sldMk cId="2329906711" sldId="294"/>
+            <ac:spMk id="21" creationId="{98695D3C-D761-41D8-B82A-BFC54FBC55F2}"/>
+          </ac:spMkLst>
+        </pc:spChg>
+        <pc:spChg chg="add mod">
           <ac:chgData name="Kenneth Fairchild" userId="03832577-716b-4c0d-b669-d62905d419f0" providerId="ADAL" clId="{550A57E9-1EB2-449C-8461-CD426BA79F1E}" dt="2020-04-24T04:27:47.429" v="227" actId="164"/>
           <ac:spMkLst>
             <pc:docMk/>
@@ -419,6 +427,14 @@
             <ac:spMk id="26" creationId="{C8E64393-1456-4878-B610-C666F47FAF75}"/>
           </ac:spMkLst>
         </pc:spChg>
+        <pc:grpChg chg="add mod">
+          <ac:chgData name="Kenneth Fairchild" userId="03832577-716b-4c0d-b669-d62905d419f0" providerId="ADAL" clId="{550A57E9-1EB2-449C-8461-CD426BA79F1E}" dt="2020-04-24T19:35:10.204" v="319" actId="164"/>
+          <ac:grpSpMkLst>
+            <pc:docMk/>
+            <pc:sldMk cId="2329906711" sldId="294"/>
+            <ac:grpSpMk id="3" creationId="{0DEC474B-599C-4764-A487-EC0FF3FB89F5}"/>
+          </ac:grpSpMkLst>
+        </pc:grpChg>
         <pc:grpChg chg="add mod">
           <ac:chgData name="Kenneth Fairchild" userId="03832577-716b-4c0d-b669-d62905d419f0" providerId="ADAL" clId="{550A57E9-1EB2-449C-8461-CD426BA79F1E}" dt="2020-04-24T04:27:32.680" v="224" actId="164"/>
           <ac:grpSpMkLst>
@@ -444,7 +460,7 @@
           </ac:grpSpMkLst>
         </pc:grpChg>
         <pc:grpChg chg="add mod">
-          <ac:chgData name="Kenneth Fairchild" userId="03832577-716b-4c0d-b669-d62905d419f0" providerId="ADAL" clId="{550A57E9-1EB2-449C-8461-CD426BA79F1E}" dt="2020-04-24T04:29:08.803" v="260" actId="14100"/>
+          <ac:chgData name="Kenneth Fairchild" userId="03832577-716b-4c0d-b669-d62905d419f0" providerId="ADAL" clId="{550A57E9-1EB2-449C-8461-CD426BA79F1E}" dt="2020-04-24T19:35:10.204" v="319" actId="164"/>
           <ac:grpSpMkLst>
             <pc:docMk/>
             <pc:sldMk cId="2329906711" sldId="294"/>
@@ -481,6 +497,14 @@
             <pc:docMk/>
             <pc:sldMk cId="2329906711" sldId="294"/>
             <ac:cxnSpMk id="20" creationId="{8071F552-50F0-4D1F-AEA0-62C2B18A96F6}"/>
+          </ac:cxnSpMkLst>
+        </pc:cxnChg>
+        <pc:cxnChg chg="add mod">
+          <ac:chgData name="Kenneth Fairchild" userId="03832577-716b-4c0d-b669-d62905d419f0" providerId="ADAL" clId="{550A57E9-1EB2-449C-8461-CD426BA79F1E}" dt="2020-04-24T19:35:10.204" v="319" actId="164"/>
+          <ac:cxnSpMkLst>
+            <pc:docMk/>
+            <pc:sldMk cId="2329906711" sldId="294"/>
+            <ac:cxnSpMk id="22" creationId="{7C50F713-44FE-469A-B966-D664E428B02D}"/>
           </ac:cxnSpMkLst>
         </pc:cxnChg>
         <pc:cxnChg chg="add mod">
@@ -601,7 +625,7 @@
           <a:p>
             <a:fld id="{DE170032-BD20-48D6-A055-C0D06282CF84}" type="datetimeFigureOut">
               <a:rPr lang="en-US" smtClean="0"/>
-              <a:t>4/23/2020</a:t>
+              <a:t>4/24/2020</a:t>
             </a:fld>
             <a:endParaRPr lang="en-US"/>
           </a:p>
@@ -6150,10 +6174,10 @@
       </p:sp>
       <p:grpSp>
         <p:nvGrpSpPr>
-          <p:cNvPr id="31" name="Group 30">
-            <a:extLst>
-              <a:ext uri="{FF2B5EF4-FFF2-40B4-BE49-F238E27FC236}">
-                <a16:creationId xmlns:a16="http://schemas.microsoft.com/office/drawing/2014/main" id="{6E8C9872-A11E-45FB-8750-7B5A2251DE72}"/>
+          <p:cNvPr id="3" name="Group 2">
+            <a:extLst>
+              <a:ext uri="{FF2B5EF4-FFF2-40B4-BE49-F238E27FC236}">
+                <a16:creationId xmlns:a16="http://schemas.microsoft.com/office/drawing/2014/main" id="{0DEC474B-599C-4764-A487-EC0FF3FB89F5}"/>
               </a:ext>
             </a:extLst>
           </p:cNvPr>
@@ -6162,18 +6186,18 @@
         </p:nvGrpSpPr>
         <p:grpSpPr>
           <a:xfrm>
-            <a:off x="1000460" y="1541416"/>
-            <a:ext cx="9972340" cy="5087281"/>
-            <a:chOff x="3561801" y="179674"/>
-            <a:chExt cx="6218826" cy="6449024"/>
+            <a:off x="1000459" y="1541416"/>
+            <a:ext cx="9972341" cy="5087281"/>
+            <a:chOff x="1000459" y="1541416"/>
+            <a:chExt cx="9972341" cy="5087281"/>
           </a:xfrm>
         </p:grpSpPr>
         <p:grpSp>
           <p:nvGrpSpPr>
-            <p:cNvPr id="25" name="Group 24">
+            <p:cNvPr id="31" name="Group 30">
               <a:extLst>
                 <a:ext uri="{FF2B5EF4-FFF2-40B4-BE49-F238E27FC236}">
-                  <a16:creationId xmlns:a16="http://schemas.microsoft.com/office/drawing/2014/main" id="{40898E57-918E-4E10-91A8-A4C4D3788E60}"/>
+                  <a16:creationId xmlns:a16="http://schemas.microsoft.com/office/drawing/2014/main" id="{6E8C9872-A11E-45FB-8750-7B5A2251DE72}"/>
                 </a:ext>
               </a:extLst>
             </p:cNvPr>
@@ -6182,18 +6206,18 @@
           </p:nvGrpSpPr>
           <p:grpSpPr>
             <a:xfrm>
-              <a:off x="3561801" y="179674"/>
-              <a:ext cx="6218826" cy="5049890"/>
-              <a:chOff x="4275904" y="597685"/>
-              <a:chExt cx="6218826" cy="5049890"/>
+              <a:off x="1000460" y="1541416"/>
+              <a:ext cx="9972340" cy="5087281"/>
+              <a:chOff x="3561801" y="179674"/>
+              <a:chExt cx="6218826" cy="6449024"/>
             </a:xfrm>
           </p:grpSpPr>
           <p:grpSp>
             <p:nvGrpSpPr>
-              <p:cNvPr id="24" name="Group 23">
+              <p:cNvPr id="25" name="Group 24">
                 <a:extLst>
                   <a:ext uri="{FF2B5EF4-FFF2-40B4-BE49-F238E27FC236}">
-                    <a16:creationId xmlns:a16="http://schemas.microsoft.com/office/drawing/2014/main" id="{3E2FCE52-C5CE-4EF9-BC98-0417D13244A3}"/>
+                    <a16:creationId xmlns:a16="http://schemas.microsoft.com/office/drawing/2014/main" id="{40898E57-918E-4E10-91A8-A4C4D3788E60}"/>
                   </a:ext>
                 </a:extLst>
               </p:cNvPr>
@@ -6202,18 +6226,380 @@
             </p:nvGrpSpPr>
             <p:grpSpPr>
               <a:xfrm>
-                <a:off x="4275904" y="597685"/>
-                <a:ext cx="4928034" cy="3753690"/>
+                <a:off x="3561801" y="179674"/>
+                <a:ext cx="6218826" cy="5049890"/>
                 <a:chOff x="4275904" y="597685"/>
-                <a:chExt cx="4928034" cy="3753690"/>
+                <a:chExt cx="6218826" cy="5049890"/>
               </a:xfrm>
             </p:grpSpPr>
+            <p:grpSp>
+              <p:nvGrpSpPr>
+                <p:cNvPr id="24" name="Group 23">
+                  <a:extLst>
+                    <a:ext uri="{FF2B5EF4-FFF2-40B4-BE49-F238E27FC236}">
+                      <a16:creationId xmlns:a16="http://schemas.microsoft.com/office/drawing/2014/main" id="{3E2FCE52-C5CE-4EF9-BC98-0417D13244A3}"/>
+                    </a:ext>
+                  </a:extLst>
+                </p:cNvPr>
+                <p:cNvGrpSpPr/>
+                <p:nvPr/>
+              </p:nvGrpSpPr>
+              <p:grpSpPr>
+                <a:xfrm>
+                  <a:off x="4275904" y="597685"/>
+                  <a:ext cx="4928034" cy="3753690"/>
+                  <a:chOff x="4275904" y="597685"/>
+                  <a:chExt cx="4928034" cy="3753690"/>
+                </a:xfrm>
+              </p:grpSpPr>
+              <p:sp>
+                <p:nvSpPr>
+                  <p:cNvPr id="6" name="Flowchart: Process 5">
+                    <a:extLst>
+                      <a:ext uri="{FF2B5EF4-FFF2-40B4-BE49-F238E27FC236}">
+                        <a16:creationId xmlns:a16="http://schemas.microsoft.com/office/drawing/2014/main" id="{E32B4E47-1515-42FC-BE3A-B652EABE2971}"/>
+                      </a:ext>
+                    </a:extLst>
+                  </p:cNvPr>
+                  <p:cNvSpPr/>
+                  <p:nvPr/>
+                </p:nvSpPr>
+                <p:spPr>
+                  <a:xfrm>
+                    <a:off x="4275904" y="1940407"/>
+                    <a:ext cx="2020389" cy="896983"/>
+                  </a:xfrm>
+                  <a:prstGeom prst="flowChartProcess">
+                    <a:avLst/>
+                  </a:prstGeom>
+                </p:spPr>
+                <p:style>
+                  <a:lnRef idx="2">
+                    <a:schemeClr val="accent1">
+                      <a:shade val="50000"/>
+                    </a:schemeClr>
+                  </a:lnRef>
+                  <a:fillRef idx="1">
+                    <a:schemeClr val="accent1"/>
+                  </a:fillRef>
+                  <a:effectRef idx="0">
+                    <a:schemeClr val="accent1"/>
+                  </a:effectRef>
+                  <a:fontRef idx="minor">
+                    <a:schemeClr val="lt1"/>
+                  </a:fontRef>
+                </p:style>
+                <p:txBody>
+                  <a:bodyPr rtlCol="0" anchor="ctr"/>
+                  <a:lstStyle/>
+                  <a:p>
+                    <a:pPr algn="ctr"/>
+                    <a:r>
+                      <a:rPr lang="en-US" dirty="0"/>
+                      <a:t>Design</a:t>
+                    </a:r>
+                  </a:p>
+                </p:txBody>
+              </p:sp>
+              <p:grpSp>
+                <p:nvGrpSpPr>
+                  <p:cNvPr id="10" name="Group 9">
+                    <a:extLst>
+                      <a:ext uri="{FF2B5EF4-FFF2-40B4-BE49-F238E27FC236}">
+                        <a16:creationId xmlns:a16="http://schemas.microsoft.com/office/drawing/2014/main" id="{E3B51A73-94EC-4FC0-8BD2-0F466224AB7F}"/>
+                      </a:ext>
+                    </a:extLst>
+                  </p:cNvPr>
+                  <p:cNvGrpSpPr/>
+                  <p:nvPr/>
+                </p:nvGrpSpPr>
+                <p:grpSpPr>
+                  <a:xfrm>
+                    <a:off x="7183549" y="597685"/>
+                    <a:ext cx="2020389" cy="2239706"/>
+                    <a:chOff x="7200967" y="405791"/>
+                    <a:chExt cx="2020389" cy="2239706"/>
+                  </a:xfrm>
+                </p:grpSpPr>
+                <p:sp>
+                  <p:nvSpPr>
+                    <p:cNvPr id="5" name="Flowchart: Process 4">
+                      <a:extLst>
+                        <a:ext uri="{FF2B5EF4-FFF2-40B4-BE49-F238E27FC236}">
+                          <a16:creationId xmlns:a16="http://schemas.microsoft.com/office/drawing/2014/main" id="{8BCCF09E-B14B-46F7-BB23-8525CA911926}"/>
+                        </a:ext>
+                      </a:extLst>
+                    </p:cNvPr>
+                    <p:cNvSpPr/>
+                    <p:nvPr/>
+                  </p:nvSpPr>
+                  <p:spPr>
+                    <a:xfrm>
+                      <a:off x="7200967" y="405791"/>
+                      <a:ext cx="2020389" cy="896983"/>
+                    </a:xfrm>
+                    <a:prstGeom prst="flowChartProcess">
+                      <a:avLst/>
+                    </a:prstGeom>
+                  </p:spPr>
+                  <p:style>
+                    <a:lnRef idx="2">
+                      <a:schemeClr val="accent1">
+                        <a:shade val="50000"/>
+                      </a:schemeClr>
+                    </a:lnRef>
+                    <a:fillRef idx="1">
+                      <a:schemeClr val="accent1"/>
+                    </a:fillRef>
+                    <a:effectRef idx="0">
+                      <a:schemeClr val="accent1"/>
+                    </a:effectRef>
+                    <a:fontRef idx="minor">
+                      <a:schemeClr val="lt1"/>
+                    </a:fontRef>
+                  </p:style>
+                  <p:txBody>
+                    <a:bodyPr rtlCol="0" anchor="ctr"/>
+                    <a:lstStyle/>
+                    <a:p>
+                      <a:pPr algn="ctr"/>
+                      <a:r>
+                        <a:rPr lang="en-US" dirty="0"/>
+                        <a:t>Utilities</a:t>
+                      </a:r>
+                    </a:p>
+                  </p:txBody>
+                </p:sp>
+                <p:sp>
+                  <p:nvSpPr>
+                    <p:cNvPr id="7" name="Flowchart: Process 6">
+                      <a:extLst>
+                        <a:ext uri="{FF2B5EF4-FFF2-40B4-BE49-F238E27FC236}">
+                          <a16:creationId xmlns:a16="http://schemas.microsoft.com/office/drawing/2014/main" id="{C6BF196F-CB6C-4C25-9661-B799327DF377}"/>
+                        </a:ext>
+                      </a:extLst>
+                    </p:cNvPr>
+                    <p:cNvSpPr/>
+                    <p:nvPr/>
+                  </p:nvSpPr>
+                  <p:spPr>
+                    <a:xfrm>
+                      <a:off x="7200967" y="1748514"/>
+                      <a:ext cx="2020389" cy="896983"/>
+                    </a:xfrm>
+                    <a:prstGeom prst="flowChartProcess">
+                      <a:avLst/>
+                    </a:prstGeom>
+                  </p:spPr>
+                  <p:style>
+                    <a:lnRef idx="2">
+                      <a:schemeClr val="accent1">
+                        <a:shade val="50000"/>
+                      </a:schemeClr>
+                    </a:lnRef>
+                    <a:fillRef idx="1">
+                      <a:schemeClr val="accent1"/>
+                    </a:fillRef>
+                    <a:effectRef idx="0">
+                      <a:schemeClr val="accent1"/>
+                    </a:effectRef>
+                    <a:fontRef idx="minor">
+                      <a:schemeClr val="lt1"/>
+                    </a:fontRef>
+                  </p:style>
+                  <p:txBody>
+                    <a:bodyPr rtlCol="0" anchor="ctr"/>
+                    <a:lstStyle/>
+                    <a:p>
+                      <a:pPr algn="ctr"/>
+                      <a:r>
+                        <a:rPr lang="en-US" dirty="0"/>
+                        <a:t>Filters</a:t>
+                      </a:r>
+                    </a:p>
+                  </p:txBody>
+                </p:sp>
+                <p:cxnSp>
+                  <p:nvCxnSpPr>
+                    <p:cNvPr id="9" name="Straight Arrow Connector 8">
+                      <a:extLst>
+                        <a:ext uri="{FF2B5EF4-FFF2-40B4-BE49-F238E27FC236}">
+                          <a16:creationId xmlns:a16="http://schemas.microsoft.com/office/drawing/2014/main" id="{58C466D3-3D6B-49D3-AA0E-8DC06D091651}"/>
+                        </a:ext>
+                      </a:extLst>
+                    </p:cNvPr>
+                    <p:cNvCxnSpPr>
+                      <a:stCxn id="5" idx="2"/>
+                    </p:cNvCxnSpPr>
+                    <p:nvPr/>
+                  </p:nvCxnSpPr>
+                  <p:spPr>
+                    <a:xfrm flipH="1">
+                      <a:off x="8211161" y="1302774"/>
+                      <a:ext cx="1" cy="447116"/>
+                    </a:xfrm>
+                    <a:prstGeom prst="straightConnector1">
+                      <a:avLst/>
+                    </a:prstGeom>
+                    <a:ln>
+                      <a:tailEnd type="triangle"/>
+                    </a:ln>
+                  </p:spPr>
+                  <p:style>
+                    <a:lnRef idx="1">
+                      <a:schemeClr val="accent1"/>
+                    </a:lnRef>
+                    <a:fillRef idx="0">
+                      <a:schemeClr val="accent1"/>
+                    </a:fillRef>
+                    <a:effectRef idx="0">
+                      <a:schemeClr val="accent1"/>
+                    </a:effectRef>
+                    <a:fontRef idx="minor">
+                      <a:schemeClr val="tx1"/>
+                    </a:fontRef>
+                  </p:style>
+                </p:cxnSp>
+              </p:grpSp>
+              <p:cxnSp>
+                <p:nvCxnSpPr>
+                  <p:cNvPr id="12" name="Straight Arrow Connector 11">
+                    <a:extLst>
+                      <a:ext uri="{FF2B5EF4-FFF2-40B4-BE49-F238E27FC236}">
+                        <a16:creationId xmlns:a16="http://schemas.microsoft.com/office/drawing/2014/main" id="{D13702ED-7D7A-4BE5-A83E-E51C361350DF}"/>
+                      </a:ext>
+                    </a:extLst>
+                  </p:cNvPr>
+                  <p:cNvCxnSpPr>
+                    <a:cxnSpLocks/>
+                    <a:stCxn id="6" idx="2"/>
+                  </p:cNvCxnSpPr>
+                  <p:nvPr/>
+                </p:nvCxnSpPr>
+                <p:spPr>
+                  <a:xfrm>
+                    <a:off x="5286099" y="2837390"/>
+                    <a:ext cx="879570" cy="591610"/>
+                  </a:xfrm>
+                  <a:prstGeom prst="straightConnector1">
+                    <a:avLst/>
+                  </a:prstGeom>
+                  <a:ln>
+                    <a:tailEnd type="triangle"/>
+                  </a:ln>
+                </p:spPr>
+                <p:style>
+                  <a:lnRef idx="1">
+                    <a:schemeClr val="accent1"/>
+                  </a:lnRef>
+                  <a:fillRef idx="0">
+                    <a:schemeClr val="accent1"/>
+                  </a:fillRef>
+                  <a:effectRef idx="0">
+                    <a:schemeClr val="accent1"/>
+                  </a:effectRef>
+                  <a:fontRef idx="minor">
+                    <a:schemeClr val="tx1"/>
+                  </a:fontRef>
+                </p:style>
+              </p:cxnSp>
+              <p:cxnSp>
+                <p:nvCxnSpPr>
+                  <p:cNvPr id="13" name="Straight Arrow Connector 12">
+                    <a:extLst>
+                      <a:ext uri="{FF2B5EF4-FFF2-40B4-BE49-F238E27FC236}">
+                        <a16:creationId xmlns:a16="http://schemas.microsoft.com/office/drawing/2014/main" id="{9424E6E3-D2C1-4636-AFC7-6A1292C36291}"/>
+                      </a:ext>
+                    </a:extLst>
+                  </p:cNvPr>
+                  <p:cNvCxnSpPr>
+                    <a:cxnSpLocks/>
+                  </p:cNvCxnSpPr>
+                  <p:nvPr/>
+                </p:nvCxnSpPr>
+                <p:spPr>
+                  <a:xfrm flipH="1">
+                    <a:off x="7541623" y="2861912"/>
+                    <a:ext cx="652121" cy="567088"/>
+                  </a:xfrm>
+                  <a:prstGeom prst="straightConnector1">
+                    <a:avLst/>
+                  </a:prstGeom>
+                  <a:ln>
+                    <a:tailEnd type="triangle"/>
+                  </a:ln>
+                </p:spPr>
+                <p:style>
+                  <a:lnRef idx="1">
+                    <a:schemeClr val="accent1"/>
+                  </a:lnRef>
+                  <a:fillRef idx="0">
+                    <a:schemeClr val="accent1"/>
+                  </a:fillRef>
+                  <a:effectRef idx="0">
+                    <a:schemeClr val="accent1"/>
+                  </a:effectRef>
+                  <a:fontRef idx="minor">
+                    <a:schemeClr val="tx1"/>
+                  </a:fontRef>
+                </p:style>
+              </p:cxnSp>
+              <p:sp>
+                <p:nvSpPr>
+                  <p:cNvPr id="16" name="Flowchart: Process 15">
+                    <a:extLst>
+                      <a:ext uri="{FF2B5EF4-FFF2-40B4-BE49-F238E27FC236}">
+                        <a16:creationId xmlns:a16="http://schemas.microsoft.com/office/drawing/2014/main" id="{C0C714B4-D69B-45E0-9C10-8B6679162628}"/>
+                      </a:ext>
+                    </a:extLst>
+                  </p:cNvPr>
+                  <p:cNvSpPr/>
+                  <p:nvPr/>
+                </p:nvSpPr>
+                <p:spPr>
+                  <a:xfrm>
+                    <a:off x="5847294" y="3454392"/>
+                    <a:ext cx="2020389" cy="896983"/>
+                  </a:xfrm>
+                  <a:prstGeom prst="flowChartProcess">
+                    <a:avLst/>
+                  </a:prstGeom>
+                </p:spPr>
+                <p:style>
+                  <a:lnRef idx="2">
+                    <a:schemeClr val="accent1">
+                      <a:shade val="50000"/>
+                    </a:schemeClr>
+                  </a:lnRef>
+                  <a:fillRef idx="1">
+                    <a:schemeClr val="accent1"/>
+                  </a:fillRef>
+                  <a:effectRef idx="0">
+                    <a:schemeClr val="accent1"/>
+                  </a:effectRef>
+                  <a:fontRef idx="minor">
+                    <a:schemeClr val="lt1"/>
+                  </a:fontRef>
+                </p:style>
+                <p:txBody>
+                  <a:bodyPr rtlCol="0" anchor="ctr"/>
+                  <a:lstStyle/>
+                  <a:p>
+                    <a:pPr algn="ctr"/>
+                    <a:r>
+                      <a:rPr lang="en-US" dirty="0"/>
+                      <a:t>Total Utilities</a:t>
+                    </a:r>
+                  </a:p>
+                </p:txBody>
+              </p:sp>
+            </p:grpSp>
             <p:sp>
               <p:nvSpPr>
-                <p:cNvPr id="6" name="Flowchart: Process 5">
+                <p:cNvPr id="19" name="Flowchart: Process 18">
                   <a:extLst>
                     <a:ext uri="{FF2B5EF4-FFF2-40B4-BE49-F238E27FC236}">
-                      <a16:creationId xmlns:a16="http://schemas.microsoft.com/office/drawing/2014/main" id="{E32B4E47-1515-42FC-BE3A-B652EABE2971}"/>
+                      <a16:creationId xmlns:a16="http://schemas.microsoft.com/office/drawing/2014/main" id="{9B22B153-F024-4032-8D2E-12D25246D760}"/>
                     </a:ext>
                   </a:extLst>
                 </p:cNvPr>
@@ -6222,7 +6608,7 @@
               </p:nvSpPr>
               <p:spPr>
                 <a:xfrm>
-                  <a:off x="4275904" y="1940407"/>
+                  <a:off x="5847294" y="4746328"/>
                   <a:ext cx="2020389" cy="896983"/>
                 </a:xfrm>
                 <a:prstGeom prst="flowChartProcess">
@@ -6252,231 +6638,30 @@
                   <a:pPr algn="ctr"/>
                   <a:r>
                     <a:rPr lang="en-US" dirty="0"/>
-                    <a:t>Design</a:t>
+                    <a:t>Share of Preference</a:t>
                   </a:r>
                 </a:p>
               </p:txBody>
             </p:sp>
-            <p:grpSp>
-              <p:nvGrpSpPr>
-                <p:cNvPr id="10" name="Group 9">
+            <p:cxnSp>
+              <p:nvCxnSpPr>
+                <p:cNvPr id="20" name="Straight Arrow Connector 19">
                   <a:extLst>
                     <a:ext uri="{FF2B5EF4-FFF2-40B4-BE49-F238E27FC236}">
-                      <a16:creationId xmlns:a16="http://schemas.microsoft.com/office/drawing/2014/main" id="{E3B51A73-94EC-4FC0-8BD2-0F466224AB7F}"/>
-                    </a:ext>
-                  </a:extLst>
-                </p:cNvPr>
-                <p:cNvGrpSpPr/>
-                <p:nvPr/>
-              </p:nvGrpSpPr>
-              <p:grpSpPr>
-                <a:xfrm>
-                  <a:off x="7183549" y="597685"/>
-                  <a:ext cx="2020389" cy="2239706"/>
-                  <a:chOff x="7200967" y="405791"/>
-                  <a:chExt cx="2020389" cy="2239706"/>
-                </a:xfrm>
-              </p:grpSpPr>
-              <p:sp>
-                <p:nvSpPr>
-                  <p:cNvPr id="5" name="Flowchart: Process 4">
-                    <a:extLst>
-                      <a:ext uri="{FF2B5EF4-FFF2-40B4-BE49-F238E27FC236}">
-                        <a16:creationId xmlns:a16="http://schemas.microsoft.com/office/drawing/2014/main" id="{8BCCF09E-B14B-46F7-BB23-8525CA911926}"/>
-                      </a:ext>
-                    </a:extLst>
-                  </p:cNvPr>
-                  <p:cNvSpPr/>
-                  <p:nvPr/>
-                </p:nvSpPr>
-                <p:spPr>
-                  <a:xfrm>
-                    <a:off x="7200967" y="405791"/>
-                    <a:ext cx="2020389" cy="896983"/>
-                  </a:xfrm>
-                  <a:prstGeom prst="flowChartProcess">
-                    <a:avLst/>
-                  </a:prstGeom>
-                </p:spPr>
-                <p:style>
-                  <a:lnRef idx="2">
-                    <a:schemeClr val="accent1">
-                      <a:shade val="50000"/>
-                    </a:schemeClr>
-                  </a:lnRef>
-                  <a:fillRef idx="1">
-                    <a:schemeClr val="accent1"/>
-                  </a:fillRef>
-                  <a:effectRef idx="0">
-                    <a:schemeClr val="accent1"/>
-                  </a:effectRef>
-                  <a:fontRef idx="minor">
-                    <a:schemeClr val="lt1"/>
-                  </a:fontRef>
-                </p:style>
-                <p:txBody>
-                  <a:bodyPr rtlCol="0" anchor="ctr"/>
-                  <a:lstStyle/>
-                  <a:p>
-                    <a:pPr algn="ctr"/>
-                    <a:r>
-                      <a:rPr lang="en-US" dirty="0"/>
-                      <a:t>Utilities</a:t>
-                    </a:r>
-                  </a:p>
-                </p:txBody>
-              </p:sp>
-              <p:sp>
-                <p:nvSpPr>
-                  <p:cNvPr id="7" name="Flowchart: Process 6">
-                    <a:extLst>
-                      <a:ext uri="{FF2B5EF4-FFF2-40B4-BE49-F238E27FC236}">
-                        <a16:creationId xmlns:a16="http://schemas.microsoft.com/office/drawing/2014/main" id="{C6BF196F-CB6C-4C25-9661-B799327DF377}"/>
-                      </a:ext>
-                    </a:extLst>
-                  </p:cNvPr>
-                  <p:cNvSpPr/>
-                  <p:nvPr/>
-                </p:nvSpPr>
-                <p:spPr>
-                  <a:xfrm>
-                    <a:off x="7200967" y="1748514"/>
-                    <a:ext cx="2020389" cy="896983"/>
-                  </a:xfrm>
-                  <a:prstGeom prst="flowChartProcess">
-                    <a:avLst/>
-                  </a:prstGeom>
-                </p:spPr>
-                <p:style>
-                  <a:lnRef idx="2">
-                    <a:schemeClr val="accent1">
-                      <a:shade val="50000"/>
-                    </a:schemeClr>
-                  </a:lnRef>
-                  <a:fillRef idx="1">
-                    <a:schemeClr val="accent1"/>
-                  </a:fillRef>
-                  <a:effectRef idx="0">
-                    <a:schemeClr val="accent1"/>
-                  </a:effectRef>
-                  <a:fontRef idx="minor">
-                    <a:schemeClr val="lt1"/>
-                  </a:fontRef>
-                </p:style>
-                <p:txBody>
-                  <a:bodyPr rtlCol="0" anchor="ctr"/>
-                  <a:lstStyle/>
-                  <a:p>
-                    <a:pPr algn="ctr"/>
-                    <a:r>
-                      <a:rPr lang="en-US" dirty="0"/>
-                      <a:t>Filters</a:t>
-                    </a:r>
-                  </a:p>
-                </p:txBody>
-              </p:sp>
-              <p:cxnSp>
-                <p:nvCxnSpPr>
-                  <p:cNvPr id="9" name="Straight Arrow Connector 8">
-                    <a:extLst>
-                      <a:ext uri="{FF2B5EF4-FFF2-40B4-BE49-F238E27FC236}">
-                        <a16:creationId xmlns:a16="http://schemas.microsoft.com/office/drawing/2014/main" id="{58C466D3-3D6B-49D3-AA0E-8DC06D091651}"/>
-                      </a:ext>
-                    </a:extLst>
-                  </p:cNvPr>
-                  <p:cNvCxnSpPr>
-                    <a:stCxn id="5" idx="2"/>
-                  </p:cNvCxnSpPr>
-                  <p:nvPr/>
-                </p:nvCxnSpPr>
-                <p:spPr>
-                  <a:xfrm flipH="1">
-                    <a:off x="8211161" y="1302774"/>
-                    <a:ext cx="1" cy="447116"/>
-                  </a:xfrm>
-                  <a:prstGeom prst="straightConnector1">
-                    <a:avLst/>
-                  </a:prstGeom>
-                  <a:ln>
-                    <a:tailEnd type="triangle"/>
-                  </a:ln>
-                </p:spPr>
-                <p:style>
-                  <a:lnRef idx="1">
-                    <a:schemeClr val="accent1"/>
-                  </a:lnRef>
-                  <a:fillRef idx="0">
-                    <a:schemeClr val="accent1"/>
-                  </a:fillRef>
-                  <a:effectRef idx="0">
-                    <a:schemeClr val="accent1"/>
-                  </a:effectRef>
-                  <a:fontRef idx="minor">
-                    <a:schemeClr val="tx1"/>
-                  </a:fontRef>
-                </p:style>
-              </p:cxnSp>
-            </p:grpSp>
-            <p:cxnSp>
-              <p:nvCxnSpPr>
-                <p:cNvPr id="12" name="Straight Arrow Connector 11">
-                  <a:extLst>
-                    <a:ext uri="{FF2B5EF4-FFF2-40B4-BE49-F238E27FC236}">
-                      <a16:creationId xmlns:a16="http://schemas.microsoft.com/office/drawing/2014/main" id="{D13702ED-7D7A-4BE5-A83E-E51C361350DF}"/>
+                      <a16:creationId xmlns:a16="http://schemas.microsoft.com/office/drawing/2014/main" id="{8071F552-50F0-4D1F-AEA0-62C2B18A96F6}"/>
                     </a:ext>
                   </a:extLst>
                 </p:cNvPr>
                 <p:cNvCxnSpPr>
                   <a:cxnSpLocks/>
-                  <a:stCxn id="6" idx="2"/>
+                  <a:stCxn id="16" idx="2"/>
                 </p:cNvCxnSpPr>
                 <p:nvPr/>
               </p:nvCxnSpPr>
               <p:spPr>
                 <a:xfrm>
-                  <a:off x="5286099" y="2837390"/>
-                  <a:ext cx="879570" cy="591610"/>
-                </a:xfrm>
-                <a:prstGeom prst="straightConnector1">
-                  <a:avLst/>
-                </a:prstGeom>
-                <a:ln>
-                  <a:tailEnd type="triangle"/>
-                </a:ln>
-              </p:spPr>
-              <p:style>
-                <a:lnRef idx="1">
-                  <a:schemeClr val="accent1"/>
-                </a:lnRef>
-                <a:fillRef idx="0">
-                  <a:schemeClr val="accent1"/>
-                </a:fillRef>
-                <a:effectRef idx="0">
-                  <a:schemeClr val="accent1"/>
-                </a:effectRef>
-                <a:fontRef idx="minor">
-                  <a:schemeClr val="tx1"/>
-                </a:fontRef>
-              </p:style>
-            </p:cxnSp>
-            <p:cxnSp>
-              <p:nvCxnSpPr>
-                <p:cNvPr id="13" name="Straight Arrow Connector 12">
-                  <a:extLst>
-                    <a:ext uri="{FF2B5EF4-FFF2-40B4-BE49-F238E27FC236}">
-                      <a16:creationId xmlns:a16="http://schemas.microsoft.com/office/drawing/2014/main" id="{9424E6E3-D2C1-4636-AFC7-6A1292C36291}"/>
-                    </a:ext>
-                  </a:extLst>
-                </p:cNvPr>
-                <p:cNvCxnSpPr>
-                  <a:cxnSpLocks/>
-                </p:cNvCxnSpPr>
-                <p:nvPr/>
-              </p:nvCxnSpPr>
-              <p:spPr>
-                <a:xfrm flipH="1">
-                  <a:off x="7541623" y="2861912"/>
-                  <a:ext cx="652121" cy="567088"/>
+                  <a:off x="6857489" y="4351375"/>
+                  <a:ext cx="0" cy="394952"/>
                 </a:xfrm>
                 <a:prstGeom prst="straightConnector1">
                   <a:avLst/>
@@ -6502,10 +6687,10 @@
             </p:cxnSp>
             <p:sp>
               <p:nvSpPr>
-                <p:cNvPr id="16" name="Flowchart: Process 15">
+                <p:cNvPr id="23" name="Flowchart: Process 22">
                   <a:extLst>
                     <a:ext uri="{FF2B5EF4-FFF2-40B4-BE49-F238E27FC236}">
-                      <a16:creationId xmlns:a16="http://schemas.microsoft.com/office/drawing/2014/main" id="{C0C714B4-D69B-45E0-9C10-8B6679162628}"/>
+                      <a16:creationId xmlns:a16="http://schemas.microsoft.com/office/drawing/2014/main" id="{5C4D526E-9EE2-468E-B490-75293E02AD8A}"/>
                     </a:ext>
                   </a:extLst>
                 </p:cNvPr>
@@ -6514,7 +6699,7 @@
               </p:nvSpPr>
               <p:spPr>
                 <a:xfrm>
-                  <a:off x="5847294" y="3454392"/>
+                  <a:off x="8474341" y="4750592"/>
                   <a:ext cx="2020389" cy="896983"/>
                 </a:xfrm>
                 <a:prstGeom prst="flowChartProcess">
@@ -6544,7 +6729,7 @@
                   <a:pPr algn="ctr"/>
                   <a:r>
                     <a:rPr lang="en-US" dirty="0"/>
-                    <a:t>Total Utilities</a:t>
+                    <a:t>Weights</a:t>
                   </a:r>
                 </a:p>
               </p:txBody>
@@ -6552,10 +6737,10 @@
           </p:grpSp>
           <p:sp>
             <p:nvSpPr>
-              <p:cNvPr id="19" name="Flowchart: Process 18">
+              <p:cNvPr id="26" name="Flowchart: Process 25">
                 <a:extLst>
                   <a:ext uri="{FF2B5EF4-FFF2-40B4-BE49-F238E27FC236}">
-                    <a16:creationId xmlns:a16="http://schemas.microsoft.com/office/drawing/2014/main" id="{9B22B153-F024-4032-8D2E-12D25246D760}"/>
+                    <a16:creationId xmlns:a16="http://schemas.microsoft.com/office/drawing/2014/main" id="{C8E64393-1456-4878-B610-C666F47FAF75}"/>
                   </a:ext>
                 </a:extLst>
               </p:cNvPr>
@@ -6564,7 +6749,7 @@
             </p:nvSpPr>
             <p:spPr>
               <a:xfrm>
-                <a:off x="5847294" y="4746328"/>
+                <a:off x="6469446" y="5731715"/>
                 <a:ext cx="2020389" cy="896983"/>
               </a:xfrm>
               <a:prstGeom prst="flowChartProcess">
@@ -6594,30 +6779,29 @@
                 <a:pPr algn="ctr"/>
                 <a:r>
                   <a:rPr lang="en-US" dirty="0"/>
-                  <a:t>Share of Preference</a:t>
+                  <a:t>Average Shares</a:t>
                 </a:r>
               </a:p>
             </p:txBody>
           </p:sp>
           <p:cxnSp>
             <p:nvCxnSpPr>
-              <p:cNvPr id="20" name="Straight Arrow Connector 19">
+              <p:cNvPr id="27" name="Straight Arrow Connector 26">
                 <a:extLst>
                   <a:ext uri="{FF2B5EF4-FFF2-40B4-BE49-F238E27FC236}">
-                    <a16:creationId xmlns:a16="http://schemas.microsoft.com/office/drawing/2014/main" id="{8071F552-50F0-4D1F-AEA0-62C2B18A96F6}"/>
+                    <a16:creationId xmlns:a16="http://schemas.microsoft.com/office/drawing/2014/main" id="{6E2A52D7-1FE0-4897-8A46-EB05C0036022}"/>
                   </a:ext>
                 </a:extLst>
               </p:cNvPr>
               <p:cNvCxnSpPr>
                 <a:cxnSpLocks/>
-                <a:stCxn id="16" idx="2"/>
               </p:cNvCxnSpPr>
               <p:nvPr/>
             </p:nvCxnSpPr>
             <p:spPr>
               <a:xfrm>
-                <a:off x="6857489" y="4351375"/>
-                <a:ext cx="0" cy="394952"/>
+                <a:off x="6169000" y="5225300"/>
+                <a:ext cx="815274" cy="506415"/>
               </a:xfrm>
               <a:prstGeom prst="straightConnector1">
                 <a:avLst/>
@@ -6641,62 +6825,54 @@
               </a:fontRef>
             </p:style>
           </p:cxnSp>
-          <p:sp>
-            <p:nvSpPr>
-              <p:cNvPr id="23" name="Flowchart: Process 22">
+          <p:cxnSp>
+            <p:nvCxnSpPr>
+              <p:cNvPr id="29" name="Straight Arrow Connector 28">
                 <a:extLst>
                   <a:ext uri="{FF2B5EF4-FFF2-40B4-BE49-F238E27FC236}">
-                    <a16:creationId xmlns:a16="http://schemas.microsoft.com/office/drawing/2014/main" id="{5C4D526E-9EE2-468E-B490-75293E02AD8A}"/>
+                    <a16:creationId xmlns:a16="http://schemas.microsoft.com/office/drawing/2014/main" id="{B4E3C7DE-2F4E-4065-B6E7-D794B280F576}"/>
                   </a:ext>
                 </a:extLst>
               </p:cNvPr>
-              <p:cNvSpPr/>
+              <p:cNvCxnSpPr>
+                <a:cxnSpLocks/>
+              </p:cNvCxnSpPr>
               <p:nvPr/>
-            </p:nvSpPr>
+            </p:nvCxnSpPr>
             <p:spPr>
-              <a:xfrm>
-                <a:off x="8474341" y="4750592"/>
-                <a:ext cx="2020389" cy="896983"/>
+              <a:xfrm flipH="1">
+                <a:off x="7929544" y="5225300"/>
+                <a:ext cx="813034" cy="506415"/>
               </a:xfrm>
-              <a:prstGeom prst="flowChartProcess">
+              <a:prstGeom prst="straightConnector1">
                 <a:avLst/>
               </a:prstGeom>
+              <a:ln>
+                <a:tailEnd type="triangle"/>
+              </a:ln>
             </p:spPr>
             <p:style>
-              <a:lnRef idx="2">
-                <a:schemeClr val="accent1">
-                  <a:shade val="50000"/>
-                </a:schemeClr>
+              <a:lnRef idx="1">
+                <a:schemeClr val="accent1"/>
               </a:lnRef>
-              <a:fillRef idx="1">
+              <a:fillRef idx="0">
                 <a:schemeClr val="accent1"/>
               </a:fillRef>
               <a:effectRef idx="0">
                 <a:schemeClr val="accent1"/>
               </a:effectRef>
               <a:fontRef idx="minor">
-                <a:schemeClr val="lt1"/>
+                <a:schemeClr val="tx1"/>
               </a:fontRef>
             </p:style>
-            <p:txBody>
-              <a:bodyPr rtlCol="0" anchor="ctr"/>
-              <a:lstStyle/>
-              <a:p>
-                <a:pPr algn="ctr"/>
-                <a:r>
-                  <a:rPr lang="en-US" dirty="0"/>
-                  <a:t>Weights</a:t>
-                </a:r>
-              </a:p>
-            </p:txBody>
-          </p:sp>
+          </p:cxnSp>
         </p:grpSp>
         <p:sp>
           <p:nvSpPr>
-            <p:cNvPr id="26" name="Flowchart: Process 25">
+            <p:cNvPr id="21" name="Flowchart: Process 20">
               <a:extLst>
                 <a:ext uri="{FF2B5EF4-FFF2-40B4-BE49-F238E27FC236}">
-                  <a16:creationId xmlns:a16="http://schemas.microsoft.com/office/drawing/2014/main" id="{C8E64393-1456-4878-B610-C666F47FAF75}"/>
+                  <a16:creationId xmlns:a16="http://schemas.microsoft.com/office/drawing/2014/main" id="{98695D3C-D761-41D8-B82A-BFC54FBC55F2}"/>
                 </a:ext>
               </a:extLst>
             </p:cNvPr>
@@ -6705,8 +6881,8 @@
           </p:nvSpPr>
           <p:spPr>
             <a:xfrm>
-              <a:off x="6469446" y="5731715"/>
-              <a:ext cx="2020389" cy="896983"/>
+              <a:off x="1000459" y="1541416"/>
+              <a:ext cx="3239841" cy="707581"/>
             </a:xfrm>
             <a:prstGeom prst="flowChartProcess">
               <a:avLst/>
@@ -6735,70 +6911,27 @@
               <a:pPr algn="ctr"/>
               <a:r>
                 <a:rPr lang="en-US" dirty="0"/>
-                <a:t>Average Shares</a:t>
+                <a:t>Configurator</a:t>
               </a:r>
             </a:p>
           </p:txBody>
         </p:sp>
         <p:cxnSp>
           <p:nvCxnSpPr>
-            <p:cNvPr id="27" name="Straight Arrow Connector 26">
+            <p:cNvPr id="22" name="Straight Arrow Connector 21">
               <a:extLst>
                 <a:ext uri="{FF2B5EF4-FFF2-40B4-BE49-F238E27FC236}">
-                  <a16:creationId xmlns:a16="http://schemas.microsoft.com/office/drawing/2014/main" id="{6E2A52D7-1FE0-4897-8A46-EB05C0036022}"/>
+                  <a16:creationId xmlns:a16="http://schemas.microsoft.com/office/drawing/2014/main" id="{7C50F713-44FE-469A-B966-D664E428B02D}"/>
                 </a:ext>
               </a:extLst>
             </p:cNvPr>
-            <p:cNvCxnSpPr>
-              <a:cxnSpLocks/>
-            </p:cNvCxnSpPr>
-            <p:nvPr/>
-          </p:nvCxnSpPr>
-          <p:spPr>
-            <a:xfrm>
-              <a:off x="6169000" y="5225300"/>
-              <a:ext cx="815274" cy="506415"/>
-            </a:xfrm>
-            <a:prstGeom prst="straightConnector1">
-              <a:avLst/>
-            </a:prstGeom>
-            <a:ln>
-              <a:tailEnd type="triangle"/>
-            </a:ln>
-          </p:spPr>
-          <p:style>
-            <a:lnRef idx="1">
-              <a:schemeClr val="accent1"/>
-            </a:lnRef>
-            <a:fillRef idx="0">
-              <a:schemeClr val="accent1"/>
-            </a:fillRef>
-            <a:effectRef idx="0">
-              <a:schemeClr val="accent1"/>
-            </a:effectRef>
-            <a:fontRef idx="minor">
-              <a:schemeClr val="tx1"/>
-            </a:fontRef>
-          </p:style>
-        </p:cxnSp>
-        <p:cxnSp>
-          <p:nvCxnSpPr>
-            <p:cNvPr id="29" name="Straight Arrow Connector 28">
-              <a:extLst>
-                <a:ext uri="{FF2B5EF4-FFF2-40B4-BE49-F238E27FC236}">
-                  <a16:creationId xmlns:a16="http://schemas.microsoft.com/office/drawing/2014/main" id="{B4E3C7DE-2F4E-4065-B6E7-D794B280F576}"/>
-                </a:ext>
-              </a:extLst>
-            </p:cNvPr>
-            <p:cNvCxnSpPr>
-              <a:cxnSpLocks/>
-            </p:cNvCxnSpPr>
+            <p:cNvCxnSpPr/>
             <p:nvPr/>
           </p:nvCxnSpPr>
           <p:spPr>
             <a:xfrm flipH="1">
-              <a:off x="7929544" y="5225300"/>
-              <a:ext cx="813034" cy="506415"/>
+              <a:off x="2620377" y="2248996"/>
+              <a:ext cx="2" cy="352705"/>
             </a:xfrm>
             <a:prstGeom prst="straightConnector1">
               <a:avLst/>

--- a/Excel Simulator Tips and Tricks.pptx
+++ b/Excel Simulator Tips and Tricks.pptx
@@ -169,16 +169,177 @@
 </p:cmAuthorLst>
 </file>
 
-<file path=ppt/revisionInfo.xml><?xml version="1.0" encoding="utf-8"?>
-<p1510:revInfo xmlns:a="http://schemas.openxmlformats.org/drawingml/2006/main" xmlns:r="http://schemas.openxmlformats.org/officeDocument/2006/relationships" xmlns:p1510="http://schemas.microsoft.com/office/powerpoint/2015/10/main">
-  <p1510:revLst>
-    <p1510:client id="{550A57E9-1EB2-449C-8461-CD426BA79F1E}" v="26" dt="2020-04-24T19:35:10.205"/>
-  </p1510:revLst>
-</p1510:revInfo>
-</file>
-
 <file path=ppt/changesInfos/changesInfo1.xml><?xml version="1.0" encoding="utf-8"?>
 <pc:chgInfo xmlns:a="http://schemas.openxmlformats.org/drawingml/2006/main" xmlns:r="http://schemas.openxmlformats.org/officeDocument/2006/relationships" xmlns:ac="http://schemas.microsoft.com/office/drawing/2013/main/command" xmlns:pc="http://schemas.microsoft.com/office/powerpoint/2013/main/command">
+  <pc:docChgLst>
+    <pc:chgData name="Kenneth Fairchild" userId="03832577-716b-4c0d-b669-d62905d419f0" providerId="ADAL" clId="{43934E5A-D09A-44C2-B2FE-C77E9FE3E2B6}"/>
+    <pc:docChg chg="undo custSel modSld">
+      <pc:chgData name="Kenneth Fairchild" userId="03832577-716b-4c0d-b669-d62905d419f0" providerId="ADAL" clId="{43934E5A-D09A-44C2-B2FE-C77E9FE3E2B6}" dt="2021-03-23T17:21:36.345" v="85" actId="20577"/>
+      <pc:docMkLst>
+        <pc:docMk/>
+      </pc:docMkLst>
+      <pc:sldChg chg="modSp mod">
+        <pc:chgData name="Kenneth Fairchild" userId="03832577-716b-4c0d-b669-d62905d419f0" providerId="ADAL" clId="{43934E5A-D09A-44C2-B2FE-C77E9FE3E2B6}" dt="2021-03-23T17:21:36.345" v="85" actId="20577"/>
+        <pc:sldMkLst>
+          <pc:docMk/>
+          <pc:sldMk cId="4129805339" sldId="272"/>
+        </pc:sldMkLst>
+        <pc:spChg chg="mod">
+          <ac:chgData name="Kenneth Fairchild" userId="03832577-716b-4c0d-b669-d62905d419f0" providerId="ADAL" clId="{43934E5A-D09A-44C2-B2FE-C77E9FE3E2B6}" dt="2021-03-23T17:21:36.345" v="85" actId="20577"/>
+          <ac:spMkLst>
+            <pc:docMk/>
+            <pc:sldMk cId="4129805339" sldId="272"/>
+            <ac:spMk id="3" creationId="{F00EBF3E-E85D-429A-9FE7-B957B87DE669}"/>
+          </ac:spMkLst>
+        </pc:spChg>
+      </pc:sldChg>
+      <pc:sldChg chg="addSp delSp modSp mod">
+        <pc:chgData name="Kenneth Fairchild" userId="03832577-716b-4c0d-b669-d62905d419f0" providerId="ADAL" clId="{43934E5A-D09A-44C2-B2FE-C77E9FE3E2B6}" dt="2021-03-23T17:18:20.998" v="6" actId="20577"/>
+        <pc:sldMkLst>
+          <pc:docMk/>
+          <pc:sldMk cId="2335635614" sldId="273"/>
+        </pc:sldMkLst>
+        <pc:spChg chg="add del mod">
+          <ac:chgData name="Kenneth Fairchild" userId="03832577-716b-4c0d-b669-d62905d419f0" providerId="ADAL" clId="{43934E5A-D09A-44C2-B2FE-C77E9FE3E2B6}" dt="2021-03-23T17:18:13.869" v="3" actId="478"/>
+          <ac:spMkLst>
+            <pc:docMk/>
+            <pc:sldMk cId="2335635614" sldId="273"/>
+            <ac:spMk id="3" creationId="{D2D0677E-7C57-4F7C-8035-A85828C86AF1}"/>
+          </ac:spMkLst>
+        </pc:spChg>
+        <pc:spChg chg="add del mod">
+          <ac:chgData name="Kenneth Fairchild" userId="03832577-716b-4c0d-b669-d62905d419f0" providerId="ADAL" clId="{43934E5A-D09A-44C2-B2FE-C77E9FE3E2B6}" dt="2021-03-23T17:18:20.998" v="6" actId="20577"/>
+          <ac:spMkLst>
+            <pc:docMk/>
+            <pc:sldMk cId="2335635614" sldId="273"/>
+            <ac:spMk id="5" creationId="{EFD6FED5-482C-4D3A-8839-736C514EE8A4}"/>
+          </ac:spMkLst>
+        </pc:spChg>
+        <pc:spChg chg="add del mod">
+          <ac:chgData name="Kenneth Fairchild" userId="03832577-716b-4c0d-b669-d62905d419f0" providerId="ADAL" clId="{43934E5A-D09A-44C2-B2FE-C77E9FE3E2B6}" dt="2021-03-23T17:18:14.388" v="5"/>
+          <ac:spMkLst>
+            <pc:docMk/>
+            <pc:sldMk cId="2335635614" sldId="273"/>
+            <ac:spMk id="7" creationId="{C0A3A996-595C-4A7C-8E6E-37CEC9784F67}"/>
+          </ac:spMkLst>
+        </pc:spChg>
+      </pc:sldChg>
+      <pc:sldChg chg="modSp mod">
+        <pc:chgData name="Kenneth Fairchild" userId="03832577-716b-4c0d-b669-d62905d419f0" providerId="ADAL" clId="{43934E5A-D09A-44C2-B2FE-C77E9FE3E2B6}" dt="2021-03-23T17:19:11.054" v="68" actId="20577"/>
+        <pc:sldMkLst>
+          <pc:docMk/>
+          <pc:sldMk cId="3752827672" sldId="282"/>
+        </pc:sldMkLst>
+        <pc:spChg chg="mod">
+          <ac:chgData name="Kenneth Fairchild" userId="03832577-716b-4c0d-b669-d62905d419f0" providerId="ADAL" clId="{43934E5A-D09A-44C2-B2FE-C77E9FE3E2B6}" dt="2021-03-23T17:19:11.054" v="68" actId="20577"/>
+          <ac:spMkLst>
+            <pc:docMk/>
+            <pc:sldMk cId="3752827672" sldId="282"/>
+            <ac:spMk id="3" creationId="{41EF2E60-A8B2-4610-A13A-5ACFEFEAC1DC}"/>
+          </ac:spMkLst>
+        </pc:spChg>
+      </pc:sldChg>
+      <pc:sldChg chg="modSp mod">
+        <pc:chgData name="Kenneth Fairchild" userId="03832577-716b-4c0d-b669-d62905d419f0" providerId="ADAL" clId="{43934E5A-D09A-44C2-B2FE-C77E9FE3E2B6}" dt="2021-03-23T17:21:07.590" v="71" actId="20577"/>
+        <pc:sldMkLst>
+          <pc:docMk/>
+          <pc:sldMk cId="3816925926" sldId="287"/>
+        </pc:sldMkLst>
+        <pc:spChg chg="mod">
+          <ac:chgData name="Kenneth Fairchild" userId="03832577-716b-4c0d-b669-d62905d419f0" providerId="ADAL" clId="{43934E5A-D09A-44C2-B2FE-C77E9FE3E2B6}" dt="2021-03-23T17:21:07.590" v="71" actId="20577"/>
+          <ac:spMkLst>
+            <pc:docMk/>
+            <pc:sldMk cId="3816925926" sldId="287"/>
+            <ac:spMk id="3" creationId="{9EA3F4C7-38E0-4693-B522-347E30E7251B}"/>
+          </ac:spMkLst>
+        </pc:spChg>
+      </pc:sldChg>
+    </pc:docChg>
+  </pc:docChgLst>
+  <pc:docChgLst>
+    <pc:chgData name="Kenneth Fairchild" userId="03832577-716b-4c0d-b669-d62905d419f0" providerId="ADAL" clId="{F5E50849-1AE4-4774-BC2F-CD9704557AC1}"/>
+    <pc:docChg chg="custSel modSld">
+      <pc:chgData name="Kenneth Fairchild" userId="03832577-716b-4c0d-b669-d62905d419f0" providerId="ADAL" clId="{F5E50849-1AE4-4774-BC2F-CD9704557AC1}" dt="2021-04-20T13:04:22.340" v="67" actId="20577"/>
+      <pc:docMkLst>
+        <pc:docMk/>
+      </pc:docMkLst>
+      <pc:sldChg chg="modSp mod">
+        <pc:chgData name="Kenneth Fairchild" userId="03832577-716b-4c0d-b669-d62905d419f0" providerId="ADAL" clId="{F5E50849-1AE4-4774-BC2F-CD9704557AC1}" dt="2021-04-20T13:02:04.945" v="1" actId="20577"/>
+        <pc:sldMkLst>
+          <pc:docMk/>
+          <pc:sldMk cId="466958361" sldId="265"/>
+        </pc:sldMkLst>
+        <pc:spChg chg="mod">
+          <ac:chgData name="Kenneth Fairchild" userId="03832577-716b-4c0d-b669-d62905d419f0" providerId="ADAL" clId="{F5E50849-1AE4-4774-BC2F-CD9704557AC1}" dt="2021-04-20T13:02:04.945" v="1" actId="20577"/>
+          <ac:spMkLst>
+            <pc:docMk/>
+            <pc:sldMk cId="466958361" sldId="265"/>
+            <ac:spMk id="3" creationId="{F258C8E5-B6D1-44F3-AE25-32239BA9DA41}"/>
+          </ac:spMkLst>
+        </pc:spChg>
+      </pc:sldChg>
+      <pc:sldChg chg="modSp mod">
+        <pc:chgData name="Kenneth Fairchild" userId="03832577-716b-4c0d-b669-d62905d419f0" providerId="ADAL" clId="{F5E50849-1AE4-4774-BC2F-CD9704557AC1}" dt="2021-04-20T13:02:47.875" v="15" actId="20577"/>
+        <pc:sldMkLst>
+          <pc:docMk/>
+          <pc:sldMk cId="4129805339" sldId="272"/>
+        </pc:sldMkLst>
+        <pc:spChg chg="mod">
+          <ac:chgData name="Kenneth Fairchild" userId="03832577-716b-4c0d-b669-d62905d419f0" providerId="ADAL" clId="{F5E50849-1AE4-4774-BC2F-CD9704557AC1}" dt="2021-04-20T13:02:47.875" v="15" actId="20577"/>
+          <ac:spMkLst>
+            <pc:docMk/>
+            <pc:sldMk cId="4129805339" sldId="272"/>
+            <ac:spMk id="3" creationId="{F00EBF3E-E85D-429A-9FE7-B957B87DE669}"/>
+          </ac:spMkLst>
+        </pc:spChg>
+      </pc:sldChg>
+      <pc:sldChg chg="modSp mod">
+        <pc:chgData name="Kenneth Fairchild" userId="03832577-716b-4c0d-b669-d62905d419f0" providerId="ADAL" clId="{F5E50849-1AE4-4774-BC2F-CD9704557AC1}" dt="2021-04-20T13:04:01.545" v="51" actId="20577"/>
+        <pc:sldMkLst>
+          <pc:docMk/>
+          <pc:sldMk cId="442292445" sldId="285"/>
+        </pc:sldMkLst>
+        <pc:spChg chg="mod">
+          <ac:chgData name="Kenneth Fairchild" userId="03832577-716b-4c0d-b669-d62905d419f0" providerId="ADAL" clId="{F5E50849-1AE4-4774-BC2F-CD9704557AC1}" dt="2021-04-20T13:04:01.545" v="51" actId="20577"/>
+          <ac:spMkLst>
+            <pc:docMk/>
+            <pc:sldMk cId="442292445" sldId="285"/>
+            <ac:spMk id="3" creationId="{0AF12800-EBA8-45DE-A1F6-8880A94440E1}"/>
+          </ac:spMkLst>
+        </pc:spChg>
+      </pc:sldChg>
+      <pc:sldChg chg="modSp mod">
+        <pc:chgData name="Kenneth Fairchild" userId="03832577-716b-4c0d-b669-d62905d419f0" providerId="ADAL" clId="{F5E50849-1AE4-4774-BC2F-CD9704557AC1}" dt="2021-04-20T13:02:55.962" v="17" actId="20577"/>
+        <pc:sldMkLst>
+          <pc:docMk/>
+          <pc:sldMk cId="3816925926" sldId="287"/>
+        </pc:sldMkLst>
+        <pc:spChg chg="mod">
+          <ac:chgData name="Kenneth Fairchild" userId="03832577-716b-4c0d-b669-d62905d419f0" providerId="ADAL" clId="{F5E50849-1AE4-4774-BC2F-CD9704557AC1}" dt="2021-04-20T13:02:55.962" v="17" actId="20577"/>
+          <ac:spMkLst>
+            <pc:docMk/>
+            <pc:sldMk cId="3816925926" sldId="287"/>
+            <ac:spMk id="3" creationId="{9EA3F4C7-38E0-4693-B522-347E30E7251B}"/>
+          </ac:spMkLst>
+        </pc:spChg>
+      </pc:sldChg>
+      <pc:sldChg chg="modSp mod">
+        <pc:chgData name="Kenneth Fairchild" userId="03832577-716b-4c0d-b669-d62905d419f0" providerId="ADAL" clId="{F5E50849-1AE4-4774-BC2F-CD9704557AC1}" dt="2021-04-20T13:04:22.340" v="67" actId="20577"/>
+        <pc:sldMkLst>
+          <pc:docMk/>
+          <pc:sldMk cId="1819296999" sldId="288"/>
+        </pc:sldMkLst>
+        <pc:spChg chg="mod">
+          <ac:chgData name="Kenneth Fairchild" userId="03832577-716b-4c0d-b669-d62905d419f0" providerId="ADAL" clId="{F5E50849-1AE4-4774-BC2F-CD9704557AC1}" dt="2021-04-20T13:04:22.340" v="67" actId="20577"/>
+          <ac:spMkLst>
+            <pc:docMk/>
+            <pc:sldMk cId="1819296999" sldId="288"/>
+            <ac:spMk id="3" creationId="{C729C694-5E28-43EF-BFEF-305EC6DD5CEE}"/>
+          </ac:spMkLst>
+        </pc:spChg>
+      </pc:sldChg>
+    </pc:docChg>
+  </pc:docChgLst>
   <pc:docChgLst>
     <pc:chgData name="Kenneth Fairchild" userId="03832577-716b-4c0d-b669-d62905d419f0" providerId="ADAL" clId="{550A57E9-1EB2-449C-8461-CD426BA79F1E}"/>
     <pc:docChg chg="undo custSel modSld">
@@ -625,7 +786,7 @@
           <a:p>
             <a:fld id="{DE170032-BD20-48D6-A055-C0D06282CF84}" type="datetimeFigureOut">
               <a:rPr lang="en-US" smtClean="0"/>
-              <a:t>4/24/2020</a:t>
+              <a:t>4/20/2021</a:t>
             </a:fld>
             <a:endParaRPr lang="en-US"/>
           </a:p>
@@ -5877,7 +6038,7 @@
           <a:p>
             <a:r>
               <a:rPr lang="en-US" dirty="0"/>
-              <a:t>2019 SAWTOOTH SOFTWARE CONFERENCE	</a:t>
+              <a:t>2021 SAWTOOTH SOFTWARE CONFERENCE	</a:t>
             </a:r>
           </a:p>
         </p:txBody>
@@ -5997,7 +6158,7 @@
             </a:pPr>
             <a:r>
               <a:rPr lang="en-US" dirty="0"/>
-              <a:t>VLOOKUP – Find a value, return another value</a:t>
+              <a:t>VLOOKUP – Find a value, return another value (New XLOOKUP)</a:t>
             </a:r>
           </a:p>
           <a:p>
@@ -7728,10 +7889,6 @@
               <a:rPr lang="en-US" dirty="0"/>
               <a:t>Segmentation and Weighting – Review Averages</a:t>
             </a:r>
-            <a:br>
-              <a:rPr lang="en-US" dirty="0"/>
-            </a:br>
-            <a:endParaRPr lang="en-US" dirty="0"/>
           </a:p>
         </p:txBody>
       </p:sp>
@@ -8311,6 +8468,12 @@
               <a:t>For building our simulators, we can just treat segmentation as a matter of setting our weights equal to zero when the segment should be excluded.</a:t>
             </a:r>
           </a:p>
+          <a:p>
+            <a:r>
+              <a:rPr lang="en-US" dirty="0"/>
+              <a:t>i.e. filtering and setting weight to zero are equivalent </a:t>
+            </a:r>
+          </a:p>
         </p:txBody>
       </p:sp>
       <p:sp>
@@ -8910,7 +9073,12 @@
             <p:ph type="body" sz="quarter" idx="11"/>
           </p:nvPr>
         </p:nvSpPr>
-        <p:spPr/>
+        <p:spPr>
+          <a:xfrm>
+            <a:off x="1000125" y="1545454"/>
+            <a:ext cx="10101263" cy="5069864"/>
+          </a:xfrm>
+        </p:spPr>
         <p:txBody>
           <a:bodyPr>
             <a:normAutofit fontScale="70000" lnSpcReduction="20000"/>
@@ -8953,7 +9121,7 @@
             </a:pPr>
             <a:r>
               <a:rPr lang="en-US" dirty="0"/>
-              <a:t>Array Formulas</a:t>
+              <a:t>Array/Spill Formulas</a:t>
             </a:r>
           </a:p>
           <a:p>
@@ -8983,7 +9151,7 @@
             </a:pPr>
             <a:r>
               <a:rPr lang="en-US" dirty="0"/>
-              <a:t>Essential Calculations</a:t>
+              <a:t>Essential Simulator Calculations</a:t>
             </a:r>
           </a:p>
           <a:p>
@@ -9003,15 +9171,17 @@
             </a:pPr>
             <a:r>
               <a:rPr lang="en-US" dirty="0"/>
-              <a:t>Style </a:t>
-            </a:r>
-            <a:r>
-              <a:rPr lang="en-US" dirty="0" err="1"/>
-              <a:t>ConsiderationsPutting</a:t>
-            </a:r>
+              <a:t>Style Considerations</a:t>
+            </a:r>
+          </a:p>
+          <a:p>
+            <a:pPr marL="457200" indent="-457200">
+              <a:buFont typeface="Arial" panose="020B0604020202020204" pitchFamily="34" charset="0"/>
+              <a:buChar char="•"/>
+            </a:pPr>
             <a:r>
               <a:rPr lang="en-US" dirty="0"/>
-              <a:t> it all Together</a:t>
+              <a:t>Putting it all Together</a:t>
             </a:r>
           </a:p>
           <a:p>
@@ -9147,7 +9317,7 @@
             </a:pPr>
             <a:r>
               <a:rPr lang="en-US" dirty="0"/>
-              <a:t>Lighthouse - Most powerful</a:t>
+              <a:t>Lighthouse - Most powerful!</a:t>
             </a:r>
           </a:p>
           <a:p>
@@ -9179,13 +9349,6 @@
               <a:rPr lang="en-US" dirty="0"/>
               <a:t>Custom Excel Simulator – Fully customizable, easy to give to clients</a:t>
             </a:r>
-          </a:p>
-          <a:p>
-            <a:pPr marL="457200" indent="-457200">
-              <a:buFont typeface="Arial" panose="020B0604020202020204" pitchFamily="34" charset="0"/>
-              <a:buChar char="•"/>
-            </a:pPr>
-            <a:endParaRPr lang="en-US" dirty="0"/>
           </a:p>
         </p:txBody>
       </p:sp>
@@ -9860,7 +10023,7 @@
             </a:r>
             <a:r>
               <a:rPr lang="en-US" dirty="0"/>
-              <a:t>’ (CSE) instead of ‘Enter’.</a:t>
+              <a:t>’ (CSE) instead of ‘Enter’. (Or don’t will spill formulas)</a:t>
             </a:r>
           </a:p>
           <a:p>
